--- a/TeamWebProjectManagement/Praesentation/ProgrammierprojektSS2016.pptx
+++ b/TeamWebProjectManagement/Praesentation/ProgrammierprojektSS2016.pptx
@@ -24,12 +24,16 @@
     <p:sldId id="274" r:id="rId18"/>
     <p:sldId id="277" r:id="rId19"/>
     <p:sldId id="278" r:id="rId20"/>
-    <p:sldId id="276" r:id="rId21"/>
-    <p:sldId id="266" r:id="rId22"/>
-    <p:sldId id="267" r:id="rId23"/>
-    <p:sldId id="268" r:id="rId24"/>
-    <p:sldId id="269" r:id="rId25"/>
-    <p:sldId id="270" r:id="rId26"/>
+    <p:sldId id="280" r:id="rId21"/>
+    <p:sldId id="279" r:id="rId22"/>
+    <p:sldId id="281" r:id="rId23"/>
+    <p:sldId id="276" r:id="rId24"/>
+    <p:sldId id="282" r:id="rId25"/>
+    <p:sldId id="266" r:id="rId26"/>
+    <p:sldId id="267" r:id="rId27"/>
+    <p:sldId id="268" r:id="rId28"/>
+    <p:sldId id="269" r:id="rId29"/>
+    <p:sldId id="270" r:id="rId30"/>
   </p:sldIdLst>
   <p:sldSz cx="9144000" cy="6858000" type="screen4x3"/>
   <p:notesSz cx="7559675" cy="10691813"/>
@@ -6725,7 +6729,7 @@
         </p:blipFill>
         <p:spPr>
           <a:xfrm>
-            <a:off x="3709440" y="2496240"/>
+            <a:off x="3707904" y="2780928"/>
             <a:ext cx="5072400" cy="3394800"/>
           </a:xfrm>
           <a:prstGeom prst="rect">
@@ -6837,7 +6841,7 @@
               <a:buChar char=""/>
             </a:pPr>
             <a:r>
-              <a:rPr lang="de-DE" sz="2000" b="0" strike="noStrike" spc="-1" dirty="0">
+              <a:rPr lang="de-DE" sz="2000" b="0" strike="noStrike" spc="-1" dirty="0" smtClean="0">
                 <a:solidFill>
                   <a:srgbClr val="333333"/>
                 </a:solidFill>
@@ -6848,7 +6852,7 @@
                 </a:uFill>
                 <a:latin typeface="Arial"/>
               </a:rPr>
-              <a:t>A</a:t>
+              <a:t>Datenbankabfrage</a:t>
             </a:r>
             <a:endParaRPr lang="de-DE" sz="1800" b="0" strike="noStrike" spc="-1" dirty="0">
               <a:solidFill>
@@ -6874,7 +6878,7 @@
               <a:buChar char=""/>
             </a:pPr>
             <a:r>
-              <a:rPr lang="de-DE" sz="2000" b="0" strike="noStrike" spc="-1" dirty="0">
+              <a:rPr lang="de-DE" sz="2000" spc="-1" dirty="0" smtClean="0">
                 <a:solidFill>
                   <a:srgbClr val="333333"/>
                 </a:solidFill>
@@ -6885,7 +6889,7 @@
                 </a:uFill>
                 <a:latin typeface="Arial"/>
               </a:rPr>
-              <a:t>B</a:t>
+              <a:t>Darstellung vieler Graphen</a:t>
             </a:r>
             <a:endParaRPr lang="de-DE" sz="1800" b="0" strike="noStrike" spc="-1" dirty="0">
               <a:solidFill>
@@ -6911,7 +6915,7 @@
               <a:buChar char=""/>
             </a:pPr>
             <a:r>
-              <a:rPr lang="de-DE" sz="2000" b="0" strike="noStrike" spc="-1" dirty="0">
+              <a:rPr lang="de-DE" sz="2000" spc="-1" dirty="0" smtClean="0">
                 <a:solidFill>
                   <a:srgbClr val="333333"/>
                 </a:solidFill>
@@ -6922,7 +6926,7 @@
                 </a:uFill>
                 <a:latin typeface="Arial"/>
               </a:rPr>
-              <a:t>C</a:t>
+              <a:t>Analyse der Daten</a:t>
             </a:r>
             <a:endParaRPr lang="de-DE" sz="1800" b="0" strike="noStrike" spc="-1" dirty="0">
               <a:solidFill>
@@ -8918,7 +8922,7 @@
       </p:sp>
       <p:pic>
         <p:nvPicPr>
-          <p:cNvPr id="4" name="vid1.mp4">
+          <p:cNvPr id="5" name="v1.mp4">
             <a:hlinkClick r:id="" action="ppaction://media"/>
           </p:cNvPr>
           <p:cNvPicPr>
@@ -8937,7 +8941,7 @@
         <p:spPr>
           <a:xfrm>
             <a:off x="971600" y="908720"/>
-            <a:ext cx="7200800" cy="5400600"/>
+            <a:ext cx="7128792" cy="5346594"/>
           </a:xfrm>
           <a:prstGeom prst="rect">
             <a:avLst/>
@@ -8954,8 +8958,1826 @@
       <p:par>
         <p:cTn id="1" dur="indefinite" restart="never" nodeType="tmRoot">
           <p:childTnLst>
+            <p:seq concurrent="1" nextAc="seek">
+              <p:cTn id="2" dur="indefinite" nodeType="mainSeq">
+                <p:childTnLst>
+                  <p:par>
+                    <p:cTn id="3" fill="hold">
+                      <p:stCondLst>
+                        <p:cond delay="indefinite"/>
+                        <p:cond evt="onBegin" delay="0">
+                          <p:tn val="2"/>
+                        </p:cond>
+                      </p:stCondLst>
+                      <p:childTnLst>
+                        <p:par>
+                          <p:cTn id="4" fill="hold">
+                            <p:stCondLst>
+                              <p:cond delay="0"/>
+                            </p:stCondLst>
+                            <p:childTnLst>
+                              <p:par>
+                                <p:cTn id="5" presetID="1" presetClass="mediacall" presetSubtype="0" fill="hold" nodeType="afterEffect">
+                                  <p:stCondLst>
+                                    <p:cond delay="0"/>
+                                  </p:stCondLst>
+                                  <p:childTnLst>
+                                    <p:cmd type="call" cmd="playFrom(0.0)">
+                                      <p:cBhvr>
+                                        <p:cTn id="6" dur="1" fill="hold"/>
+                                        <p:tgtEl>
+                                          <p:spTgt spid="5"/>
+                                        </p:tgtEl>
+                                      </p:cBhvr>
+                                    </p:cmd>
+                                  </p:childTnLst>
+                                </p:cTn>
+                              </p:par>
+                            </p:childTnLst>
+                          </p:cTn>
+                        </p:par>
+                      </p:childTnLst>
+                    </p:cTn>
+                  </p:par>
+                </p:childTnLst>
+              </p:cTn>
+              <p:prevCondLst>
+                <p:cond evt="onPrev" delay="0">
+                  <p:tgtEl>
+                    <p:sldTgt/>
+                  </p:tgtEl>
+                </p:cond>
+              </p:prevCondLst>
+              <p:nextCondLst>
+                <p:cond evt="onNext" delay="0">
+                  <p:tgtEl>
+                    <p:sldTgt/>
+                  </p:tgtEl>
+                </p:cond>
+              </p:nextCondLst>
+            </p:seq>
+            <p:video>
+              <p:cMediaNode>
+                <p:cTn id="7" fill="hold" display="0">
+                  <p:stCondLst>
+                    <p:cond delay="indefinite"/>
+                  </p:stCondLst>
+                  <p:endCondLst>
+                    <p:cond evt="onNext" delay="0">
+                      <p:tgtEl>
+                        <p:sldTgt/>
+                      </p:tgtEl>
+                    </p:cond>
+                    <p:cond evt="onPrev" delay="0">
+                      <p:tgtEl>
+                        <p:sldTgt/>
+                      </p:tgtEl>
+                    </p:cond>
+                  </p:endCondLst>
+                </p:cTn>
+                <p:tgtEl>
+                  <p:spTgt spid="5"/>
+                </p:tgtEl>
+              </p:cMediaNode>
+            </p:video>
+            <p:seq concurrent="1" nextAc="seek">
+              <p:cTn id="8" restart="whenNotActive" fill="hold" evtFilter="cancelBubble" nodeType="interactiveSeq">
+                <p:stCondLst>
+                  <p:cond evt="onClick" delay="0">
+                    <p:tgtEl>
+                      <p:spTgt spid="5"/>
+                    </p:tgtEl>
+                  </p:cond>
+                </p:stCondLst>
+                <p:endSync evt="end" delay="0">
+                  <p:rtn val="all"/>
+                </p:endSync>
+                <p:childTnLst>
+                  <p:par>
+                    <p:cTn id="9" fill="hold">
+                      <p:stCondLst>
+                        <p:cond delay="0"/>
+                      </p:stCondLst>
+                      <p:childTnLst>
+                        <p:par>
+                          <p:cTn id="10" fill="hold">
+                            <p:stCondLst>
+                              <p:cond delay="0"/>
+                            </p:stCondLst>
+                            <p:childTnLst>
+                              <p:par>
+                                <p:cTn id="11" presetID="2" presetClass="mediacall" presetSubtype="0" fill="hold" nodeType="clickEffect">
+                                  <p:stCondLst>
+                                    <p:cond delay="0"/>
+                                  </p:stCondLst>
+                                  <p:childTnLst>
+                                    <p:cmd type="call" cmd="togglePause">
+                                      <p:cBhvr>
+                                        <p:cTn id="12" dur="1" fill="hold"/>
+                                        <p:tgtEl>
+                                          <p:spTgt spid="5"/>
+                                        </p:tgtEl>
+                                      </p:cBhvr>
+                                    </p:cmd>
+                                  </p:childTnLst>
+                                </p:cTn>
+                              </p:par>
+                            </p:childTnLst>
+                          </p:cTn>
+                        </p:par>
+                      </p:childTnLst>
+                    </p:cTn>
+                  </p:par>
+                </p:childTnLst>
+              </p:cTn>
+              <p:nextCondLst>
+                <p:cond evt="onClick" delay="0">
+                  <p:tgtEl>
+                    <p:spTgt spid="5"/>
+                  </p:tgtEl>
+                </p:cond>
+              </p:nextCondLst>
+            </p:seq>
+          </p:childTnLst>
+        </p:cTn>
+      </p:par>
+    </p:tnLst>
+  </p:timing>
+</p:sld>
+</file>
+
+<file path=ppt/slides/slide17.xml><?xml version="1.0" encoding="utf-8"?>
+<p:sld xmlns:a="http://schemas.openxmlformats.org/drawingml/2006/main" xmlns:r="http://schemas.openxmlformats.org/officeDocument/2006/relationships" xmlns:p="http://schemas.openxmlformats.org/presentationml/2006/main">
+  <p:cSld>
+    <p:spTree>
+      <p:nvGrpSpPr>
+        <p:cNvPr id="1" name=""/>
+        <p:cNvGrpSpPr/>
+        <p:nvPr/>
+      </p:nvGrpSpPr>
+      <p:grpSpPr>
+        <a:xfrm>
+          <a:off x="0" y="0"/>
+          <a:ext cx="0" cy="0"/>
+          <a:chOff x="0" y="0"/>
+          <a:chExt cx="0" cy="0"/>
+        </a:xfrm>
+      </p:grpSpPr>
+      <p:sp>
+        <p:nvSpPr>
+          <p:cNvPr id="174" name="CustomShape 1"/>
+          <p:cNvSpPr/>
+          <p:nvPr/>
+        </p:nvSpPr>
+        <p:spPr>
+          <a:xfrm>
+            <a:off x="719280" y="1288080"/>
+            <a:ext cx="7700400" cy="368640"/>
+          </a:xfrm>
+          <a:prstGeom prst="rect">
+            <a:avLst/>
+          </a:prstGeom>
+          <a:noFill/>
+          <a:ln>
+            <a:noFill/>
+          </a:ln>
+        </p:spPr>
+        <p:style>
+          <a:lnRef idx="0">
+            <a:scrgbClr r="0" g="0" b="0"/>
+          </a:lnRef>
+          <a:fillRef idx="0">
+            <a:scrgbClr r="0" g="0" b="0"/>
+          </a:fillRef>
+          <a:effectRef idx="0">
+            <a:scrgbClr r="0" g="0" b="0"/>
+          </a:effectRef>
+          <a:fontRef idx="minor"/>
+        </p:style>
+        <p:txBody>
+          <a:bodyPr lIns="0" tIns="0" rIns="0" bIns="0" anchor="b"/>
+          <a:lstStyle/>
+          <a:p>
+            <a:pPr>
+              <a:lnSpc>
+                <a:spcPct val="100000"/>
+              </a:lnSpc>
+            </a:pPr>
+            <a:r>
+              <a:rPr lang="de-DE" sz="2400" b="1" strike="noStrike" spc="-1">
+                <a:solidFill>
+                  <a:srgbClr val="2D2015"/>
+                </a:solidFill>
+                <a:uFill>
+                  <a:solidFill>
+                    <a:srgbClr val="FFFFFF"/>
+                  </a:solidFill>
+                </a:uFill>
+                <a:latin typeface="Arial"/>
+              </a:rPr>
+              <a:t>GUI</a:t>
+            </a:r>
+            <a:endParaRPr lang="de-DE" sz="1800" b="0" strike="noStrike" spc="-1">
+              <a:solidFill>
+                <a:srgbClr val="000000"/>
+              </a:solidFill>
+              <a:uFill>
+                <a:solidFill>
+                  <a:srgbClr val="FFFFFF"/>
+                </a:solidFill>
+              </a:uFill>
+              <a:latin typeface="Arial"/>
+            </a:endParaRPr>
+          </a:p>
+        </p:txBody>
+      </p:sp>
+      <p:sp>
+        <p:nvSpPr>
+          <p:cNvPr id="177" name="CustomShape 2"/>
+          <p:cNvSpPr/>
+          <p:nvPr/>
+        </p:nvSpPr>
+        <p:spPr>
+          <a:xfrm>
+            <a:off x="719280" y="1773360"/>
+            <a:ext cx="7705080" cy="4352040"/>
+          </a:xfrm>
+          <a:prstGeom prst="rect">
+            <a:avLst/>
+          </a:prstGeom>
+          <a:noFill/>
+          <a:ln>
+            <a:noFill/>
+          </a:ln>
+        </p:spPr>
+        <p:style>
+          <a:lnRef idx="0">
+            <a:scrgbClr r="0" g="0" b="0"/>
+          </a:lnRef>
+          <a:fillRef idx="0">
+            <a:scrgbClr r="0" g="0" b="0"/>
+          </a:fillRef>
+          <a:effectRef idx="0">
+            <a:scrgbClr r="0" g="0" b="0"/>
+          </a:effectRef>
+          <a:fontRef idx="minor"/>
+        </p:style>
+        <p:txBody>
+          <a:bodyPr lIns="0" tIns="0" rIns="0" bIns="0"/>
+          <a:lstStyle/>
+          <a:p>
+            <a:pPr>
+              <a:lnSpc>
+                <a:spcPct val="100000"/>
+              </a:lnSpc>
+            </a:pPr>
+            <a:r>
+              <a:rPr lang="de-DE" sz="2000" b="0" strike="noStrike" spc="-1" dirty="0" smtClean="0">
+                <a:solidFill>
+                  <a:srgbClr val="333333"/>
+                </a:solidFill>
+                <a:uFill>
+                  <a:solidFill>
+                    <a:srgbClr val="FFFFFF"/>
+                  </a:solidFill>
+                </a:uFill>
+                <a:latin typeface="Arial"/>
+              </a:rPr>
+              <a:t>Aufgaben:</a:t>
+            </a:r>
+            <a:endParaRPr lang="de-DE" sz="1800" b="0" strike="noStrike" spc="-1" dirty="0">
+              <a:solidFill>
+                <a:srgbClr val="000000"/>
+              </a:solidFill>
+              <a:uFill>
+                <a:solidFill>
+                  <a:srgbClr val="FFFFFF"/>
+                </a:solidFill>
+              </a:uFill>
+              <a:latin typeface="Arial"/>
+            </a:endParaRPr>
+          </a:p>
+          <a:p>
+            <a:pPr marL="181080" indent="-180360">
+              <a:lnSpc>
+                <a:spcPct val="100000"/>
+              </a:lnSpc>
+              <a:buClr>
+                <a:srgbClr val="333333"/>
+              </a:buClr>
+            </a:pPr>
+            <a:r>
+              <a:rPr lang="de-DE" sz="2000" spc="-1" dirty="0" smtClean="0">
+                <a:solidFill>
+                  <a:srgbClr val="333333"/>
+                </a:solidFill>
+                <a:uFill>
+                  <a:solidFill>
+                    <a:srgbClr val="FFFFFF"/>
+                  </a:solidFill>
+                </a:uFill>
+                <a:latin typeface="Arial"/>
+              </a:rPr>
+              <a:t>3. Datenbankabfrage und </a:t>
+            </a:r>
+            <a:r>
+              <a:rPr lang="de-DE" sz="2000" spc="-1" dirty="0" smtClean="0">
+                <a:solidFill>
+                  <a:srgbClr val="333333"/>
+                </a:solidFill>
+                <a:uFill>
+                  <a:solidFill>
+                    <a:srgbClr val="FFFFFF"/>
+                  </a:solidFill>
+                </a:uFill>
+                <a:latin typeface="Arial"/>
+              </a:rPr>
+              <a:t>Live-Darstellung</a:t>
+            </a:r>
+          </a:p>
+          <a:p>
+            <a:pPr marL="181080" indent="-180360">
+              <a:lnSpc>
+                <a:spcPct val="100000"/>
+              </a:lnSpc>
+              <a:buClr>
+                <a:srgbClr val="333333"/>
+              </a:buClr>
+            </a:pPr>
+            <a:endParaRPr lang="de-DE" sz="2000" spc="-1" dirty="0" smtClean="0">
+              <a:solidFill>
+                <a:srgbClr val="333333"/>
+              </a:solidFill>
+              <a:uFill>
+                <a:solidFill>
+                  <a:srgbClr val="FFFFFF"/>
+                </a:solidFill>
+              </a:uFill>
+              <a:latin typeface="Arial"/>
+            </a:endParaRPr>
+          </a:p>
+          <a:p>
+            <a:pPr marL="181080" indent="-180360">
+              <a:lnSpc>
+                <a:spcPct val="100000"/>
+              </a:lnSpc>
+              <a:buClr>
+                <a:srgbClr val="333333"/>
+              </a:buClr>
+            </a:pPr>
+            <a:r>
+              <a:rPr lang="de-DE" sz="2000" spc="-1" dirty="0" smtClean="0">
+                <a:solidFill>
+                  <a:srgbClr val="333333"/>
+                </a:solidFill>
+                <a:uFill>
+                  <a:solidFill>
+                    <a:srgbClr val="FFFFFF"/>
+                  </a:solidFill>
+                </a:uFill>
+                <a:latin typeface="Arial"/>
+              </a:rPr>
+              <a:t>Probleme</a:t>
+            </a:r>
+          </a:p>
+          <a:p>
+            <a:pPr marL="181080" indent="-180360">
+              <a:lnSpc>
+                <a:spcPct val="100000"/>
+              </a:lnSpc>
+              <a:buClr>
+                <a:srgbClr val="333333"/>
+              </a:buClr>
+              <a:buFont typeface="Arial" pitchFamily="34" charset="0"/>
+              <a:buChar char="•"/>
+            </a:pPr>
+            <a:r>
+              <a:rPr lang="de-DE" sz="2000" spc="-1" dirty="0" smtClean="0">
+                <a:solidFill>
+                  <a:srgbClr val="333333"/>
+                </a:solidFill>
+                <a:uFill>
+                  <a:solidFill>
+                    <a:srgbClr val="FFFFFF"/>
+                  </a:solidFill>
+                </a:uFill>
+                <a:latin typeface="Arial"/>
+              </a:rPr>
+              <a:t>20ms Verzögerung zwischen jedem Datensatz</a:t>
+            </a:r>
+          </a:p>
+          <a:p>
+            <a:pPr marL="638280" lvl="1" indent="-180360">
+              <a:buClr>
+                <a:srgbClr val="333333"/>
+              </a:buClr>
+              <a:buFont typeface="Arial" pitchFamily="34" charset="0"/>
+              <a:buChar char="•"/>
+            </a:pPr>
+            <a:r>
+              <a:rPr lang="de-DE" sz="2000" spc="-1" dirty="0" smtClean="0">
+                <a:solidFill>
+                  <a:srgbClr val="333333"/>
+                </a:solidFill>
+                <a:uFill>
+                  <a:solidFill>
+                    <a:srgbClr val="FFFFFF"/>
+                  </a:solidFill>
+                </a:uFill>
+                <a:latin typeface="Arial"/>
+              </a:rPr>
+              <a:t>Tatsächliche Verzögerung schwankt, ca. 100ms</a:t>
+            </a:r>
+            <a:endParaRPr lang="de-DE" sz="2000" spc="-1" dirty="0" smtClean="0">
+              <a:solidFill>
+                <a:srgbClr val="333333"/>
+              </a:solidFill>
+              <a:uFill>
+                <a:solidFill>
+                  <a:srgbClr val="FFFFFF"/>
+                </a:solidFill>
+              </a:uFill>
+              <a:latin typeface="Arial"/>
+            </a:endParaRPr>
+          </a:p>
+          <a:p>
+            <a:pPr marL="181080" indent="-180360">
+              <a:lnSpc>
+                <a:spcPct val="100000"/>
+              </a:lnSpc>
+              <a:buClr>
+                <a:srgbClr val="333333"/>
+              </a:buClr>
+              <a:buFont typeface="Arial" pitchFamily="34" charset="0"/>
+              <a:buChar char="•"/>
+            </a:pPr>
+            <a:r>
+              <a:rPr lang="de-DE" sz="2000" spc="-1" dirty="0" smtClean="0">
+                <a:solidFill>
+                  <a:srgbClr val="333333"/>
+                </a:solidFill>
+                <a:uFill>
+                  <a:solidFill>
+                    <a:srgbClr val="FFFFFF"/>
+                  </a:solidFill>
+                </a:uFill>
+                <a:latin typeface="Arial"/>
+              </a:rPr>
+              <a:t>Datenabfrage an SQL </a:t>
+            </a:r>
+            <a:r>
+              <a:rPr lang="de-DE" sz="2000" spc="-1" dirty="0" err="1" smtClean="0">
+                <a:solidFill>
+                  <a:srgbClr val="333333"/>
+                </a:solidFill>
+                <a:uFill>
+                  <a:solidFill>
+                    <a:srgbClr val="FFFFFF"/>
+                  </a:solidFill>
+                </a:uFill>
+                <a:latin typeface="Arial"/>
+              </a:rPr>
+              <a:t>limit</a:t>
+            </a:r>
+            <a:r>
+              <a:rPr lang="de-DE" sz="2000" spc="-1" dirty="0" smtClean="0">
+                <a:solidFill>
+                  <a:srgbClr val="333333"/>
+                </a:solidFill>
+                <a:uFill>
+                  <a:solidFill>
+                    <a:srgbClr val="FFFFFF"/>
+                  </a:solidFill>
+                </a:uFill>
+                <a:latin typeface="Arial"/>
+              </a:rPr>
+              <a:t> geknüpft</a:t>
+            </a:r>
+          </a:p>
+          <a:p>
+            <a:pPr marL="638280" lvl="1" indent="-180360">
+              <a:buClr>
+                <a:srgbClr val="333333"/>
+              </a:buClr>
+              <a:buFont typeface="Arial" pitchFamily="34" charset="0"/>
+              <a:buChar char="•"/>
+            </a:pPr>
+            <a:r>
+              <a:rPr lang="de-DE" sz="2000" spc="-1" dirty="0" smtClean="0">
+                <a:solidFill>
+                  <a:srgbClr val="333333"/>
+                </a:solidFill>
+                <a:uFill>
+                  <a:solidFill>
+                    <a:srgbClr val="FFFFFF"/>
+                  </a:solidFill>
+                </a:uFill>
+                <a:latin typeface="Arial"/>
+              </a:rPr>
+              <a:t>SELECT * FROM </a:t>
+            </a:r>
+            <a:r>
+              <a:rPr lang="de-DE" sz="2000" spc="-1" dirty="0" err="1" smtClean="0">
+                <a:solidFill>
+                  <a:srgbClr val="333333"/>
+                </a:solidFill>
+                <a:uFill>
+                  <a:solidFill>
+                    <a:srgbClr val="FFFFFF"/>
+                  </a:solidFill>
+                </a:uFill>
+                <a:latin typeface="Arial"/>
+              </a:rPr>
+              <a:t>table</a:t>
+            </a:r>
+            <a:r>
+              <a:rPr lang="de-DE" sz="2000" spc="-1" dirty="0" smtClean="0">
+                <a:solidFill>
+                  <a:srgbClr val="333333"/>
+                </a:solidFill>
+                <a:uFill>
+                  <a:solidFill>
+                    <a:srgbClr val="FFFFFF"/>
+                  </a:solidFill>
+                </a:uFill>
+                <a:latin typeface="Arial"/>
+              </a:rPr>
+              <a:t> … </a:t>
+            </a:r>
+            <a:r>
+              <a:rPr lang="de-DE" sz="2000" spc="-1" dirty="0" err="1" smtClean="0">
+                <a:solidFill>
+                  <a:srgbClr val="333333"/>
+                </a:solidFill>
+                <a:uFill>
+                  <a:solidFill>
+                    <a:srgbClr val="FFFFFF"/>
+                  </a:solidFill>
+                </a:uFill>
+                <a:latin typeface="Arial"/>
+              </a:rPr>
+              <a:t>limit</a:t>
+            </a:r>
+            <a:r>
+              <a:rPr lang="de-DE" sz="2000" spc="-1" dirty="0" smtClean="0">
+                <a:solidFill>
+                  <a:srgbClr val="333333"/>
+                </a:solidFill>
+                <a:uFill>
+                  <a:solidFill>
+                    <a:srgbClr val="FFFFFF"/>
+                  </a:solidFill>
+                </a:uFill>
+                <a:latin typeface="Arial"/>
+              </a:rPr>
+              <a:t> 150</a:t>
+            </a:r>
+          </a:p>
+          <a:p>
+            <a:pPr marL="638280" lvl="1" indent="-180360">
+              <a:buClr>
+                <a:srgbClr val="333333"/>
+              </a:buClr>
+              <a:buFont typeface="Arial" pitchFamily="34" charset="0"/>
+              <a:buChar char="•"/>
+            </a:pPr>
+            <a:r>
+              <a:rPr lang="de-DE" sz="2000" spc="-1" dirty="0" smtClean="0">
+                <a:solidFill>
+                  <a:srgbClr val="333333"/>
+                </a:solidFill>
+                <a:uFill>
+                  <a:solidFill>
+                    <a:srgbClr val="FFFFFF"/>
+                  </a:solidFill>
+                </a:uFill>
+                <a:latin typeface="Arial"/>
+              </a:rPr>
+              <a:t>Abfrage bei </a:t>
+            </a:r>
+            <a:r>
+              <a:rPr lang="de-DE" sz="2000" spc="-1" dirty="0" err="1" smtClean="0">
+                <a:solidFill>
+                  <a:srgbClr val="333333"/>
+                </a:solidFill>
+                <a:uFill>
+                  <a:solidFill>
+                    <a:srgbClr val="FFFFFF"/>
+                  </a:solidFill>
+                </a:uFill>
+                <a:latin typeface="Arial"/>
+              </a:rPr>
+              <a:t>limit</a:t>
+            </a:r>
+            <a:r>
+              <a:rPr lang="de-DE" sz="2000" spc="-1" dirty="0" smtClean="0">
+                <a:solidFill>
+                  <a:srgbClr val="333333"/>
+                </a:solidFill>
+                <a:uFill>
+                  <a:solidFill>
+                    <a:srgbClr val="FFFFFF"/>
+                  </a:solidFill>
+                </a:uFill>
+                <a:latin typeface="Arial"/>
+              </a:rPr>
+              <a:t>/2</a:t>
+            </a:r>
+          </a:p>
+          <a:p>
+            <a:pPr marL="638280" lvl="1" indent="-180360">
+              <a:buClr>
+                <a:srgbClr val="333333"/>
+              </a:buClr>
+              <a:buFont typeface="Arial" pitchFamily="34" charset="0"/>
+              <a:buChar char="•"/>
+            </a:pPr>
+            <a:r>
+              <a:rPr lang="de-DE" sz="2000" spc="-1" dirty="0" smtClean="0">
+                <a:solidFill>
+                  <a:srgbClr val="333333"/>
+                </a:solidFill>
+                <a:uFill>
+                  <a:solidFill>
+                    <a:srgbClr val="FFFFFF"/>
+                  </a:solidFill>
+                </a:uFill>
+                <a:latin typeface="Arial"/>
+              </a:rPr>
+              <a:t>Abfrage nur ca. alle 10s</a:t>
+            </a:r>
+            <a:endParaRPr lang="de-DE" sz="2000" spc="-1" dirty="0" smtClean="0">
+              <a:solidFill>
+                <a:srgbClr val="333333"/>
+              </a:solidFill>
+              <a:uFill>
+                <a:solidFill>
+                  <a:srgbClr val="FFFFFF"/>
+                </a:solidFill>
+              </a:uFill>
+              <a:latin typeface="Arial"/>
+            </a:endParaRPr>
+          </a:p>
+        </p:txBody>
+      </p:sp>
+    </p:spTree>
+  </p:cSld>
+  <p:clrMapOvr>
+    <a:masterClrMapping/>
+  </p:clrMapOvr>
+  <p:timing>
+    <p:tnLst>
+      <p:par>
+        <p:cTn id="1" dur="indefinite" restart="never" nodeType="tmRoot">
+          <p:childTnLst>
             <p:seq>
-              <p:cTn id="2" nodeType="mainSeq">
+              <p:cTn id="2" nodeType="mainSeq"/>
+              <p:prevCondLst>
+                <p:cond evt="onPrev" delay="0">
+                  <p:tgtEl>
+                    <p:sldTgt/>
+                  </p:tgtEl>
+                </p:cond>
+              </p:prevCondLst>
+              <p:nextCondLst>
+                <p:cond evt="onNext" delay="0">
+                  <p:tgtEl>
+                    <p:sldTgt/>
+                  </p:tgtEl>
+                </p:cond>
+              </p:nextCondLst>
+            </p:seq>
+          </p:childTnLst>
+        </p:cTn>
+      </p:par>
+    </p:tnLst>
+  </p:timing>
+</p:sld>
+</file>
+
+<file path=ppt/slides/slide18.xml><?xml version="1.0" encoding="utf-8"?>
+<p:sld xmlns:a="http://schemas.openxmlformats.org/drawingml/2006/main" xmlns:r="http://schemas.openxmlformats.org/officeDocument/2006/relationships" xmlns:p="http://schemas.openxmlformats.org/presentationml/2006/main">
+  <p:cSld>
+    <p:spTree>
+      <p:nvGrpSpPr>
+        <p:cNvPr id="1" name=""/>
+        <p:cNvGrpSpPr/>
+        <p:nvPr/>
+      </p:nvGrpSpPr>
+      <p:grpSpPr>
+        <a:xfrm>
+          <a:off x="0" y="0"/>
+          <a:ext cx="0" cy="0"/>
+          <a:chOff x="0" y="0"/>
+          <a:chExt cx="0" cy="0"/>
+        </a:xfrm>
+      </p:grpSpPr>
+      <p:sp>
+        <p:nvSpPr>
+          <p:cNvPr id="174" name="CustomShape 1"/>
+          <p:cNvSpPr/>
+          <p:nvPr/>
+        </p:nvSpPr>
+        <p:spPr>
+          <a:xfrm>
+            <a:off x="719280" y="1288080"/>
+            <a:ext cx="7700400" cy="368640"/>
+          </a:xfrm>
+          <a:prstGeom prst="rect">
+            <a:avLst/>
+          </a:prstGeom>
+          <a:noFill/>
+          <a:ln>
+            <a:noFill/>
+          </a:ln>
+        </p:spPr>
+        <p:style>
+          <a:lnRef idx="0">
+            <a:scrgbClr r="0" g="0" b="0"/>
+          </a:lnRef>
+          <a:fillRef idx="0">
+            <a:scrgbClr r="0" g="0" b="0"/>
+          </a:fillRef>
+          <a:effectRef idx="0">
+            <a:scrgbClr r="0" g="0" b="0"/>
+          </a:effectRef>
+          <a:fontRef idx="minor"/>
+        </p:style>
+        <p:txBody>
+          <a:bodyPr lIns="0" tIns="0" rIns="0" bIns="0" anchor="b"/>
+          <a:lstStyle/>
+          <a:p>
+            <a:pPr>
+              <a:lnSpc>
+                <a:spcPct val="100000"/>
+              </a:lnSpc>
+            </a:pPr>
+            <a:r>
+              <a:rPr lang="de-DE" sz="2400" b="1" strike="noStrike" spc="-1">
+                <a:solidFill>
+                  <a:srgbClr val="2D2015"/>
+                </a:solidFill>
+                <a:uFill>
+                  <a:solidFill>
+                    <a:srgbClr val="FFFFFF"/>
+                  </a:solidFill>
+                </a:uFill>
+                <a:latin typeface="Arial"/>
+              </a:rPr>
+              <a:t>GUI</a:t>
+            </a:r>
+            <a:endParaRPr lang="de-DE" sz="1800" b="0" strike="noStrike" spc="-1">
+              <a:solidFill>
+                <a:srgbClr val="000000"/>
+              </a:solidFill>
+              <a:uFill>
+                <a:solidFill>
+                  <a:srgbClr val="FFFFFF"/>
+                </a:solidFill>
+              </a:uFill>
+              <a:latin typeface="Arial"/>
+            </a:endParaRPr>
+          </a:p>
+        </p:txBody>
+      </p:sp>
+      <p:sp>
+        <p:nvSpPr>
+          <p:cNvPr id="177" name="CustomShape 2"/>
+          <p:cNvSpPr/>
+          <p:nvPr/>
+        </p:nvSpPr>
+        <p:spPr>
+          <a:xfrm>
+            <a:off x="719280" y="1773360"/>
+            <a:ext cx="7705080" cy="4352040"/>
+          </a:xfrm>
+          <a:prstGeom prst="rect">
+            <a:avLst/>
+          </a:prstGeom>
+          <a:noFill/>
+          <a:ln>
+            <a:noFill/>
+          </a:ln>
+        </p:spPr>
+        <p:style>
+          <a:lnRef idx="0">
+            <a:scrgbClr r="0" g="0" b="0"/>
+          </a:lnRef>
+          <a:fillRef idx="0">
+            <a:scrgbClr r="0" g="0" b="0"/>
+          </a:fillRef>
+          <a:effectRef idx="0">
+            <a:scrgbClr r="0" g="0" b="0"/>
+          </a:effectRef>
+          <a:fontRef idx="minor"/>
+        </p:style>
+        <p:txBody>
+          <a:bodyPr lIns="0" tIns="0" rIns="0" bIns="0"/>
+          <a:lstStyle/>
+          <a:p>
+            <a:pPr>
+              <a:lnSpc>
+                <a:spcPct val="100000"/>
+              </a:lnSpc>
+            </a:pPr>
+            <a:r>
+              <a:rPr lang="de-DE" sz="2000" b="0" strike="noStrike" spc="-1" dirty="0" smtClean="0">
+                <a:solidFill>
+                  <a:srgbClr val="333333"/>
+                </a:solidFill>
+                <a:uFill>
+                  <a:solidFill>
+                    <a:srgbClr val="FFFFFF"/>
+                  </a:solidFill>
+                </a:uFill>
+                <a:latin typeface="Arial"/>
+              </a:rPr>
+              <a:t>Aufgaben:</a:t>
+            </a:r>
+            <a:endParaRPr lang="de-DE" sz="1800" b="0" strike="noStrike" spc="-1" dirty="0">
+              <a:solidFill>
+                <a:srgbClr val="000000"/>
+              </a:solidFill>
+              <a:uFill>
+                <a:solidFill>
+                  <a:srgbClr val="FFFFFF"/>
+                </a:solidFill>
+              </a:uFill>
+              <a:latin typeface="Arial"/>
+            </a:endParaRPr>
+          </a:p>
+          <a:p>
+            <a:pPr marL="181080" indent="-180360">
+              <a:lnSpc>
+                <a:spcPct val="100000"/>
+              </a:lnSpc>
+              <a:buClr>
+                <a:srgbClr val="333333"/>
+              </a:buClr>
+            </a:pPr>
+            <a:r>
+              <a:rPr lang="de-DE" sz="2000" spc="-1" dirty="0" smtClean="0">
+                <a:solidFill>
+                  <a:srgbClr val="333333"/>
+                </a:solidFill>
+                <a:uFill>
+                  <a:solidFill>
+                    <a:srgbClr val="FFFFFF"/>
+                  </a:solidFill>
+                </a:uFill>
+                <a:latin typeface="Arial"/>
+              </a:rPr>
+              <a:t>3. Datenbankabfrage und </a:t>
+            </a:r>
+            <a:r>
+              <a:rPr lang="de-DE" sz="2000" spc="-1" dirty="0" smtClean="0">
+                <a:solidFill>
+                  <a:srgbClr val="333333"/>
+                </a:solidFill>
+                <a:uFill>
+                  <a:solidFill>
+                    <a:srgbClr val="FFFFFF"/>
+                  </a:solidFill>
+                </a:uFill>
+                <a:latin typeface="Arial"/>
+              </a:rPr>
+              <a:t>Live-Darstellung</a:t>
+            </a:r>
+          </a:p>
+          <a:p>
+            <a:pPr marL="181080" indent="-180360">
+              <a:lnSpc>
+                <a:spcPct val="100000"/>
+              </a:lnSpc>
+              <a:buClr>
+                <a:srgbClr val="333333"/>
+              </a:buClr>
+            </a:pPr>
+            <a:endParaRPr lang="de-DE" sz="2000" spc="-1" dirty="0" smtClean="0">
+              <a:solidFill>
+                <a:srgbClr val="333333"/>
+              </a:solidFill>
+              <a:uFill>
+                <a:solidFill>
+                  <a:srgbClr val="FFFFFF"/>
+                </a:solidFill>
+              </a:uFill>
+              <a:latin typeface="Arial"/>
+            </a:endParaRPr>
+          </a:p>
+          <a:p>
+            <a:pPr marL="181080" indent="-180360">
+              <a:lnSpc>
+                <a:spcPct val="100000"/>
+              </a:lnSpc>
+              <a:buClr>
+                <a:srgbClr val="333333"/>
+              </a:buClr>
+            </a:pPr>
+            <a:r>
+              <a:rPr lang="de-DE" sz="2000" spc="-1" dirty="0" smtClean="0">
+                <a:solidFill>
+                  <a:srgbClr val="333333"/>
+                </a:solidFill>
+                <a:uFill>
+                  <a:solidFill>
+                    <a:srgbClr val="FFFFFF"/>
+                  </a:solidFill>
+                </a:uFill>
+                <a:latin typeface="Arial"/>
+              </a:rPr>
+              <a:t>Lösung</a:t>
+            </a:r>
+          </a:p>
+          <a:p>
+            <a:pPr marL="181080" indent="-180360">
+              <a:lnSpc>
+                <a:spcPct val="100000"/>
+              </a:lnSpc>
+              <a:buClr>
+                <a:srgbClr val="333333"/>
+              </a:buClr>
+              <a:buFont typeface="Arial" pitchFamily="34" charset="0"/>
+              <a:buChar char="•"/>
+            </a:pPr>
+            <a:r>
+              <a:rPr lang="de-DE" sz="2000" spc="-1" dirty="0" smtClean="0">
+                <a:solidFill>
+                  <a:srgbClr val="333333"/>
+                </a:solidFill>
+                <a:uFill>
+                  <a:solidFill>
+                    <a:srgbClr val="FFFFFF"/>
+                  </a:solidFill>
+                </a:uFill>
+                <a:latin typeface="Arial"/>
+              </a:rPr>
+              <a:t>Verzögerung abhängig von PITIME</a:t>
+            </a:r>
+          </a:p>
+          <a:p>
+            <a:pPr marL="638280" lvl="2" indent="-180360">
+              <a:buClr>
+                <a:srgbClr val="333333"/>
+              </a:buClr>
+              <a:buFont typeface="Arial" pitchFamily="34" charset="0"/>
+              <a:buChar char="•"/>
+            </a:pPr>
+            <a:r>
+              <a:rPr lang="de-DE" sz="2000" spc="-1" dirty="0" smtClean="0">
+                <a:solidFill>
+                  <a:srgbClr val="333333"/>
+                </a:solidFill>
+                <a:uFill>
+                  <a:solidFill>
+                    <a:srgbClr val="FFFFFF"/>
+                  </a:solidFill>
+                </a:uFill>
+              </a:rPr>
+              <a:t>Jeweils 2 </a:t>
+            </a:r>
+            <a:r>
+              <a:rPr lang="de-DE" sz="2000" spc="-1" dirty="0" err="1" smtClean="0">
+                <a:solidFill>
+                  <a:srgbClr val="333333"/>
+                </a:solidFill>
+                <a:uFill>
+                  <a:solidFill>
+                    <a:srgbClr val="FFFFFF"/>
+                  </a:solidFill>
+                </a:uFill>
+              </a:rPr>
+              <a:t>Timestamps</a:t>
+            </a:r>
+            <a:r>
+              <a:rPr lang="de-DE" sz="2000" spc="-1" dirty="0" smtClean="0">
+                <a:solidFill>
+                  <a:srgbClr val="333333"/>
+                </a:solidFill>
+                <a:uFill>
+                  <a:solidFill>
+                    <a:srgbClr val="FFFFFF"/>
+                  </a:solidFill>
+                </a:uFill>
+              </a:rPr>
+              <a:t> speichern und Differenz </a:t>
+            </a:r>
+            <a:r>
+              <a:rPr lang="de-DE" sz="2000" spc="-1" dirty="0" smtClean="0">
+                <a:solidFill>
+                  <a:srgbClr val="333333"/>
+                </a:solidFill>
+                <a:uFill>
+                  <a:solidFill>
+                    <a:srgbClr val="FFFFFF"/>
+                  </a:solidFill>
+                </a:uFill>
+              </a:rPr>
+              <a:t>berechnen</a:t>
+            </a:r>
+            <a:endParaRPr lang="de-DE" sz="2000" spc="-1" dirty="0" smtClean="0">
+              <a:solidFill>
+                <a:srgbClr val="333333"/>
+              </a:solidFill>
+              <a:uFill>
+                <a:solidFill>
+                  <a:srgbClr val="FFFFFF"/>
+                </a:solidFill>
+              </a:uFill>
+              <a:latin typeface="Arial"/>
+            </a:endParaRPr>
+          </a:p>
+          <a:p>
+            <a:pPr marL="181080" indent="-180360">
+              <a:lnSpc>
+                <a:spcPct val="100000"/>
+              </a:lnSpc>
+              <a:buClr>
+                <a:srgbClr val="333333"/>
+              </a:buClr>
+              <a:buFont typeface="Arial" pitchFamily="34" charset="0"/>
+              <a:buChar char="•"/>
+            </a:pPr>
+            <a:r>
+              <a:rPr lang="de-DE" sz="2000" spc="-1" dirty="0" smtClean="0">
+                <a:solidFill>
+                  <a:srgbClr val="333333"/>
+                </a:solidFill>
+                <a:uFill>
+                  <a:solidFill>
+                    <a:srgbClr val="FFFFFF"/>
+                  </a:solidFill>
+                </a:uFill>
+                <a:latin typeface="Arial"/>
+              </a:rPr>
+              <a:t>Abfrage an Größe der DB-Rückgabe knüpfen</a:t>
+            </a:r>
+          </a:p>
+          <a:p>
+            <a:pPr marL="638280" lvl="1" indent="-180360">
+              <a:buClr>
+                <a:srgbClr val="333333"/>
+              </a:buClr>
+              <a:buFont typeface="Arial" pitchFamily="34" charset="0"/>
+              <a:buChar char="•"/>
+            </a:pPr>
+            <a:r>
+              <a:rPr lang="de-DE" sz="2000" spc="-1" dirty="0" smtClean="0">
+                <a:solidFill>
+                  <a:srgbClr val="333333"/>
+                </a:solidFill>
+                <a:uFill>
+                  <a:solidFill>
+                    <a:srgbClr val="FFFFFF"/>
+                  </a:solidFill>
+                </a:uFill>
+                <a:latin typeface="Arial"/>
+              </a:rPr>
+              <a:t>DB gibt Liste der Größe 20 zurück</a:t>
+            </a:r>
+          </a:p>
+          <a:p>
+            <a:pPr marL="638280" lvl="1" indent="-180360">
+              <a:buClr>
+                <a:srgbClr val="333333"/>
+              </a:buClr>
+              <a:buFont typeface="Arial" pitchFamily="34" charset="0"/>
+              <a:buChar char="•"/>
+            </a:pPr>
+            <a:r>
+              <a:rPr lang="de-DE" sz="2000" spc="-1" dirty="0" smtClean="0">
+                <a:solidFill>
+                  <a:srgbClr val="333333"/>
+                </a:solidFill>
+                <a:uFill>
+                  <a:solidFill>
+                    <a:srgbClr val="FFFFFF"/>
+                  </a:solidFill>
+                </a:uFill>
+                <a:latin typeface="Arial"/>
+              </a:rPr>
+              <a:t>Bei 10 angezeigten Daten, neue Abfrage starten</a:t>
+            </a:r>
+          </a:p>
+        </p:txBody>
+      </p:sp>
+    </p:spTree>
+  </p:cSld>
+  <p:clrMapOvr>
+    <a:masterClrMapping/>
+  </p:clrMapOvr>
+  <p:timing>
+    <p:tnLst>
+      <p:par>
+        <p:cTn id="1" dur="indefinite" restart="never" nodeType="tmRoot">
+          <p:childTnLst>
+            <p:seq>
+              <p:cTn id="2" nodeType="mainSeq"/>
+              <p:prevCondLst>
+                <p:cond evt="onPrev" delay="0">
+                  <p:tgtEl>
+                    <p:sldTgt/>
+                  </p:tgtEl>
+                </p:cond>
+              </p:prevCondLst>
+              <p:nextCondLst>
+                <p:cond evt="onNext" delay="0">
+                  <p:tgtEl>
+                    <p:sldTgt/>
+                  </p:tgtEl>
+                </p:cond>
+              </p:nextCondLst>
+            </p:seq>
+          </p:childTnLst>
+        </p:cTn>
+      </p:par>
+    </p:tnLst>
+  </p:timing>
+</p:sld>
+</file>
+
+<file path=ppt/slides/slide19.xml><?xml version="1.0" encoding="utf-8"?>
+<p:sld xmlns:a="http://schemas.openxmlformats.org/drawingml/2006/main" xmlns:r="http://schemas.openxmlformats.org/officeDocument/2006/relationships" xmlns:p="http://schemas.openxmlformats.org/presentationml/2006/main">
+  <p:cSld>
+    <p:spTree>
+      <p:nvGrpSpPr>
+        <p:cNvPr id="1" name=""/>
+        <p:cNvGrpSpPr/>
+        <p:nvPr/>
+      </p:nvGrpSpPr>
+      <p:grpSpPr>
+        <a:xfrm>
+          <a:off x="0" y="0"/>
+          <a:ext cx="0" cy="0"/>
+          <a:chOff x="0" y="0"/>
+          <a:chExt cx="0" cy="0"/>
+        </a:xfrm>
+      </p:grpSpPr>
+      <p:pic>
+        <p:nvPicPr>
+          <p:cNvPr id="10" name="v2.mp4">
+            <a:hlinkClick r:id="" action="ppaction://media"/>
+          </p:cNvPr>
+          <p:cNvPicPr>
+            <a:picLocks noRot="1" noChangeAspect="1"/>
+          </p:cNvPicPr>
+          <p:nvPr>
+            <a:videoFile r:link="rId1"/>
+          </p:nvPr>
+        </p:nvPicPr>
+        <p:blipFill>
+          <a:blip r:embed="rId3" cstate="print"/>
+          <a:stretch>
+            <a:fillRect/>
+          </a:stretch>
+        </p:blipFill>
+        <p:spPr>
+          <a:xfrm>
+            <a:off x="1043608" y="908720"/>
+            <a:ext cx="7128792" cy="5346594"/>
+          </a:xfrm>
+          <a:prstGeom prst="rect">
+            <a:avLst/>
+          </a:prstGeom>
+        </p:spPr>
+      </p:pic>
+    </p:spTree>
+  </p:cSld>
+  <p:clrMapOvr>
+    <a:masterClrMapping/>
+  </p:clrMapOvr>
+  <p:timing>
+    <p:tnLst>
+      <p:par>
+        <p:cTn id="1" dur="indefinite" restart="never" nodeType="tmRoot">
+          <p:childTnLst>
+            <p:seq concurrent="1" nextAc="seek">
+              <p:cTn id="2" dur="indefinite" nodeType="mainSeq">
+                <p:childTnLst>
+                  <p:par>
+                    <p:cTn id="3" fill="hold">
+                      <p:stCondLst>
+                        <p:cond delay="indefinite"/>
+                        <p:cond evt="onBegin" delay="0">
+                          <p:tn val="2"/>
+                        </p:cond>
+                      </p:stCondLst>
+                      <p:childTnLst>
+                        <p:par>
+                          <p:cTn id="4" fill="hold">
+                            <p:stCondLst>
+                              <p:cond delay="0"/>
+                            </p:stCondLst>
+                            <p:childTnLst>
+                              <p:par>
+                                <p:cTn id="5" presetID="1" presetClass="mediacall" presetSubtype="0" fill="hold" nodeType="afterEffect">
+                                  <p:stCondLst>
+                                    <p:cond delay="0"/>
+                                  </p:stCondLst>
+                                  <p:childTnLst>
+                                    <p:cmd type="call" cmd="playFrom(0.0)">
+                                      <p:cBhvr>
+                                        <p:cTn id="6" dur="1" fill="hold"/>
+                                        <p:tgtEl>
+                                          <p:spTgt spid="10"/>
+                                        </p:tgtEl>
+                                      </p:cBhvr>
+                                    </p:cmd>
+                                  </p:childTnLst>
+                                </p:cTn>
+                              </p:par>
+                            </p:childTnLst>
+                          </p:cTn>
+                        </p:par>
+                      </p:childTnLst>
+                    </p:cTn>
+                  </p:par>
+                </p:childTnLst>
+              </p:cTn>
+              <p:prevCondLst>
+                <p:cond evt="onPrev" delay="0">
+                  <p:tgtEl>
+                    <p:sldTgt/>
+                  </p:tgtEl>
+                </p:cond>
+              </p:prevCondLst>
+              <p:nextCondLst>
+                <p:cond evt="onNext" delay="0">
+                  <p:tgtEl>
+                    <p:sldTgt/>
+                  </p:tgtEl>
+                </p:cond>
+              </p:nextCondLst>
+            </p:seq>
+            <p:video>
+              <p:cMediaNode>
+                <p:cTn id="7" fill="hold" display="0">
+                  <p:stCondLst>
+                    <p:cond delay="indefinite"/>
+                  </p:stCondLst>
+                  <p:endCondLst>
+                    <p:cond evt="onNext" delay="0">
+                      <p:tgtEl>
+                        <p:sldTgt/>
+                      </p:tgtEl>
+                    </p:cond>
+                    <p:cond evt="onPrev" delay="0">
+                      <p:tgtEl>
+                        <p:sldTgt/>
+                      </p:tgtEl>
+                    </p:cond>
+                  </p:endCondLst>
+                </p:cTn>
+                <p:tgtEl>
+                  <p:spTgt spid="10"/>
+                </p:tgtEl>
+              </p:cMediaNode>
+            </p:video>
+            <p:seq concurrent="1" nextAc="seek">
+              <p:cTn id="8" restart="whenNotActive" fill="hold" evtFilter="cancelBubble" nodeType="interactiveSeq">
+                <p:stCondLst>
+                  <p:cond evt="onClick" delay="0">
+                    <p:tgtEl>
+                      <p:spTgt spid="10"/>
+                    </p:tgtEl>
+                  </p:cond>
+                </p:stCondLst>
+                <p:endSync evt="end" delay="0">
+                  <p:rtn val="all"/>
+                </p:endSync>
+                <p:childTnLst>
+                  <p:par>
+                    <p:cTn id="9" fill="hold">
+                      <p:stCondLst>
+                        <p:cond delay="0"/>
+                      </p:stCondLst>
+                      <p:childTnLst>
+                        <p:par>
+                          <p:cTn id="10" fill="hold">
+                            <p:stCondLst>
+                              <p:cond delay="0"/>
+                            </p:stCondLst>
+                            <p:childTnLst>
+                              <p:par>
+                                <p:cTn id="11" presetID="2" presetClass="mediacall" presetSubtype="0" fill="hold" nodeType="clickEffect">
+                                  <p:stCondLst>
+                                    <p:cond delay="0"/>
+                                  </p:stCondLst>
+                                  <p:childTnLst>
+                                    <p:cmd type="call" cmd="togglePause">
+                                      <p:cBhvr>
+                                        <p:cTn id="12" dur="1" fill="hold"/>
+                                        <p:tgtEl>
+                                          <p:spTgt spid="10"/>
+                                        </p:tgtEl>
+                                      </p:cBhvr>
+                                    </p:cmd>
+                                  </p:childTnLst>
+                                </p:cTn>
+                              </p:par>
+                            </p:childTnLst>
+                          </p:cTn>
+                        </p:par>
+                      </p:childTnLst>
+                    </p:cTn>
+                  </p:par>
+                </p:childTnLst>
+              </p:cTn>
+              <p:nextCondLst>
+                <p:cond evt="onClick" delay="0">
+                  <p:tgtEl>
+                    <p:spTgt spid="10"/>
+                  </p:tgtEl>
+                </p:cond>
+              </p:nextCondLst>
+            </p:seq>
+          </p:childTnLst>
+        </p:cTn>
+      </p:par>
+    </p:tnLst>
+  </p:timing>
+</p:sld>
+</file>
+
+<file path=ppt/slides/slide2.xml><?xml version="1.0" encoding="utf-8"?>
+<p:sld xmlns:a="http://schemas.openxmlformats.org/drawingml/2006/main" xmlns:r="http://schemas.openxmlformats.org/officeDocument/2006/relationships" xmlns:p="http://schemas.openxmlformats.org/presentationml/2006/main">
+  <p:cSld>
+    <p:spTree>
+      <p:nvGrpSpPr>
+        <p:cNvPr id="1" name=""/>
+        <p:cNvGrpSpPr/>
+        <p:nvPr/>
+      </p:nvGrpSpPr>
+      <p:grpSpPr>
+        <a:xfrm>
+          <a:off x="0" y="0"/>
+          <a:ext cx="0" cy="0"/>
+          <a:chOff x="0" y="0"/>
+          <a:chExt cx="0" cy="0"/>
+        </a:xfrm>
+      </p:grpSpPr>
+      <p:sp>
+        <p:nvSpPr>
+          <p:cNvPr id="130" name="CustomShape 1"/>
+          <p:cNvSpPr/>
+          <p:nvPr/>
+        </p:nvSpPr>
+        <p:spPr>
+          <a:xfrm>
+            <a:off x="683640" y="1196640"/>
+            <a:ext cx="7771680" cy="614880"/>
+          </a:xfrm>
+          <a:prstGeom prst="rect">
+            <a:avLst/>
+          </a:prstGeom>
+          <a:noFill/>
+          <a:ln>
+            <a:noFill/>
+          </a:ln>
+        </p:spPr>
+        <p:style>
+          <a:lnRef idx="0">
+            <a:scrgbClr r="0" g="0" b="0"/>
+          </a:lnRef>
+          <a:fillRef idx="0">
+            <a:scrgbClr r="0" g="0" b="0"/>
+          </a:fillRef>
+          <a:effectRef idx="0">
+            <a:scrgbClr r="0" g="0" b="0"/>
+          </a:effectRef>
+          <a:fontRef idx="minor"/>
+        </p:style>
+        <p:txBody>
+          <a:bodyPr lIns="0" tIns="0" rIns="0" bIns="0"/>
+          <a:lstStyle/>
+          <a:p>
+            <a:pPr>
+              <a:lnSpc>
+                <a:spcPct val="100000"/>
+              </a:lnSpc>
+            </a:pPr>
+            <a:r>
+              <a:rPr lang="de-DE" sz="4000" b="1" strike="noStrike" cap="small" spc="-1">
+                <a:solidFill>
+                  <a:srgbClr val="2D2015"/>
+                </a:solidFill>
+                <a:uFill>
+                  <a:solidFill>
+                    <a:srgbClr val="FFFFFF"/>
+                  </a:solidFill>
+                </a:uFill>
+                <a:latin typeface="Arial"/>
+              </a:rPr>
+              <a:t>Inhalt</a:t>
+            </a:r>
+            <a:endParaRPr lang="de-DE" sz="1800" b="0" strike="noStrike" spc="-1">
+              <a:solidFill>
+                <a:srgbClr val="000000"/>
+              </a:solidFill>
+              <a:uFill>
+                <a:solidFill>
+                  <a:srgbClr val="FFFFFF"/>
+                </a:solidFill>
+              </a:uFill>
+              <a:latin typeface="Arial"/>
+            </a:endParaRPr>
+          </a:p>
+        </p:txBody>
+      </p:sp>
+      <p:sp>
+        <p:nvSpPr>
+          <p:cNvPr id="131" name="CustomShape 2"/>
+          <p:cNvSpPr/>
+          <p:nvPr/>
+        </p:nvSpPr>
+        <p:spPr>
+          <a:xfrm>
+            <a:off x="683640" y="1989000"/>
+            <a:ext cx="4103640" cy="2010240"/>
+          </a:xfrm>
+          <a:prstGeom prst="rect">
+            <a:avLst/>
+          </a:prstGeom>
+          <a:noFill/>
+          <a:ln>
+            <a:noFill/>
+          </a:ln>
+        </p:spPr>
+        <p:style>
+          <a:lnRef idx="0">
+            <a:scrgbClr r="0" g="0" b="0"/>
+          </a:lnRef>
+          <a:fillRef idx="0">
+            <a:scrgbClr r="0" g="0" b="0"/>
+          </a:fillRef>
+          <a:effectRef idx="0">
+            <a:scrgbClr r="0" g="0" b="0"/>
+          </a:effectRef>
+          <a:fontRef idx="minor"/>
+        </p:style>
+        <p:txBody>
+          <a:bodyPr lIns="90000" tIns="45000" rIns="90000" bIns="45000"/>
+          <a:lstStyle/>
+          <a:p>
+            <a:pPr marL="343080" indent="-342360">
+              <a:lnSpc>
+                <a:spcPct val="100000"/>
+              </a:lnSpc>
+              <a:buClr>
+                <a:srgbClr val="333333"/>
+              </a:buClr>
+              <a:buFont typeface="Arial"/>
+              <a:buAutoNum type="arabicPeriod"/>
+            </a:pPr>
+            <a:r>
+              <a:rPr lang="de-DE" sz="1800" b="0" strike="noStrike" spc="-1">
+                <a:solidFill>
+                  <a:srgbClr val="333333"/>
+                </a:solidFill>
+                <a:uFill>
+                  <a:solidFill>
+                    <a:srgbClr val="FFFFFF"/>
+                  </a:solidFill>
+                </a:uFill>
+                <a:latin typeface="Arial"/>
+                <a:ea typeface="DejaVu Sans"/>
+              </a:rPr>
+              <a:t>WebProjectManagment</a:t>
+            </a:r>
+            <a:endParaRPr lang="de-DE" sz="1800" b="0" strike="noStrike" spc="-1">
+              <a:solidFill>
+                <a:srgbClr val="000000"/>
+              </a:solidFill>
+              <a:uFill>
+                <a:solidFill>
+                  <a:srgbClr val="FFFFFF"/>
+                </a:solidFill>
+              </a:uFill>
+              <a:latin typeface="Arial"/>
+            </a:endParaRPr>
+          </a:p>
+          <a:p>
+            <a:pPr marL="343080" indent="-342360">
+              <a:lnSpc>
+                <a:spcPct val="100000"/>
+              </a:lnSpc>
+              <a:buClr>
+                <a:srgbClr val="333333"/>
+              </a:buClr>
+              <a:buFont typeface="Arial"/>
+              <a:buAutoNum type="arabicPeriod"/>
+            </a:pPr>
+            <a:r>
+              <a:rPr lang="de-DE" sz="1800" b="0" strike="noStrike" spc="-1">
+                <a:solidFill>
+                  <a:srgbClr val="333333"/>
+                </a:solidFill>
+                <a:uFill>
+                  <a:solidFill>
+                    <a:srgbClr val="FFFFFF"/>
+                  </a:solidFill>
+                </a:uFill>
+                <a:latin typeface="Arial"/>
+                <a:ea typeface="DejaVu Sans"/>
+              </a:rPr>
+              <a:t>Embedded Systems</a:t>
+            </a:r>
+            <a:endParaRPr lang="de-DE" sz="1800" b="0" strike="noStrike" spc="-1">
+              <a:solidFill>
+                <a:srgbClr val="000000"/>
+              </a:solidFill>
+              <a:uFill>
+                <a:solidFill>
+                  <a:srgbClr val="FFFFFF"/>
+                </a:solidFill>
+              </a:uFill>
+              <a:latin typeface="Arial"/>
+            </a:endParaRPr>
+          </a:p>
+          <a:p>
+            <a:pPr marL="343080" indent="-342360">
+              <a:lnSpc>
+                <a:spcPct val="100000"/>
+              </a:lnSpc>
+              <a:buClr>
+                <a:srgbClr val="333333"/>
+              </a:buClr>
+              <a:buFont typeface="Arial"/>
+              <a:buAutoNum type="arabicPeriod"/>
+            </a:pPr>
+            <a:r>
+              <a:rPr lang="de-DE" sz="1800" b="0" strike="noStrike" spc="-1">
+                <a:solidFill>
+                  <a:srgbClr val="333333"/>
+                </a:solidFill>
+                <a:uFill>
+                  <a:solidFill>
+                    <a:srgbClr val="FFFFFF"/>
+                  </a:solidFill>
+                </a:uFill>
+                <a:latin typeface="Arial"/>
+                <a:ea typeface="DejaVu Sans"/>
+              </a:rPr>
+              <a:t>GUI</a:t>
+            </a:r>
+            <a:endParaRPr lang="de-DE" sz="1800" b="0" strike="noStrike" spc="-1">
+              <a:solidFill>
+                <a:srgbClr val="000000"/>
+              </a:solidFill>
+              <a:uFill>
+                <a:solidFill>
+                  <a:srgbClr val="FFFFFF"/>
+                </a:solidFill>
+              </a:uFill>
+              <a:latin typeface="Arial"/>
+            </a:endParaRPr>
+          </a:p>
+          <a:p>
+            <a:pPr marL="343080" indent="-342360">
+              <a:lnSpc>
+                <a:spcPct val="100000"/>
+              </a:lnSpc>
+              <a:buClr>
+                <a:srgbClr val="333333"/>
+              </a:buClr>
+              <a:buFont typeface="Arial"/>
+              <a:buAutoNum type="arabicPeriod"/>
+            </a:pPr>
+            <a:r>
+              <a:rPr lang="de-DE" sz="1800" b="0" strike="noStrike" spc="-1">
+                <a:solidFill>
+                  <a:srgbClr val="333333"/>
+                </a:solidFill>
+                <a:uFill>
+                  <a:solidFill>
+                    <a:srgbClr val="FFFFFF"/>
+                  </a:solidFill>
+                </a:uFill>
+                <a:latin typeface="Arial"/>
+                <a:ea typeface="DejaVu Sans"/>
+              </a:rPr>
+              <a:t>Datenbanken</a:t>
+            </a:r>
+            <a:endParaRPr lang="de-DE" sz="1800" b="0" strike="noStrike" spc="-1">
+              <a:solidFill>
+                <a:srgbClr val="000000"/>
+              </a:solidFill>
+              <a:uFill>
+                <a:solidFill>
+                  <a:srgbClr val="FFFFFF"/>
+                </a:solidFill>
+              </a:uFill>
+              <a:latin typeface="Arial"/>
+            </a:endParaRPr>
+          </a:p>
+          <a:p>
+            <a:pPr marL="343080" indent="-342360">
+              <a:lnSpc>
+                <a:spcPct val="100000"/>
+              </a:lnSpc>
+              <a:buClr>
+                <a:srgbClr val="333333"/>
+              </a:buClr>
+              <a:buFont typeface="Arial"/>
+              <a:buAutoNum type="arabicPeriod"/>
+            </a:pPr>
+            <a:r>
+              <a:rPr lang="de-DE" sz="1800" b="0" strike="noStrike" spc="-1">
+                <a:solidFill>
+                  <a:srgbClr val="333333"/>
+                </a:solidFill>
+                <a:uFill>
+                  <a:solidFill>
+                    <a:srgbClr val="FFFFFF"/>
+                  </a:solidFill>
+                </a:uFill>
+                <a:latin typeface="Arial"/>
+                <a:ea typeface="DejaVu Sans"/>
+              </a:rPr>
+              <a:t>Applikation</a:t>
+            </a:r>
+            <a:endParaRPr lang="de-DE" sz="1800" b="0" strike="noStrike" spc="-1">
+              <a:solidFill>
+                <a:srgbClr val="000000"/>
+              </a:solidFill>
+              <a:uFill>
+                <a:solidFill>
+                  <a:srgbClr val="FFFFFF"/>
+                </a:solidFill>
+              </a:uFill>
+              <a:latin typeface="Arial"/>
+            </a:endParaRPr>
+          </a:p>
+          <a:p>
+            <a:pPr marL="343080" indent="-342360">
+              <a:lnSpc>
+                <a:spcPct val="100000"/>
+              </a:lnSpc>
+              <a:buClr>
+                <a:srgbClr val="333333"/>
+              </a:buClr>
+              <a:buFont typeface="Arial"/>
+              <a:buAutoNum type="arabicPeriod"/>
+            </a:pPr>
+            <a:r>
+              <a:rPr lang="de-DE" sz="1800" b="0" strike="noStrike" spc="-1">
+                <a:solidFill>
+                  <a:srgbClr val="333333"/>
+                </a:solidFill>
+                <a:uFill>
+                  <a:solidFill>
+                    <a:srgbClr val="FFFFFF"/>
+                  </a:solidFill>
+                </a:uFill>
+                <a:latin typeface="Arial"/>
+                <a:ea typeface="DejaVu Sans"/>
+              </a:rPr>
+              <a:t>Fragen</a:t>
+            </a:r>
+            <a:endParaRPr lang="de-DE" sz="1800" b="0" strike="noStrike" spc="-1">
+              <a:solidFill>
+                <a:srgbClr val="000000"/>
+              </a:solidFill>
+              <a:uFill>
+                <a:solidFill>
+                  <a:srgbClr val="FFFFFF"/>
+                </a:solidFill>
+              </a:uFill>
+              <a:latin typeface="Arial"/>
+            </a:endParaRPr>
+          </a:p>
+          <a:p>
+            <a:pPr marL="343080" indent="-342360">
+              <a:lnSpc>
+                <a:spcPct val="100000"/>
+              </a:lnSpc>
+              <a:buClr>
+                <a:srgbClr val="333333"/>
+              </a:buClr>
+              <a:buFont typeface="Arial"/>
+              <a:buAutoNum type="arabicPeriod"/>
+            </a:pPr>
+            <a:r>
+              <a:rPr lang="de-DE" sz="1800" b="0" strike="noStrike" spc="-1">
+                <a:solidFill>
+                  <a:srgbClr val="333333"/>
+                </a:solidFill>
+                <a:uFill>
+                  <a:solidFill>
+                    <a:srgbClr val="FFFFFF"/>
+                  </a:solidFill>
+                </a:uFill>
+                <a:latin typeface="Arial"/>
+                <a:ea typeface="DejaVu Sans"/>
+              </a:rPr>
+              <a:t>Live 	</a:t>
+            </a:r>
+            <a:endParaRPr lang="de-DE" sz="1800" b="0" strike="noStrike" spc="-1">
+              <a:solidFill>
+                <a:srgbClr val="000000"/>
+              </a:solidFill>
+              <a:uFill>
+                <a:solidFill>
+                  <a:srgbClr val="FFFFFF"/>
+                </a:solidFill>
+              </a:uFill>
+              <a:latin typeface="Arial"/>
+            </a:endParaRPr>
+          </a:p>
+        </p:txBody>
+      </p:sp>
+    </p:spTree>
+  </p:cSld>
+  <p:clrMapOvr>
+    <a:masterClrMapping/>
+  </p:clrMapOvr>
+  <p:timing>
+    <p:tnLst>
+      <p:par>
+        <p:cTn id="1" dur="indefinite" restart="never" nodeType="tmRoot">
+          <p:childTnLst>
+            <p:seq>
+              <p:cTn id="2" nodeType="mainSeq"/>
+              <p:prevCondLst>
+                <p:cond evt="onPrev" delay="0">
+                  <p:tgtEl>
+                    <p:sldTgt/>
+                  </p:tgtEl>
+                </p:cond>
+              </p:prevCondLst>
+              <p:nextCondLst>
+                <p:cond evt="onNext" delay="0">
+                  <p:tgtEl>
+                    <p:sldTgt/>
+                  </p:tgtEl>
+                </p:cond>
+              </p:nextCondLst>
+            </p:seq>
+          </p:childTnLst>
+        </p:cTn>
+      </p:par>
+    </p:tnLst>
+  </p:timing>
+</p:sld>
+</file>
+
+<file path=ppt/slides/slide20.xml><?xml version="1.0" encoding="utf-8"?>
+<p:sld xmlns:a="http://schemas.openxmlformats.org/drawingml/2006/main" xmlns:r="http://schemas.openxmlformats.org/officeDocument/2006/relationships" xmlns:p="http://schemas.openxmlformats.org/presentationml/2006/main">
+  <p:cSld>
+    <p:spTree>
+      <p:nvGrpSpPr>
+        <p:cNvPr id="1" name=""/>
+        <p:cNvGrpSpPr/>
+        <p:nvPr/>
+      </p:nvGrpSpPr>
+      <p:grpSpPr>
+        <a:xfrm>
+          <a:off x="0" y="0"/>
+          <a:ext cx="0" cy="0"/>
+          <a:chOff x="0" y="0"/>
+          <a:chExt cx="0" cy="0"/>
+        </a:xfrm>
+      </p:grpSpPr>
+      <p:pic>
+        <p:nvPicPr>
+          <p:cNvPr id="4" name="v3.mp4">
+            <a:hlinkClick r:id="" action="ppaction://media"/>
+          </p:cNvPr>
+          <p:cNvPicPr>
+            <a:picLocks noRot="1" noChangeAspect="1"/>
+          </p:cNvPicPr>
+          <p:nvPr>
+            <a:videoFile r:link="rId1"/>
+          </p:nvPr>
+        </p:nvPicPr>
+        <p:blipFill>
+          <a:blip r:embed="rId3" cstate="print"/>
+          <a:stretch>
+            <a:fillRect/>
+          </a:stretch>
+        </p:blipFill>
+        <p:spPr>
+          <a:xfrm>
+            <a:off x="1043608" y="908720"/>
+            <a:ext cx="7128792" cy="5346594"/>
+          </a:xfrm>
+          <a:prstGeom prst="rect">
+            <a:avLst/>
+          </a:prstGeom>
+        </p:spPr>
+      </p:pic>
+    </p:spTree>
+  </p:cSld>
+  <p:clrMapOvr>
+    <a:masterClrMapping/>
+  </p:clrMapOvr>
+  <p:timing>
+    <p:tnLst>
+      <p:par>
+        <p:cTn id="1" dur="indefinite" restart="never" nodeType="tmRoot">
+          <p:childTnLst>
+            <p:seq concurrent="1" nextAc="seek">
+              <p:cTn id="2" dur="indefinite" nodeType="mainSeq">
                 <p:childTnLst>
                   <p:par>
                     <p:cTn id="3" fill="hold">
@@ -9102,1605 +10924,6 @@
 </p:sld>
 </file>
 
-<file path=ppt/slides/slide17.xml><?xml version="1.0" encoding="utf-8"?>
-<p:sld xmlns:a="http://schemas.openxmlformats.org/drawingml/2006/main" xmlns:r="http://schemas.openxmlformats.org/officeDocument/2006/relationships" xmlns:p="http://schemas.openxmlformats.org/presentationml/2006/main">
-  <p:cSld>
-    <p:spTree>
-      <p:nvGrpSpPr>
-        <p:cNvPr id="1" name=""/>
-        <p:cNvGrpSpPr/>
-        <p:nvPr/>
-      </p:nvGrpSpPr>
-      <p:grpSpPr>
-        <a:xfrm>
-          <a:off x="0" y="0"/>
-          <a:ext cx="0" cy="0"/>
-          <a:chOff x="0" y="0"/>
-          <a:chExt cx="0" cy="0"/>
-        </a:xfrm>
-      </p:grpSpPr>
-      <p:sp>
-        <p:nvSpPr>
-          <p:cNvPr id="174" name="CustomShape 1"/>
-          <p:cNvSpPr/>
-          <p:nvPr/>
-        </p:nvSpPr>
-        <p:spPr>
-          <a:xfrm>
-            <a:off x="719280" y="1288080"/>
-            <a:ext cx="7700400" cy="368640"/>
-          </a:xfrm>
-          <a:prstGeom prst="rect">
-            <a:avLst/>
-          </a:prstGeom>
-          <a:noFill/>
-          <a:ln>
-            <a:noFill/>
-          </a:ln>
-        </p:spPr>
-        <p:style>
-          <a:lnRef idx="0">
-            <a:scrgbClr r="0" g="0" b="0"/>
-          </a:lnRef>
-          <a:fillRef idx="0">
-            <a:scrgbClr r="0" g="0" b="0"/>
-          </a:fillRef>
-          <a:effectRef idx="0">
-            <a:scrgbClr r="0" g="0" b="0"/>
-          </a:effectRef>
-          <a:fontRef idx="minor"/>
-        </p:style>
-        <p:txBody>
-          <a:bodyPr lIns="0" tIns="0" rIns="0" bIns="0" anchor="b"/>
-          <a:lstStyle/>
-          <a:p>
-            <a:pPr>
-              <a:lnSpc>
-                <a:spcPct val="100000"/>
-              </a:lnSpc>
-            </a:pPr>
-            <a:r>
-              <a:rPr lang="de-DE" sz="2400" b="1" strike="noStrike" spc="-1">
-                <a:solidFill>
-                  <a:srgbClr val="2D2015"/>
-                </a:solidFill>
-                <a:uFill>
-                  <a:solidFill>
-                    <a:srgbClr val="FFFFFF"/>
-                  </a:solidFill>
-                </a:uFill>
-                <a:latin typeface="Arial"/>
-              </a:rPr>
-              <a:t>GUI</a:t>
-            </a:r>
-            <a:endParaRPr lang="de-DE" sz="1800" b="0" strike="noStrike" spc="-1">
-              <a:solidFill>
-                <a:srgbClr val="000000"/>
-              </a:solidFill>
-              <a:uFill>
-                <a:solidFill>
-                  <a:srgbClr val="FFFFFF"/>
-                </a:solidFill>
-              </a:uFill>
-              <a:latin typeface="Arial"/>
-            </a:endParaRPr>
-          </a:p>
-        </p:txBody>
-      </p:sp>
-      <p:sp>
-        <p:nvSpPr>
-          <p:cNvPr id="177" name="CustomShape 2"/>
-          <p:cNvSpPr/>
-          <p:nvPr/>
-        </p:nvSpPr>
-        <p:spPr>
-          <a:xfrm>
-            <a:off x="719280" y="1773360"/>
-            <a:ext cx="7705080" cy="4352040"/>
-          </a:xfrm>
-          <a:prstGeom prst="rect">
-            <a:avLst/>
-          </a:prstGeom>
-          <a:noFill/>
-          <a:ln>
-            <a:noFill/>
-          </a:ln>
-        </p:spPr>
-        <p:style>
-          <a:lnRef idx="0">
-            <a:scrgbClr r="0" g="0" b="0"/>
-          </a:lnRef>
-          <a:fillRef idx="0">
-            <a:scrgbClr r="0" g="0" b="0"/>
-          </a:fillRef>
-          <a:effectRef idx="0">
-            <a:scrgbClr r="0" g="0" b="0"/>
-          </a:effectRef>
-          <a:fontRef idx="minor"/>
-        </p:style>
-        <p:txBody>
-          <a:bodyPr lIns="0" tIns="0" rIns="0" bIns="0"/>
-          <a:lstStyle/>
-          <a:p>
-            <a:pPr>
-              <a:lnSpc>
-                <a:spcPct val="100000"/>
-              </a:lnSpc>
-            </a:pPr>
-            <a:r>
-              <a:rPr lang="de-DE" sz="2000" b="0" strike="noStrike" spc="-1" dirty="0" smtClean="0">
-                <a:solidFill>
-                  <a:srgbClr val="333333"/>
-                </a:solidFill>
-                <a:uFill>
-                  <a:solidFill>
-                    <a:srgbClr val="FFFFFF"/>
-                  </a:solidFill>
-                </a:uFill>
-                <a:latin typeface="Arial"/>
-              </a:rPr>
-              <a:t>Aufgaben:</a:t>
-            </a:r>
-            <a:endParaRPr lang="de-DE" sz="1800" b="0" strike="noStrike" spc="-1" dirty="0">
-              <a:solidFill>
-                <a:srgbClr val="000000"/>
-              </a:solidFill>
-              <a:uFill>
-                <a:solidFill>
-                  <a:srgbClr val="FFFFFF"/>
-                </a:solidFill>
-              </a:uFill>
-              <a:latin typeface="Arial"/>
-            </a:endParaRPr>
-          </a:p>
-          <a:p>
-            <a:pPr marL="181080" indent="-180360">
-              <a:lnSpc>
-                <a:spcPct val="100000"/>
-              </a:lnSpc>
-              <a:buClr>
-                <a:srgbClr val="333333"/>
-              </a:buClr>
-            </a:pPr>
-            <a:r>
-              <a:rPr lang="de-DE" sz="2000" spc="-1" dirty="0" smtClean="0">
-                <a:solidFill>
-                  <a:srgbClr val="333333"/>
-                </a:solidFill>
-                <a:uFill>
-                  <a:solidFill>
-                    <a:srgbClr val="FFFFFF"/>
-                  </a:solidFill>
-                </a:uFill>
-                <a:latin typeface="Arial"/>
-              </a:rPr>
-              <a:t>3. Datenbankabfrage und Live-Darstellung</a:t>
-            </a:r>
-          </a:p>
-        </p:txBody>
-      </p:sp>
-      <p:pic>
-        <p:nvPicPr>
-          <p:cNvPr id="5124" name="Picture 4" descr="G:\Philipp\Desktop\praesent.png"/>
-          <p:cNvPicPr>
-            <a:picLocks noChangeAspect="1" noChangeArrowheads="1"/>
-          </p:cNvPicPr>
-          <p:nvPr/>
-        </p:nvPicPr>
-        <p:blipFill>
-          <a:blip r:embed="rId2" cstate="print"/>
-          <a:srcRect/>
-          <a:stretch>
-            <a:fillRect/>
-          </a:stretch>
-        </p:blipFill>
-        <p:spPr bwMode="auto">
-          <a:xfrm>
-            <a:off x="755576" y="3140968"/>
-            <a:ext cx="1409700" cy="2552700"/>
-          </a:xfrm>
-          <a:prstGeom prst="rect">
-            <a:avLst/>
-          </a:prstGeom>
-          <a:noFill/>
-        </p:spPr>
-      </p:pic>
-      <p:sp>
-        <p:nvSpPr>
-          <p:cNvPr id="7" name="Textfeld 6"/>
-          <p:cNvSpPr txBox="1"/>
-          <p:nvPr/>
-        </p:nvSpPr>
-        <p:spPr>
-          <a:xfrm>
-            <a:off x="683568" y="2780928"/>
-            <a:ext cx="1440160" cy="338554"/>
-          </a:xfrm>
-          <a:prstGeom prst="rect">
-            <a:avLst/>
-          </a:prstGeom>
-          <a:noFill/>
-        </p:spPr>
-        <p:txBody>
-          <a:bodyPr wrap="square" rtlCol="0">
-            <a:spAutoFit/>
-          </a:bodyPr>
-          <a:lstStyle/>
-          <a:p>
-            <a:r>
-              <a:rPr lang="de-DE" sz="1600" dirty="0" smtClean="0"/>
-              <a:t>PITIME</a:t>
-            </a:r>
-            <a:endParaRPr lang="de-DE" sz="1600" dirty="0"/>
-          </a:p>
-        </p:txBody>
-      </p:sp>
-      <p:cxnSp>
-        <p:nvCxnSpPr>
-          <p:cNvPr id="9" name="Gerade Verbindung 8"/>
-          <p:cNvCxnSpPr/>
-          <p:nvPr/>
-        </p:nvCxnSpPr>
-        <p:spPr>
-          <a:xfrm>
-            <a:off x="2267744" y="3284984"/>
-            <a:ext cx="360040" cy="144016"/>
-          </a:xfrm>
-          <a:prstGeom prst="line">
-            <a:avLst/>
-          </a:prstGeom>
-        </p:spPr>
-        <p:style>
-          <a:lnRef idx="1">
-            <a:schemeClr val="accent1"/>
-          </a:lnRef>
-          <a:fillRef idx="0">
-            <a:schemeClr val="accent1"/>
-          </a:fillRef>
-          <a:effectRef idx="0">
-            <a:schemeClr val="accent1"/>
-          </a:effectRef>
-          <a:fontRef idx="minor">
-            <a:schemeClr val="tx1"/>
-          </a:fontRef>
-        </p:style>
-      </p:cxnSp>
-      <p:cxnSp>
-        <p:nvCxnSpPr>
-          <p:cNvPr id="11" name="Gerade Verbindung 10"/>
-          <p:cNvCxnSpPr/>
-          <p:nvPr/>
-        </p:nvCxnSpPr>
-        <p:spPr>
-          <a:xfrm flipV="1">
-            <a:off x="2267744" y="3429000"/>
-            <a:ext cx="360040" cy="216024"/>
-          </a:xfrm>
-          <a:prstGeom prst="line">
-            <a:avLst/>
-          </a:prstGeom>
-        </p:spPr>
-        <p:style>
-          <a:lnRef idx="1">
-            <a:schemeClr val="accent1"/>
-          </a:lnRef>
-          <a:fillRef idx="0">
-            <a:schemeClr val="accent1"/>
-          </a:fillRef>
-          <a:effectRef idx="0">
-            <a:schemeClr val="accent1"/>
-          </a:effectRef>
-          <a:fontRef idx="minor">
-            <a:schemeClr val="tx1"/>
-          </a:fontRef>
-        </p:style>
-      </p:cxnSp>
-    </p:spTree>
-  </p:cSld>
-  <p:clrMapOvr>
-    <a:masterClrMapping/>
-  </p:clrMapOvr>
-  <p:timing>
-    <p:tnLst>
-      <p:par>
-        <p:cTn id="1" dur="indefinite" restart="never" nodeType="tmRoot">
-          <p:childTnLst>
-            <p:seq>
-              <p:cTn id="2" nodeType="mainSeq"/>
-              <p:prevCondLst>
-                <p:cond evt="onPrev" delay="0">
-                  <p:tgtEl>
-                    <p:sldTgt/>
-                  </p:tgtEl>
-                </p:cond>
-              </p:prevCondLst>
-              <p:nextCondLst>
-                <p:cond evt="onNext" delay="0">
-                  <p:tgtEl>
-                    <p:sldTgt/>
-                  </p:tgtEl>
-                </p:cond>
-              </p:nextCondLst>
-            </p:seq>
-          </p:childTnLst>
-        </p:cTn>
-      </p:par>
-    </p:tnLst>
-  </p:timing>
-</p:sld>
-</file>
-
-<file path=ppt/slides/slide18.xml><?xml version="1.0" encoding="utf-8"?>
-<p:sld xmlns:a="http://schemas.openxmlformats.org/drawingml/2006/main" xmlns:r="http://schemas.openxmlformats.org/officeDocument/2006/relationships" xmlns:p="http://schemas.openxmlformats.org/presentationml/2006/main">
-  <p:cSld>
-    <p:spTree>
-      <p:nvGrpSpPr>
-        <p:cNvPr id="1" name=""/>
-        <p:cNvGrpSpPr/>
-        <p:nvPr/>
-      </p:nvGrpSpPr>
-      <p:grpSpPr>
-        <a:xfrm>
-          <a:off x="0" y="0"/>
-          <a:ext cx="0" cy="0"/>
-          <a:chOff x="0" y="0"/>
-          <a:chExt cx="0" cy="0"/>
-        </a:xfrm>
-      </p:grpSpPr>
-      <p:sp>
-        <p:nvSpPr>
-          <p:cNvPr id="174" name="CustomShape 1"/>
-          <p:cNvSpPr/>
-          <p:nvPr/>
-        </p:nvSpPr>
-        <p:spPr>
-          <a:xfrm>
-            <a:off x="719280" y="1288080"/>
-            <a:ext cx="7700400" cy="368640"/>
-          </a:xfrm>
-          <a:prstGeom prst="rect">
-            <a:avLst/>
-          </a:prstGeom>
-          <a:noFill/>
-          <a:ln>
-            <a:noFill/>
-          </a:ln>
-        </p:spPr>
-        <p:style>
-          <a:lnRef idx="0">
-            <a:scrgbClr r="0" g="0" b="0"/>
-          </a:lnRef>
-          <a:fillRef idx="0">
-            <a:scrgbClr r="0" g="0" b="0"/>
-          </a:fillRef>
-          <a:effectRef idx="0">
-            <a:scrgbClr r="0" g="0" b="0"/>
-          </a:effectRef>
-          <a:fontRef idx="minor"/>
-        </p:style>
-        <p:txBody>
-          <a:bodyPr lIns="0" tIns="0" rIns="0" bIns="0" anchor="b"/>
-          <a:lstStyle/>
-          <a:p>
-            <a:pPr>
-              <a:lnSpc>
-                <a:spcPct val="100000"/>
-              </a:lnSpc>
-            </a:pPr>
-            <a:r>
-              <a:rPr lang="de-DE" sz="2400" b="1" strike="noStrike" spc="-1">
-                <a:solidFill>
-                  <a:srgbClr val="2D2015"/>
-                </a:solidFill>
-                <a:uFill>
-                  <a:solidFill>
-                    <a:srgbClr val="FFFFFF"/>
-                  </a:solidFill>
-                </a:uFill>
-                <a:latin typeface="Arial"/>
-              </a:rPr>
-              <a:t>GUI</a:t>
-            </a:r>
-            <a:endParaRPr lang="de-DE" sz="1800" b="0" strike="noStrike" spc="-1">
-              <a:solidFill>
-                <a:srgbClr val="000000"/>
-              </a:solidFill>
-              <a:uFill>
-                <a:solidFill>
-                  <a:srgbClr val="FFFFFF"/>
-                </a:solidFill>
-              </a:uFill>
-              <a:latin typeface="Arial"/>
-            </a:endParaRPr>
-          </a:p>
-        </p:txBody>
-      </p:sp>
-      <p:sp>
-        <p:nvSpPr>
-          <p:cNvPr id="177" name="CustomShape 2"/>
-          <p:cNvSpPr/>
-          <p:nvPr/>
-        </p:nvSpPr>
-        <p:spPr>
-          <a:xfrm>
-            <a:off x="719280" y="1773360"/>
-            <a:ext cx="7705080" cy="4352040"/>
-          </a:xfrm>
-          <a:prstGeom prst="rect">
-            <a:avLst/>
-          </a:prstGeom>
-          <a:noFill/>
-          <a:ln>
-            <a:noFill/>
-          </a:ln>
-        </p:spPr>
-        <p:style>
-          <a:lnRef idx="0">
-            <a:scrgbClr r="0" g="0" b="0"/>
-          </a:lnRef>
-          <a:fillRef idx="0">
-            <a:scrgbClr r="0" g="0" b="0"/>
-          </a:fillRef>
-          <a:effectRef idx="0">
-            <a:scrgbClr r="0" g="0" b="0"/>
-          </a:effectRef>
-          <a:fontRef idx="minor"/>
-        </p:style>
-        <p:txBody>
-          <a:bodyPr lIns="0" tIns="0" rIns="0" bIns="0"/>
-          <a:lstStyle/>
-          <a:p>
-            <a:pPr>
-              <a:lnSpc>
-                <a:spcPct val="100000"/>
-              </a:lnSpc>
-            </a:pPr>
-            <a:r>
-              <a:rPr lang="de-DE" sz="2000" b="0" strike="noStrike" spc="-1" dirty="0" smtClean="0">
-                <a:solidFill>
-                  <a:srgbClr val="333333"/>
-                </a:solidFill>
-                <a:uFill>
-                  <a:solidFill>
-                    <a:srgbClr val="FFFFFF"/>
-                  </a:solidFill>
-                </a:uFill>
-                <a:latin typeface="Arial"/>
-              </a:rPr>
-              <a:t>Aufgaben:</a:t>
-            </a:r>
-            <a:endParaRPr lang="de-DE" sz="1800" b="0" strike="noStrike" spc="-1" dirty="0">
-              <a:solidFill>
-                <a:srgbClr val="000000"/>
-              </a:solidFill>
-              <a:uFill>
-                <a:solidFill>
-                  <a:srgbClr val="FFFFFF"/>
-                </a:solidFill>
-              </a:uFill>
-              <a:latin typeface="Arial"/>
-            </a:endParaRPr>
-          </a:p>
-          <a:p>
-            <a:pPr marL="181080" indent="-180360">
-              <a:lnSpc>
-                <a:spcPct val="100000"/>
-              </a:lnSpc>
-              <a:buClr>
-                <a:srgbClr val="333333"/>
-              </a:buClr>
-            </a:pPr>
-            <a:r>
-              <a:rPr lang="de-DE" sz="2000" spc="-1" dirty="0" smtClean="0">
-                <a:solidFill>
-                  <a:srgbClr val="333333"/>
-                </a:solidFill>
-                <a:uFill>
-                  <a:solidFill>
-                    <a:srgbClr val="FFFFFF"/>
-                  </a:solidFill>
-                </a:uFill>
-                <a:latin typeface="Arial"/>
-              </a:rPr>
-              <a:t>3. Datenbankabfrage und Live-Darstellung</a:t>
-            </a:r>
-          </a:p>
-          <a:p>
-            <a:pPr marL="181080" indent="-180360">
-              <a:lnSpc>
-                <a:spcPct val="100000"/>
-              </a:lnSpc>
-              <a:buClr>
-                <a:srgbClr val="333333"/>
-              </a:buClr>
-              <a:buFont typeface="Symbol"/>
-              <a:buChar char=""/>
-            </a:pPr>
-            <a:r>
-              <a:rPr lang="de-DE" sz="2000" b="0" strike="noStrike" spc="-1" dirty="0" err="1" smtClean="0">
-                <a:solidFill>
-                  <a:srgbClr val="333333"/>
-                </a:solidFill>
-                <a:uFill>
-                  <a:solidFill>
-                    <a:srgbClr val="FFFFFF"/>
-                  </a:solidFill>
-                </a:uFill>
-                <a:latin typeface="Arial"/>
-              </a:rPr>
-              <a:t>Maven</a:t>
-            </a:r>
-            <a:r>
-              <a:rPr lang="de-DE" sz="2000" b="0" strike="noStrike" spc="-1" dirty="0" smtClean="0">
-                <a:solidFill>
-                  <a:srgbClr val="333333"/>
-                </a:solidFill>
-                <a:uFill>
-                  <a:solidFill>
-                    <a:srgbClr val="FFFFFF"/>
-                  </a:solidFill>
-                </a:uFill>
-                <a:latin typeface="Arial"/>
-              </a:rPr>
-              <a:t>-Integration, automatische Tests und </a:t>
-            </a:r>
-            <a:r>
-              <a:rPr lang="de-DE" sz="2000" b="0" strike="noStrike" spc="-1" dirty="0" err="1" smtClean="0">
-                <a:solidFill>
-                  <a:srgbClr val="333333"/>
-                </a:solidFill>
-                <a:uFill>
-                  <a:solidFill>
-                    <a:srgbClr val="FFFFFF"/>
-                  </a:solidFill>
-                </a:uFill>
-                <a:latin typeface="Arial"/>
-              </a:rPr>
-              <a:t>Javadoc</a:t>
-            </a:r>
-            <a:endParaRPr lang="de-DE" sz="1800" b="0" strike="noStrike" spc="-1" dirty="0">
-              <a:solidFill>
-                <a:srgbClr val="000000"/>
-              </a:solidFill>
-              <a:uFill>
-                <a:solidFill>
-                  <a:srgbClr val="FFFFFF"/>
-                </a:solidFill>
-              </a:uFill>
-              <a:latin typeface="Arial"/>
-            </a:endParaRPr>
-          </a:p>
-        </p:txBody>
-      </p:sp>
-    </p:spTree>
-  </p:cSld>
-  <p:clrMapOvr>
-    <a:masterClrMapping/>
-  </p:clrMapOvr>
-  <p:timing>
-    <p:tnLst>
-      <p:par>
-        <p:cTn id="1" dur="indefinite" restart="never" nodeType="tmRoot">
-          <p:childTnLst>
-            <p:seq>
-              <p:cTn id="2" nodeType="mainSeq"/>
-              <p:prevCondLst>
-                <p:cond evt="onPrev" delay="0">
-                  <p:tgtEl>
-                    <p:sldTgt/>
-                  </p:tgtEl>
-                </p:cond>
-              </p:prevCondLst>
-              <p:nextCondLst>
-                <p:cond evt="onNext" delay="0">
-                  <p:tgtEl>
-                    <p:sldTgt/>
-                  </p:tgtEl>
-                </p:cond>
-              </p:nextCondLst>
-            </p:seq>
-          </p:childTnLst>
-        </p:cTn>
-      </p:par>
-    </p:tnLst>
-  </p:timing>
-</p:sld>
-</file>
-
-<file path=ppt/slides/slide19.xml><?xml version="1.0" encoding="utf-8"?>
-<p:sld xmlns:a="http://schemas.openxmlformats.org/drawingml/2006/main" xmlns:r="http://schemas.openxmlformats.org/officeDocument/2006/relationships" xmlns:p="http://schemas.openxmlformats.org/presentationml/2006/main">
-  <p:cSld>
-    <p:spTree>
-      <p:nvGrpSpPr>
-        <p:cNvPr id="1" name=""/>
-        <p:cNvGrpSpPr/>
-        <p:nvPr/>
-      </p:nvGrpSpPr>
-      <p:grpSpPr>
-        <a:xfrm>
-          <a:off x="0" y="0"/>
-          <a:ext cx="0" cy="0"/>
-          <a:chOff x="0" y="0"/>
-          <a:chExt cx="0" cy="0"/>
-        </a:xfrm>
-      </p:grpSpPr>
-      <p:sp>
-        <p:nvSpPr>
-          <p:cNvPr id="178" name="CustomShape 1"/>
-          <p:cNvSpPr/>
-          <p:nvPr/>
-        </p:nvSpPr>
-        <p:spPr>
-          <a:xfrm>
-            <a:off x="719280" y="1288080"/>
-            <a:ext cx="7700400" cy="368640"/>
-          </a:xfrm>
-          <a:prstGeom prst="rect">
-            <a:avLst/>
-          </a:prstGeom>
-          <a:noFill/>
-          <a:ln>
-            <a:noFill/>
-          </a:ln>
-        </p:spPr>
-        <p:style>
-          <a:lnRef idx="0">
-            <a:scrgbClr r="0" g="0" b="0"/>
-          </a:lnRef>
-          <a:fillRef idx="0">
-            <a:scrgbClr r="0" g="0" b="0"/>
-          </a:fillRef>
-          <a:effectRef idx="0">
-            <a:scrgbClr r="0" g="0" b="0"/>
-          </a:effectRef>
-          <a:fontRef idx="minor"/>
-        </p:style>
-        <p:txBody>
-          <a:bodyPr lIns="0" tIns="0" rIns="0" bIns="0" anchor="b"/>
-          <a:lstStyle/>
-          <a:p>
-            <a:pPr>
-              <a:lnSpc>
-                <a:spcPct val="100000"/>
-              </a:lnSpc>
-            </a:pPr>
-            <a:r>
-              <a:rPr lang="de-DE" sz="2400" b="1" strike="noStrike" spc="-1">
-                <a:solidFill>
-                  <a:srgbClr val="2D2015"/>
-                </a:solidFill>
-                <a:uFill>
-                  <a:solidFill>
-                    <a:srgbClr val="FFFFFF"/>
-                  </a:solidFill>
-                </a:uFill>
-                <a:latin typeface="Arial"/>
-              </a:rPr>
-              <a:t>Datenbanken	</a:t>
-            </a:r>
-            <a:endParaRPr lang="de-DE" sz="1800" b="0" strike="noStrike" spc="-1">
-              <a:solidFill>
-                <a:srgbClr val="000000"/>
-              </a:solidFill>
-              <a:uFill>
-                <a:solidFill>
-                  <a:srgbClr val="FFFFFF"/>
-                </a:solidFill>
-              </a:uFill>
-              <a:latin typeface="Arial"/>
-            </a:endParaRPr>
-          </a:p>
-        </p:txBody>
-      </p:sp>
-      <p:pic>
-        <p:nvPicPr>
-          <p:cNvPr id="179" name="Bild 4"/>
-          <p:cNvPicPr/>
-          <p:nvPr/>
-        </p:nvPicPr>
-        <p:blipFill>
-          <a:blip r:embed="rId2" cstate="print"/>
-          <a:stretch/>
-        </p:blipFill>
-        <p:spPr>
-          <a:xfrm>
-            <a:off x="5192280" y="2133000"/>
-            <a:ext cx="2887560" cy="2928600"/>
-          </a:xfrm>
-          <a:prstGeom prst="rect">
-            <a:avLst/>
-          </a:prstGeom>
-          <a:ln>
-            <a:noFill/>
-          </a:ln>
-        </p:spPr>
-      </p:pic>
-      <p:pic>
-        <p:nvPicPr>
-          <p:cNvPr id="180" name="Bild 8"/>
-          <p:cNvPicPr/>
-          <p:nvPr/>
-        </p:nvPicPr>
-        <p:blipFill>
-          <a:blip r:embed="rId3" cstate="print"/>
-          <a:stretch/>
-        </p:blipFill>
-        <p:spPr>
-          <a:xfrm>
-            <a:off x="4612680" y="1202760"/>
-            <a:ext cx="1386360" cy="716760"/>
-          </a:xfrm>
-          <a:prstGeom prst="rect">
-            <a:avLst/>
-          </a:prstGeom>
-          <a:ln>
-            <a:noFill/>
-          </a:ln>
-        </p:spPr>
-      </p:pic>
-      <p:pic>
-        <p:nvPicPr>
-          <p:cNvPr id="181" name="Bild 9"/>
-          <p:cNvPicPr/>
-          <p:nvPr/>
-        </p:nvPicPr>
-        <p:blipFill>
-          <a:blip r:embed="rId4" cstate="print"/>
-          <a:stretch/>
-        </p:blipFill>
-        <p:spPr>
-          <a:xfrm>
-            <a:off x="7718760" y="5105520"/>
-            <a:ext cx="722520" cy="722520"/>
-          </a:xfrm>
-          <a:prstGeom prst="rect">
-            <a:avLst/>
-          </a:prstGeom>
-          <a:ln>
-            <a:noFill/>
-          </a:ln>
-        </p:spPr>
-      </p:pic>
-    </p:spTree>
-  </p:cSld>
-  <p:clrMapOvr>
-    <a:masterClrMapping/>
-  </p:clrMapOvr>
-  <p:timing>
-    <p:tnLst>
-      <p:par>
-        <p:cTn id="1" dur="indefinite" restart="never" nodeType="tmRoot">
-          <p:childTnLst>
-            <p:seq>
-              <p:cTn id="2" nodeType="mainSeq"/>
-              <p:prevCondLst>
-                <p:cond evt="onPrev" delay="0">
-                  <p:tgtEl>
-                    <p:sldTgt/>
-                  </p:tgtEl>
-                </p:cond>
-              </p:prevCondLst>
-              <p:nextCondLst>
-                <p:cond evt="onNext" delay="0">
-                  <p:tgtEl>
-                    <p:sldTgt/>
-                  </p:tgtEl>
-                </p:cond>
-              </p:nextCondLst>
-            </p:seq>
-          </p:childTnLst>
-        </p:cTn>
-      </p:par>
-    </p:tnLst>
-  </p:timing>
-</p:sld>
-</file>
-
-<file path=ppt/slides/slide2.xml><?xml version="1.0" encoding="utf-8"?>
-<p:sld xmlns:a="http://schemas.openxmlformats.org/drawingml/2006/main" xmlns:r="http://schemas.openxmlformats.org/officeDocument/2006/relationships" xmlns:p="http://schemas.openxmlformats.org/presentationml/2006/main">
-  <p:cSld>
-    <p:spTree>
-      <p:nvGrpSpPr>
-        <p:cNvPr id="1" name=""/>
-        <p:cNvGrpSpPr/>
-        <p:nvPr/>
-      </p:nvGrpSpPr>
-      <p:grpSpPr>
-        <a:xfrm>
-          <a:off x="0" y="0"/>
-          <a:ext cx="0" cy="0"/>
-          <a:chOff x="0" y="0"/>
-          <a:chExt cx="0" cy="0"/>
-        </a:xfrm>
-      </p:grpSpPr>
-      <p:sp>
-        <p:nvSpPr>
-          <p:cNvPr id="130" name="CustomShape 1"/>
-          <p:cNvSpPr/>
-          <p:nvPr/>
-        </p:nvSpPr>
-        <p:spPr>
-          <a:xfrm>
-            <a:off x="683640" y="1196640"/>
-            <a:ext cx="7771680" cy="614880"/>
-          </a:xfrm>
-          <a:prstGeom prst="rect">
-            <a:avLst/>
-          </a:prstGeom>
-          <a:noFill/>
-          <a:ln>
-            <a:noFill/>
-          </a:ln>
-        </p:spPr>
-        <p:style>
-          <a:lnRef idx="0">
-            <a:scrgbClr r="0" g="0" b="0"/>
-          </a:lnRef>
-          <a:fillRef idx="0">
-            <a:scrgbClr r="0" g="0" b="0"/>
-          </a:fillRef>
-          <a:effectRef idx="0">
-            <a:scrgbClr r="0" g="0" b="0"/>
-          </a:effectRef>
-          <a:fontRef idx="minor"/>
-        </p:style>
-        <p:txBody>
-          <a:bodyPr lIns="0" tIns="0" rIns="0" bIns="0"/>
-          <a:lstStyle/>
-          <a:p>
-            <a:pPr>
-              <a:lnSpc>
-                <a:spcPct val="100000"/>
-              </a:lnSpc>
-            </a:pPr>
-            <a:r>
-              <a:rPr lang="de-DE" sz="4000" b="1" strike="noStrike" cap="small" spc="-1">
-                <a:solidFill>
-                  <a:srgbClr val="2D2015"/>
-                </a:solidFill>
-                <a:uFill>
-                  <a:solidFill>
-                    <a:srgbClr val="FFFFFF"/>
-                  </a:solidFill>
-                </a:uFill>
-                <a:latin typeface="Arial"/>
-              </a:rPr>
-              <a:t>Inhalt</a:t>
-            </a:r>
-            <a:endParaRPr lang="de-DE" sz="1800" b="0" strike="noStrike" spc="-1">
-              <a:solidFill>
-                <a:srgbClr val="000000"/>
-              </a:solidFill>
-              <a:uFill>
-                <a:solidFill>
-                  <a:srgbClr val="FFFFFF"/>
-                </a:solidFill>
-              </a:uFill>
-              <a:latin typeface="Arial"/>
-            </a:endParaRPr>
-          </a:p>
-        </p:txBody>
-      </p:sp>
-      <p:sp>
-        <p:nvSpPr>
-          <p:cNvPr id="131" name="CustomShape 2"/>
-          <p:cNvSpPr/>
-          <p:nvPr/>
-        </p:nvSpPr>
-        <p:spPr>
-          <a:xfrm>
-            <a:off x="683640" y="1989000"/>
-            <a:ext cx="4103640" cy="2010240"/>
-          </a:xfrm>
-          <a:prstGeom prst="rect">
-            <a:avLst/>
-          </a:prstGeom>
-          <a:noFill/>
-          <a:ln>
-            <a:noFill/>
-          </a:ln>
-        </p:spPr>
-        <p:style>
-          <a:lnRef idx="0">
-            <a:scrgbClr r="0" g="0" b="0"/>
-          </a:lnRef>
-          <a:fillRef idx="0">
-            <a:scrgbClr r="0" g="0" b="0"/>
-          </a:fillRef>
-          <a:effectRef idx="0">
-            <a:scrgbClr r="0" g="0" b="0"/>
-          </a:effectRef>
-          <a:fontRef idx="minor"/>
-        </p:style>
-        <p:txBody>
-          <a:bodyPr lIns="90000" tIns="45000" rIns="90000" bIns="45000"/>
-          <a:lstStyle/>
-          <a:p>
-            <a:pPr marL="343080" indent="-342360">
-              <a:lnSpc>
-                <a:spcPct val="100000"/>
-              </a:lnSpc>
-              <a:buClr>
-                <a:srgbClr val="333333"/>
-              </a:buClr>
-              <a:buFont typeface="Arial"/>
-              <a:buAutoNum type="arabicPeriod"/>
-            </a:pPr>
-            <a:r>
-              <a:rPr lang="de-DE" sz="1800" b="0" strike="noStrike" spc="-1">
-                <a:solidFill>
-                  <a:srgbClr val="333333"/>
-                </a:solidFill>
-                <a:uFill>
-                  <a:solidFill>
-                    <a:srgbClr val="FFFFFF"/>
-                  </a:solidFill>
-                </a:uFill>
-                <a:latin typeface="Arial"/>
-                <a:ea typeface="DejaVu Sans"/>
-              </a:rPr>
-              <a:t>WebProjectManagment</a:t>
-            </a:r>
-            <a:endParaRPr lang="de-DE" sz="1800" b="0" strike="noStrike" spc="-1">
-              <a:solidFill>
-                <a:srgbClr val="000000"/>
-              </a:solidFill>
-              <a:uFill>
-                <a:solidFill>
-                  <a:srgbClr val="FFFFFF"/>
-                </a:solidFill>
-              </a:uFill>
-              <a:latin typeface="Arial"/>
-            </a:endParaRPr>
-          </a:p>
-          <a:p>
-            <a:pPr marL="343080" indent="-342360">
-              <a:lnSpc>
-                <a:spcPct val="100000"/>
-              </a:lnSpc>
-              <a:buClr>
-                <a:srgbClr val="333333"/>
-              </a:buClr>
-              <a:buFont typeface="Arial"/>
-              <a:buAutoNum type="arabicPeriod"/>
-            </a:pPr>
-            <a:r>
-              <a:rPr lang="de-DE" sz="1800" b="0" strike="noStrike" spc="-1">
-                <a:solidFill>
-                  <a:srgbClr val="333333"/>
-                </a:solidFill>
-                <a:uFill>
-                  <a:solidFill>
-                    <a:srgbClr val="FFFFFF"/>
-                  </a:solidFill>
-                </a:uFill>
-                <a:latin typeface="Arial"/>
-                <a:ea typeface="DejaVu Sans"/>
-              </a:rPr>
-              <a:t>Embedded Systems</a:t>
-            </a:r>
-            <a:endParaRPr lang="de-DE" sz="1800" b="0" strike="noStrike" spc="-1">
-              <a:solidFill>
-                <a:srgbClr val="000000"/>
-              </a:solidFill>
-              <a:uFill>
-                <a:solidFill>
-                  <a:srgbClr val="FFFFFF"/>
-                </a:solidFill>
-              </a:uFill>
-              <a:latin typeface="Arial"/>
-            </a:endParaRPr>
-          </a:p>
-          <a:p>
-            <a:pPr marL="343080" indent="-342360">
-              <a:lnSpc>
-                <a:spcPct val="100000"/>
-              </a:lnSpc>
-              <a:buClr>
-                <a:srgbClr val="333333"/>
-              </a:buClr>
-              <a:buFont typeface="Arial"/>
-              <a:buAutoNum type="arabicPeriod"/>
-            </a:pPr>
-            <a:r>
-              <a:rPr lang="de-DE" sz="1800" b="0" strike="noStrike" spc="-1">
-                <a:solidFill>
-                  <a:srgbClr val="333333"/>
-                </a:solidFill>
-                <a:uFill>
-                  <a:solidFill>
-                    <a:srgbClr val="FFFFFF"/>
-                  </a:solidFill>
-                </a:uFill>
-                <a:latin typeface="Arial"/>
-                <a:ea typeface="DejaVu Sans"/>
-              </a:rPr>
-              <a:t>GUI</a:t>
-            </a:r>
-            <a:endParaRPr lang="de-DE" sz="1800" b="0" strike="noStrike" spc="-1">
-              <a:solidFill>
-                <a:srgbClr val="000000"/>
-              </a:solidFill>
-              <a:uFill>
-                <a:solidFill>
-                  <a:srgbClr val="FFFFFF"/>
-                </a:solidFill>
-              </a:uFill>
-              <a:latin typeface="Arial"/>
-            </a:endParaRPr>
-          </a:p>
-          <a:p>
-            <a:pPr marL="343080" indent="-342360">
-              <a:lnSpc>
-                <a:spcPct val="100000"/>
-              </a:lnSpc>
-              <a:buClr>
-                <a:srgbClr val="333333"/>
-              </a:buClr>
-              <a:buFont typeface="Arial"/>
-              <a:buAutoNum type="arabicPeriod"/>
-            </a:pPr>
-            <a:r>
-              <a:rPr lang="de-DE" sz="1800" b="0" strike="noStrike" spc="-1">
-                <a:solidFill>
-                  <a:srgbClr val="333333"/>
-                </a:solidFill>
-                <a:uFill>
-                  <a:solidFill>
-                    <a:srgbClr val="FFFFFF"/>
-                  </a:solidFill>
-                </a:uFill>
-                <a:latin typeface="Arial"/>
-                <a:ea typeface="DejaVu Sans"/>
-              </a:rPr>
-              <a:t>Datenbanken</a:t>
-            </a:r>
-            <a:endParaRPr lang="de-DE" sz="1800" b="0" strike="noStrike" spc="-1">
-              <a:solidFill>
-                <a:srgbClr val="000000"/>
-              </a:solidFill>
-              <a:uFill>
-                <a:solidFill>
-                  <a:srgbClr val="FFFFFF"/>
-                </a:solidFill>
-              </a:uFill>
-              <a:latin typeface="Arial"/>
-            </a:endParaRPr>
-          </a:p>
-          <a:p>
-            <a:pPr marL="343080" indent="-342360">
-              <a:lnSpc>
-                <a:spcPct val="100000"/>
-              </a:lnSpc>
-              <a:buClr>
-                <a:srgbClr val="333333"/>
-              </a:buClr>
-              <a:buFont typeface="Arial"/>
-              <a:buAutoNum type="arabicPeriod"/>
-            </a:pPr>
-            <a:r>
-              <a:rPr lang="de-DE" sz="1800" b="0" strike="noStrike" spc="-1">
-                <a:solidFill>
-                  <a:srgbClr val="333333"/>
-                </a:solidFill>
-                <a:uFill>
-                  <a:solidFill>
-                    <a:srgbClr val="FFFFFF"/>
-                  </a:solidFill>
-                </a:uFill>
-                <a:latin typeface="Arial"/>
-                <a:ea typeface="DejaVu Sans"/>
-              </a:rPr>
-              <a:t>Applikation</a:t>
-            </a:r>
-            <a:endParaRPr lang="de-DE" sz="1800" b="0" strike="noStrike" spc="-1">
-              <a:solidFill>
-                <a:srgbClr val="000000"/>
-              </a:solidFill>
-              <a:uFill>
-                <a:solidFill>
-                  <a:srgbClr val="FFFFFF"/>
-                </a:solidFill>
-              </a:uFill>
-              <a:latin typeface="Arial"/>
-            </a:endParaRPr>
-          </a:p>
-          <a:p>
-            <a:pPr marL="343080" indent="-342360">
-              <a:lnSpc>
-                <a:spcPct val="100000"/>
-              </a:lnSpc>
-              <a:buClr>
-                <a:srgbClr val="333333"/>
-              </a:buClr>
-              <a:buFont typeface="Arial"/>
-              <a:buAutoNum type="arabicPeriod"/>
-            </a:pPr>
-            <a:r>
-              <a:rPr lang="de-DE" sz="1800" b="0" strike="noStrike" spc="-1">
-                <a:solidFill>
-                  <a:srgbClr val="333333"/>
-                </a:solidFill>
-                <a:uFill>
-                  <a:solidFill>
-                    <a:srgbClr val="FFFFFF"/>
-                  </a:solidFill>
-                </a:uFill>
-                <a:latin typeface="Arial"/>
-                <a:ea typeface="DejaVu Sans"/>
-              </a:rPr>
-              <a:t>Fragen</a:t>
-            </a:r>
-            <a:endParaRPr lang="de-DE" sz="1800" b="0" strike="noStrike" spc="-1">
-              <a:solidFill>
-                <a:srgbClr val="000000"/>
-              </a:solidFill>
-              <a:uFill>
-                <a:solidFill>
-                  <a:srgbClr val="FFFFFF"/>
-                </a:solidFill>
-              </a:uFill>
-              <a:latin typeface="Arial"/>
-            </a:endParaRPr>
-          </a:p>
-          <a:p>
-            <a:pPr marL="343080" indent="-342360">
-              <a:lnSpc>
-                <a:spcPct val="100000"/>
-              </a:lnSpc>
-              <a:buClr>
-                <a:srgbClr val="333333"/>
-              </a:buClr>
-              <a:buFont typeface="Arial"/>
-              <a:buAutoNum type="arabicPeriod"/>
-            </a:pPr>
-            <a:r>
-              <a:rPr lang="de-DE" sz="1800" b="0" strike="noStrike" spc="-1">
-                <a:solidFill>
-                  <a:srgbClr val="333333"/>
-                </a:solidFill>
-                <a:uFill>
-                  <a:solidFill>
-                    <a:srgbClr val="FFFFFF"/>
-                  </a:solidFill>
-                </a:uFill>
-                <a:latin typeface="Arial"/>
-                <a:ea typeface="DejaVu Sans"/>
-              </a:rPr>
-              <a:t>Live 	</a:t>
-            </a:r>
-            <a:endParaRPr lang="de-DE" sz="1800" b="0" strike="noStrike" spc="-1">
-              <a:solidFill>
-                <a:srgbClr val="000000"/>
-              </a:solidFill>
-              <a:uFill>
-                <a:solidFill>
-                  <a:srgbClr val="FFFFFF"/>
-                </a:solidFill>
-              </a:uFill>
-              <a:latin typeface="Arial"/>
-            </a:endParaRPr>
-          </a:p>
-        </p:txBody>
-      </p:sp>
-    </p:spTree>
-  </p:cSld>
-  <p:clrMapOvr>
-    <a:masterClrMapping/>
-  </p:clrMapOvr>
-  <p:timing>
-    <p:tnLst>
-      <p:par>
-        <p:cTn id="1" dur="indefinite" restart="never" nodeType="tmRoot">
-          <p:childTnLst>
-            <p:seq>
-              <p:cTn id="2" nodeType="mainSeq"/>
-              <p:prevCondLst>
-                <p:cond evt="onPrev" delay="0">
-                  <p:tgtEl>
-                    <p:sldTgt/>
-                  </p:tgtEl>
-                </p:cond>
-              </p:prevCondLst>
-              <p:nextCondLst>
-                <p:cond evt="onNext" delay="0">
-                  <p:tgtEl>
-                    <p:sldTgt/>
-                  </p:tgtEl>
-                </p:cond>
-              </p:nextCondLst>
-            </p:seq>
-          </p:childTnLst>
-        </p:cTn>
-      </p:par>
-    </p:tnLst>
-  </p:timing>
-</p:sld>
-</file>
-
-<file path=ppt/slides/slide20.xml><?xml version="1.0" encoding="utf-8"?>
-<p:sld xmlns:a="http://schemas.openxmlformats.org/drawingml/2006/main" xmlns:r="http://schemas.openxmlformats.org/officeDocument/2006/relationships" xmlns:p="http://schemas.openxmlformats.org/presentationml/2006/main">
-  <p:cSld>
-    <p:spTree>
-      <p:nvGrpSpPr>
-        <p:cNvPr id="1" name=""/>
-        <p:cNvGrpSpPr/>
-        <p:nvPr/>
-      </p:nvGrpSpPr>
-      <p:grpSpPr>
-        <a:xfrm>
-          <a:off x="0" y="0"/>
-          <a:ext cx="0" cy="0"/>
-          <a:chOff x="0" y="0"/>
-          <a:chExt cx="0" cy="0"/>
-        </a:xfrm>
-      </p:grpSpPr>
-      <p:sp>
-        <p:nvSpPr>
-          <p:cNvPr id="182" name="CustomShape 1"/>
-          <p:cNvSpPr/>
-          <p:nvPr/>
-        </p:nvSpPr>
-        <p:spPr>
-          <a:xfrm>
-            <a:off x="719280" y="1288080"/>
-            <a:ext cx="7700400" cy="368640"/>
-          </a:xfrm>
-          <a:prstGeom prst="rect">
-            <a:avLst/>
-          </a:prstGeom>
-          <a:noFill/>
-          <a:ln>
-            <a:noFill/>
-          </a:ln>
-        </p:spPr>
-        <p:style>
-          <a:lnRef idx="0">
-            <a:scrgbClr r="0" g="0" b="0"/>
-          </a:lnRef>
-          <a:fillRef idx="0">
-            <a:scrgbClr r="0" g="0" b="0"/>
-          </a:fillRef>
-          <a:effectRef idx="0">
-            <a:scrgbClr r="0" g="0" b="0"/>
-          </a:effectRef>
-          <a:fontRef idx="minor"/>
-        </p:style>
-        <p:txBody>
-          <a:bodyPr lIns="0" tIns="0" rIns="0" bIns="0" anchor="b"/>
-          <a:lstStyle/>
-          <a:p>
-            <a:pPr>
-              <a:lnSpc>
-                <a:spcPct val="100000"/>
-              </a:lnSpc>
-            </a:pPr>
-            <a:r>
-              <a:rPr lang="de-DE" sz="2400" b="1" strike="noStrike" spc="-1">
-                <a:solidFill>
-                  <a:srgbClr val="2D2015"/>
-                </a:solidFill>
-                <a:uFill>
-                  <a:solidFill>
-                    <a:srgbClr val="FFFFFF"/>
-                  </a:solidFill>
-                </a:uFill>
-                <a:latin typeface="Arial"/>
-              </a:rPr>
-              <a:t>Applikation</a:t>
-            </a:r>
-            <a:endParaRPr lang="de-DE" sz="1800" b="0" strike="noStrike" spc="-1">
-              <a:solidFill>
-                <a:srgbClr val="000000"/>
-              </a:solidFill>
-              <a:uFill>
-                <a:solidFill>
-                  <a:srgbClr val="FFFFFF"/>
-                </a:solidFill>
-              </a:uFill>
-              <a:latin typeface="Arial"/>
-            </a:endParaRPr>
-          </a:p>
-        </p:txBody>
-      </p:sp>
-      <p:sp>
-        <p:nvSpPr>
-          <p:cNvPr id="183" name="CustomShape 2"/>
-          <p:cNvSpPr/>
-          <p:nvPr/>
-        </p:nvSpPr>
-        <p:spPr>
-          <a:xfrm>
-            <a:off x="719280" y="1773360"/>
-            <a:ext cx="7705080" cy="4352040"/>
-          </a:xfrm>
-          <a:prstGeom prst="rect">
-            <a:avLst/>
-          </a:prstGeom>
-          <a:noFill/>
-          <a:ln>
-            <a:noFill/>
-          </a:ln>
-        </p:spPr>
-        <p:style>
-          <a:lnRef idx="0">
-            <a:scrgbClr r="0" g="0" b="0"/>
-          </a:lnRef>
-          <a:fillRef idx="0">
-            <a:scrgbClr r="0" g="0" b="0"/>
-          </a:fillRef>
-          <a:effectRef idx="0">
-            <a:scrgbClr r="0" g="0" b="0"/>
-          </a:effectRef>
-          <a:fontRef idx="minor"/>
-        </p:style>
-        <p:txBody>
-          <a:bodyPr lIns="0" tIns="0" rIns="0" bIns="0"/>
-          <a:lstStyle/>
-          <a:p>
-            <a:pPr>
-              <a:lnSpc>
-                <a:spcPct val="100000"/>
-              </a:lnSpc>
-            </a:pPr>
-            <a:r>
-              <a:rPr lang="de-DE" sz="2000" b="0" strike="noStrike" spc="-1">
-                <a:solidFill>
-                  <a:srgbClr val="333333"/>
-                </a:solidFill>
-                <a:uFill>
-                  <a:solidFill>
-                    <a:srgbClr val="FFFFFF"/>
-                  </a:solidFill>
-                </a:uFill>
-                <a:latin typeface="Arial"/>
-              </a:rPr>
-              <a:t>Funktionen:</a:t>
-            </a:r>
-            <a:endParaRPr lang="de-DE" sz="1800" b="0" strike="noStrike" spc="-1">
-              <a:solidFill>
-                <a:srgbClr val="000000"/>
-              </a:solidFill>
-              <a:uFill>
-                <a:solidFill>
-                  <a:srgbClr val="FFFFFF"/>
-                </a:solidFill>
-              </a:uFill>
-              <a:latin typeface="Arial"/>
-            </a:endParaRPr>
-          </a:p>
-          <a:p>
-            <a:pPr marL="181080" indent="-180360">
-              <a:lnSpc>
-                <a:spcPct val="100000"/>
-              </a:lnSpc>
-              <a:buClr>
-                <a:srgbClr val="333333"/>
-              </a:buClr>
-              <a:buFont typeface="Symbol"/>
-              <a:buChar char=""/>
-            </a:pPr>
-            <a:r>
-              <a:rPr lang="de-DE" sz="2000" b="0" strike="noStrike" spc="-1">
-                <a:solidFill>
-                  <a:srgbClr val="333333"/>
-                </a:solidFill>
-                <a:uFill>
-                  <a:solidFill>
-                    <a:srgbClr val="FFFFFF"/>
-                  </a:solidFill>
-                </a:uFill>
-                <a:latin typeface="Arial"/>
-              </a:rPr>
-              <a:t>Motor starten/stoppen</a:t>
-            </a:r>
-            <a:endParaRPr lang="de-DE" sz="1800" b="0" strike="noStrike" spc="-1">
-              <a:solidFill>
-                <a:srgbClr val="000000"/>
-              </a:solidFill>
-              <a:uFill>
-                <a:solidFill>
-                  <a:srgbClr val="FFFFFF"/>
-                </a:solidFill>
-              </a:uFill>
-              <a:latin typeface="Arial"/>
-            </a:endParaRPr>
-          </a:p>
-          <a:p>
-            <a:pPr marL="181080" indent="-180360">
-              <a:lnSpc>
-                <a:spcPct val="100000"/>
-              </a:lnSpc>
-              <a:buClr>
-                <a:srgbClr val="333333"/>
-              </a:buClr>
-              <a:buFont typeface="Symbol"/>
-              <a:buChar char=""/>
-            </a:pPr>
-            <a:r>
-              <a:rPr lang="de-DE" sz="2000" b="0" strike="noStrike" spc="-1">
-                <a:solidFill>
-                  <a:srgbClr val="333333"/>
-                </a:solidFill>
-                <a:uFill>
-                  <a:solidFill>
-                    <a:srgbClr val="FFFFFF"/>
-                  </a:solidFill>
-                </a:uFill>
-                <a:latin typeface="Arial"/>
-              </a:rPr>
-              <a:t>Rotortest</a:t>
-            </a:r>
-            <a:endParaRPr lang="de-DE" sz="1800" b="0" strike="noStrike" spc="-1">
-              <a:solidFill>
-                <a:srgbClr val="000000"/>
-              </a:solidFill>
-              <a:uFill>
-                <a:solidFill>
-                  <a:srgbClr val="FFFFFF"/>
-                </a:solidFill>
-              </a:uFill>
-              <a:latin typeface="Arial"/>
-            </a:endParaRPr>
-          </a:p>
-          <a:p>
-            <a:pPr marL="181080" indent="-180360">
-              <a:lnSpc>
-                <a:spcPct val="100000"/>
-              </a:lnSpc>
-              <a:buClr>
-                <a:srgbClr val="333333"/>
-              </a:buClr>
-              <a:buFont typeface="Symbol"/>
-              <a:buChar char=""/>
-            </a:pPr>
-            <a:r>
-              <a:rPr lang="de-DE" sz="2000" b="0" strike="noStrike" spc="-1">
-                <a:solidFill>
-                  <a:srgbClr val="333333"/>
-                </a:solidFill>
-                <a:uFill>
-                  <a:solidFill>
-                    <a:srgbClr val="FFFFFF"/>
-                  </a:solidFill>
-                </a:uFill>
-                <a:latin typeface="Arial"/>
-              </a:rPr>
-              <a:t>Einzelansteuerung der Rotoren</a:t>
-            </a:r>
-            <a:endParaRPr lang="de-DE" sz="1800" b="0" strike="noStrike" spc="-1">
-              <a:solidFill>
-                <a:srgbClr val="000000"/>
-              </a:solidFill>
-              <a:uFill>
-                <a:solidFill>
-                  <a:srgbClr val="FFFFFF"/>
-                </a:solidFill>
-              </a:uFill>
-              <a:latin typeface="Arial"/>
-            </a:endParaRPr>
-          </a:p>
-          <a:p>
-            <a:pPr marL="181080" indent="-180360">
-              <a:lnSpc>
-                <a:spcPct val="100000"/>
-              </a:lnSpc>
-              <a:buClr>
-                <a:srgbClr val="333333"/>
-              </a:buClr>
-              <a:buFont typeface="Symbol"/>
-              <a:buChar char=""/>
-            </a:pPr>
-            <a:r>
-              <a:rPr lang="de-DE" sz="2000" b="0" strike="noStrike" spc="-1">
-                <a:solidFill>
-                  <a:srgbClr val="333333"/>
-                </a:solidFill>
-                <a:uFill>
-                  <a:solidFill>
-                    <a:srgbClr val="FFFFFF"/>
-                  </a:solidFill>
-                </a:uFill>
-                <a:latin typeface="Arial"/>
-              </a:rPr>
-              <a:t>Demo</a:t>
-            </a:r>
-            <a:endParaRPr lang="de-DE" sz="1800" b="0" strike="noStrike" spc="-1">
-              <a:solidFill>
-                <a:srgbClr val="000000"/>
-              </a:solidFill>
-              <a:uFill>
-                <a:solidFill>
-                  <a:srgbClr val="FFFFFF"/>
-                </a:solidFill>
-              </a:uFill>
-              <a:latin typeface="Arial"/>
-            </a:endParaRPr>
-          </a:p>
-        </p:txBody>
-      </p:sp>
-      <p:pic>
-        <p:nvPicPr>
-          <p:cNvPr id="184" name="Bild 3"/>
-          <p:cNvPicPr/>
-          <p:nvPr/>
-        </p:nvPicPr>
-        <p:blipFill>
-          <a:blip r:embed="rId2" cstate="print"/>
-          <a:stretch/>
-        </p:blipFill>
-        <p:spPr>
-          <a:xfrm>
-            <a:off x="6012000" y="1364760"/>
-            <a:ext cx="1945800" cy="3737520"/>
-          </a:xfrm>
-          <a:prstGeom prst="rect">
-            <a:avLst/>
-          </a:prstGeom>
-          <a:ln>
-            <a:noFill/>
-          </a:ln>
-        </p:spPr>
-      </p:pic>
-      <p:pic>
-        <p:nvPicPr>
-          <p:cNvPr id="185" name="Bild 4"/>
-          <p:cNvPicPr/>
-          <p:nvPr/>
-        </p:nvPicPr>
-        <p:blipFill>
-          <a:blip r:embed="rId3" cstate="print"/>
-          <a:srcRect l="10601" r="18819"/>
-          <a:stretch/>
-        </p:blipFill>
-        <p:spPr>
-          <a:xfrm>
-            <a:off x="2051640" y="4077000"/>
-            <a:ext cx="2159280" cy="1717200"/>
-          </a:xfrm>
-          <a:prstGeom prst="rect">
-            <a:avLst/>
-          </a:prstGeom>
-          <a:ln>
-            <a:noFill/>
-          </a:ln>
-        </p:spPr>
-      </p:pic>
-    </p:spTree>
-  </p:cSld>
-  <p:clrMapOvr>
-    <a:masterClrMapping/>
-  </p:clrMapOvr>
-  <p:timing>
-    <p:tnLst>
-      <p:par>
-        <p:cTn id="1" dur="indefinite" restart="never" nodeType="tmRoot">
-          <p:childTnLst>
-            <p:seq>
-              <p:cTn id="2" nodeType="mainSeq"/>
-              <p:prevCondLst>
-                <p:cond evt="onPrev" delay="0">
-                  <p:tgtEl>
-                    <p:sldTgt/>
-                  </p:tgtEl>
-                </p:cond>
-              </p:prevCondLst>
-              <p:nextCondLst>
-                <p:cond evt="onNext" delay="0">
-                  <p:tgtEl>
-                    <p:sldTgt/>
-                  </p:tgtEl>
-                </p:cond>
-              </p:nextCondLst>
-            </p:seq>
-          </p:childTnLst>
-        </p:cTn>
-      </p:par>
-    </p:tnLst>
-  </p:timing>
-</p:sld>
-</file>
-
 <file path=ppt/slides/slide21.xml><?xml version="1.0" encoding="utf-8"?>
 <p:sld xmlns:a="http://schemas.openxmlformats.org/drawingml/2006/main" xmlns:r="http://schemas.openxmlformats.org/officeDocument/2006/relationships" xmlns:p="http://schemas.openxmlformats.org/presentationml/2006/main">
   <p:cSld>
@@ -10720,13 +10943,13 @@
       </p:grpSpPr>
       <p:sp>
         <p:nvSpPr>
-          <p:cNvPr id="186" name="CustomShape 1"/>
+          <p:cNvPr id="174" name="CustomShape 1"/>
           <p:cNvSpPr/>
           <p:nvPr/>
         </p:nvSpPr>
         <p:spPr>
           <a:xfrm>
-            <a:off x="683640" y="3069000"/>
+            <a:off x="719280" y="1288080"/>
             <a:ext cx="7700400" cy="368640"/>
           </a:xfrm>
           <a:prstGeom prst="rect">
@@ -10753,7 +10976,7 @@
           <a:bodyPr lIns="0" tIns="0" rIns="0" bIns="0" anchor="b"/>
           <a:lstStyle/>
           <a:p>
-            <a:pPr algn="ctr">
+            <a:pPr>
               <a:lnSpc>
                 <a:spcPct val="100000"/>
               </a:lnSpc>
@@ -10770,9 +10993,377 @@
                 </a:uFill>
                 <a:latin typeface="Arial"/>
               </a:rPr>
-              <a:t>Fragen?</a:t>
+              <a:t>GUI</a:t>
             </a:r>
             <a:endParaRPr lang="de-DE" sz="1800" b="0" strike="noStrike" spc="-1">
+              <a:solidFill>
+                <a:srgbClr val="000000"/>
+              </a:solidFill>
+              <a:uFill>
+                <a:solidFill>
+                  <a:srgbClr val="FFFFFF"/>
+                </a:solidFill>
+              </a:uFill>
+              <a:latin typeface="Arial"/>
+            </a:endParaRPr>
+          </a:p>
+        </p:txBody>
+      </p:sp>
+      <p:sp>
+        <p:nvSpPr>
+          <p:cNvPr id="177" name="CustomShape 2"/>
+          <p:cNvSpPr/>
+          <p:nvPr/>
+        </p:nvSpPr>
+        <p:spPr>
+          <a:xfrm>
+            <a:off x="719280" y="1773360"/>
+            <a:ext cx="7705080" cy="4352040"/>
+          </a:xfrm>
+          <a:prstGeom prst="rect">
+            <a:avLst/>
+          </a:prstGeom>
+          <a:noFill/>
+          <a:ln>
+            <a:noFill/>
+          </a:ln>
+        </p:spPr>
+        <p:style>
+          <a:lnRef idx="0">
+            <a:scrgbClr r="0" g="0" b="0"/>
+          </a:lnRef>
+          <a:fillRef idx="0">
+            <a:scrgbClr r="0" g="0" b="0"/>
+          </a:fillRef>
+          <a:effectRef idx="0">
+            <a:scrgbClr r="0" g="0" b="0"/>
+          </a:effectRef>
+          <a:fontRef idx="minor"/>
+        </p:style>
+        <p:txBody>
+          <a:bodyPr lIns="0" tIns="0" rIns="0" bIns="0"/>
+          <a:lstStyle/>
+          <a:p>
+            <a:pPr>
+              <a:lnSpc>
+                <a:spcPct val="100000"/>
+              </a:lnSpc>
+            </a:pPr>
+            <a:r>
+              <a:rPr lang="de-DE" sz="2000" b="0" strike="noStrike" spc="-1" dirty="0" smtClean="0">
+                <a:solidFill>
+                  <a:srgbClr val="333333"/>
+                </a:solidFill>
+                <a:uFill>
+                  <a:solidFill>
+                    <a:srgbClr val="FFFFFF"/>
+                  </a:solidFill>
+                </a:uFill>
+                <a:latin typeface="Arial"/>
+              </a:rPr>
+              <a:t>Aufgaben:</a:t>
+            </a:r>
+            <a:endParaRPr lang="de-DE" sz="2000" b="0" strike="noStrike" spc="-1" dirty="0">
+              <a:solidFill>
+                <a:srgbClr val="000000"/>
+              </a:solidFill>
+              <a:uFill>
+                <a:solidFill>
+                  <a:srgbClr val="FFFFFF"/>
+                </a:solidFill>
+              </a:uFill>
+              <a:latin typeface="Arial"/>
+            </a:endParaRPr>
+          </a:p>
+          <a:p>
+            <a:pPr marL="181080" indent="-180360">
+              <a:lnSpc>
+                <a:spcPct val="100000"/>
+              </a:lnSpc>
+              <a:buClr>
+                <a:srgbClr val="333333"/>
+              </a:buClr>
+            </a:pPr>
+            <a:r>
+              <a:rPr lang="de-DE" sz="2000" spc="-1" dirty="0" smtClean="0">
+                <a:solidFill>
+                  <a:srgbClr val="333333"/>
+                </a:solidFill>
+                <a:uFill>
+                  <a:solidFill>
+                    <a:srgbClr val="FFFFFF"/>
+                  </a:solidFill>
+                </a:uFill>
+                <a:latin typeface="Arial"/>
+              </a:rPr>
+              <a:t>4. </a:t>
+            </a:r>
+            <a:r>
+              <a:rPr lang="de-DE" sz="2000" spc="-1" dirty="0" err="1" smtClean="0">
+                <a:solidFill>
+                  <a:srgbClr val="333333"/>
+                </a:solidFill>
+                <a:uFill>
+                  <a:solidFill>
+                    <a:srgbClr val="FFFFFF"/>
+                  </a:solidFill>
+                </a:uFill>
+                <a:latin typeface="Arial"/>
+              </a:rPr>
+              <a:t>M</a:t>
+            </a:r>
+            <a:r>
+              <a:rPr lang="de-DE" sz="2000" b="0" strike="noStrike" spc="-1" dirty="0" err="1" smtClean="0">
+                <a:solidFill>
+                  <a:srgbClr val="333333"/>
+                </a:solidFill>
+                <a:uFill>
+                  <a:solidFill>
+                    <a:srgbClr val="FFFFFF"/>
+                  </a:solidFill>
+                </a:uFill>
+                <a:latin typeface="Arial"/>
+              </a:rPr>
+              <a:t>aven</a:t>
+            </a:r>
+            <a:r>
+              <a:rPr lang="de-DE" sz="2000" b="0" strike="noStrike" spc="-1" dirty="0" smtClean="0">
+                <a:solidFill>
+                  <a:srgbClr val="333333"/>
+                </a:solidFill>
+                <a:uFill>
+                  <a:solidFill>
+                    <a:srgbClr val="FFFFFF"/>
+                  </a:solidFill>
+                </a:uFill>
+                <a:latin typeface="Arial"/>
+              </a:rPr>
+              <a:t>-Integration</a:t>
+            </a:r>
+            <a:r>
+              <a:rPr lang="de-DE" sz="2000" b="0" strike="noStrike" spc="-1" dirty="0" smtClean="0">
+                <a:solidFill>
+                  <a:srgbClr val="333333"/>
+                </a:solidFill>
+                <a:uFill>
+                  <a:solidFill>
+                    <a:srgbClr val="FFFFFF"/>
+                  </a:solidFill>
+                </a:uFill>
+                <a:latin typeface="Arial"/>
+              </a:rPr>
+              <a:t>, automatische Tests und </a:t>
+            </a:r>
+            <a:r>
+              <a:rPr lang="de-DE" sz="2000" b="0" strike="noStrike" spc="-1" dirty="0" err="1" smtClean="0">
+                <a:solidFill>
+                  <a:srgbClr val="333333"/>
+                </a:solidFill>
+                <a:uFill>
+                  <a:solidFill>
+                    <a:srgbClr val="FFFFFF"/>
+                  </a:solidFill>
+                </a:uFill>
+                <a:latin typeface="Arial"/>
+              </a:rPr>
+              <a:t>Javadoc</a:t>
+            </a:r>
+            <a:endParaRPr lang="de-DE" sz="2000" b="0" strike="noStrike" spc="-1" dirty="0" smtClean="0">
+              <a:solidFill>
+                <a:srgbClr val="333333"/>
+              </a:solidFill>
+              <a:uFill>
+                <a:solidFill>
+                  <a:srgbClr val="FFFFFF"/>
+                </a:solidFill>
+              </a:uFill>
+              <a:latin typeface="Arial"/>
+            </a:endParaRPr>
+          </a:p>
+          <a:p>
+            <a:pPr marL="181080" indent="-180360">
+              <a:lnSpc>
+                <a:spcPct val="100000"/>
+              </a:lnSpc>
+              <a:buClr>
+                <a:srgbClr val="333333"/>
+              </a:buClr>
+              <a:buFont typeface="Arial" pitchFamily="34" charset="0"/>
+              <a:buChar char="•"/>
+            </a:pPr>
+            <a:r>
+              <a:rPr lang="de-DE" sz="2000" spc="-1" dirty="0" smtClean="0">
+                <a:solidFill>
+                  <a:srgbClr val="333333"/>
+                </a:solidFill>
+                <a:uFill>
+                  <a:solidFill>
+                    <a:srgbClr val="FFFFFF"/>
+                  </a:solidFill>
+                </a:uFill>
+                <a:latin typeface="Arial"/>
+              </a:rPr>
+              <a:t>Kompilieren des Projekts mit </a:t>
+            </a:r>
+            <a:r>
+              <a:rPr lang="de-DE" sz="2000" spc="-1" dirty="0" err="1" smtClean="0">
+                <a:solidFill>
+                  <a:srgbClr val="333333"/>
+                </a:solidFill>
+                <a:uFill>
+                  <a:solidFill>
+                    <a:srgbClr val="FFFFFF"/>
+                  </a:solidFill>
+                </a:uFill>
+                <a:latin typeface="Arial"/>
+              </a:rPr>
+              <a:t>Maven</a:t>
+            </a:r>
+            <a:r>
+              <a:rPr lang="de-DE" sz="2000" spc="-1" dirty="0">
+                <a:solidFill>
+                  <a:srgbClr val="000000"/>
+                </a:solidFill>
+                <a:uFill>
+                  <a:solidFill>
+                    <a:srgbClr val="FFFFFF"/>
+                  </a:solidFill>
+                </a:uFill>
+                <a:latin typeface="Arial"/>
+              </a:rPr>
+              <a:t> </a:t>
+            </a:r>
+            <a:r>
+              <a:rPr lang="de-DE" sz="2000" spc="-1" dirty="0" smtClean="0">
+                <a:solidFill>
+                  <a:srgbClr val="000000"/>
+                </a:solidFill>
+                <a:uFill>
+                  <a:solidFill>
+                    <a:srgbClr val="FFFFFF"/>
+                  </a:solidFill>
+                </a:uFill>
+                <a:latin typeface="Arial"/>
+              </a:rPr>
+              <a:t>lokal oder im </a:t>
+            </a:r>
+            <a:r>
+              <a:rPr lang="de-DE" sz="2000" spc="-1" dirty="0" err="1" smtClean="0">
+                <a:solidFill>
+                  <a:srgbClr val="000000"/>
+                </a:solidFill>
+                <a:uFill>
+                  <a:solidFill>
+                    <a:srgbClr val="FFFFFF"/>
+                  </a:solidFill>
+                </a:uFill>
+                <a:latin typeface="Arial"/>
+              </a:rPr>
+              <a:t>GitLab</a:t>
+            </a:r>
+            <a:endParaRPr lang="de-DE" sz="2000" spc="-1" dirty="0" smtClean="0">
+              <a:solidFill>
+                <a:srgbClr val="000000"/>
+              </a:solidFill>
+              <a:uFill>
+                <a:solidFill>
+                  <a:srgbClr val="FFFFFF"/>
+                </a:solidFill>
+              </a:uFill>
+              <a:latin typeface="Arial"/>
+            </a:endParaRPr>
+          </a:p>
+          <a:p>
+            <a:pPr marL="181080" indent="-180360">
+              <a:lnSpc>
+                <a:spcPct val="100000"/>
+              </a:lnSpc>
+              <a:buClr>
+                <a:srgbClr val="333333"/>
+              </a:buClr>
+              <a:buFont typeface="Arial" pitchFamily="34" charset="0"/>
+              <a:buChar char="•"/>
+            </a:pPr>
+            <a:r>
+              <a:rPr lang="de-DE" sz="2000" spc="-1" dirty="0" smtClean="0">
+                <a:solidFill>
+                  <a:srgbClr val="000000"/>
+                </a:solidFill>
+                <a:uFill>
+                  <a:solidFill>
+                    <a:srgbClr val="FFFFFF"/>
+                  </a:solidFill>
+                </a:uFill>
+                <a:latin typeface="Arial"/>
+              </a:rPr>
+              <a:t>Tests mit </a:t>
+            </a:r>
+            <a:r>
+              <a:rPr lang="de-DE" sz="2000" spc="-1" dirty="0" err="1" smtClean="0">
+                <a:solidFill>
+                  <a:srgbClr val="000000"/>
+                </a:solidFill>
+                <a:uFill>
+                  <a:solidFill>
+                    <a:srgbClr val="FFFFFF"/>
+                  </a:solidFill>
+                </a:uFill>
+                <a:latin typeface="Arial"/>
+              </a:rPr>
+              <a:t>Junit</a:t>
+            </a:r>
+            <a:endParaRPr lang="de-DE" sz="2000" spc="-1" dirty="0" smtClean="0">
+              <a:solidFill>
+                <a:srgbClr val="000000"/>
+              </a:solidFill>
+              <a:uFill>
+                <a:solidFill>
+                  <a:srgbClr val="FFFFFF"/>
+                </a:solidFill>
+              </a:uFill>
+              <a:latin typeface="Arial"/>
+            </a:endParaRPr>
+          </a:p>
+          <a:p>
+            <a:pPr marL="181080" indent="-180360">
+              <a:lnSpc>
+                <a:spcPct val="100000"/>
+              </a:lnSpc>
+              <a:buClr>
+                <a:srgbClr val="333333"/>
+              </a:buClr>
+              <a:buFont typeface="Arial" pitchFamily="34" charset="0"/>
+              <a:buChar char="•"/>
+            </a:pPr>
+            <a:r>
+              <a:rPr lang="de-DE" sz="2000" spc="-1" dirty="0" smtClean="0">
+                <a:solidFill>
+                  <a:srgbClr val="000000"/>
+                </a:solidFill>
+                <a:uFill>
+                  <a:solidFill>
+                    <a:srgbClr val="FFFFFF"/>
+                  </a:solidFill>
+                </a:uFill>
+                <a:latin typeface="Arial"/>
+              </a:rPr>
+              <a:t>Dokumentation des Projekts mit </a:t>
+            </a:r>
+            <a:r>
+              <a:rPr lang="de-DE" sz="2000" spc="-1" dirty="0" err="1" smtClean="0">
+                <a:solidFill>
+                  <a:srgbClr val="000000"/>
+                </a:solidFill>
+                <a:uFill>
+                  <a:solidFill>
+                    <a:srgbClr val="FFFFFF"/>
+                  </a:solidFill>
+                </a:uFill>
+                <a:latin typeface="Arial"/>
+              </a:rPr>
+              <a:t>Javadoc</a:t>
+            </a:r>
+            <a:endParaRPr lang="de-DE" sz="2000" spc="-1" dirty="0" smtClean="0">
               <a:solidFill>
                 <a:srgbClr val="000000"/>
               </a:solidFill>
@@ -10840,7 +11431,7 @@
       </p:grpSpPr>
       <p:sp>
         <p:nvSpPr>
-          <p:cNvPr id="187" name="CustomShape 1"/>
+          <p:cNvPr id="174" name="CustomShape 1"/>
           <p:cNvSpPr/>
           <p:nvPr/>
         </p:nvSpPr>
@@ -10873,7 +11464,7 @@
           <a:bodyPr lIns="0" tIns="0" rIns="0" bIns="0" anchor="b"/>
           <a:lstStyle/>
           <a:p>
-            <a:pPr algn="ctr">
+            <a:pPr>
               <a:lnSpc>
                 <a:spcPct val="100000"/>
               </a:lnSpc>
@@ -10890,7 +11481,7 @@
                 </a:uFill>
                 <a:latin typeface="Arial"/>
               </a:rPr>
-              <a:t>Live Präsentation</a:t>
+              <a:t>GUI</a:t>
             </a:r>
             <a:endParaRPr lang="de-DE" sz="1800" b="0" strike="noStrike" spc="-1">
               <a:solidFill>
@@ -10908,71 +11499,28 @@
       </p:sp>
       <p:pic>
         <p:nvPicPr>
-          <p:cNvPr id="188" name="Inhaltsplatzhalter 1"/>
-          <p:cNvPicPr/>
+          <p:cNvPr id="1026" name="Picture 2" descr="G:\Philipp\Desktop\javadocPNG.PNG"/>
+          <p:cNvPicPr>
+            <a:picLocks noChangeAspect="1" noChangeArrowheads="1"/>
+          </p:cNvPicPr>
           <p:nvPr/>
         </p:nvPicPr>
         <p:blipFill>
           <a:blip r:embed="rId2" cstate="print"/>
-          <a:stretch/>
+          <a:srcRect/>
+          <a:stretch>
+            <a:fillRect/>
+          </a:stretch>
         </p:blipFill>
-        <p:spPr>
-          <a:xfrm>
-            <a:off x="2267640" y="1999800"/>
-            <a:ext cx="3564720" cy="3658320"/>
-          </a:xfrm>
-          <a:prstGeom prst="rect">
-            <a:avLst/>
-          </a:prstGeom>
-          <a:ln>
-            <a:noFill/>
-          </a:ln>
-        </p:spPr>
-      </p:pic>
-      <p:pic>
-        <p:nvPicPr>
-          <p:cNvPr id="189" name="Bild 2"/>
-          <p:cNvPicPr/>
-          <p:nvPr/>
-        </p:nvPicPr>
-        <p:blipFill>
-          <a:blip r:embed="rId3" cstate="print"/>
-          <a:stretch/>
-        </p:blipFill>
-        <p:spPr>
-          <a:xfrm>
-            <a:off x="611640" y="2768040"/>
-            <a:ext cx="1267920" cy="2435400"/>
-          </a:xfrm>
-          <a:prstGeom prst="rect">
-            <a:avLst/>
-          </a:prstGeom>
-          <a:ln>
-            <a:noFill/>
-          </a:ln>
-        </p:spPr>
-      </p:pic>
-      <p:pic>
-        <p:nvPicPr>
-          <p:cNvPr id="190" name="Bild 4"/>
-          <p:cNvPicPr/>
-          <p:nvPr/>
-        </p:nvPicPr>
-        <p:blipFill>
-          <a:blip r:embed="rId4" cstate="print"/>
-          <a:stretch/>
-        </p:blipFill>
-        <p:spPr>
-          <a:xfrm>
-            <a:off x="5833440" y="2925000"/>
-            <a:ext cx="3170520" cy="2121840"/>
-          </a:xfrm>
-          <a:prstGeom prst="rect">
-            <a:avLst/>
-          </a:prstGeom>
-          <a:ln>
-            <a:noFill/>
-          </a:ln>
+        <p:spPr bwMode="auto">
+          <a:xfrm>
+            <a:off x="683568" y="1628800"/>
+            <a:ext cx="8001416" cy="4784948"/>
+          </a:xfrm>
+          <a:prstGeom prst="rect">
+            <a:avLst/>
+          </a:prstGeom>
+          <a:noFill/>
         </p:spPr>
       </p:pic>
     </p:spTree>
@@ -11011,6 +11559,887 @@
 </file>
 
 <file path=ppt/slides/slide23.xml><?xml version="1.0" encoding="utf-8"?>
+<p:sld xmlns:a="http://schemas.openxmlformats.org/drawingml/2006/main" xmlns:r="http://schemas.openxmlformats.org/officeDocument/2006/relationships" xmlns:p="http://schemas.openxmlformats.org/presentationml/2006/main">
+  <p:cSld>
+    <p:spTree>
+      <p:nvGrpSpPr>
+        <p:cNvPr id="1" name=""/>
+        <p:cNvGrpSpPr/>
+        <p:nvPr/>
+      </p:nvGrpSpPr>
+      <p:grpSpPr>
+        <a:xfrm>
+          <a:off x="0" y="0"/>
+          <a:ext cx="0" cy="0"/>
+          <a:chOff x="0" y="0"/>
+          <a:chExt cx="0" cy="0"/>
+        </a:xfrm>
+      </p:grpSpPr>
+      <p:sp>
+        <p:nvSpPr>
+          <p:cNvPr id="178" name="CustomShape 1"/>
+          <p:cNvSpPr/>
+          <p:nvPr/>
+        </p:nvSpPr>
+        <p:spPr>
+          <a:xfrm>
+            <a:off x="719280" y="1288080"/>
+            <a:ext cx="7700400" cy="368640"/>
+          </a:xfrm>
+          <a:prstGeom prst="rect">
+            <a:avLst/>
+          </a:prstGeom>
+          <a:noFill/>
+          <a:ln>
+            <a:noFill/>
+          </a:ln>
+        </p:spPr>
+        <p:style>
+          <a:lnRef idx="0">
+            <a:scrgbClr r="0" g="0" b="0"/>
+          </a:lnRef>
+          <a:fillRef idx="0">
+            <a:scrgbClr r="0" g="0" b="0"/>
+          </a:fillRef>
+          <a:effectRef idx="0">
+            <a:scrgbClr r="0" g="0" b="0"/>
+          </a:effectRef>
+          <a:fontRef idx="minor"/>
+        </p:style>
+        <p:txBody>
+          <a:bodyPr lIns="0" tIns="0" rIns="0" bIns="0" anchor="b"/>
+          <a:lstStyle/>
+          <a:p>
+            <a:pPr>
+              <a:lnSpc>
+                <a:spcPct val="100000"/>
+              </a:lnSpc>
+            </a:pPr>
+            <a:r>
+              <a:rPr lang="de-DE" sz="2400" b="1" strike="noStrike" spc="-1">
+                <a:solidFill>
+                  <a:srgbClr val="2D2015"/>
+                </a:solidFill>
+                <a:uFill>
+                  <a:solidFill>
+                    <a:srgbClr val="FFFFFF"/>
+                  </a:solidFill>
+                </a:uFill>
+                <a:latin typeface="Arial"/>
+              </a:rPr>
+              <a:t>Datenbanken	</a:t>
+            </a:r>
+            <a:endParaRPr lang="de-DE" sz="1800" b="0" strike="noStrike" spc="-1">
+              <a:solidFill>
+                <a:srgbClr val="000000"/>
+              </a:solidFill>
+              <a:uFill>
+                <a:solidFill>
+                  <a:srgbClr val="FFFFFF"/>
+                </a:solidFill>
+              </a:uFill>
+              <a:latin typeface="Arial"/>
+            </a:endParaRPr>
+          </a:p>
+        </p:txBody>
+      </p:sp>
+      <p:pic>
+        <p:nvPicPr>
+          <p:cNvPr id="179" name="Bild 4"/>
+          <p:cNvPicPr/>
+          <p:nvPr/>
+        </p:nvPicPr>
+        <p:blipFill>
+          <a:blip r:embed="rId2" cstate="print"/>
+          <a:stretch/>
+        </p:blipFill>
+        <p:spPr>
+          <a:xfrm>
+            <a:off x="5192280" y="2133000"/>
+            <a:ext cx="2887560" cy="2928600"/>
+          </a:xfrm>
+          <a:prstGeom prst="rect">
+            <a:avLst/>
+          </a:prstGeom>
+          <a:ln>
+            <a:noFill/>
+          </a:ln>
+        </p:spPr>
+      </p:pic>
+      <p:pic>
+        <p:nvPicPr>
+          <p:cNvPr id="180" name="Bild 8"/>
+          <p:cNvPicPr/>
+          <p:nvPr/>
+        </p:nvPicPr>
+        <p:blipFill>
+          <a:blip r:embed="rId3" cstate="print"/>
+          <a:stretch/>
+        </p:blipFill>
+        <p:spPr>
+          <a:xfrm>
+            <a:off x="4612680" y="1202760"/>
+            <a:ext cx="1386360" cy="716760"/>
+          </a:xfrm>
+          <a:prstGeom prst="rect">
+            <a:avLst/>
+          </a:prstGeom>
+          <a:ln>
+            <a:noFill/>
+          </a:ln>
+        </p:spPr>
+      </p:pic>
+      <p:pic>
+        <p:nvPicPr>
+          <p:cNvPr id="181" name="Bild 9"/>
+          <p:cNvPicPr/>
+          <p:nvPr/>
+        </p:nvPicPr>
+        <p:blipFill>
+          <a:blip r:embed="rId4" cstate="print"/>
+          <a:stretch/>
+        </p:blipFill>
+        <p:spPr>
+          <a:xfrm>
+            <a:off x="7718760" y="5105520"/>
+            <a:ext cx="722520" cy="722520"/>
+          </a:xfrm>
+          <a:prstGeom prst="rect">
+            <a:avLst/>
+          </a:prstGeom>
+          <a:ln>
+            <a:noFill/>
+          </a:ln>
+        </p:spPr>
+      </p:pic>
+    </p:spTree>
+  </p:cSld>
+  <p:clrMapOvr>
+    <a:masterClrMapping/>
+  </p:clrMapOvr>
+  <p:timing>
+    <p:tnLst>
+      <p:par>
+        <p:cTn id="1" dur="indefinite" restart="never" nodeType="tmRoot">
+          <p:childTnLst>
+            <p:seq>
+              <p:cTn id="2" nodeType="mainSeq"/>
+              <p:prevCondLst>
+                <p:cond evt="onPrev" delay="0">
+                  <p:tgtEl>
+                    <p:sldTgt/>
+                  </p:tgtEl>
+                </p:cond>
+              </p:prevCondLst>
+              <p:nextCondLst>
+                <p:cond evt="onNext" delay="0">
+                  <p:tgtEl>
+                    <p:sldTgt/>
+                  </p:tgtEl>
+                </p:cond>
+              </p:nextCondLst>
+            </p:seq>
+          </p:childTnLst>
+        </p:cTn>
+      </p:par>
+    </p:tnLst>
+  </p:timing>
+</p:sld>
+</file>
+
+<file path=ppt/slides/slide24.xml><?xml version="1.0" encoding="utf-8"?>
+<p:sld xmlns:a="http://schemas.openxmlformats.org/drawingml/2006/main" xmlns:r="http://schemas.openxmlformats.org/officeDocument/2006/relationships" xmlns:p="http://schemas.openxmlformats.org/presentationml/2006/main">
+  <p:cSld>
+    <p:spTree>
+      <p:nvGrpSpPr>
+        <p:cNvPr id="1" name=""/>
+        <p:cNvGrpSpPr/>
+        <p:nvPr/>
+      </p:nvGrpSpPr>
+      <p:grpSpPr>
+        <a:xfrm>
+          <a:off x="0" y="0"/>
+          <a:ext cx="0" cy="0"/>
+          <a:chOff x="0" y="0"/>
+          <a:chExt cx="0" cy="0"/>
+        </a:xfrm>
+      </p:grpSpPr>
+      <p:sp>
+        <p:nvSpPr>
+          <p:cNvPr id="182" name="CustomShape 1"/>
+          <p:cNvSpPr/>
+          <p:nvPr/>
+        </p:nvSpPr>
+        <p:spPr>
+          <a:xfrm>
+            <a:off x="719280" y="1288080"/>
+            <a:ext cx="7700400" cy="368640"/>
+          </a:xfrm>
+          <a:prstGeom prst="rect">
+            <a:avLst/>
+          </a:prstGeom>
+          <a:noFill/>
+          <a:ln>
+            <a:noFill/>
+          </a:ln>
+        </p:spPr>
+        <p:style>
+          <a:lnRef idx="0">
+            <a:scrgbClr r="0" g="0" b="0"/>
+          </a:lnRef>
+          <a:fillRef idx="0">
+            <a:scrgbClr r="0" g="0" b="0"/>
+          </a:fillRef>
+          <a:effectRef idx="0">
+            <a:scrgbClr r="0" g="0" b="0"/>
+          </a:effectRef>
+          <a:fontRef idx="minor"/>
+        </p:style>
+        <p:txBody>
+          <a:bodyPr lIns="0" tIns="0" rIns="0" bIns="0" anchor="b"/>
+          <a:lstStyle/>
+          <a:p>
+            <a:pPr>
+              <a:lnSpc>
+                <a:spcPct val="100000"/>
+              </a:lnSpc>
+            </a:pPr>
+            <a:r>
+              <a:rPr lang="de-DE" sz="2400" b="1" strike="noStrike" spc="-1">
+                <a:solidFill>
+                  <a:srgbClr val="2D2015"/>
+                </a:solidFill>
+                <a:uFill>
+                  <a:solidFill>
+                    <a:srgbClr val="FFFFFF"/>
+                  </a:solidFill>
+                </a:uFill>
+                <a:latin typeface="Arial"/>
+              </a:rPr>
+              <a:t>Applikation</a:t>
+            </a:r>
+            <a:endParaRPr lang="de-DE" sz="1800" b="0" strike="noStrike" spc="-1">
+              <a:solidFill>
+                <a:srgbClr val="000000"/>
+              </a:solidFill>
+              <a:uFill>
+                <a:solidFill>
+                  <a:srgbClr val="FFFFFF"/>
+                </a:solidFill>
+              </a:uFill>
+              <a:latin typeface="Arial"/>
+            </a:endParaRPr>
+          </a:p>
+        </p:txBody>
+      </p:sp>
+      <p:sp>
+        <p:nvSpPr>
+          <p:cNvPr id="183" name="CustomShape 2"/>
+          <p:cNvSpPr/>
+          <p:nvPr/>
+        </p:nvSpPr>
+        <p:spPr>
+          <a:xfrm>
+            <a:off x="719280" y="1773360"/>
+            <a:ext cx="7705080" cy="4352040"/>
+          </a:xfrm>
+          <a:prstGeom prst="rect">
+            <a:avLst/>
+          </a:prstGeom>
+          <a:noFill/>
+          <a:ln>
+            <a:noFill/>
+          </a:ln>
+        </p:spPr>
+        <p:style>
+          <a:lnRef idx="0">
+            <a:scrgbClr r="0" g="0" b="0"/>
+          </a:lnRef>
+          <a:fillRef idx="0">
+            <a:scrgbClr r="0" g="0" b="0"/>
+          </a:fillRef>
+          <a:effectRef idx="0">
+            <a:scrgbClr r="0" g="0" b="0"/>
+          </a:effectRef>
+          <a:fontRef idx="minor"/>
+        </p:style>
+        <p:txBody>
+          <a:bodyPr lIns="0" tIns="0" rIns="0" bIns="0"/>
+          <a:lstStyle/>
+          <a:p>
+            <a:pPr>
+              <a:lnSpc>
+                <a:spcPct val="100000"/>
+              </a:lnSpc>
+            </a:pPr>
+            <a:r>
+              <a:rPr lang="de-DE" sz="2000" b="0" strike="noStrike" spc="-1">
+                <a:solidFill>
+                  <a:srgbClr val="333333"/>
+                </a:solidFill>
+                <a:uFill>
+                  <a:solidFill>
+                    <a:srgbClr val="FFFFFF"/>
+                  </a:solidFill>
+                </a:uFill>
+                <a:latin typeface="Arial"/>
+              </a:rPr>
+              <a:t>Funktionen:</a:t>
+            </a:r>
+            <a:endParaRPr lang="de-DE" sz="1800" b="0" strike="noStrike" spc="-1">
+              <a:solidFill>
+                <a:srgbClr val="000000"/>
+              </a:solidFill>
+              <a:uFill>
+                <a:solidFill>
+                  <a:srgbClr val="FFFFFF"/>
+                </a:solidFill>
+              </a:uFill>
+              <a:latin typeface="Arial"/>
+            </a:endParaRPr>
+          </a:p>
+          <a:p>
+            <a:pPr marL="181080" indent="-180360">
+              <a:lnSpc>
+                <a:spcPct val="100000"/>
+              </a:lnSpc>
+              <a:buClr>
+                <a:srgbClr val="333333"/>
+              </a:buClr>
+              <a:buFont typeface="Symbol"/>
+              <a:buChar char=""/>
+            </a:pPr>
+            <a:r>
+              <a:rPr lang="de-DE" sz="2000" b="0" strike="noStrike" spc="-1">
+                <a:solidFill>
+                  <a:srgbClr val="333333"/>
+                </a:solidFill>
+                <a:uFill>
+                  <a:solidFill>
+                    <a:srgbClr val="FFFFFF"/>
+                  </a:solidFill>
+                </a:uFill>
+                <a:latin typeface="Arial"/>
+              </a:rPr>
+              <a:t>Motor starten/stoppen</a:t>
+            </a:r>
+            <a:endParaRPr lang="de-DE" sz="1800" b="0" strike="noStrike" spc="-1">
+              <a:solidFill>
+                <a:srgbClr val="000000"/>
+              </a:solidFill>
+              <a:uFill>
+                <a:solidFill>
+                  <a:srgbClr val="FFFFFF"/>
+                </a:solidFill>
+              </a:uFill>
+              <a:latin typeface="Arial"/>
+            </a:endParaRPr>
+          </a:p>
+          <a:p>
+            <a:pPr marL="181080" indent="-180360">
+              <a:lnSpc>
+                <a:spcPct val="100000"/>
+              </a:lnSpc>
+              <a:buClr>
+                <a:srgbClr val="333333"/>
+              </a:buClr>
+              <a:buFont typeface="Symbol"/>
+              <a:buChar char=""/>
+            </a:pPr>
+            <a:r>
+              <a:rPr lang="de-DE" sz="2000" b="0" strike="noStrike" spc="-1">
+                <a:solidFill>
+                  <a:srgbClr val="333333"/>
+                </a:solidFill>
+                <a:uFill>
+                  <a:solidFill>
+                    <a:srgbClr val="FFFFFF"/>
+                  </a:solidFill>
+                </a:uFill>
+                <a:latin typeface="Arial"/>
+              </a:rPr>
+              <a:t>Rotortest</a:t>
+            </a:r>
+            <a:endParaRPr lang="de-DE" sz="1800" b="0" strike="noStrike" spc="-1">
+              <a:solidFill>
+                <a:srgbClr val="000000"/>
+              </a:solidFill>
+              <a:uFill>
+                <a:solidFill>
+                  <a:srgbClr val="FFFFFF"/>
+                </a:solidFill>
+              </a:uFill>
+              <a:latin typeface="Arial"/>
+            </a:endParaRPr>
+          </a:p>
+          <a:p>
+            <a:pPr marL="181080" indent="-180360">
+              <a:lnSpc>
+                <a:spcPct val="100000"/>
+              </a:lnSpc>
+              <a:buClr>
+                <a:srgbClr val="333333"/>
+              </a:buClr>
+              <a:buFont typeface="Symbol"/>
+              <a:buChar char=""/>
+            </a:pPr>
+            <a:r>
+              <a:rPr lang="de-DE" sz="2000" b="0" strike="noStrike" spc="-1">
+                <a:solidFill>
+                  <a:srgbClr val="333333"/>
+                </a:solidFill>
+                <a:uFill>
+                  <a:solidFill>
+                    <a:srgbClr val="FFFFFF"/>
+                  </a:solidFill>
+                </a:uFill>
+                <a:latin typeface="Arial"/>
+              </a:rPr>
+              <a:t>Einzelansteuerung der Rotoren</a:t>
+            </a:r>
+            <a:endParaRPr lang="de-DE" sz="1800" b="0" strike="noStrike" spc="-1">
+              <a:solidFill>
+                <a:srgbClr val="000000"/>
+              </a:solidFill>
+              <a:uFill>
+                <a:solidFill>
+                  <a:srgbClr val="FFFFFF"/>
+                </a:solidFill>
+              </a:uFill>
+              <a:latin typeface="Arial"/>
+            </a:endParaRPr>
+          </a:p>
+          <a:p>
+            <a:pPr marL="181080" indent="-180360">
+              <a:lnSpc>
+                <a:spcPct val="100000"/>
+              </a:lnSpc>
+              <a:buClr>
+                <a:srgbClr val="333333"/>
+              </a:buClr>
+              <a:buFont typeface="Symbol"/>
+              <a:buChar char=""/>
+            </a:pPr>
+            <a:r>
+              <a:rPr lang="de-DE" sz="2000" b="0" strike="noStrike" spc="-1">
+                <a:solidFill>
+                  <a:srgbClr val="333333"/>
+                </a:solidFill>
+                <a:uFill>
+                  <a:solidFill>
+                    <a:srgbClr val="FFFFFF"/>
+                  </a:solidFill>
+                </a:uFill>
+                <a:latin typeface="Arial"/>
+              </a:rPr>
+              <a:t>Demo</a:t>
+            </a:r>
+            <a:endParaRPr lang="de-DE" sz="1800" b="0" strike="noStrike" spc="-1">
+              <a:solidFill>
+                <a:srgbClr val="000000"/>
+              </a:solidFill>
+              <a:uFill>
+                <a:solidFill>
+                  <a:srgbClr val="FFFFFF"/>
+                </a:solidFill>
+              </a:uFill>
+              <a:latin typeface="Arial"/>
+            </a:endParaRPr>
+          </a:p>
+        </p:txBody>
+      </p:sp>
+      <p:pic>
+        <p:nvPicPr>
+          <p:cNvPr id="184" name="Bild 3"/>
+          <p:cNvPicPr/>
+          <p:nvPr/>
+        </p:nvPicPr>
+        <p:blipFill>
+          <a:blip r:embed="rId2" cstate="print"/>
+          <a:stretch/>
+        </p:blipFill>
+        <p:spPr>
+          <a:xfrm>
+            <a:off x="6012000" y="1364760"/>
+            <a:ext cx="1945800" cy="3737520"/>
+          </a:xfrm>
+          <a:prstGeom prst="rect">
+            <a:avLst/>
+          </a:prstGeom>
+          <a:ln>
+            <a:noFill/>
+          </a:ln>
+        </p:spPr>
+      </p:pic>
+      <p:pic>
+        <p:nvPicPr>
+          <p:cNvPr id="185" name="Bild 4"/>
+          <p:cNvPicPr/>
+          <p:nvPr/>
+        </p:nvPicPr>
+        <p:blipFill>
+          <a:blip r:embed="rId3" cstate="print"/>
+          <a:srcRect l="10601" r="18819"/>
+          <a:stretch/>
+        </p:blipFill>
+        <p:spPr>
+          <a:xfrm>
+            <a:off x="2051640" y="4077000"/>
+            <a:ext cx="2159280" cy="1717200"/>
+          </a:xfrm>
+          <a:prstGeom prst="rect">
+            <a:avLst/>
+          </a:prstGeom>
+          <a:ln>
+            <a:noFill/>
+          </a:ln>
+        </p:spPr>
+      </p:pic>
+    </p:spTree>
+  </p:cSld>
+  <p:clrMapOvr>
+    <a:masterClrMapping/>
+  </p:clrMapOvr>
+  <p:timing>
+    <p:tnLst>
+      <p:par>
+        <p:cTn id="1" dur="indefinite" restart="never" nodeType="tmRoot">
+          <p:childTnLst>
+            <p:seq>
+              <p:cTn id="2" nodeType="mainSeq"/>
+              <p:prevCondLst>
+                <p:cond evt="onPrev" delay="0">
+                  <p:tgtEl>
+                    <p:sldTgt/>
+                  </p:tgtEl>
+                </p:cond>
+              </p:prevCondLst>
+              <p:nextCondLst>
+                <p:cond evt="onNext" delay="0">
+                  <p:tgtEl>
+                    <p:sldTgt/>
+                  </p:tgtEl>
+                </p:cond>
+              </p:nextCondLst>
+            </p:seq>
+          </p:childTnLst>
+        </p:cTn>
+      </p:par>
+    </p:tnLst>
+  </p:timing>
+</p:sld>
+</file>
+
+<file path=ppt/slides/slide25.xml><?xml version="1.0" encoding="utf-8"?>
+<p:sld xmlns:a="http://schemas.openxmlformats.org/drawingml/2006/main" xmlns:r="http://schemas.openxmlformats.org/officeDocument/2006/relationships" xmlns:p="http://schemas.openxmlformats.org/presentationml/2006/main">
+  <p:cSld>
+    <p:spTree>
+      <p:nvGrpSpPr>
+        <p:cNvPr id="1" name=""/>
+        <p:cNvGrpSpPr/>
+        <p:nvPr/>
+      </p:nvGrpSpPr>
+      <p:grpSpPr>
+        <a:xfrm>
+          <a:off x="0" y="0"/>
+          <a:ext cx="0" cy="0"/>
+          <a:chOff x="0" y="0"/>
+          <a:chExt cx="0" cy="0"/>
+        </a:xfrm>
+      </p:grpSpPr>
+      <p:sp>
+        <p:nvSpPr>
+          <p:cNvPr id="186" name="CustomShape 1"/>
+          <p:cNvSpPr/>
+          <p:nvPr/>
+        </p:nvSpPr>
+        <p:spPr>
+          <a:xfrm>
+            <a:off x="683640" y="3069000"/>
+            <a:ext cx="7700400" cy="368640"/>
+          </a:xfrm>
+          <a:prstGeom prst="rect">
+            <a:avLst/>
+          </a:prstGeom>
+          <a:noFill/>
+          <a:ln>
+            <a:noFill/>
+          </a:ln>
+        </p:spPr>
+        <p:style>
+          <a:lnRef idx="0">
+            <a:scrgbClr r="0" g="0" b="0"/>
+          </a:lnRef>
+          <a:fillRef idx="0">
+            <a:scrgbClr r="0" g="0" b="0"/>
+          </a:fillRef>
+          <a:effectRef idx="0">
+            <a:scrgbClr r="0" g="0" b="0"/>
+          </a:effectRef>
+          <a:fontRef idx="minor"/>
+        </p:style>
+        <p:txBody>
+          <a:bodyPr lIns="0" tIns="0" rIns="0" bIns="0" anchor="b"/>
+          <a:lstStyle/>
+          <a:p>
+            <a:pPr algn="ctr">
+              <a:lnSpc>
+                <a:spcPct val="100000"/>
+              </a:lnSpc>
+            </a:pPr>
+            <a:r>
+              <a:rPr lang="de-DE" sz="2400" b="1" strike="noStrike" spc="-1">
+                <a:solidFill>
+                  <a:srgbClr val="2D2015"/>
+                </a:solidFill>
+                <a:uFill>
+                  <a:solidFill>
+                    <a:srgbClr val="FFFFFF"/>
+                  </a:solidFill>
+                </a:uFill>
+                <a:latin typeface="Arial"/>
+              </a:rPr>
+              <a:t>Fragen?</a:t>
+            </a:r>
+            <a:endParaRPr lang="de-DE" sz="1800" b="0" strike="noStrike" spc="-1">
+              <a:solidFill>
+                <a:srgbClr val="000000"/>
+              </a:solidFill>
+              <a:uFill>
+                <a:solidFill>
+                  <a:srgbClr val="FFFFFF"/>
+                </a:solidFill>
+              </a:uFill>
+              <a:latin typeface="Arial"/>
+            </a:endParaRPr>
+          </a:p>
+        </p:txBody>
+      </p:sp>
+    </p:spTree>
+  </p:cSld>
+  <p:clrMapOvr>
+    <a:masterClrMapping/>
+  </p:clrMapOvr>
+  <p:timing>
+    <p:tnLst>
+      <p:par>
+        <p:cTn id="1" dur="indefinite" restart="never" nodeType="tmRoot">
+          <p:childTnLst>
+            <p:seq>
+              <p:cTn id="2" nodeType="mainSeq"/>
+              <p:prevCondLst>
+                <p:cond evt="onPrev" delay="0">
+                  <p:tgtEl>
+                    <p:sldTgt/>
+                  </p:tgtEl>
+                </p:cond>
+              </p:prevCondLst>
+              <p:nextCondLst>
+                <p:cond evt="onNext" delay="0">
+                  <p:tgtEl>
+                    <p:sldTgt/>
+                  </p:tgtEl>
+                </p:cond>
+              </p:nextCondLst>
+            </p:seq>
+          </p:childTnLst>
+        </p:cTn>
+      </p:par>
+    </p:tnLst>
+  </p:timing>
+</p:sld>
+</file>
+
+<file path=ppt/slides/slide26.xml><?xml version="1.0" encoding="utf-8"?>
+<p:sld xmlns:a="http://schemas.openxmlformats.org/drawingml/2006/main" xmlns:r="http://schemas.openxmlformats.org/officeDocument/2006/relationships" xmlns:p="http://schemas.openxmlformats.org/presentationml/2006/main">
+  <p:cSld>
+    <p:spTree>
+      <p:nvGrpSpPr>
+        <p:cNvPr id="1" name=""/>
+        <p:cNvGrpSpPr/>
+        <p:nvPr/>
+      </p:nvGrpSpPr>
+      <p:grpSpPr>
+        <a:xfrm>
+          <a:off x="0" y="0"/>
+          <a:ext cx="0" cy="0"/>
+          <a:chOff x="0" y="0"/>
+          <a:chExt cx="0" cy="0"/>
+        </a:xfrm>
+      </p:grpSpPr>
+      <p:sp>
+        <p:nvSpPr>
+          <p:cNvPr id="187" name="CustomShape 1"/>
+          <p:cNvSpPr/>
+          <p:nvPr/>
+        </p:nvSpPr>
+        <p:spPr>
+          <a:xfrm>
+            <a:off x="719280" y="1288080"/>
+            <a:ext cx="7700400" cy="368640"/>
+          </a:xfrm>
+          <a:prstGeom prst="rect">
+            <a:avLst/>
+          </a:prstGeom>
+          <a:noFill/>
+          <a:ln>
+            <a:noFill/>
+          </a:ln>
+        </p:spPr>
+        <p:style>
+          <a:lnRef idx="0">
+            <a:scrgbClr r="0" g="0" b="0"/>
+          </a:lnRef>
+          <a:fillRef idx="0">
+            <a:scrgbClr r="0" g="0" b="0"/>
+          </a:fillRef>
+          <a:effectRef idx="0">
+            <a:scrgbClr r="0" g="0" b="0"/>
+          </a:effectRef>
+          <a:fontRef idx="minor"/>
+        </p:style>
+        <p:txBody>
+          <a:bodyPr lIns="0" tIns="0" rIns="0" bIns="0" anchor="b"/>
+          <a:lstStyle/>
+          <a:p>
+            <a:pPr algn="ctr">
+              <a:lnSpc>
+                <a:spcPct val="100000"/>
+              </a:lnSpc>
+            </a:pPr>
+            <a:r>
+              <a:rPr lang="de-DE" sz="2400" b="1" strike="noStrike" spc="-1">
+                <a:solidFill>
+                  <a:srgbClr val="2D2015"/>
+                </a:solidFill>
+                <a:uFill>
+                  <a:solidFill>
+                    <a:srgbClr val="FFFFFF"/>
+                  </a:solidFill>
+                </a:uFill>
+                <a:latin typeface="Arial"/>
+              </a:rPr>
+              <a:t>Live Präsentation</a:t>
+            </a:r>
+            <a:endParaRPr lang="de-DE" sz="1800" b="0" strike="noStrike" spc="-1">
+              <a:solidFill>
+                <a:srgbClr val="000000"/>
+              </a:solidFill>
+              <a:uFill>
+                <a:solidFill>
+                  <a:srgbClr val="FFFFFF"/>
+                </a:solidFill>
+              </a:uFill>
+              <a:latin typeface="Arial"/>
+            </a:endParaRPr>
+          </a:p>
+        </p:txBody>
+      </p:sp>
+      <p:pic>
+        <p:nvPicPr>
+          <p:cNvPr id="188" name="Inhaltsplatzhalter 1"/>
+          <p:cNvPicPr/>
+          <p:nvPr/>
+        </p:nvPicPr>
+        <p:blipFill>
+          <a:blip r:embed="rId2" cstate="print"/>
+          <a:stretch/>
+        </p:blipFill>
+        <p:spPr>
+          <a:xfrm>
+            <a:off x="2267640" y="1999800"/>
+            <a:ext cx="3564720" cy="3658320"/>
+          </a:xfrm>
+          <a:prstGeom prst="rect">
+            <a:avLst/>
+          </a:prstGeom>
+          <a:ln>
+            <a:noFill/>
+          </a:ln>
+        </p:spPr>
+      </p:pic>
+      <p:pic>
+        <p:nvPicPr>
+          <p:cNvPr id="189" name="Bild 2"/>
+          <p:cNvPicPr/>
+          <p:nvPr/>
+        </p:nvPicPr>
+        <p:blipFill>
+          <a:blip r:embed="rId3" cstate="print"/>
+          <a:stretch/>
+        </p:blipFill>
+        <p:spPr>
+          <a:xfrm>
+            <a:off x="611640" y="2768040"/>
+            <a:ext cx="1267920" cy="2435400"/>
+          </a:xfrm>
+          <a:prstGeom prst="rect">
+            <a:avLst/>
+          </a:prstGeom>
+          <a:ln>
+            <a:noFill/>
+          </a:ln>
+        </p:spPr>
+      </p:pic>
+      <p:pic>
+        <p:nvPicPr>
+          <p:cNvPr id="190" name="Bild 4"/>
+          <p:cNvPicPr/>
+          <p:nvPr/>
+        </p:nvPicPr>
+        <p:blipFill>
+          <a:blip r:embed="rId4" cstate="print"/>
+          <a:stretch/>
+        </p:blipFill>
+        <p:spPr>
+          <a:xfrm>
+            <a:off x="5833440" y="2925000"/>
+            <a:ext cx="3170520" cy="2121840"/>
+          </a:xfrm>
+          <a:prstGeom prst="rect">
+            <a:avLst/>
+          </a:prstGeom>
+          <a:ln>
+            <a:noFill/>
+          </a:ln>
+        </p:spPr>
+      </p:pic>
+    </p:spTree>
+  </p:cSld>
+  <p:clrMapOvr>
+    <a:masterClrMapping/>
+  </p:clrMapOvr>
+  <p:timing>
+    <p:tnLst>
+      <p:par>
+        <p:cTn id="1" dur="indefinite" restart="never" nodeType="tmRoot">
+          <p:childTnLst>
+            <p:seq>
+              <p:cTn id="2" nodeType="mainSeq"/>
+              <p:prevCondLst>
+                <p:cond evt="onPrev" delay="0">
+                  <p:tgtEl>
+                    <p:sldTgt/>
+                  </p:tgtEl>
+                </p:cond>
+              </p:prevCondLst>
+              <p:nextCondLst>
+                <p:cond evt="onNext" delay="0">
+                  <p:tgtEl>
+                    <p:sldTgt/>
+                  </p:tgtEl>
+                </p:cond>
+              </p:nextCondLst>
+            </p:seq>
+          </p:childTnLst>
+        </p:cTn>
+      </p:par>
+    </p:tnLst>
+  </p:timing>
+</p:sld>
+</file>
+
+<file path=ppt/slides/slide27.xml><?xml version="1.0" encoding="utf-8"?>
 <p:sld xmlns:a="http://schemas.openxmlformats.org/drawingml/2006/main" xmlns:r="http://schemas.openxmlformats.org/officeDocument/2006/relationships" xmlns:p="http://schemas.openxmlformats.org/presentationml/2006/main">
   <p:cSld>
     <p:spTree>

--- a/TeamWebProjectManagement/Praesentation/ProgrammierprojektSS2016.pptx
+++ b/TeamWebProjectManagement/Praesentation/ProgrammierprojektSS2016.pptx
@@ -6889,7 +6889,21 @@
                 </a:uFill>
                 <a:latin typeface="Arial"/>
               </a:rPr>
-              <a:t>Darstellung vieler Graphen</a:t>
+              <a:t>Darstellung </a:t>
+            </a:r>
+            <a:r>
+              <a:rPr lang="de-DE" sz="2000" spc="-1" dirty="0" smtClean="0">
+                <a:solidFill>
+                  <a:srgbClr val="333333"/>
+                </a:solidFill>
+                <a:uFill>
+                  <a:solidFill>
+                    <a:srgbClr val="FFFFFF"/>
+                  </a:solidFill>
+                </a:uFill>
+                <a:latin typeface="Arial"/>
+              </a:rPr>
+              <a:t>der Daten als Graphen</a:t>
             </a:r>
             <a:endParaRPr lang="de-DE" sz="1800" b="0" strike="noStrike" spc="-1" dirty="0">
               <a:solidFill>
@@ -7568,7 +7582,7 @@
             <a:pPr algn="ctr"/>
             <a:r>
               <a:rPr lang="de-DE" dirty="0" smtClean="0"/>
-              <a:t>GUI</a:t>
+              <a:t>Main</a:t>
             </a:r>
             <a:endParaRPr lang="de-DE" dirty="0"/>
           </a:p>
@@ -8080,7 +8094,7 @@
       </p:sp>
       <p:pic>
         <p:nvPicPr>
-          <p:cNvPr id="1026" name="Picture 2" descr="G:\Philipp\Desktop\config.PNG"/>
+          <p:cNvPr id="2" name="Picture 2" descr="G:\Philipp\Desktop\config.PNG"/>
           <p:cNvPicPr>
             <a:picLocks noChangeAspect="1" noChangeArrowheads="1"/>
           </p:cNvPicPr>
@@ -8095,8 +8109,8 @@
         </p:blipFill>
         <p:spPr bwMode="auto">
           <a:xfrm>
-            <a:off x="5220072" y="980728"/>
-            <a:ext cx="2390775" cy="5143500"/>
+            <a:off x="5292080" y="980728"/>
+            <a:ext cx="2409825" cy="4953000"/>
           </a:xfrm>
           <a:prstGeom prst="rect">
             <a:avLst/>
@@ -9278,21 +9292,7 @@
                 </a:uFill>
                 <a:latin typeface="Arial"/>
               </a:rPr>
-              <a:t>3. Datenbankabfrage und </a:t>
-            </a:r>
-            <a:r>
-              <a:rPr lang="de-DE" sz="2000" spc="-1" dirty="0" smtClean="0">
-                <a:solidFill>
-                  <a:srgbClr val="333333"/>
-                </a:solidFill>
-                <a:uFill>
-                  <a:solidFill>
-                    <a:srgbClr val="FFFFFF"/>
-                  </a:solidFill>
-                </a:uFill>
-                <a:latin typeface="Arial"/>
-              </a:rPr>
-              <a:t>Live-Darstellung</a:t>
+              <a:t>3. Datenbankabfrage und Live-Darstellung</a:t>
             </a:r>
           </a:p>
           <a:p>
@@ -9388,17 +9388,6 @@
               </a:rPr>
               <a:t>Tatsächliche Verzögerung schwankt, ca. 100ms</a:t>
             </a:r>
-            <a:endParaRPr lang="de-DE" sz="2000" spc="-1" dirty="0" smtClean="0">
-              <a:solidFill>
-                <a:srgbClr val="333333"/>
-              </a:solidFill>
-              <a:uFill>
-                <a:solidFill>
-                  <a:srgbClr val="FFFFFF"/>
-                </a:solidFill>
-              </a:uFill>
-              <a:latin typeface="Arial"/>
-            </a:endParaRPr>
           </a:p>
           <a:p>
             <a:pPr marL="181080" indent="-180360">
@@ -9606,17 +9595,6 @@
               </a:rPr>
               <a:t>Abfrage nur ca. alle 10s</a:t>
             </a:r>
-            <a:endParaRPr lang="de-DE" sz="2000" spc="-1" dirty="0" smtClean="0">
-              <a:solidFill>
-                <a:srgbClr val="333333"/>
-              </a:solidFill>
-              <a:uFill>
-                <a:solidFill>
-                  <a:srgbClr val="FFFFFF"/>
-                </a:solidFill>
-              </a:uFill>
-              <a:latin typeface="Arial"/>
-            </a:endParaRPr>
           </a:p>
         </p:txBody>
       </p:sp>
@@ -9827,21 +9805,7 @@
                 </a:uFill>
                 <a:latin typeface="Arial"/>
               </a:rPr>
-              <a:t>3. Datenbankabfrage und </a:t>
-            </a:r>
-            <a:r>
-              <a:rPr lang="de-DE" sz="2000" spc="-1" dirty="0" smtClean="0">
-                <a:solidFill>
-                  <a:srgbClr val="333333"/>
-                </a:solidFill>
-                <a:uFill>
-                  <a:solidFill>
-                    <a:srgbClr val="FFFFFF"/>
-                  </a:solidFill>
-                </a:uFill>
-                <a:latin typeface="Arial"/>
-              </a:rPr>
-              <a:t>Live-Darstellung</a:t>
+              <a:t>3. Datenbankabfrage und Live-Darstellung</a:t>
             </a:r>
           </a:p>
           <a:p>
@@ -9960,20 +9924,7 @@
                   </a:solidFill>
                 </a:uFill>
               </a:rPr>
-              <a:t> speichern und Differenz </a:t>
-            </a:r>
-            <a:r>
-              <a:rPr lang="de-DE" sz="2000" spc="-1" dirty="0" smtClean="0">
-                <a:solidFill>
-                  <a:srgbClr val="333333"/>
-                </a:solidFill>
-                <a:uFill>
-                  <a:solidFill>
-                    <a:srgbClr val="FFFFFF"/>
-                  </a:solidFill>
-                </a:uFill>
-              </a:rPr>
-              <a:t>berechnen</a:t>
+              <a:t> speichern und Differenz berechnen</a:t>
             </a:r>
             <a:endParaRPr lang="de-DE" sz="2000" spc="-1" dirty="0" smtClean="0">
               <a:solidFill>
@@ -11138,21 +11089,7 @@
                 </a:uFill>
                 <a:latin typeface="Arial"/>
               </a:rPr>
-              <a:t>-Integration</a:t>
-            </a:r>
-            <a:r>
-              <a:rPr lang="de-DE" sz="2000" b="0" strike="noStrike" spc="-1" dirty="0" smtClean="0">
-                <a:solidFill>
-                  <a:srgbClr val="333333"/>
-                </a:solidFill>
-                <a:uFill>
-                  <a:solidFill>
-                    <a:srgbClr val="FFFFFF"/>
-                  </a:solidFill>
-                </a:uFill>
-                <a:latin typeface="Arial"/>
-              </a:rPr>
-              <a:t>, automatische Tests und </a:t>
+              <a:t>-Integration, automatische Tests und </a:t>
             </a:r>
             <a:r>
               <a:rPr lang="de-DE" sz="2000" b="0" strike="noStrike" spc="-1" dirty="0" err="1" smtClean="0">

--- a/TeamWebProjectManagement/Praesentation/ProgrammierprojektSS2016.pptx
+++ b/TeamWebProjectManagement/Praesentation/ProgrammierprojektSS2016.pptx
@@ -16,24 +16,25 @@
     <p:sldId id="262" r:id="rId10"/>
     <p:sldId id="263" r:id="rId11"/>
     <p:sldId id="264" r:id="rId12"/>
-    <p:sldId id="265" r:id="rId13"/>
-    <p:sldId id="271" r:id="rId14"/>
-    <p:sldId id="272" r:id="rId15"/>
-    <p:sldId id="273" r:id="rId16"/>
-    <p:sldId id="275" r:id="rId17"/>
-    <p:sldId id="274" r:id="rId18"/>
-    <p:sldId id="277" r:id="rId19"/>
-    <p:sldId id="278" r:id="rId20"/>
-    <p:sldId id="280" r:id="rId21"/>
-    <p:sldId id="279" r:id="rId22"/>
-    <p:sldId id="281" r:id="rId23"/>
-    <p:sldId id="276" r:id="rId24"/>
-    <p:sldId id="282" r:id="rId25"/>
-    <p:sldId id="266" r:id="rId26"/>
-    <p:sldId id="267" r:id="rId27"/>
-    <p:sldId id="268" r:id="rId28"/>
-    <p:sldId id="269" r:id="rId29"/>
-    <p:sldId id="270" r:id="rId30"/>
+    <p:sldId id="283" r:id="rId13"/>
+    <p:sldId id="265" r:id="rId14"/>
+    <p:sldId id="271" r:id="rId15"/>
+    <p:sldId id="272" r:id="rId16"/>
+    <p:sldId id="273" r:id="rId17"/>
+    <p:sldId id="275" r:id="rId18"/>
+    <p:sldId id="274" r:id="rId19"/>
+    <p:sldId id="277" r:id="rId20"/>
+    <p:sldId id="278" r:id="rId21"/>
+    <p:sldId id="280" r:id="rId22"/>
+    <p:sldId id="279" r:id="rId23"/>
+    <p:sldId id="281" r:id="rId24"/>
+    <p:sldId id="276" r:id="rId25"/>
+    <p:sldId id="282" r:id="rId26"/>
+    <p:sldId id="266" r:id="rId27"/>
+    <p:sldId id="267" r:id="rId28"/>
+    <p:sldId id="268" r:id="rId29"/>
+    <p:sldId id="269" r:id="rId30"/>
+    <p:sldId id="270" r:id="rId31"/>
   </p:sldIdLst>
   <p:sldSz cx="9144000" cy="6858000" type="screen4x3"/>
   <p:notesSz cx="7559675" cy="10691813"/>
@@ -132,6 +133,22 @@
       </a:defRPr>
     </a:lvl9pPr>
   </p:defaultTextStyle>
+  <p:extLst>
+    <p:ext uri="{EFAFB233-063F-42B5-8137-9DF3F51BA10A}">
+      <p15:sldGuideLst xmlns:p15="http://schemas.microsoft.com/office/powerpoint/2012/main">
+        <p15:guide id="1" orient="horz" pos="2160">
+          <p15:clr>
+            <a:srgbClr val="A4A3A4"/>
+          </p15:clr>
+        </p15:guide>
+        <p15:guide id="2" pos="2880">
+          <p15:clr>
+            <a:srgbClr val="A4A3A4"/>
+          </p15:clr>
+        </p15:guide>
+      </p15:sldGuideLst>
+    </p:ext>
+  </p:extLst>
 </p:presentation>
 </file>
 
@@ -6651,7 +6668,7 @@
       </p:grpSpPr>
       <p:sp>
         <p:nvSpPr>
-          <p:cNvPr id="174" name="CustomShape 1"/>
+          <p:cNvPr id="154" name="CustomShape 1"/>
           <p:cNvSpPr/>
           <p:nvPr/>
         </p:nvSpPr>
@@ -6701,7 +6718,7 @@
                 </a:uFill>
                 <a:latin typeface="Arial"/>
               </a:rPr>
-              <a:t>GUI</a:t>
+              <a:t>Embedded Systems</a:t>
             </a:r>
             <a:endParaRPr lang="de-DE" sz="1800" b="0" strike="noStrike" spc="-1">
               <a:solidFill>
@@ -6717,55 +6734,9 @@
           </a:p>
         </p:txBody>
       </p:sp>
-      <p:pic>
-        <p:nvPicPr>
-          <p:cNvPr id="175" name="Bild 3"/>
-          <p:cNvPicPr/>
-          <p:nvPr/>
-        </p:nvPicPr>
-        <p:blipFill>
-          <a:blip r:embed="rId2" cstate="print"/>
-          <a:stretch/>
-        </p:blipFill>
-        <p:spPr>
-          <a:xfrm>
-            <a:off x="3707904" y="2780928"/>
-            <a:ext cx="5072400" cy="3394800"/>
-          </a:xfrm>
-          <a:prstGeom prst="rect">
-            <a:avLst/>
-          </a:prstGeom>
-          <a:ln>
-            <a:noFill/>
-          </a:ln>
-        </p:spPr>
-      </p:pic>
-      <p:pic>
-        <p:nvPicPr>
-          <p:cNvPr id="176" name="Bild 4"/>
-          <p:cNvPicPr/>
-          <p:nvPr/>
-        </p:nvPicPr>
-        <p:blipFill>
-          <a:blip r:embed="rId3" cstate="print"/>
-          <a:stretch/>
-        </p:blipFill>
-        <p:spPr>
-          <a:xfrm>
-            <a:off x="5220000" y="980640"/>
-            <a:ext cx="2050920" cy="1230480"/>
-          </a:xfrm>
-          <a:prstGeom prst="rect">
-            <a:avLst/>
-          </a:prstGeom>
-          <a:ln>
-            <a:noFill/>
-          </a:ln>
-        </p:spPr>
-      </p:pic>
-      <p:sp>
-        <p:nvSpPr>
-          <p:cNvPr id="177" name="CustomShape 2"/>
+      <p:sp>
+        <p:nvSpPr>
+          <p:cNvPr id="155" name="CustomShape 2"/>
           <p:cNvSpPr/>
           <p:nvPr/>
         </p:nvSpPr>
@@ -6797,38 +6768,6 @@
         <p:txBody>
           <a:bodyPr lIns="0" tIns="0" rIns="0" bIns="0"/>
           <a:lstStyle/>
-          <a:p>
-            <a:pPr>
-              <a:lnSpc>
-                <a:spcPct val="100000"/>
-              </a:lnSpc>
-            </a:pPr>
-            <a:r>
-              <a:rPr lang="de-DE" sz="2000" b="0" strike="noStrike" spc="-1" dirty="0">
-                <a:solidFill>
-                  <a:srgbClr val="333333"/>
-                </a:solidFill>
-                <a:uFill>
-                  <a:solidFill>
-                    <a:srgbClr val="FFFFFF"/>
-                  </a:solidFill>
-                </a:uFill>
-                <a:latin typeface="Arial"/>
-              </a:rPr>
-              <a:t>Funktionen:</a:t>
-            </a:r>
-            <a:endParaRPr lang="de-DE" sz="1800" b="0" strike="noStrike" spc="-1" dirty="0">
-              <a:solidFill>
-                <a:srgbClr val="000000"/>
-              </a:solidFill>
-              <a:uFill>
-                <a:solidFill>
-                  <a:srgbClr val="FFFFFF"/>
-                </a:solidFill>
-              </a:uFill>
-              <a:latin typeface="Arial"/>
-            </a:endParaRPr>
-          </a:p>
           <a:p>
             <a:pPr marL="181080" indent="-180360">
               <a:lnSpc>
@@ -6852,7 +6791,7 @@
                 </a:uFill>
                 <a:latin typeface="Arial"/>
               </a:rPr>
-              <a:t>Datenbankabfrage</a:t>
+              <a:t>Zukünftige Arbeit</a:t>
             </a:r>
             <a:endParaRPr lang="de-DE" sz="1800" b="0" strike="noStrike" spc="-1" dirty="0">
               <a:solidFill>
@@ -6867,18 +6806,19 @@
             </a:endParaRPr>
           </a:p>
           <a:p>
-            <a:pPr marL="181080" indent="-180360">
+            <a:pPr marL="541440" lvl="1" indent="-180360">
               <a:lnSpc>
                 <a:spcPct val="100000"/>
               </a:lnSpc>
               <a:buClr>
                 <a:srgbClr val="333333"/>
               </a:buClr>
-              <a:buFont typeface="Symbol"/>
-              <a:buChar char=""/>
+              <a:buSzPct val="80000"/>
+              <a:buFont typeface="StarSymbol"/>
+              <a:buChar char="-"/>
             </a:pPr>
             <a:r>
-              <a:rPr lang="de-DE" sz="2000" spc="-1" dirty="0" smtClean="0">
+              <a:rPr lang="de-DE" sz="2000" b="0" strike="noStrike" spc="-1" dirty="0" smtClean="0">
                 <a:solidFill>
                   <a:srgbClr val="333333"/>
                 </a:solidFill>
@@ -6889,44 +6829,20 @@
                 </a:uFill>
                 <a:latin typeface="Arial"/>
               </a:rPr>
-              <a:t>Darstellung </a:t>
-            </a:r>
-            <a:r>
-              <a:rPr lang="de-DE" sz="2000" spc="-1" dirty="0" smtClean="0">
-                <a:solidFill>
-                  <a:srgbClr val="333333"/>
-                </a:solidFill>
-                <a:uFill>
-                  <a:solidFill>
-                    <a:srgbClr val="FFFFFF"/>
-                  </a:solidFill>
-                </a:uFill>
-                <a:latin typeface="Arial"/>
-              </a:rPr>
-              <a:t>der Daten als Graphen</a:t>
-            </a:r>
-            <a:endParaRPr lang="de-DE" sz="1800" b="0" strike="noStrike" spc="-1" dirty="0">
-              <a:solidFill>
-                <a:srgbClr val="000000"/>
-              </a:solidFill>
-              <a:uFill>
-                <a:solidFill>
-                  <a:srgbClr val="FFFFFF"/>
-                </a:solidFill>
-              </a:uFill>
-              <a:latin typeface="Arial"/>
-            </a:endParaRPr>
-          </a:p>
-          <a:p>
-            <a:pPr marL="181080" indent="-180360">
+              <a:t>Autonomes Fliegen</a:t>
+            </a:r>
+          </a:p>
+          <a:p>
+            <a:pPr marL="541440" lvl="1" indent="-180360">
               <a:lnSpc>
                 <a:spcPct val="100000"/>
               </a:lnSpc>
               <a:buClr>
                 <a:srgbClr val="333333"/>
               </a:buClr>
-              <a:buFont typeface="Symbol"/>
-              <a:buChar char=""/>
+              <a:buSzPct val="80000"/>
+              <a:buFont typeface="StarSymbol"/>
+              <a:buChar char="-"/>
             </a:pPr>
             <a:r>
               <a:rPr lang="de-DE" sz="2000" spc="-1" dirty="0" smtClean="0">
@@ -6940,8 +6856,126 @@
                 </a:uFill>
                 <a:latin typeface="Arial"/>
               </a:rPr>
-              <a:t>Analyse der Daten</a:t>
-            </a:r>
+              <a:t>Weiterentwicklung der App als Fernsteuerung (Gyroskop etc…)</a:t>
+            </a:r>
+            <a:endParaRPr lang="de-DE" sz="2000" b="0" strike="noStrike" spc="-1" dirty="0" smtClean="0">
+              <a:solidFill>
+                <a:srgbClr val="333333"/>
+              </a:solidFill>
+              <a:uFill>
+                <a:solidFill>
+                  <a:srgbClr val="FFFFFF"/>
+                </a:solidFill>
+              </a:uFill>
+              <a:latin typeface="Arial"/>
+            </a:endParaRPr>
+          </a:p>
+          <a:p>
+            <a:pPr marL="541440" lvl="1" indent="-180360">
+              <a:lnSpc>
+                <a:spcPct val="100000"/>
+              </a:lnSpc>
+              <a:buClr>
+                <a:srgbClr val="333333"/>
+              </a:buClr>
+              <a:buSzPct val="80000"/>
+              <a:buFont typeface="StarSymbol"/>
+              <a:buChar char="-"/>
+            </a:pPr>
+            <a:r>
+              <a:rPr lang="de-DE" sz="2000" spc="-1" dirty="0" smtClean="0">
+                <a:solidFill>
+                  <a:srgbClr val="333333"/>
+                </a:solidFill>
+                <a:uFill>
+                  <a:solidFill>
+                    <a:srgbClr val="FFFFFF"/>
+                  </a:solidFill>
+                </a:uFill>
+                <a:latin typeface="Arial"/>
+              </a:rPr>
+              <a:t>Hinzuziehen der GPS Daten. Komplett freies Fliegen</a:t>
+            </a:r>
+            <a:endParaRPr lang="de-DE" sz="2000" b="0" strike="noStrike" spc="-1" dirty="0" smtClean="0">
+              <a:solidFill>
+                <a:srgbClr val="333333"/>
+              </a:solidFill>
+              <a:uFill>
+                <a:solidFill>
+                  <a:srgbClr val="FFFFFF"/>
+                </a:solidFill>
+              </a:uFill>
+              <a:latin typeface="Arial"/>
+            </a:endParaRPr>
+          </a:p>
+          <a:p>
+            <a:pPr marL="541440" lvl="1" indent="-180360">
+              <a:lnSpc>
+                <a:spcPct val="100000"/>
+              </a:lnSpc>
+              <a:buClr>
+                <a:srgbClr val="333333"/>
+              </a:buClr>
+              <a:buSzPct val="80000"/>
+              <a:buFont typeface="StarSymbol"/>
+              <a:buChar char="-"/>
+            </a:pPr>
+            <a:r>
+              <a:rPr lang="de-DE" sz="2000" spc="-1" dirty="0" smtClean="0">
+                <a:solidFill>
+                  <a:srgbClr val="333333"/>
+                </a:solidFill>
+                <a:uFill>
+                  <a:solidFill>
+                    <a:srgbClr val="FFFFFF"/>
+                  </a:solidFill>
+                </a:uFill>
+                <a:latin typeface="Arial"/>
+              </a:rPr>
+              <a:t>Anwenden von Mechanismen der Regelungstechnik</a:t>
+            </a:r>
+          </a:p>
+          <a:p>
+            <a:pPr marL="998640" lvl="2" indent="-180360">
+              <a:buClr>
+                <a:srgbClr val="333333"/>
+              </a:buClr>
+              <a:buSzPct val="80000"/>
+              <a:buFont typeface="StarSymbol"/>
+              <a:buChar char="-"/>
+            </a:pPr>
+            <a:r>
+              <a:rPr lang="de-DE" spc="-1" dirty="0" smtClean="0">
+                <a:solidFill>
+                  <a:srgbClr val="333333"/>
+                </a:solidFill>
+                <a:uFill>
+                  <a:solidFill>
+                    <a:srgbClr val="FFFFFF"/>
+                  </a:solidFill>
+                </a:uFill>
+                <a:latin typeface="Arial"/>
+              </a:rPr>
+              <a:t>Perfekte Stabilität für Luftaufnahmen</a:t>
+            </a:r>
+            <a:endParaRPr lang="de-DE" b="0" strike="noStrike" spc="-1" dirty="0">
+              <a:solidFill>
+                <a:srgbClr val="000000"/>
+              </a:solidFill>
+              <a:uFill>
+                <a:solidFill>
+                  <a:srgbClr val="FFFFFF"/>
+                </a:solidFill>
+              </a:uFill>
+              <a:latin typeface="Arial"/>
+            </a:endParaRPr>
+          </a:p>
+          <a:p>
+            <a:pPr>
+              <a:lnSpc>
+                <a:spcPct val="100000"/>
+              </a:lnSpc>
+            </a:pPr>
             <a:endParaRPr lang="de-DE" sz="1800" b="0" strike="noStrike" spc="-1" dirty="0">
               <a:solidFill>
                 <a:srgbClr val="000000"/>
@@ -6956,7 +6990,336 @@
           </a:p>
         </p:txBody>
       </p:sp>
+      <p:sp>
+        <p:nvSpPr>
+          <p:cNvPr id="158" name="CustomShape 4"/>
+          <p:cNvSpPr/>
+          <p:nvPr/>
+        </p:nvSpPr>
+        <p:spPr>
+          <a:xfrm>
+            <a:off x="2669040" y="3660840"/>
+            <a:ext cx="791280" cy="257400"/>
+          </a:xfrm>
+          <a:prstGeom prst="rect">
+            <a:avLst/>
+          </a:prstGeom>
+          <a:noFill/>
+          <a:ln>
+            <a:noFill/>
+          </a:ln>
+        </p:spPr>
+        <p:style>
+          <a:lnRef idx="0">
+            <a:scrgbClr r="0" g="0" b="0"/>
+          </a:lnRef>
+          <a:fillRef idx="0">
+            <a:scrgbClr r="0" g="0" b="0"/>
+          </a:fillRef>
+          <a:effectRef idx="0">
+            <a:scrgbClr r="0" g="0" b="0"/>
+          </a:effectRef>
+          <a:fontRef idx="minor"/>
+        </p:style>
+        <p:txBody>
+          <a:bodyPr lIns="90000" tIns="45000" rIns="90000" bIns="45000"/>
+          <a:lstStyle/>
+          <a:p>
+            <a:pPr>
+              <a:lnSpc>
+                <a:spcPct val="100000"/>
+              </a:lnSpc>
+            </a:pPr>
+            <a:endParaRPr lang="de-DE" sz="1800" b="0" strike="noStrike" spc="-1" dirty="0">
+              <a:solidFill>
+                <a:srgbClr val="000000"/>
+              </a:solidFill>
+              <a:uFill>
+                <a:solidFill>
+                  <a:srgbClr val="FFFFFF"/>
+                </a:solidFill>
+              </a:uFill>
+              <a:latin typeface="Arial"/>
+            </a:endParaRPr>
+          </a:p>
+        </p:txBody>
+      </p:sp>
+      <p:sp>
+        <p:nvSpPr>
+          <p:cNvPr id="160" name="CustomShape 6"/>
+          <p:cNvSpPr/>
+          <p:nvPr/>
+        </p:nvSpPr>
+        <p:spPr>
+          <a:xfrm>
+            <a:off x="3187440" y="3283920"/>
+            <a:ext cx="791280" cy="257400"/>
+          </a:xfrm>
+          <a:prstGeom prst="rect">
+            <a:avLst/>
+          </a:prstGeom>
+          <a:noFill/>
+          <a:ln>
+            <a:noFill/>
+          </a:ln>
+        </p:spPr>
+        <p:style>
+          <a:lnRef idx="0">
+            <a:scrgbClr r="0" g="0" b="0"/>
+          </a:lnRef>
+          <a:fillRef idx="0">
+            <a:scrgbClr r="0" g="0" b="0"/>
+          </a:fillRef>
+          <a:effectRef idx="0">
+            <a:scrgbClr r="0" g="0" b="0"/>
+          </a:effectRef>
+          <a:fontRef idx="minor"/>
+        </p:style>
+        <p:txBody>
+          <a:bodyPr lIns="90000" tIns="45000" rIns="90000" bIns="45000"/>
+          <a:lstStyle/>
+          <a:p>
+            <a:pPr>
+              <a:lnSpc>
+                <a:spcPct val="100000"/>
+              </a:lnSpc>
+            </a:pPr>
+            <a:endParaRPr lang="de-DE" sz="1800" b="0" strike="noStrike" spc="-1" dirty="0">
+              <a:solidFill>
+                <a:srgbClr val="000000"/>
+              </a:solidFill>
+              <a:uFill>
+                <a:solidFill>
+                  <a:srgbClr val="FFFFFF"/>
+                </a:solidFill>
+              </a:uFill>
+              <a:latin typeface="Arial"/>
+            </a:endParaRPr>
+          </a:p>
+        </p:txBody>
+      </p:sp>
+      <p:sp>
+        <p:nvSpPr>
+          <p:cNvPr id="164" name="CustomShape 10"/>
+          <p:cNvSpPr/>
+          <p:nvPr/>
+        </p:nvSpPr>
+        <p:spPr>
+          <a:xfrm>
+            <a:off x="4101480" y="3280320"/>
+            <a:ext cx="791280" cy="257400"/>
+          </a:xfrm>
+          <a:prstGeom prst="rect">
+            <a:avLst/>
+          </a:prstGeom>
+          <a:noFill/>
+          <a:ln>
+            <a:noFill/>
+          </a:ln>
+        </p:spPr>
+        <p:style>
+          <a:lnRef idx="0">
+            <a:scrgbClr r="0" g="0" b="0"/>
+          </a:lnRef>
+          <a:fillRef idx="0">
+            <a:scrgbClr r="0" g="0" b="0"/>
+          </a:fillRef>
+          <a:effectRef idx="0">
+            <a:scrgbClr r="0" g="0" b="0"/>
+          </a:effectRef>
+          <a:fontRef idx="minor"/>
+        </p:style>
+        <p:txBody>
+          <a:bodyPr lIns="90000" tIns="45000" rIns="90000" bIns="45000"/>
+          <a:lstStyle/>
+          <a:p>
+            <a:pPr>
+              <a:lnSpc>
+                <a:spcPct val="100000"/>
+              </a:lnSpc>
+            </a:pPr>
+            <a:endParaRPr lang="de-DE" sz="1800" b="0" strike="noStrike" spc="-1" dirty="0">
+              <a:solidFill>
+                <a:srgbClr val="000000"/>
+              </a:solidFill>
+              <a:uFill>
+                <a:solidFill>
+                  <a:srgbClr val="FFFFFF"/>
+                </a:solidFill>
+              </a:uFill>
+              <a:latin typeface="Arial"/>
+            </a:endParaRPr>
+          </a:p>
+        </p:txBody>
+      </p:sp>
+      <p:sp>
+        <p:nvSpPr>
+          <p:cNvPr id="171" name="CustomShape 17"/>
+          <p:cNvSpPr/>
+          <p:nvPr/>
+        </p:nvSpPr>
+        <p:spPr>
+          <a:xfrm>
+            <a:off x="4772520" y="3649320"/>
+            <a:ext cx="1276200" cy="257400"/>
+          </a:xfrm>
+          <a:prstGeom prst="rect">
+            <a:avLst/>
+          </a:prstGeom>
+          <a:noFill/>
+          <a:ln>
+            <a:noFill/>
+          </a:ln>
+        </p:spPr>
+        <p:style>
+          <a:lnRef idx="0">
+            <a:scrgbClr r="0" g="0" b="0"/>
+          </a:lnRef>
+          <a:fillRef idx="0">
+            <a:scrgbClr r="0" g="0" b="0"/>
+          </a:fillRef>
+          <a:effectRef idx="0">
+            <a:scrgbClr r="0" g="0" b="0"/>
+          </a:effectRef>
+          <a:fontRef idx="minor"/>
+        </p:style>
+        <p:txBody>
+          <a:bodyPr lIns="90000" tIns="45000" rIns="90000" bIns="45000"/>
+          <a:lstStyle/>
+          <a:p>
+            <a:pPr>
+              <a:lnSpc>
+                <a:spcPct val="100000"/>
+              </a:lnSpc>
+            </a:pPr>
+            <a:endParaRPr lang="de-DE" sz="1800" b="0" strike="noStrike" spc="-1" dirty="0">
+              <a:solidFill>
+                <a:srgbClr val="000000"/>
+              </a:solidFill>
+              <a:uFill>
+                <a:solidFill>
+                  <a:srgbClr val="FFFFFF"/>
+                </a:solidFill>
+              </a:uFill>
+              <a:latin typeface="Arial"/>
+            </a:endParaRPr>
+          </a:p>
+        </p:txBody>
+      </p:sp>
+      <p:sp>
+        <p:nvSpPr>
+          <p:cNvPr id="172" name="CustomShape 18"/>
+          <p:cNvSpPr/>
+          <p:nvPr/>
+        </p:nvSpPr>
+        <p:spPr>
+          <a:xfrm>
+            <a:off x="6171120" y="3220560"/>
+            <a:ext cx="2737800" cy="257400"/>
+          </a:xfrm>
+          <a:prstGeom prst="rect">
+            <a:avLst/>
+          </a:prstGeom>
+          <a:noFill/>
+          <a:ln>
+            <a:noFill/>
+          </a:ln>
+        </p:spPr>
+        <p:style>
+          <a:lnRef idx="0">
+            <a:scrgbClr r="0" g="0" b="0"/>
+          </a:lnRef>
+          <a:fillRef idx="0">
+            <a:scrgbClr r="0" g="0" b="0"/>
+          </a:fillRef>
+          <a:effectRef idx="0">
+            <a:scrgbClr r="0" g="0" b="0"/>
+          </a:effectRef>
+          <a:fontRef idx="minor"/>
+        </p:style>
+        <p:txBody>
+          <a:bodyPr lIns="90000" tIns="45000" rIns="90000" bIns="45000"/>
+          <a:lstStyle/>
+          <a:p>
+            <a:pPr>
+              <a:lnSpc>
+                <a:spcPct val="100000"/>
+              </a:lnSpc>
+            </a:pPr>
+            <a:endParaRPr lang="de-DE" sz="1800" b="0" strike="noStrike" spc="-1" dirty="0">
+              <a:solidFill>
+                <a:srgbClr val="000000"/>
+              </a:solidFill>
+              <a:uFill>
+                <a:solidFill>
+                  <a:srgbClr val="FFFFFF"/>
+                </a:solidFill>
+              </a:uFill>
+              <a:latin typeface="Arial"/>
+            </a:endParaRPr>
+          </a:p>
+        </p:txBody>
+      </p:sp>
+      <p:sp>
+        <p:nvSpPr>
+          <p:cNvPr id="173" name="CustomShape 19"/>
+          <p:cNvSpPr/>
+          <p:nvPr/>
+        </p:nvSpPr>
+        <p:spPr>
+          <a:xfrm>
+            <a:off x="6188040" y="3411000"/>
+            <a:ext cx="2737800" cy="257400"/>
+          </a:xfrm>
+          <a:prstGeom prst="rect">
+            <a:avLst/>
+          </a:prstGeom>
+          <a:noFill/>
+          <a:ln>
+            <a:noFill/>
+          </a:ln>
+        </p:spPr>
+        <p:style>
+          <a:lnRef idx="0">
+            <a:scrgbClr r="0" g="0" b="0"/>
+          </a:lnRef>
+          <a:fillRef idx="0">
+            <a:scrgbClr r="0" g="0" b="0"/>
+          </a:fillRef>
+          <a:effectRef idx="0">
+            <a:scrgbClr r="0" g="0" b="0"/>
+          </a:effectRef>
+          <a:fontRef idx="minor"/>
+        </p:style>
+        <p:txBody>
+          <a:bodyPr lIns="90000" tIns="45000" rIns="90000" bIns="45000"/>
+          <a:lstStyle/>
+          <a:p>
+            <a:pPr>
+              <a:lnSpc>
+                <a:spcPct val="100000"/>
+              </a:lnSpc>
+            </a:pPr>
+            <a:endParaRPr lang="de-DE" sz="1800" b="0" strike="noStrike" spc="-1" dirty="0">
+              <a:solidFill>
+                <a:srgbClr val="000000"/>
+              </a:solidFill>
+              <a:uFill>
+                <a:solidFill>
+                  <a:srgbClr val="FFFFFF"/>
+                </a:solidFill>
+              </a:uFill>
+              <a:latin typeface="Arial"/>
+            </a:endParaRPr>
+          </a:p>
+        </p:txBody>
+      </p:sp>
     </p:spTree>
+    <p:extLst>
+      <p:ext uri="{BB962C8B-B14F-4D97-AF65-F5344CB8AC3E}">
+        <p14:creationId xmlns:p14="http://schemas.microsoft.com/office/powerpoint/2010/main" val="531716925"/>
+      </p:ext>
+    </p:extLst>
   </p:cSld>
   <p:clrMapOvr>
     <a:masterClrMapping/>
@@ -7010,52 +7373,6 @@
       </p:grpSpPr>
       <p:sp>
         <p:nvSpPr>
-          <p:cNvPr id="7" name="Rechteck 6"/>
-          <p:cNvSpPr/>
-          <p:nvPr/>
-        </p:nvSpPr>
-        <p:spPr>
-          <a:xfrm>
-            <a:off x="611560" y="3356992"/>
-            <a:ext cx="1368152" cy="504056"/>
-          </a:xfrm>
-          <a:prstGeom prst="rect">
-            <a:avLst/>
-          </a:prstGeom>
-          <a:noFill/>
-          <a:ln>
-            <a:solidFill>
-              <a:schemeClr val="tx1"/>
-            </a:solidFill>
-          </a:ln>
-        </p:spPr>
-        <p:style>
-          <a:lnRef idx="2">
-            <a:schemeClr val="accent1">
-              <a:shade val="50000"/>
-            </a:schemeClr>
-          </a:lnRef>
-          <a:fillRef idx="1">
-            <a:schemeClr val="accent1"/>
-          </a:fillRef>
-          <a:effectRef idx="0">
-            <a:schemeClr val="accent1"/>
-          </a:effectRef>
-          <a:fontRef idx="minor">
-            <a:schemeClr val="lt1"/>
-          </a:fontRef>
-        </p:style>
-        <p:txBody>
-          <a:bodyPr rtlCol="0" anchor="ctr"/>
-          <a:lstStyle/>
-          <a:p>
-            <a:pPr algn="ctr"/>
-            <a:endParaRPr lang="de-DE"/>
-          </a:p>
-        </p:txBody>
-      </p:sp>
-      <p:sp>
-        <p:nvSpPr>
           <p:cNvPr id="174" name="CustomShape 1"/>
           <p:cNvSpPr/>
           <p:nvPr/>
@@ -7095,7 +7412,7 @@
               </a:lnSpc>
             </a:pPr>
             <a:r>
-              <a:rPr lang="de-DE" sz="2400" b="1" strike="noStrike" spc="-1" dirty="0">
+              <a:rPr lang="de-DE" sz="2400" b="1" strike="noStrike" spc="-1">
                 <a:solidFill>
                   <a:srgbClr val="2D2015"/>
                 </a:solidFill>
@@ -7108,7 +7425,7 @@
               </a:rPr>
               <a:t>GUI</a:t>
             </a:r>
-            <a:endParaRPr lang="de-DE" sz="1800" b="0" strike="noStrike" spc="-1" dirty="0">
+            <a:endParaRPr lang="de-DE" sz="1800" b="0" strike="noStrike" spc="-1">
               <a:solidFill>
                 <a:srgbClr val="000000"/>
               </a:solidFill>
@@ -7122,6 +7439,52 @@
           </a:p>
         </p:txBody>
       </p:sp>
+      <p:pic>
+        <p:nvPicPr>
+          <p:cNvPr id="175" name="Bild 3"/>
+          <p:cNvPicPr/>
+          <p:nvPr/>
+        </p:nvPicPr>
+        <p:blipFill>
+          <a:blip r:embed="rId2" cstate="print"/>
+          <a:stretch/>
+        </p:blipFill>
+        <p:spPr>
+          <a:xfrm>
+            <a:off x="3707904" y="2780928"/>
+            <a:ext cx="5072400" cy="3394800"/>
+          </a:xfrm>
+          <a:prstGeom prst="rect">
+            <a:avLst/>
+          </a:prstGeom>
+          <a:ln>
+            <a:noFill/>
+          </a:ln>
+        </p:spPr>
+      </p:pic>
+      <p:pic>
+        <p:nvPicPr>
+          <p:cNvPr id="176" name="Bild 4"/>
+          <p:cNvPicPr/>
+          <p:nvPr/>
+        </p:nvPicPr>
+        <p:blipFill>
+          <a:blip r:embed="rId3" cstate="print"/>
+          <a:stretch/>
+        </p:blipFill>
+        <p:spPr>
+          <a:xfrm>
+            <a:off x="5220000" y="980640"/>
+            <a:ext cx="2050920" cy="1230480"/>
+          </a:xfrm>
+          <a:prstGeom prst="rect">
+            <a:avLst/>
+          </a:prstGeom>
+          <a:ln>
+            <a:noFill/>
+          </a:ln>
+        </p:spPr>
+      </p:pic>
       <p:sp>
         <p:nvSpPr>
           <p:cNvPr id="177" name="CustomShape 2"/>
@@ -7131,7 +7494,7 @@
         <p:spPr>
           <a:xfrm>
             <a:off x="719280" y="1773360"/>
-            <a:ext cx="7705080" cy="359496"/>
+            <a:ext cx="7705080" cy="4352040"/>
           </a:xfrm>
           <a:prstGeom prst="rect">
             <a:avLst/>
@@ -7163,7 +7526,7 @@
               </a:lnSpc>
             </a:pPr>
             <a:r>
-              <a:rPr lang="de-DE" sz="2000" b="0" strike="noStrike" spc="-1" dirty="0" smtClean="0">
+              <a:rPr lang="de-DE" sz="2000" b="0" strike="noStrike" spc="-1" dirty="0">
                 <a:solidFill>
                   <a:srgbClr val="333333"/>
                 </a:solidFill>
@@ -7174,15 +7537,45 @@
                 </a:uFill>
                 <a:latin typeface="Arial"/>
               </a:rPr>
-              <a:t>Funktionsweise</a:t>
-            </a:r>
-          </a:p>
-          <a:p>
-            <a:pPr>
+              <a:t>Funktionen:</a:t>
+            </a:r>
+            <a:endParaRPr lang="de-DE" sz="1800" b="0" strike="noStrike" spc="-1" dirty="0">
+              <a:solidFill>
+                <a:srgbClr val="000000"/>
+              </a:solidFill>
+              <a:uFill>
+                <a:solidFill>
+                  <a:srgbClr val="FFFFFF"/>
+                </a:solidFill>
+              </a:uFill>
+              <a:latin typeface="Arial"/>
+            </a:endParaRPr>
+          </a:p>
+          <a:p>
+            <a:pPr marL="181080" indent="-180360">
               <a:lnSpc>
                 <a:spcPct val="100000"/>
               </a:lnSpc>
+              <a:buClr>
+                <a:srgbClr val="333333"/>
+              </a:buClr>
+              <a:buFont typeface="Symbol"/>
+              <a:buChar char=""/>
             </a:pPr>
+            <a:r>
+              <a:rPr lang="de-DE" sz="2000" b="0" strike="noStrike" spc="-1" dirty="0" smtClean="0">
+                <a:solidFill>
+                  <a:srgbClr val="333333"/>
+                </a:solidFill>
+                <a:uFill>
+                  <a:solidFill>
+                    <a:srgbClr val="FFFFFF"/>
+                  </a:solidFill>
+                </a:uFill>
+                <a:latin typeface="Arial"/>
+              </a:rPr>
+              <a:t>Datenbankabfrage</a:t>
+            </a:r>
             <a:endParaRPr lang="de-DE" sz="1800" b="0" strike="noStrike" spc="-1" dirty="0">
               <a:solidFill>
                 <a:srgbClr val="000000"/>
@@ -7195,669 +7588,79 @@
               <a:latin typeface="Arial"/>
             </a:endParaRPr>
           </a:p>
-        </p:txBody>
-      </p:sp>
-      <p:sp>
-        <p:nvSpPr>
-          <p:cNvPr id="6" name="Textfeld 5"/>
-          <p:cNvSpPr txBox="1"/>
-          <p:nvPr/>
-        </p:nvSpPr>
-        <p:spPr>
-          <a:xfrm>
-            <a:off x="683568" y="3429000"/>
-            <a:ext cx="1296144" cy="369332"/>
-          </a:xfrm>
-          <a:prstGeom prst="rect">
-            <a:avLst/>
-          </a:prstGeom>
-          <a:noFill/>
-        </p:spPr>
-        <p:txBody>
-          <a:bodyPr wrap="square" rtlCol="0">
-            <a:spAutoFit/>
-          </a:bodyPr>
-          <a:lstStyle/>
-          <a:p>
-            <a:r>
-              <a:rPr lang="de-DE" dirty="0" smtClean="0"/>
-              <a:t>Datenbank</a:t>
-            </a:r>
-            <a:endParaRPr lang="de-DE" dirty="0"/>
-          </a:p>
-        </p:txBody>
-      </p:sp>
-      <p:sp>
-        <p:nvSpPr>
-          <p:cNvPr id="8" name="Rechteck 7"/>
-          <p:cNvSpPr/>
-          <p:nvPr/>
-        </p:nvSpPr>
-        <p:spPr>
-          <a:xfrm>
-            <a:off x="3203848" y="2348880"/>
-            <a:ext cx="1368152" cy="720080"/>
-          </a:xfrm>
-          <a:prstGeom prst="rect">
-            <a:avLst/>
-          </a:prstGeom>
-          <a:noFill/>
-          <a:ln>
-            <a:solidFill>
-              <a:schemeClr val="tx1"/>
-            </a:solidFill>
-          </a:ln>
-        </p:spPr>
-        <p:style>
-          <a:lnRef idx="2">
-            <a:schemeClr val="accent1">
-              <a:shade val="50000"/>
-            </a:schemeClr>
-          </a:lnRef>
-          <a:fillRef idx="1">
-            <a:schemeClr val="accent1"/>
-          </a:fillRef>
-          <a:effectRef idx="0">
-            <a:schemeClr val="accent1"/>
-          </a:effectRef>
-          <a:fontRef idx="minor">
-            <a:schemeClr val="lt1"/>
-          </a:fontRef>
-        </p:style>
-        <p:txBody>
-          <a:bodyPr rtlCol="0" anchor="ctr"/>
-          <a:lstStyle/>
-          <a:p>
-            <a:pPr algn="ctr"/>
-            <a:endParaRPr lang="de-DE"/>
-          </a:p>
-        </p:txBody>
-      </p:sp>
-      <p:sp>
-        <p:nvSpPr>
-          <p:cNvPr id="9" name="Textfeld 8"/>
-          <p:cNvSpPr txBox="1"/>
-          <p:nvPr/>
-        </p:nvSpPr>
-        <p:spPr>
-          <a:xfrm>
-            <a:off x="3203848" y="2348880"/>
-            <a:ext cx="1368152" cy="646331"/>
-          </a:xfrm>
-          <a:prstGeom prst="rect">
-            <a:avLst/>
-          </a:prstGeom>
-          <a:noFill/>
-        </p:spPr>
-        <p:txBody>
-          <a:bodyPr wrap="square" rtlCol="0">
-            <a:spAutoFit/>
-          </a:bodyPr>
-          <a:lstStyle/>
-          <a:p>
-            <a:pPr algn="ctr"/>
-            <a:r>
-              <a:rPr lang="de-DE" dirty="0" smtClean="0"/>
-              <a:t>SQL Controller</a:t>
-            </a:r>
-            <a:endParaRPr lang="de-DE" dirty="0"/>
-          </a:p>
-        </p:txBody>
-      </p:sp>
-      <p:sp>
-        <p:nvSpPr>
-          <p:cNvPr id="13" name="Textfeld 12"/>
-          <p:cNvSpPr txBox="1"/>
-          <p:nvPr/>
-        </p:nvSpPr>
-        <p:spPr>
-          <a:xfrm>
-            <a:off x="1403648" y="2852936"/>
-            <a:ext cx="1584176" cy="369332"/>
-          </a:xfrm>
-          <a:prstGeom prst="rect">
-            <a:avLst/>
-          </a:prstGeom>
-          <a:noFill/>
-        </p:spPr>
-        <p:txBody>
-          <a:bodyPr wrap="square" rtlCol="0">
-            <a:spAutoFit/>
-          </a:bodyPr>
-          <a:lstStyle/>
-          <a:p>
-            <a:r>
-              <a:rPr lang="de-DE" dirty="0" smtClean="0"/>
-              <a:t>Datenabfrage</a:t>
-            </a:r>
-            <a:endParaRPr lang="de-DE" dirty="0"/>
-          </a:p>
-        </p:txBody>
-      </p:sp>
-      <p:sp>
-        <p:nvSpPr>
-          <p:cNvPr id="14" name="Rechteck 13"/>
-          <p:cNvSpPr/>
-          <p:nvPr/>
-        </p:nvSpPr>
-        <p:spPr>
-          <a:xfrm>
-            <a:off x="3203848" y="4293096"/>
-            <a:ext cx="1368152" cy="504056"/>
-          </a:xfrm>
-          <a:prstGeom prst="rect">
-            <a:avLst/>
-          </a:prstGeom>
-          <a:noFill/>
-          <a:ln>
-            <a:solidFill>
-              <a:schemeClr val="tx1"/>
-            </a:solidFill>
-          </a:ln>
-        </p:spPr>
-        <p:style>
-          <a:lnRef idx="2">
-            <a:schemeClr val="accent1">
-              <a:shade val="50000"/>
-            </a:schemeClr>
-          </a:lnRef>
-          <a:fillRef idx="1">
-            <a:schemeClr val="accent1"/>
-          </a:fillRef>
-          <a:effectRef idx="0">
-            <a:schemeClr val="accent1"/>
-          </a:effectRef>
-          <a:fontRef idx="minor">
-            <a:schemeClr val="lt1"/>
-          </a:fontRef>
-        </p:style>
-        <p:txBody>
-          <a:bodyPr rtlCol="0" anchor="ctr"/>
-          <a:lstStyle/>
-          <a:p>
-            <a:pPr algn="ctr"/>
-            <a:endParaRPr lang="de-DE"/>
-          </a:p>
-        </p:txBody>
-      </p:sp>
-      <p:sp>
-        <p:nvSpPr>
-          <p:cNvPr id="16" name="Textfeld 15"/>
-          <p:cNvSpPr txBox="1"/>
-          <p:nvPr/>
-        </p:nvSpPr>
-        <p:spPr>
-          <a:xfrm>
-            <a:off x="3203848" y="4365104"/>
-            <a:ext cx="1368152" cy="369332"/>
-          </a:xfrm>
-          <a:prstGeom prst="rect">
-            <a:avLst/>
-          </a:prstGeom>
-          <a:noFill/>
-        </p:spPr>
-        <p:txBody>
-          <a:bodyPr wrap="square" rtlCol="0">
-            <a:spAutoFit/>
-          </a:bodyPr>
-          <a:lstStyle/>
-          <a:p>
-            <a:pPr algn="ctr"/>
-            <a:r>
-              <a:rPr lang="de-DE" dirty="0" err="1" smtClean="0"/>
-              <a:t>Ringbuffer</a:t>
-            </a:r>
-            <a:endParaRPr lang="de-DE" dirty="0"/>
-          </a:p>
-        </p:txBody>
-      </p:sp>
-      <p:cxnSp>
-        <p:nvCxnSpPr>
-          <p:cNvPr id="18" name="Gerade Verbindung mit Pfeil 17"/>
-          <p:cNvCxnSpPr/>
-          <p:nvPr/>
-        </p:nvCxnSpPr>
-        <p:spPr>
-          <a:xfrm flipV="1">
-            <a:off x="1979712" y="3068960"/>
-            <a:ext cx="1224136" cy="288032"/>
-          </a:xfrm>
-          <a:prstGeom prst="straightConnector1">
-            <a:avLst/>
-          </a:prstGeom>
-          <a:ln>
-            <a:headEnd type="arrow"/>
-            <a:tailEnd type="arrow"/>
-          </a:ln>
-        </p:spPr>
-        <p:style>
-          <a:lnRef idx="1">
-            <a:schemeClr val="accent1"/>
-          </a:lnRef>
-          <a:fillRef idx="0">
-            <a:schemeClr val="accent1"/>
-          </a:fillRef>
-          <a:effectRef idx="0">
-            <a:schemeClr val="accent1"/>
-          </a:effectRef>
-          <a:fontRef idx="minor">
-            <a:schemeClr val="tx1"/>
-          </a:fontRef>
-        </p:style>
-      </p:cxnSp>
-      <p:cxnSp>
-        <p:nvCxnSpPr>
-          <p:cNvPr id="22" name="Gerade Verbindung mit Pfeil 21"/>
-          <p:cNvCxnSpPr>
-            <a:stCxn id="8" idx="2"/>
-            <a:endCxn id="14" idx="0"/>
-          </p:cNvCxnSpPr>
-          <p:nvPr/>
-        </p:nvCxnSpPr>
-        <p:spPr>
-          <a:xfrm>
-            <a:off x="3887924" y="3068960"/>
-            <a:ext cx="0" cy="1224136"/>
-          </a:xfrm>
-          <a:prstGeom prst="straightConnector1">
-            <a:avLst/>
-          </a:prstGeom>
-          <a:ln>
-            <a:tailEnd type="arrow"/>
-          </a:ln>
-        </p:spPr>
-        <p:style>
-          <a:lnRef idx="1">
-            <a:schemeClr val="accent1"/>
-          </a:lnRef>
-          <a:fillRef idx="0">
-            <a:schemeClr val="accent1"/>
-          </a:fillRef>
-          <a:effectRef idx="0">
-            <a:schemeClr val="accent1"/>
-          </a:effectRef>
-          <a:fontRef idx="minor">
-            <a:schemeClr val="tx1"/>
-          </a:fontRef>
-        </p:style>
-      </p:cxnSp>
-      <p:sp>
-        <p:nvSpPr>
-          <p:cNvPr id="24" name="Textfeld 23"/>
-          <p:cNvSpPr txBox="1"/>
-          <p:nvPr/>
-        </p:nvSpPr>
-        <p:spPr>
-          <a:xfrm>
-            <a:off x="3059832" y="3573016"/>
-            <a:ext cx="864096" cy="369332"/>
-          </a:xfrm>
-          <a:prstGeom prst="rect">
-            <a:avLst/>
-          </a:prstGeom>
-          <a:noFill/>
-        </p:spPr>
-        <p:txBody>
-          <a:bodyPr wrap="square" rtlCol="0">
-            <a:spAutoFit/>
-          </a:bodyPr>
-          <a:lstStyle/>
-          <a:p>
-            <a:r>
-              <a:rPr lang="de-DE" dirty="0" err="1" smtClean="0"/>
-              <a:t>befüllt</a:t>
-            </a:r>
-            <a:endParaRPr lang="de-DE" dirty="0"/>
-          </a:p>
-        </p:txBody>
-      </p:sp>
-      <p:sp>
-        <p:nvSpPr>
-          <p:cNvPr id="27" name="Rechteck 26"/>
-          <p:cNvSpPr/>
-          <p:nvPr/>
-        </p:nvSpPr>
-        <p:spPr>
-          <a:xfrm>
-            <a:off x="5796136" y="3501008"/>
-            <a:ext cx="1368152" cy="504056"/>
-          </a:xfrm>
-          <a:prstGeom prst="rect">
-            <a:avLst/>
-          </a:prstGeom>
-          <a:noFill/>
-          <a:ln>
-            <a:solidFill>
-              <a:schemeClr val="tx1"/>
-            </a:solidFill>
-          </a:ln>
-        </p:spPr>
-        <p:style>
-          <a:lnRef idx="2">
-            <a:schemeClr val="accent1">
-              <a:shade val="50000"/>
-            </a:schemeClr>
-          </a:lnRef>
-          <a:fillRef idx="1">
-            <a:schemeClr val="accent1"/>
-          </a:fillRef>
-          <a:effectRef idx="0">
-            <a:schemeClr val="accent1"/>
-          </a:effectRef>
-          <a:fontRef idx="minor">
-            <a:schemeClr val="lt1"/>
-          </a:fontRef>
-        </p:style>
-        <p:txBody>
-          <a:bodyPr rtlCol="0" anchor="ctr"/>
-          <a:lstStyle/>
-          <a:p>
-            <a:pPr algn="ctr"/>
-            <a:endParaRPr lang="de-DE"/>
-          </a:p>
-        </p:txBody>
-      </p:sp>
-      <p:sp>
-        <p:nvSpPr>
-          <p:cNvPr id="28" name="Textfeld 27"/>
-          <p:cNvSpPr txBox="1"/>
-          <p:nvPr/>
-        </p:nvSpPr>
-        <p:spPr>
-          <a:xfrm>
-            <a:off x="5796136" y="3573016"/>
-            <a:ext cx="1368152" cy="369332"/>
-          </a:xfrm>
-          <a:prstGeom prst="rect">
-            <a:avLst/>
-          </a:prstGeom>
-          <a:noFill/>
-        </p:spPr>
-        <p:txBody>
-          <a:bodyPr wrap="square" rtlCol="0">
-            <a:spAutoFit/>
-          </a:bodyPr>
-          <a:lstStyle/>
-          <a:p>
-            <a:pPr algn="ctr"/>
-            <a:r>
-              <a:rPr lang="de-DE" dirty="0" smtClean="0"/>
-              <a:t>Main</a:t>
-            </a:r>
-            <a:endParaRPr lang="de-DE" dirty="0"/>
-          </a:p>
-        </p:txBody>
-      </p:sp>
-      <p:cxnSp>
-        <p:nvCxnSpPr>
-          <p:cNvPr id="30" name="Gerade Verbindung mit Pfeil 29"/>
-          <p:cNvCxnSpPr>
-            <a:stCxn id="24" idx="3"/>
-            <a:endCxn id="28" idx="1"/>
-          </p:cNvCxnSpPr>
-          <p:nvPr/>
-        </p:nvCxnSpPr>
-        <p:spPr>
-          <a:xfrm>
-            <a:off x="3923928" y="3757682"/>
-            <a:ext cx="1872208" cy="0"/>
-          </a:xfrm>
-          <a:prstGeom prst="straightConnector1">
-            <a:avLst/>
-          </a:prstGeom>
-          <a:ln>
-            <a:tailEnd type="arrow"/>
-          </a:ln>
-        </p:spPr>
-        <p:style>
-          <a:lnRef idx="1">
-            <a:schemeClr val="accent1"/>
-          </a:lnRef>
-          <a:fillRef idx="0">
-            <a:schemeClr val="accent1"/>
-          </a:fillRef>
-          <a:effectRef idx="0">
-            <a:schemeClr val="accent1"/>
-          </a:effectRef>
-          <a:fontRef idx="minor">
-            <a:schemeClr val="tx1"/>
-          </a:fontRef>
-        </p:style>
-      </p:cxnSp>
-      <p:sp>
-        <p:nvSpPr>
-          <p:cNvPr id="32" name="Textfeld 31"/>
-          <p:cNvSpPr txBox="1"/>
-          <p:nvPr/>
-        </p:nvSpPr>
-        <p:spPr>
-          <a:xfrm>
-            <a:off x="3995936" y="3429000"/>
-            <a:ext cx="1728192" cy="369332"/>
-          </a:xfrm>
-          <a:prstGeom prst="rect">
-            <a:avLst/>
-          </a:prstGeom>
-          <a:noFill/>
-        </p:spPr>
-        <p:txBody>
-          <a:bodyPr wrap="square" rtlCol="0">
-            <a:spAutoFit/>
-          </a:bodyPr>
-          <a:lstStyle/>
-          <a:p>
-            <a:r>
-              <a:rPr lang="de-DE" dirty="0" smtClean="0"/>
-              <a:t>benachrichtigt</a:t>
-            </a:r>
-            <a:endParaRPr lang="de-DE" dirty="0"/>
-          </a:p>
-        </p:txBody>
-      </p:sp>
-      <p:cxnSp>
-        <p:nvCxnSpPr>
-          <p:cNvPr id="38" name="Gerade Verbindung mit Pfeil 37"/>
-          <p:cNvCxnSpPr/>
-          <p:nvPr/>
-        </p:nvCxnSpPr>
-        <p:spPr>
-          <a:xfrm flipH="1">
-            <a:off x="4572000" y="4005064"/>
-            <a:ext cx="1224136" cy="288032"/>
-          </a:xfrm>
-          <a:prstGeom prst="straightConnector1">
-            <a:avLst/>
-          </a:prstGeom>
-          <a:ln>
-            <a:headEnd type="arrow"/>
-            <a:tailEnd type="arrow"/>
-          </a:ln>
-        </p:spPr>
-        <p:style>
-          <a:lnRef idx="1">
-            <a:schemeClr val="accent1"/>
-          </a:lnRef>
-          <a:fillRef idx="0">
-            <a:schemeClr val="accent1"/>
-          </a:fillRef>
-          <a:effectRef idx="0">
-            <a:schemeClr val="accent1"/>
-          </a:effectRef>
-          <a:fontRef idx="minor">
-            <a:schemeClr val="tx1"/>
-          </a:fontRef>
-        </p:style>
-      </p:cxnSp>
-      <p:sp>
-        <p:nvSpPr>
-          <p:cNvPr id="39" name="Textfeld 38"/>
-          <p:cNvSpPr txBox="1"/>
-          <p:nvPr/>
-        </p:nvSpPr>
-        <p:spPr>
-          <a:xfrm>
-            <a:off x="4932040" y="4149080"/>
-            <a:ext cx="1872208" cy="369332"/>
-          </a:xfrm>
-          <a:prstGeom prst="rect">
-            <a:avLst/>
-          </a:prstGeom>
-          <a:noFill/>
-        </p:spPr>
-        <p:txBody>
-          <a:bodyPr wrap="square" rtlCol="0">
-            <a:spAutoFit/>
-          </a:bodyPr>
-          <a:lstStyle/>
-          <a:p>
-            <a:r>
-              <a:rPr lang="de-DE" dirty="0" smtClean="0"/>
-              <a:t>Datenabfrage</a:t>
-            </a:r>
-            <a:endParaRPr lang="de-DE" dirty="0"/>
-          </a:p>
-        </p:txBody>
-      </p:sp>
-      <p:sp>
-        <p:nvSpPr>
-          <p:cNvPr id="40" name="Rechteck 39"/>
-          <p:cNvSpPr/>
-          <p:nvPr/>
-        </p:nvSpPr>
-        <p:spPr>
-          <a:xfrm>
-            <a:off x="5796136" y="2276872"/>
-            <a:ext cx="1368152" cy="504056"/>
-          </a:xfrm>
-          <a:prstGeom prst="rect">
-            <a:avLst/>
-          </a:prstGeom>
-          <a:noFill/>
-          <a:ln>
-            <a:solidFill>
-              <a:schemeClr val="tx1"/>
-            </a:solidFill>
-          </a:ln>
-        </p:spPr>
-        <p:style>
-          <a:lnRef idx="2">
-            <a:schemeClr val="accent1">
-              <a:shade val="50000"/>
-            </a:schemeClr>
-          </a:lnRef>
-          <a:fillRef idx="1">
-            <a:schemeClr val="accent1"/>
-          </a:fillRef>
-          <a:effectRef idx="0">
-            <a:schemeClr val="accent1"/>
-          </a:effectRef>
-          <a:fontRef idx="minor">
-            <a:schemeClr val="lt1"/>
-          </a:fontRef>
-        </p:style>
-        <p:txBody>
-          <a:bodyPr rtlCol="0" anchor="ctr"/>
-          <a:lstStyle/>
-          <a:p>
-            <a:pPr algn="ctr"/>
-            <a:endParaRPr lang="de-DE"/>
-          </a:p>
-        </p:txBody>
-      </p:sp>
-      <p:sp>
-        <p:nvSpPr>
-          <p:cNvPr id="41" name="Textfeld 40"/>
-          <p:cNvSpPr txBox="1"/>
-          <p:nvPr/>
-        </p:nvSpPr>
-        <p:spPr>
-          <a:xfrm>
-            <a:off x="5796136" y="2348880"/>
-            <a:ext cx="1368152" cy="369332"/>
-          </a:xfrm>
-          <a:prstGeom prst="rect">
-            <a:avLst/>
-          </a:prstGeom>
-          <a:noFill/>
-        </p:spPr>
-        <p:txBody>
-          <a:bodyPr wrap="square" rtlCol="0">
-            <a:spAutoFit/>
-          </a:bodyPr>
-          <a:lstStyle/>
-          <a:p>
-            <a:pPr algn="ctr"/>
-            <a:r>
-              <a:rPr lang="de-DE" dirty="0" err="1" smtClean="0"/>
-              <a:t>JFreechart</a:t>
-            </a:r>
-            <a:endParaRPr lang="de-DE" dirty="0"/>
-          </a:p>
-        </p:txBody>
-      </p:sp>
-      <p:cxnSp>
-        <p:nvCxnSpPr>
-          <p:cNvPr id="43" name="Gerade Verbindung mit Pfeil 42"/>
-          <p:cNvCxnSpPr>
-            <a:stCxn id="27" idx="0"/>
-            <a:endCxn id="40" idx="2"/>
-          </p:cNvCxnSpPr>
-          <p:nvPr/>
-        </p:nvCxnSpPr>
-        <p:spPr>
-          <a:xfrm flipV="1">
-            <a:off x="6480212" y="2780928"/>
-            <a:ext cx="0" cy="720080"/>
-          </a:xfrm>
-          <a:prstGeom prst="straightConnector1">
-            <a:avLst/>
-          </a:prstGeom>
-          <a:ln>
-            <a:tailEnd type="arrow"/>
-          </a:ln>
-        </p:spPr>
-        <p:style>
-          <a:lnRef idx="1">
-            <a:schemeClr val="accent1"/>
-          </a:lnRef>
-          <a:fillRef idx="0">
-            <a:schemeClr val="accent1"/>
-          </a:fillRef>
-          <a:effectRef idx="0">
-            <a:schemeClr val="accent1"/>
-          </a:effectRef>
-          <a:fontRef idx="minor">
-            <a:schemeClr val="tx1"/>
-          </a:fontRef>
-        </p:style>
-      </p:cxnSp>
-      <p:sp>
-        <p:nvSpPr>
-          <p:cNvPr id="44" name="Textfeld 43"/>
-          <p:cNvSpPr txBox="1"/>
-          <p:nvPr/>
-        </p:nvSpPr>
-        <p:spPr>
-          <a:xfrm>
-            <a:off x="6516216" y="2996952"/>
-            <a:ext cx="2016224" cy="369332"/>
-          </a:xfrm>
-          <a:prstGeom prst="rect">
-            <a:avLst/>
-          </a:prstGeom>
-          <a:noFill/>
-        </p:spPr>
-        <p:txBody>
-          <a:bodyPr wrap="square" rtlCol="0">
-            <a:spAutoFit/>
-          </a:bodyPr>
-          <a:lstStyle/>
-          <a:p>
-            <a:r>
-              <a:rPr lang="de-DE" dirty="0" smtClean="0"/>
-              <a:t>übergibt</a:t>
-            </a:r>
-            <a:endParaRPr lang="de-DE" dirty="0"/>
+          <a:p>
+            <a:pPr marL="181080" indent="-180360">
+              <a:lnSpc>
+                <a:spcPct val="100000"/>
+              </a:lnSpc>
+              <a:buClr>
+                <a:srgbClr val="333333"/>
+              </a:buClr>
+              <a:buFont typeface="Symbol"/>
+              <a:buChar char=""/>
+            </a:pPr>
+            <a:r>
+              <a:rPr lang="de-DE" sz="2000" spc="-1" dirty="0" smtClean="0">
+                <a:solidFill>
+                  <a:srgbClr val="333333"/>
+                </a:solidFill>
+                <a:uFill>
+                  <a:solidFill>
+                    <a:srgbClr val="FFFFFF"/>
+                  </a:solidFill>
+                </a:uFill>
+                <a:latin typeface="Arial"/>
+              </a:rPr>
+              <a:t>Darstellung der Daten als Graphen</a:t>
+            </a:r>
+            <a:endParaRPr lang="de-DE" sz="1800" b="0" strike="noStrike" spc="-1" dirty="0">
+              <a:solidFill>
+                <a:srgbClr val="000000"/>
+              </a:solidFill>
+              <a:uFill>
+                <a:solidFill>
+                  <a:srgbClr val="FFFFFF"/>
+                </a:solidFill>
+              </a:uFill>
+              <a:latin typeface="Arial"/>
+            </a:endParaRPr>
+          </a:p>
+          <a:p>
+            <a:pPr marL="181080" indent="-180360">
+              <a:lnSpc>
+                <a:spcPct val="100000"/>
+              </a:lnSpc>
+              <a:buClr>
+                <a:srgbClr val="333333"/>
+              </a:buClr>
+              <a:buFont typeface="Symbol"/>
+              <a:buChar char=""/>
+            </a:pPr>
+            <a:r>
+              <a:rPr lang="de-DE" sz="2000" spc="-1" dirty="0" smtClean="0">
+                <a:solidFill>
+                  <a:srgbClr val="333333"/>
+                </a:solidFill>
+                <a:uFill>
+                  <a:solidFill>
+                    <a:srgbClr val="FFFFFF"/>
+                  </a:solidFill>
+                </a:uFill>
+                <a:latin typeface="Arial"/>
+              </a:rPr>
+              <a:t>Analyse der Daten</a:t>
+            </a:r>
+            <a:endParaRPr lang="de-DE" sz="1800" b="0" strike="noStrike" spc="-1" dirty="0">
+              <a:solidFill>
+                <a:srgbClr val="000000"/>
+              </a:solidFill>
+              <a:uFill>
+                <a:solidFill>
+                  <a:srgbClr val="FFFFFF"/>
+                </a:solidFill>
+              </a:uFill>
+              <a:latin typeface="Arial"/>
+            </a:endParaRPr>
           </a:p>
         </p:txBody>
       </p:sp>
@@ -7915,6 +7718,52 @@
       </p:grpSpPr>
       <p:sp>
         <p:nvSpPr>
+          <p:cNvPr id="7" name="Rechteck 6"/>
+          <p:cNvSpPr/>
+          <p:nvPr/>
+        </p:nvSpPr>
+        <p:spPr>
+          <a:xfrm>
+            <a:off x="611560" y="3356992"/>
+            <a:ext cx="1368152" cy="504056"/>
+          </a:xfrm>
+          <a:prstGeom prst="rect">
+            <a:avLst/>
+          </a:prstGeom>
+          <a:noFill/>
+          <a:ln>
+            <a:solidFill>
+              <a:schemeClr val="tx1"/>
+            </a:solidFill>
+          </a:ln>
+        </p:spPr>
+        <p:style>
+          <a:lnRef idx="2">
+            <a:schemeClr val="accent1">
+              <a:shade val="50000"/>
+            </a:schemeClr>
+          </a:lnRef>
+          <a:fillRef idx="1">
+            <a:schemeClr val="accent1"/>
+          </a:fillRef>
+          <a:effectRef idx="0">
+            <a:schemeClr val="accent1"/>
+          </a:effectRef>
+          <a:fontRef idx="minor">
+            <a:schemeClr val="lt1"/>
+          </a:fontRef>
+        </p:style>
+        <p:txBody>
+          <a:bodyPr rtlCol="0" anchor="ctr"/>
+          <a:lstStyle/>
+          <a:p>
+            <a:pPr algn="ctr"/>
+            <a:endParaRPr lang="de-DE"/>
+          </a:p>
+        </p:txBody>
+      </p:sp>
+      <p:sp>
+        <p:nvSpPr>
           <p:cNvPr id="174" name="CustomShape 1"/>
           <p:cNvSpPr/>
           <p:nvPr/>
@@ -7954,7 +7803,7 @@
               </a:lnSpc>
             </a:pPr>
             <a:r>
-              <a:rPr lang="de-DE" sz="2400" b="1" strike="noStrike" spc="-1">
+              <a:rPr lang="de-DE" sz="2400" b="1" strike="noStrike" spc="-1" dirty="0">
                 <a:solidFill>
                   <a:srgbClr val="2D2015"/>
                 </a:solidFill>
@@ -7967,7 +7816,7 @@
               </a:rPr>
               <a:t>GUI</a:t>
             </a:r>
-            <a:endParaRPr lang="de-DE" sz="1800" b="0" strike="noStrike" spc="-1">
+            <a:endParaRPr lang="de-DE" sz="1800" b="0" strike="noStrike" spc="-1" dirty="0">
               <a:solidFill>
                 <a:srgbClr val="000000"/>
               </a:solidFill>
@@ -7990,7 +7839,7 @@
         <p:spPr>
           <a:xfrm>
             <a:off x="719280" y="1773360"/>
-            <a:ext cx="7705080" cy="4352040"/>
+            <a:ext cx="7705080" cy="359496"/>
           </a:xfrm>
           <a:prstGeom prst="rect">
             <a:avLst/>
@@ -8033,51 +7882,15 @@
                 </a:uFill>
                 <a:latin typeface="Arial"/>
               </a:rPr>
-              <a:t>Aufgaben:</a:t>
-            </a:r>
-          </a:p>
-          <a:p>
-            <a:pPr marL="457200" indent="-457200">
-              <a:lnSpc>
-                <a:spcPct val="100000"/>
-              </a:lnSpc>
-              <a:buAutoNum type="arabicPeriod"/>
-            </a:pPr>
-            <a:r>
-              <a:rPr lang="de-DE" sz="2000" spc="-1" dirty="0" smtClean="0">
-                <a:solidFill>
-                  <a:srgbClr val="333333"/>
-                </a:solidFill>
-                <a:uFill>
-                  <a:solidFill>
-                    <a:srgbClr val="FFFFFF"/>
-                  </a:solidFill>
-                </a:uFill>
-                <a:latin typeface="Arial"/>
-              </a:rPr>
-              <a:t>Konfigurationsdateien </a:t>
-            </a:r>
-          </a:p>
-          <a:p>
-            <a:pPr marL="457200" indent="-457200">
+              <a:t>Funktionsweise</a:t>
+            </a:r>
+          </a:p>
+          <a:p>
+            <a:pPr>
               <a:lnSpc>
                 <a:spcPct val="100000"/>
               </a:lnSpc>
             </a:pPr>
-            <a:r>
-              <a:rPr lang="de-DE" sz="2000" spc="-1" dirty="0" smtClean="0">
-                <a:solidFill>
-                  <a:srgbClr val="333333"/>
-                </a:solidFill>
-                <a:uFill>
-                  <a:solidFill>
-                    <a:srgbClr val="FFFFFF"/>
-                  </a:solidFill>
-                </a:uFill>
-                <a:latin typeface="Arial"/>
-              </a:rPr>
-              <a:t>	(Infos für Datensätze, SQL, GUI)</a:t>
-            </a:r>
             <a:endParaRPr lang="de-DE" sz="1800" b="0" strike="noStrike" spc="-1" dirty="0">
               <a:solidFill>
                 <a:srgbClr val="000000"/>
@@ -8092,32 +7905,670 @@
           </a:p>
         </p:txBody>
       </p:sp>
-      <p:pic>
-        <p:nvPicPr>
-          <p:cNvPr id="2" name="Picture 2" descr="G:\Philipp\Desktop\config.PNG"/>
-          <p:cNvPicPr>
-            <a:picLocks noChangeAspect="1" noChangeArrowheads="1"/>
-          </p:cNvPicPr>
+      <p:sp>
+        <p:nvSpPr>
+          <p:cNvPr id="6" name="Textfeld 5"/>
+          <p:cNvSpPr txBox="1"/>
           <p:nvPr/>
-        </p:nvPicPr>
-        <p:blipFill>
-          <a:blip r:embed="rId2" cstate="print"/>
-          <a:srcRect/>
-          <a:stretch>
-            <a:fillRect/>
-          </a:stretch>
-        </p:blipFill>
-        <p:spPr bwMode="auto">
-          <a:xfrm>
-            <a:off x="5292080" y="980728"/>
-            <a:ext cx="2409825" cy="4953000"/>
+        </p:nvSpPr>
+        <p:spPr>
+          <a:xfrm>
+            <a:off x="683568" y="3429000"/>
+            <a:ext cx="1296144" cy="369332"/>
           </a:xfrm>
           <a:prstGeom prst="rect">
             <a:avLst/>
           </a:prstGeom>
           <a:noFill/>
         </p:spPr>
-      </p:pic>
+        <p:txBody>
+          <a:bodyPr wrap="square" rtlCol="0">
+            <a:spAutoFit/>
+          </a:bodyPr>
+          <a:lstStyle/>
+          <a:p>
+            <a:r>
+              <a:rPr lang="de-DE" dirty="0" smtClean="0"/>
+              <a:t>Datenbank</a:t>
+            </a:r>
+            <a:endParaRPr lang="de-DE" dirty="0"/>
+          </a:p>
+        </p:txBody>
+      </p:sp>
+      <p:sp>
+        <p:nvSpPr>
+          <p:cNvPr id="8" name="Rechteck 7"/>
+          <p:cNvSpPr/>
+          <p:nvPr/>
+        </p:nvSpPr>
+        <p:spPr>
+          <a:xfrm>
+            <a:off x="3203848" y="2348880"/>
+            <a:ext cx="1368152" cy="720080"/>
+          </a:xfrm>
+          <a:prstGeom prst="rect">
+            <a:avLst/>
+          </a:prstGeom>
+          <a:noFill/>
+          <a:ln>
+            <a:solidFill>
+              <a:schemeClr val="tx1"/>
+            </a:solidFill>
+          </a:ln>
+        </p:spPr>
+        <p:style>
+          <a:lnRef idx="2">
+            <a:schemeClr val="accent1">
+              <a:shade val="50000"/>
+            </a:schemeClr>
+          </a:lnRef>
+          <a:fillRef idx="1">
+            <a:schemeClr val="accent1"/>
+          </a:fillRef>
+          <a:effectRef idx="0">
+            <a:schemeClr val="accent1"/>
+          </a:effectRef>
+          <a:fontRef idx="minor">
+            <a:schemeClr val="lt1"/>
+          </a:fontRef>
+        </p:style>
+        <p:txBody>
+          <a:bodyPr rtlCol="0" anchor="ctr"/>
+          <a:lstStyle/>
+          <a:p>
+            <a:pPr algn="ctr"/>
+            <a:endParaRPr lang="de-DE"/>
+          </a:p>
+        </p:txBody>
+      </p:sp>
+      <p:sp>
+        <p:nvSpPr>
+          <p:cNvPr id="9" name="Textfeld 8"/>
+          <p:cNvSpPr txBox="1"/>
+          <p:nvPr/>
+        </p:nvSpPr>
+        <p:spPr>
+          <a:xfrm>
+            <a:off x="3203848" y="2348880"/>
+            <a:ext cx="1368152" cy="646331"/>
+          </a:xfrm>
+          <a:prstGeom prst="rect">
+            <a:avLst/>
+          </a:prstGeom>
+          <a:noFill/>
+        </p:spPr>
+        <p:txBody>
+          <a:bodyPr wrap="square" rtlCol="0">
+            <a:spAutoFit/>
+          </a:bodyPr>
+          <a:lstStyle/>
+          <a:p>
+            <a:pPr algn="ctr"/>
+            <a:r>
+              <a:rPr lang="de-DE" dirty="0" smtClean="0"/>
+              <a:t>SQL Controller</a:t>
+            </a:r>
+            <a:endParaRPr lang="de-DE" dirty="0"/>
+          </a:p>
+        </p:txBody>
+      </p:sp>
+      <p:sp>
+        <p:nvSpPr>
+          <p:cNvPr id="13" name="Textfeld 12"/>
+          <p:cNvSpPr txBox="1"/>
+          <p:nvPr/>
+        </p:nvSpPr>
+        <p:spPr>
+          <a:xfrm>
+            <a:off x="1403648" y="2852936"/>
+            <a:ext cx="1584176" cy="369332"/>
+          </a:xfrm>
+          <a:prstGeom prst="rect">
+            <a:avLst/>
+          </a:prstGeom>
+          <a:noFill/>
+        </p:spPr>
+        <p:txBody>
+          <a:bodyPr wrap="square" rtlCol="0">
+            <a:spAutoFit/>
+          </a:bodyPr>
+          <a:lstStyle/>
+          <a:p>
+            <a:r>
+              <a:rPr lang="de-DE" dirty="0" smtClean="0"/>
+              <a:t>Datenabfrage</a:t>
+            </a:r>
+            <a:endParaRPr lang="de-DE" dirty="0"/>
+          </a:p>
+        </p:txBody>
+      </p:sp>
+      <p:sp>
+        <p:nvSpPr>
+          <p:cNvPr id="14" name="Rechteck 13"/>
+          <p:cNvSpPr/>
+          <p:nvPr/>
+        </p:nvSpPr>
+        <p:spPr>
+          <a:xfrm>
+            <a:off x="3203848" y="4293096"/>
+            <a:ext cx="1368152" cy="504056"/>
+          </a:xfrm>
+          <a:prstGeom prst="rect">
+            <a:avLst/>
+          </a:prstGeom>
+          <a:noFill/>
+          <a:ln>
+            <a:solidFill>
+              <a:schemeClr val="tx1"/>
+            </a:solidFill>
+          </a:ln>
+        </p:spPr>
+        <p:style>
+          <a:lnRef idx="2">
+            <a:schemeClr val="accent1">
+              <a:shade val="50000"/>
+            </a:schemeClr>
+          </a:lnRef>
+          <a:fillRef idx="1">
+            <a:schemeClr val="accent1"/>
+          </a:fillRef>
+          <a:effectRef idx="0">
+            <a:schemeClr val="accent1"/>
+          </a:effectRef>
+          <a:fontRef idx="minor">
+            <a:schemeClr val="lt1"/>
+          </a:fontRef>
+        </p:style>
+        <p:txBody>
+          <a:bodyPr rtlCol="0" anchor="ctr"/>
+          <a:lstStyle/>
+          <a:p>
+            <a:pPr algn="ctr"/>
+            <a:endParaRPr lang="de-DE"/>
+          </a:p>
+        </p:txBody>
+      </p:sp>
+      <p:sp>
+        <p:nvSpPr>
+          <p:cNvPr id="16" name="Textfeld 15"/>
+          <p:cNvSpPr txBox="1"/>
+          <p:nvPr/>
+        </p:nvSpPr>
+        <p:spPr>
+          <a:xfrm>
+            <a:off x="3203848" y="4365104"/>
+            <a:ext cx="1368152" cy="369332"/>
+          </a:xfrm>
+          <a:prstGeom prst="rect">
+            <a:avLst/>
+          </a:prstGeom>
+          <a:noFill/>
+        </p:spPr>
+        <p:txBody>
+          <a:bodyPr wrap="square" rtlCol="0">
+            <a:spAutoFit/>
+          </a:bodyPr>
+          <a:lstStyle/>
+          <a:p>
+            <a:pPr algn="ctr"/>
+            <a:r>
+              <a:rPr lang="de-DE" dirty="0" err="1" smtClean="0"/>
+              <a:t>Ringbuffer</a:t>
+            </a:r>
+            <a:endParaRPr lang="de-DE" dirty="0"/>
+          </a:p>
+        </p:txBody>
+      </p:sp>
+      <p:cxnSp>
+        <p:nvCxnSpPr>
+          <p:cNvPr id="18" name="Gerade Verbindung mit Pfeil 17"/>
+          <p:cNvCxnSpPr/>
+          <p:nvPr/>
+        </p:nvCxnSpPr>
+        <p:spPr>
+          <a:xfrm flipV="1">
+            <a:off x="1979712" y="3068960"/>
+            <a:ext cx="1224136" cy="288032"/>
+          </a:xfrm>
+          <a:prstGeom prst="straightConnector1">
+            <a:avLst/>
+          </a:prstGeom>
+          <a:ln>
+            <a:headEnd type="arrow"/>
+            <a:tailEnd type="arrow"/>
+          </a:ln>
+        </p:spPr>
+        <p:style>
+          <a:lnRef idx="1">
+            <a:schemeClr val="accent1"/>
+          </a:lnRef>
+          <a:fillRef idx="0">
+            <a:schemeClr val="accent1"/>
+          </a:fillRef>
+          <a:effectRef idx="0">
+            <a:schemeClr val="accent1"/>
+          </a:effectRef>
+          <a:fontRef idx="minor">
+            <a:schemeClr val="tx1"/>
+          </a:fontRef>
+        </p:style>
+      </p:cxnSp>
+      <p:cxnSp>
+        <p:nvCxnSpPr>
+          <p:cNvPr id="22" name="Gerade Verbindung mit Pfeil 21"/>
+          <p:cNvCxnSpPr>
+            <a:stCxn id="8" idx="2"/>
+            <a:endCxn id="14" idx="0"/>
+          </p:cNvCxnSpPr>
+          <p:nvPr/>
+        </p:nvCxnSpPr>
+        <p:spPr>
+          <a:xfrm>
+            <a:off x="3887924" y="3068960"/>
+            <a:ext cx="0" cy="1224136"/>
+          </a:xfrm>
+          <a:prstGeom prst="straightConnector1">
+            <a:avLst/>
+          </a:prstGeom>
+          <a:ln>
+            <a:tailEnd type="arrow"/>
+          </a:ln>
+        </p:spPr>
+        <p:style>
+          <a:lnRef idx="1">
+            <a:schemeClr val="accent1"/>
+          </a:lnRef>
+          <a:fillRef idx="0">
+            <a:schemeClr val="accent1"/>
+          </a:fillRef>
+          <a:effectRef idx="0">
+            <a:schemeClr val="accent1"/>
+          </a:effectRef>
+          <a:fontRef idx="minor">
+            <a:schemeClr val="tx1"/>
+          </a:fontRef>
+        </p:style>
+      </p:cxnSp>
+      <p:sp>
+        <p:nvSpPr>
+          <p:cNvPr id="24" name="Textfeld 23"/>
+          <p:cNvSpPr txBox="1"/>
+          <p:nvPr/>
+        </p:nvSpPr>
+        <p:spPr>
+          <a:xfrm>
+            <a:off x="3059832" y="3573016"/>
+            <a:ext cx="864096" cy="369332"/>
+          </a:xfrm>
+          <a:prstGeom prst="rect">
+            <a:avLst/>
+          </a:prstGeom>
+          <a:noFill/>
+        </p:spPr>
+        <p:txBody>
+          <a:bodyPr wrap="square" rtlCol="0">
+            <a:spAutoFit/>
+          </a:bodyPr>
+          <a:lstStyle/>
+          <a:p>
+            <a:r>
+              <a:rPr lang="de-DE" dirty="0" err="1" smtClean="0"/>
+              <a:t>befüllt</a:t>
+            </a:r>
+            <a:endParaRPr lang="de-DE" dirty="0"/>
+          </a:p>
+        </p:txBody>
+      </p:sp>
+      <p:sp>
+        <p:nvSpPr>
+          <p:cNvPr id="27" name="Rechteck 26"/>
+          <p:cNvSpPr/>
+          <p:nvPr/>
+        </p:nvSpPr>
+        <p:spPr>
+          <a:xfrm>
+            <a:off x="5796136" y="3501008"/>
+            <a:ext cx="1368152" cy="504056"/>
+          </a:xfrm>
+          <a:prstGeom prst="rect">
+            <a:avLst/>
+          </a:prstGeom>
+          <a:noFill/>
+          <a:ln>
+            <a:solidFill>
+              <a:schemeClr val="tx1"/>
+            </a:solidFill>
+          </a:ln>
+        </p:spPr>
+        <p:style>
+          <a:lnRef idx="2">
+            <a:schemeClr val="accent1">
+              <a:shade val="50000"/>
+            </a:schemeClr>
+          </a:lnRef>
+          <a:fillRef idx="1">
+            <a:schemeClr val="accent1"/>
+          </a:fillRef>
+          <a:effectRef idx="0">
+            <a:schemeClr val="accent1"/>
+          </a:effectRef>
+          <a:fontRef idx="minor">
+            <a:schemeClr val="lt1"/>
+          </a:fontRef>
+        </p:style>
+        <p:txBody>
+          <a:bodyPr rtlCol="0" anchor="ctr"/>
+          <a:lstStyle/>
+          <a:p>
+            <a:pPr algn="ctr"/>
+            <a:endParaRPr lang="de-DE"/>
+          </a:p>
+        </p:txBody>
+      </p:sp>
+      <p:sp>
+        <p:nvSpPr>
+          <p:cNvPr id="28" name="Textfeld 27"/>
+          <p:cNvSpPr txBox="1"/>
+          <p:nvPr/>
+        </p:nvSpPr>
+        <p:spPr>
+          <a:xfrm>
+            <a:off x="5796136" y="3573016"/>
+            <a:ext cx="1368152" cy="369332"/>
+          </a:xfrm>
+          <a:prstGeom prst="rect">
+            <a:avLst/>
+          </a:prstGeom>
+          <a:noFill/>
+        </p:spPr>
+        <p:txBody>
+          <a:bodyPr wrap="square" rtlCol="0">
+            <a:spAutoFit/>
+          </a:bodyPr>
+          <a:lstStyle/>
+          <a:p>
+            <a:pPr algn="ctr"/>
+            <a:r>
+              <a:rPr lang="de-DE" dirty="0" smtClean="0"/>
+              <a:t>Main</a:t>
+            </a:r>
+            <a:endParaRPr lang="de-DE" dirty="0"/>
+          </a:p>
+        </p:txBody>
+      </p:sp>
+      <p:cxnSp>
+        <p:nvCxnSpPr>
+          <p:cNvPr id="30" name="Gerade Verbindung mit Pfeil 29"/>
+          <p:cNvCxnSpPr>
+            <a:stCxn id="24" idx="3"/>
+            <a:endCxn id="28" idx="1"/>
+          </p:cNvCxnSpPr>
+          <p:nvPr/>
+        </p:nvCxnSpPr>
+        <p:spPr>
+          <a:xfrm>
+            <a:off x="3923928" y="3757682"/>
+            <a:ext cx="1872208" cy="0"/>
+          </a:xfrm>
+          <a:prstGeom prst="straightConnector1">
+            <a:avLst/>
+          </a:prstGeom>
+          <a:ln>
+            <a:tailEnd type="arrow"/>
+          </a:ln>
+        </p:spPr>
+        <p:style>
+          <a:lnRef idx="1">
+            <a:schemeClr val="accent1"/>
+          </a:lnRef>
+          <a:fillRef idx="0">
+            <a:schemeClr val="accent1"/>
+          </a:fillRef>
+          <a:effectRef idx="0">
+            <a:schemeClr val="accent1"/>
+          </a:effectRef>
+          <a:fontRef idx="minor">
+            <a:schemeClr val="tx1"/>
+          </a:fontRef>
+        </p:style>
+      </p:cxnSp>
+      <p:sp>
+        <p:nvSpPr>
+          <p:cNvPr id="32" name="Textfeld 31"/>
+          <p:cNvSpPr txBox="1"/>
+          <p:nvPr/>
+        </p:nvSpPr>
+        <p:spPr>
+          <a:xfrm>
+            <a:off x="3995936" y="3429000"/>
+            <a:ext cx="1728192" cy="369332"/>
+          </a:xfrm>
+          <a:prstGeom prst="rect">
+            <a:avLst/>
+          </a:prstGeom>
+          <a:noFill/>
+        </p:spPr>
+        <p:txBody>
+          <a:bodyPr wrap="square" rtlCol="0">
+            <a:spAutoFit/>
+          </a:bodyPr>
+          <a:lstStyle/>
+          <a:p>
+            <a:r>
+              <a:rPr lang="de-DE" dirty="0" smtClean="0"/>
+              <a:t>benachrichtigt</a:t>
+            </a:r>
+            <a:endParaRPr lang="de-DE" dirty="0"/>
+          </a:p>
+        </p:txBody>
+      </p:sp>
+      <p:cxnSp>
+        <p:nvCxnSpPr>
+          <p:cNvPr id="38" name="Gerade Verbindung mit Pfeil 37"/>
+          <p:cNvCxnSpPr/>
+          <p:nvPr/>
+        </p:nvCxnSpPr>
+        <p:spPr>
+          <a:xfrm flipH="1">
+            <a:off x="4572000" y="4005064"/>
+            <a:ext cx="1224136" cy="288032"/>
+          </a:xfrm>
+          <a:prstGeom prst="straightConnector1">
+            <a:avLst/>
+          </a:prstGeom>
+          <a:ln>
+            <a:headEnd type="arrow"/>
+            <a:tailEnd type="arrow"/>
+          </a:ln>
+        </p:spPr>
+        <p:style>
+          <a:lnRef idx="1">
+            <a:schemeClr val="accent1"/>
+          </a:lnRef>
+          <a:fillRef idx="0">
+            <a:schemeClr val="accent1"/>
+          </a:fillRef>
+          <a:effectRef idx="0">
+            <a:schemeClr val="accent1"/>
+          </a:effectRef>
+          <a:fontRef idx="minor">
+            <a:schemeClr val="tx1"/>
+          </a:fontRef>
+        </p:style>
+      </p:cxnSp>
+      <p:sp>
+        <p:nvSpPr>
+          <p:cNvPr id="39" name="Textfeld 38"/>
+          <p:cNvSpPr txBox="1"/>
+          <p:nvPr/>
+        </p:nvSpPr>
+        <p:spPr>
+          <a:xfrm>
+            <a:off x="4932040" y="4149080"/>
+            <a:ext cx="1872208" cy="369332"/>
+          </a:xfrm>
+          <a:prstGeom prst="rect">
+            <a:avLst/>
+          </a:prstGeom>
+          <a:noFill/>
+        </p:spPr>
+        <p:txBody>
+          <a:bodyPr wrap="square" rtlCol="0">
+            <a:spAutoFit/>
+          </a:bodyPr>
+          <a:lstStyle/>
+          <a:p>
+            <a:r>
+              <a:rPr lang="de-DE" dirty="0" smtClean="0"/>
+              <a:t>Datenabfrage</a:t>
+            </a:r>
+            <a:endParaRPr lang="de-DE" dirty="0"/>
+          </a:p>
+        </p:txBody>
+      </p:sp>
+      <p:sp>
+        <p:nvSpPr>
+          <p:cNvPr id="40" name="Rechteck 39"/>
+          <p:cNvSpPr/>
+          <p:nvPr/>
+        </p:nvSpPr>
+        <p:spPr>
+          <a:xfrm>
+            <a:off x="5796136" y="2276872"/>
+            <a:ext cx="1368152" cy="504056"/>
+          </a:xfrm>
+          <a:prstGeom prst="rect">
+            <a:avLst/>
+          </a:prstGeom>
+          <a:noFill/>
+          <a:ln>
+            <a:solidFill>
+              <a:schemeClr val="tx1"/>
+            </a:solidFill>
+          </a:ln>
+        </p:spPr>
+        <p:style>
+          <a:lnRef idx="2">
+            <a:schemeClr val="accent1">
+              <a:shade val="50000"/>
+            </a:schemeClr>
+          </a:lnRef>
+          <a:fillRef idx="1">
+            <a:schemeClr val="accent1"/>
+          </a:fillRef>
+          <a:effectRef idx="0">
+            <a:schemeClr val="accent1"/>
+          </a:effectRef>
+          <a:fontRef idx="minor">
+            <a:schemeClr val="lt1"/>
+          </a:fontRef>
+        </p:style>
+        <p:txBody>
+          <a:bodyPr rtlCol="0" anchor="ctr"/>
+          <a:lstStyle/>
+          <a:p>
+            <a:pPr algn="ctr"/>
+            <a:endParaRPr lang="de-DE"/>
+          </a:p>
+        </p:txBody>
+      </p:sp>
+      <p:sp>
+        <p:nvSpPr>
+          <p:cNvPr id="41" name="Textfeld 40"/>
+          <p:cNvSpPr txBox="1"/>
+          <p:nvPr/>
+        </p:nvSpPr>
+        <p:spPr>
+          <a:xfrm>
+            <a:off x="5796136" y="2348880"/>
+            <a:ext cx="1368152" cy="369332"/>
+          </a:xfrm>
+          <a:prstGeom prst="rect">
+            <a:avLst/>
+          </a:prstGeom>
+          <a:noFill/>
+        </p:spPr>
+        <p:txBody>
+          <a:bodyPr wrap="square" rtlCol="0">
+            <a:spAutoFit/>
+          </a:bodyPr>
+          <a:lstStyle/>
+          <a:p>
+            <a:pPr algn="ctr"/>
+            <a:r>
+              <a:rPr lang="de-DE" dirty="0" err="1" smtClean="0"/>
+              <a:t>JFreechart</a:t>
+            </a:r>
+            <a:endParaRPr lang="de-DE" dirty="0"/>
+          </a:p>
+        </p:txBody>
+      </p:sp>
+      <p:cxnSp>
+        <p:nvCxnSpPr>
+          <p:cNvPr id="43" name="Gerade Verbindung mit Pfeil 42"/>
+          <p:cNvCxnSpPr>
+            <a:stCxn id="27" idx="0"/>
+            <a:endCxn id="40" idx="2"/>
+          </p:cNvCxnSpPr>
+          <p:nvPr/>
+        </p:nvCxnSpPr>
+        <p:spPr>
+          <a:xfrm flipV="1">
+            <a:off x="6480212" y="2780928"/>
+            <a:ext cx="0" cy="720080"/>
+          </a:xfrm>
+          <a:prstGeom prst="straightConnector1">
+            <a:avLst/>
+          </a:prstGeom>
+          <a:ln>
+            <a:tailEnd type="arrow"/>
+          </a:ln>
+        </p:spPr>
+        <p:style>
+          <a:lnRef idx="1">
+            <a:schemeClr val="accent1"/>
+          </a:lnRef>
+          <a:fillRef idx="0">
+            <a:schemeClr val="accent1"/>
+          </a:fillRef>
+          <a:effectRef idx="0">
+            <a:schemeClr val="accent1"/>
+          </a:effectRef>
+          <a:fontRef idx="minor">
+            <a:schemeClr val="tx1"/>
+          </a:fontRef>
+        </p:style>
+      </p:cxnSp>
+      <p:sp>
+        <p:nvSpPr>
+          <p:cNvPr id="44" name="Textfeld 43"/>
+          <p:cNvSpPr txBox="1"/>
+          <p:nvPr/>
+        </p:nvSpPr>
+        <p:spPr>
+          <a:xfrm>
+            <a:off x="6516216" y="2996952"/>
+            <a:ext cx="2016224" cy="369332"/>
+          </a:xfrm>
+          <a:prstGeom prst="rect">
+            <a:avLst/>
+          </a:prstGeom>
+          <a:noFill/>
+        </p:spPr>
+        <p:txBody>
+          <a:bodyPr wrap="square" rtlCol="0">
+            <a:spAutoFit/>
+          </a:bodyPr>
+          <a:lstStyle/>
+          <a:p>
+            <a:r>
+              <a:rPr lang="de-DE" dirty="0" smtClean="0"/>
+              <a:t>übergibt</a:t>
+            </a:r>
+            <a:endParaRPr lang="de-DE" dirty="0"/>
+          </a:p>
+        </p:txBody>
+      </p:sp>
     </p:spTree>
   </p:cSld>
   <p:clrMapOvr>
@@ -8292,26 +8743,13 @@
               </a:rPr>
               <a:t>Aufgaben:</a:t>
             </a:r>
-            <a:endParaRPr lang="de-DE" sz="1800" b="0" strike="noStrike" spc="-1" dirty="0">
-              <a:solidFill>
-                <a:srgbClr val="000000"/>
-              </a:solidFill>
-              <a:uFill>
-                <a:solidFill>
-                  <a:srgbClr val="FFFFFF"/>
-                </a:solidFill>
-              </a:uFill>
-              <a:latin typeface="Arial"/>
-            </a:endParaRPr>
-          </a:p>
-          <a:p>
-            <a:pPr marL="181080" indent="-180360">
+          </a:p>
+          <a:p>
+            <a:pPr marL="457200" indent="-457200">
               <a:lnSpc>
                 <a:spcPct val="100000"/>
               </a:lnSpc>
-              <a:buClr>
-                <a:srgbClr val="333333"/>
-              </a:buClr>
+              <a:buAutoNum type="arabicPeriod"/>
             </a:pPr>
             <a:r>
               <a:rPr lang="de-DE" sz="2000" spc="-1" dirty="0" smtClean="0">
@@ -8325,7 +8763,28 @@
                 </a:uFill>
                 <a:latin typeface="Arial"/>
               </a:rPr>
-              <a:t>2. Skalierung der Graphen</a:t>
+              <a:t>Konfigurationsdateien </a:t>
+            </a:r>
+          </a:p>
+          <a:p>
+            <a:pPr marL="457200" indent="-457200">
+              <a:lnSpc>
+                <a:spcPct val="100000"/>
+              </a:lnSpc>
+            </a:pPr>
+            <a:r>
+              <a:rPr lang="de-DE" sz="2000" spc="-1" dirty="0" smtClean="0">
+                <a:solidFill>
+                  <a:srgbClr val="333333"/>
+                </a:solidFill>
+                <a:uFill>
+                  <a:solidFill>
+                    <a:srgbClr val="FFFFFF"/>
+                  </a:solidFill>
+                </a:uFill>
+                <a:latin typeface="Arial"/>
+              </a:rPr>
+              <a:t>	(Infos für Datensätze, SQL, GUI)</a:t>
             </a:r>
             <a:endParaRPr lang="de-DE" sz="1800" b="0" strike="noStrike" spc="-1" dirty="0">
               <a:solidFill>
@@ -8343,7 +8802,7 @@
       </p:sp>
       <p:pic>
         <p:nvPicPr>
-          <p:cNvPr id="2050" name="Picture 2" descr="G:\Philipp\Desktop\skala1.png"/>
+          <p:cNvPr id="2" name="Picture 2" descr="G:\Philipp\Desktop\config.PNG"/>
           <p:cNvPicPr>
             <a:picLocks noChangeAspect="1" noChangeArrowheads="1"/>
           </p:cNvPicPr>
@@ -8358,8 +8817,8 @@
         </p:blipFill>
         <p:spPr bwMode="auto">
           <a:xfrm>
-            <a:off x="2483768" y="2420888"/>
-            <a:ext cx="6264696" cy="3810220"/>
+            <a:off x="5292080" y="980728"/>
+            <a:ext cx="2409825" cy="4953000"/>
           </a:xfrm>
           <a:prstGeom prst="rect">
             <a:avLst/>
@@ -8592,7 +9051,7 @@
       </p:sp>
       <p:pic>
         <p:nvPicPr>
-          <p:cNvPr id="3074" name="Picture 2" descr="G:\Philipp\Desktop\skala2.png"/>
+          <p:cNvPr id="2050" name="Picture 2" descr="G:\Philipp\Desktop\skala1.png"/>
           <p:cNvPicPr>
             <a:picLocks noChangeAspect="1" noChangeArrowheads="1"/>
           </p:cNvPicPr>
@@ -8608,7 +9067,7 @@
         <p:spPr bwMode="auto">
           <a:xfrm>
             <a:off x="2483768" y="2420888"/>
-            <a:ext cx="6274897" cy="3816424"/>
+            <a:ext cx="6264696" cy="3810220"/>
           </a:xfrm>
           <a:prstGeom prst="rect">
             <a:avLst/>
@@ -8823,11 +9282,48 @@
                 </a:uFill>
                 <a:latin typeface="Arial"/>
               </a:rPr>
-              <a:t>3. Datenbankabfrage und Live-Darstellung</a:t>
-            </a:r>
+              <a:t>2. Skalierung der Graphen</a:t>
+            </a:r>
+            <a:endParaRPr lang="de-DE" sz="1800" b="0" strike="noStrike" spc="-1" dirty="0">
+              <a:solidFill>
+                <a:srgbClr val="000000"/>
+              </a:solidFill>
+              <a:uFill>
+                <a:solidFill>
+                  <a:srgbClr val="FFFFFF"/>
+                </a:solidFill>
+              </a:uFill>
+              <a:latin typeface="Arial"/>
+            </a:endParaRPr>
           </a:p>
         </p:txBody>
       </p:sp>
+      <p:pic>
+        <p:nvPicPr>
+          <p:cNvPr id="3074" name="Picture 2" descr="G:\Philipp\Desktop\skala2.png"/>
+          <p:cNvPicPr>
+            <a:picLocks noChangeAspect="1" noChangeArrowheads="1"/>
+          </p:cNvPicPr>
+          <p:nvPr/>
+        </p:nvPicPr>
+        <p:blipFill>
+          <a:blip r:embed="rId2" cstate="print"/>
+          <a:srcRect/>
+          <a:stretch>
+            <a:fillRect/>
+          </a:stretch>
+        </p:blipFill>
+        <p:spPr bwMode="auto">
+          <a:xfrm>
+            <a:off x="2483768" y="2420888"/>
+            <a:ext cx="6274897" cy="3816424"/>
+          </a:xfrm>
+          <a:prstGeom prst="rect">
+            <a:avLst/>
+          </a:prstGeom>
+          <a:noFill/>
+        </p:spPr>
+      </p:pic>
     </p:spTree>
   </p:cSld>
   <p:clrMapOvr>
@@ -8864,6 +9360,218 @@
 </file>
 
 <file path=ppt/slides/slide16.xml><?xml version="1.0" encoding="utf-8"?>
+<p:sld xmlns:a="http://schemas.openxmlformats.org/drawingml/2006/main" xmlns:r="http://schemas.openxmlformats.org/officeDocument/2006/relationships" xmlns:p="http://schemas.openxmlformats.org/presentationml/2006/main">
+  <p:cSld>
+    <p:spTree>
+      <p:nvGrpSpPr>
+        <p:cNvPr id="1" name=""/>
+        <p:cNvGrpSpPr/>
+        <p:nvPr/>
+      </p:nvGrpSpPr>
+      <p:grpSpPr>
+        <a:xfrm>
+          <a:off x="0" y="0"/>
+          <a:ext cx="0" cy="0"/>
+          <a:chOff x="0" y="0"/>
+          <a:chExt cx="0" cy="0"/>
+        </a:xfrm>
+      </p:grpSpPr>
+      <p:sp>
+        <p:nvSpPr>
+          <p:cNvPr id="174" name="CustomShape 1"/>
+          <p:cNvSpPr/>
+          <p:nvPr/>
+        </p:nvSpPr>
+        <p:spPr>
+          <a:xfrm>
+            <a:off x="719280" y="1288080"/>
+            <a:ext cx="7700400" cy="368640"/>
+          </a:xfrm>
+          <a:prstGeom prst="rect">
+            <a:avLst/>
+          </a:prstGeom>
+          <a:noFill/>
+          <a:ln>
+            <a:noFill/>
+          </a:ln>
+        </p:spPr>
+        <p:style>
+          <a:lnRef idx="0">
+            <a:scrgbClr r="0" g="0" b="0"/>
+          </a:lnRef>
+          <a:fillRef idx="0">
+            <a:scrgbClr r="0" g="0" b="0"/>
+          </a:fillRef>
+          <a:effectRef idx="0">
+            <a:scrgbClr r="0" g="0" b="0"/>
+          </a:effectRef>
+          <a:fontRef idx="minor"/>
+        </p:style>
+        <p:txBody>
+          <a:bodyPr lIns="0" tIns="0" rIns="0" bIns="0" anchor="b"/>
+          <a:lstStyle/>
+          <a:p>
+            <a:pPr>
+              <a:lnSpc>
+                <a:spcPct val="100000"/>
+              </a:lnSpc>
+            </a:pPr>
+            <a:r>
+              <a:rPr lang="de-DE" sz="2400" b="1" strike="noStrike" spc="-1">
+                <a:solidFill>
+                  <a:srgbClr val="2D2015"/>
+                </a:solidFill>
+                <a:uFill>
+                  <a:solidFill>
+                    <a:srgbClr val="FFFFFF"/>
+                  </a:solidFill>
+                </a:uFill>
+                <a:latin typeface="Arial"/>
+              </a:rPr>
+              <a:t>GUI</a:t>
+            </a:r>
+            <a:endParaRPr lang="de-DE" sz="1800" b="0" strike="noStrike" spc="-1">
+              <a:solidFill>
+                <a:srgbClr val="000000"/>
+              </a:solidFill>
+              <a:uFill>
+                <a:solidFill>
+                  <a:srgbClr val="FFFFFF"/>
+                </a:solidFill>
+              </a:uFill>
+              <a:latin typeface="Arial"/>
+            </a:endParaRPr>
+          </a:p>
+        </p:txBody>
+      </p:sp>
+      <p:sp>
+        <p:nvSpPr>
+          <p:cNvPr id="177" name="CustomShape 2"/>
+          <p:cNvSpPr/>
+          <p:nvPr/>
+        </p:nvSpPr>
+        <p:spPr>
+          <a:xfrm>
+            <a:off x="719280" y="1773360"/>
+            <a:ext cx="7705080" cy="4352040"/>
+          </a:xfrm>
+          <a:prstGeom prst="rect">
+            <a:avLst/>
+          </a:prstGeom>
+          <a:noFill/>
+          <a:ln>
+            <a:noFill/>
+          </a:ln>
+        </p:spPr>
+        <p:style>
+          <a:lnRef idx="0">
+            <a:scrgbClr r="0" g="0" b="0"/>
+          </a:lnRef>
+          <a:fillRef idx="0">
+            <a:scrgbClr r="0" g="0" b="0"/>
+          </a:fillRef>
+          <a:effectRef idx="0">
+            <a:scrgbClr r="0" g="0" b="0"/>
+          </a:effectRef>
+          <a:fontRef idx="minor"/>
+        </p:style>
+        <p:txBody>
+          <a:bodyPr lIns="0" tIns="0" rIns="0" bIns="0"/>
+          <a:lstStyle/>
+          <a:p>
+            <a:pPr>
+              <a:lnSpc>
+                <a:spcPct val="100000"/>
+              </a:lnSpc>
+            </a:pPr>
+            <a:r>
+              <a:rPr lang="de-DE" sz="2000" b="0" strike="noStrike" spc="-1" dirty="0" smtClean="0">
+                <a:solidFill>
+                  <a:srgbClr val="333333"/>
+                </a:solidFill>
+                <a:uFill>
+                  <a:solidFill>
+                    <a:srgbClr val="FFFFFF"/>
+                  </a:solidFill>
+                </a:uFill>
+                <a:latin typeface="Arial"/>
+              </a:rPr>
+              <a:t>Aufgaben:</a:t>
+            </a:r>
+            <a:endParaRPr lang="de-DE" sz="1800" b="0" strike="noStrike" spc="-1" dirty="0">
+              <a:solidFill>
+                <a:srgbClr val="000000"/>
+              </a:solidFill>
+              <a:uFill>
+                <a:solidFill>
+                  <a:srgbClr val="FFFFFF"/>
+                </a:solidFill>
+              </a:uFill>
+              <a:latin typeface="Arial"/>
+            </a:endParaRPr>
+          </a:p>
+          <a:p>
+            <a:pPr marL="181080" indent="-180360">
+              <a:lnSpc>
+                <a:spcPct val="100000"/>
+              </a:lnSpc>
+              <a:buClr>
+                <a:srgbClr val="333333"/>
+              </a:buClr>
+            </a:pPr>
+            <a:r>
+              <a:rPr lang="de-DE" sz="2000" spc="-1" dirty="0" smtClean="0">
+                <a:solidFill>
+                  <a:srgbClr val="333333"/>
+                </a:solidFill>
+                <a:uFill>
+                  <a:solidFill>
+                    <a:srgbClr val="FFFFFF"/>
+                  </a:solidFill>
+                </a:uFill>
+                <a:latin typeface="Arial"/>
+              </a:rPr>
+              <a:t>3. Datenbankabfrage und Live-Darstellung</a:t>
+            </a:r>
+          </a:p>
+        </p:txBody>
+      </p:sp>
+    </p:spTree>
+  </p:cSld>
+  <p:clrMapOvr>
+    <a:masterClrMapping/>
+  </p:clrMapOvr>
+  <p:timing>
+    <p:tnLst>
+      <p:par>
+        <p:cTn id="1" dur="indefinite" restart="never" nodeType="tmRoot">
+          <p:childTnLst>
+            <p:seq>
+              <p:cTn id="2" nodeType="mainSeq"/>
+              <p:prevCondLst>
+                <p:cond evt="onPrev" delay="0">
+                  <p:tgtEl>
+                    <p:sldTgt/>
+                  </p:tgtEl>
+                </p:cond>
+              </p:prevCondLst>
+              <p:nextCondLst>
+                <p:cond evt="onNext" delay="0">
+                  <p:tgtEl>
+                    <p:sldTgt/>
+                  </p:tgtEl>
+                </p:cond>
+              </p:nextCondLst>
+            </p:seq>
+          </p:childTnLst>
+        </p:cTn>
+      </p:par>
+    </p:tnLst>
+  </p:timing>
+</p:sld>
+</file>
+
+<file path=ppt/slides/slide17.xml><?xml version="1.0" encoding="utf-8"?>
 <p:sld xmlns:a="http://schemas.openxmlformats.org/drawingml/2006/main" xmlns:r="http://schemas.openxmlformats.org/officeDocument/2006/relationships" xmlns:p="http://schemas.openxmlformats.org/presentationml/2006/main">
   <p:cSld>
     <p:spTree>
@@ -9120,519 +9828,6 @@
 </p:sld>
 </file>
 
-<file path=ppt/slides/slide17.xml><?xml version="1.0" encoding="utf-8"?>
-<p:sld xmlns:a="http://schemas.openxmlformats.org/drawingml/2006/main" xmlns:r="http://schemas.openxmlformats.org/officeDocument/2006/relationships" xmlns:p="http://schemas.openxmlformats.org/presentationml/2006/main">
-  <p:cSld>
-    <p:spTree>
-      <p:nvGrpSpPr>
-        <p:cNvPr id="1" name=""/>
-        <p:cNvGrpSpPr/>
-        <p:nvPr/>
-      </p:nvGrpSpPr>
-      <p:grpSpPr>
-        <a:xfrm>
-          <a:off x="0" y="0"/>
-          <a:ext cx="0" cy="0"/>
-          <a:chOff x="0" y="0"/>
-          <a:chExt cx="0" cy="0"/>
-        </a:xfrm>
-      </p:grpSpPr>
-      <p:sp>
-        <p:nvSpPr>
-          <p:cNvPr id="174" name="CustomShape 1"/>
-          <p:cNvSpPr/>
-          <p:nvPr/>
-        </p:nvSpPr>
-        <p:spPr>
-          <a:xfrm>
-            <a:off x="719280" y="1288080"/>
-            <a:ext cx="7700400" cy="368640"/>
-          </a:xfrm>
-          <a:prstGeom prst="rect">
-            <a:avLst/>
-          </a:prstGeom>
-          <a:noFill/>
-          <a:ln>
-            <a:noFill/>
-          </a:ln>
-        </p:spPr>
-        <p:style>
-          <a:lnRef idx="0">
-            <a:scrgbClr r="0" g="0" b="0"/>
-          </a:lnRef>
-          <a:fillRef idx="0">
-            <a:scrgbClr r="0" g="0" b="0"/>
-          </a:fillRef>
-          <a:effectRef idx="0">
-            <a:scrgbClr r="0" g="0" b="0"/>
-          </a:effectRef>
-          <a:fontRef idx="minor"/>
-        </p:style>
-        <p:txBody>
-          <a:bodyPr lIns="0" tIns="0" rIns="0" bIns="0" anchor="b"/>
-          <a:lstStyle/>
-          <a:p>
-            <a:pPr>
-              <a:lnSpc>
-                <a:spcPct val="100000"/>
-              </a:lnSpc>
-            </a:pPr>
-            <a:r>
-              <a:rPr lang="de-DE" sz="2400" b="1" strike="noStrike" spc="-1">
-                <a:solidFill>
-                  <a:srgbClr val="2D2015"/>
-                </a:solidFill>
-                <a:uFill>
-                  <a:solidFill>
-                    <a:srgbClr val="FFFFFF"/>
-                  </a:solidFill>
-                </a:uFill>
-                <a:latin typeface="Arial"/>
-              </a:rPr>
-              <a:t>GUI</a:t>
-            </a:r>
-            <a:endParaRPr lang="de-DE" sz="1800" b="0" strike="noStrike" spc="-1">
-              <a:solidFill>
-                <a:srgbClr val="000000"/>
-              </a:solidFill>
-              <a:uFill>
-                <a:solidFill>
-                  <a:srgbClr val="FFFFFF"/>
-                </a:solidFill>
-              </a:uFill>
-              <a:latin typeface="Arial"/>
-            </a:endParaRPr>
-          </a:p>
-        </p:txBody>
-      </p:sp>
-      <p:sp>
-        <p:nvSpPr>
-          <p:cNvPr id="177" name="CustomShape 2"/>
-          <p:cNvSpPr/>
-          <p:nvPr/>
-        </p:nvSpPr>
-        <p:spPr>
-          <a:xfrm>
-            <a:off x="719280" y="1773360"/>
-            <a:ext cx="7705080" cy="4352040"/>
-          </a:xfrm>
-          <a:prstGeom prst="rect">
-            <a:avLst/>
-          </a:prstGeom>
-          <a:noFill/>
-          <a:ln>
-            <a:noFill/>
-          </a:ln>
-        </p:spPr>
-        <p:style>
-          <a:lnRef idx="0">
-            <a:scrgbClr r="0" g="0" b="0"/>
-          </a:lnRef>
-          <a:fillRef idx="0">
-            <a:scrgbClr r="0" g="0" b="0"/>
-          </a:fillRef>
-          <a:effectRef idx="0">
-            <a:scrgbClr r="0" g="0" b="0"/>
-          </a:effectRef>
-          <a:fontRef idx="minor"/>
-        </p:style>
-        <p:txBody>
-          <a:bodyPr lIns="0" tIns="0" rIns="0" bIns="0"/>
-          <a:lstStyle/>
-          <a:p>
-            <a:pPr>
-              <a:lnSpc>
-                <a:spcPct val="100000"/>
-              </a:lnSpc>
-            </a:pPr>
-            <a:r>
-              <a:rPr lang="de-DE" sz="2000" b="0" strike="noStrike" spc="-1" dirty="0" smtClean="0">
-                <a:solidFill>
-                  <a:srgbClr val="333333"/>
-                </a:solidFill>
-                <a:uFill>
-                  <a:solidFill>
-                    <a:srgbClr val="FFFFFF"/>
-                  </a:solidFill>
-                </a:uFill>
-                <a:latin typeface="Arial"/>
-              </a:rPr>
-              <a:t>Aufgaben:</a:t>
-            </a:r>
-            <a:endParaRPr lang="de-DE" sz="1800" b="0" strike="noStrike" spc="-1" dirty="0">
-              <a:solidFill>
-                <a:srgbClr val="000000"/>
-              </a:solidFill>
-              <a:uFill>
-                <a:solidFill>
-                  <a:srgbClr val="FFFFFF"/>
-                </a:solidFill>
-              </a:uFill>
-              <a:latin typeface="Arial"/>
-            </a:endParaRPr>
-          </a:p>
-          <a:p>
-            <a:pPr marL="181080" indent="-180360">
-              <a:lnSpc>
-                <a:spcPct val="100000"/>
-              </a:lnSpc>
-              <a:buClr>
-                <a:srgbClr val="333333"/>
-              </a:buClr>
-            </a:pPr>
-            <a:r>
-              <a:rPr lang="de-DE" sz="2000" spc="-1" dirty="0" smtClean="0">
-                <a:solidFill>
-                  <a:srgbClr val="333333"/>
-                </a:solidFill>
-                <a:uFill>
-                  <a:solidFill>
-                    <a:srgbClr val="FFFFFF"/>
-                  </a:solidFill>
-                </a:uFill>
-                <a:latin typeface="Arial"/>
-              </a:rPr>
-              <a:t>3. Datenbankabfrage und Live-Darstellung</a:t>
-            </a:r>
-          </a:p>
-          <a:p>
-            <a:pPr marL="181080" indent="-180360">
-              <a:lnSpc>
-                <a:spcPct val="100000"/>
-              </a:lnSpc>
-              <a:buClr>
-                <a:srgbClr val="333333"/>
-              </a:buClr>
-            </a:pPr>
-            <a:endParaRPr lang="de-DE" sz="2000" spc="-1" dirty="0" smtClean="0">
-              <a:solidFill>
-                <a:srgbClr val="333333"/>
-              </a:solidFill>
-              <a:uFill>
-                <a:solidFill>
-                  <a:srgbClr val="FFFFFF"/>
-                </a:solidFill>
-              </a:uFill>
-              <a:latin typeface="Arial"/>
-            </a:endParaRPr>
-          </a:p>
-          <a:p>
-            <a:pPr marL="181080" indent="-180360">
-              <a:lnSpc>
-                <a:spcPct val="100000"/>
-              </a:lnSpc>
-              <a:buClr>
-                <a:srgbClr val="333333"/>
-              </a:buClr>
-            </a:pPr>
-            <a:r>
-              <a:rPr lang="de-DE" sz="2000" spc="-1" dirty="0" smtClean="0">
-                <a:solidFill>
-                  <a:srgbClr val="333333"/>
-                </a:solidFill>
-                <a:uFill>
-                  <a:solidFill>
-                    <a:srgbClr val="FFFFFF"/>
-                  </a:solidFill>
-                </a:uFill>
-                <a:latin typeface="Arial"/>
-              </a:rPr>
-              <a:t>Probleme</a:t>
-            </a:r>
-          </a:p>
-          <a:p>
-            <a:pPr marL="181080" indent="-180360">
-              <a:lnSpc>
-                <a:spcPct val="100000"/>
-              </a:lnSpc>
-              <a:buClr>
-                <a:srgbClr val="333333"/>
-              </a:buClr>
-              <a:buFont typeface="Arial" pitchFamily="34" charset="0"/>
-              <a:buChar char="•"/>
-            </a:pPr>
-            <a:r>
-              <a:rPr lang="de-DE" sz="2000" spc="-1" dirty="0" smtClean="0">
-                <a:solidFill>
-                  <a:srgbClr val="333333"/>
-                </a:solidFill>
-                <a:uFill>
-                  <a:solidFill>
-                    <a:srgbClr val="FFFFFF"/>
-                  </a:solidFill>
-                </a:uFill>
-                <a:latin typeface="Arial"/>
-              </a:rPr>
-              <a:t>20ms Verzögerung zwischen jedem Datensatz</a:t>
-            </a:r>
-          </a:p>
-          <a:p>
-            <a:pPr marL="638280" lvl="1" indent="-180360">
-              <a:buClr>
-                <a:srgbClr val="333333"/>
-              </a:buClr>
-              <a:buFont typeface="Arial" pitchFamily="34" charset="0"/>
-              <a:buChar char="•"/>
-            </a:pPr>
-            <a:r>
-              <a:rPr lang="de-DE" sz="2000" spc="-1" dirty="0" smtClean="0">
-                <a:solidFill>
-                  <a:srgbClr val="333333"/>
-                </a:solidFill>
-                <a:uFill>
-                  <a:solidFill>
-                    <a:srgbClr val="FFFFFF"/>
-                  </a:solidFill>
-                </a:uFill>
-                <a:latin typeface="Arial"/>
-              </a:rPr>
-              <a:t>Tatsächliche Verzögerung schwankt, ca. 100ms</a:t>
-            </a:r>
-          </a:p>
-          <a:p>
-            <a:pPr marL="181080" indent="-180360">
-              <a:lnSpc>
-                <a:spcPct val="100000"/>
-              </a:lnSpc>
-              <a:buClr>
-                <a:srgbClr val="333333"/>
-              </a:buClr>
-              <a:buFont typeface="Arial" pitchFamily="34" charset="0"/>
-              <a:buChar char="•"/>
-            </a:pPr>
-            <a:r>
-              <a:rPr lang="de-DE" sz="2000" spc="-1" dirty="0" smtClean="0">
-                <a:solidFill>
-                  <a:srgbClr val="333333"/>
-                </a:solidFill>
-                <a:uFill>
-                  <a:solidFill>
-                    <a:srgbClr val="FFFFFF"/>
-                  </a:solidFill>
-                </a:uFill>
-                <a:latin typeface="Arial"/>
-              </a:rPr>
-              <a:t>Datenabfrage an SQL </a:t>
-            </a:r>
-            <a:r>
-              <a:rPr lang="de-DE" sz="2000" spc="-1" dirty="0" err="1" smtClean="0">
-                <a:solidFill>
-                  <a:srgbClr val="333333"/>
-                </a:solidFill>
-                <a:uFill>
-                  <a:solidFill>
-                    <a:srgbClr val="FFFFFF"/>
-                  </a:solidFill>
-                </a:uFill>
-                <a:latin typeface="Arial"/>
-              </a:rPr>
-              <a:t>limit</a:t>
-            </a:r>
-            <a:r>
-              <a:rPr lang="de-DE" sz="2000" spc="-1" dirty="0" smtClean="0">
-                <a:solidFill>
-                  <a:srgbClr val="333333"/>
-                </a:solidFill>
-                <a:uFill>
-                  <a:solidFill>
-                    <a:srgbClr val="FFFFFF"/>
-                  </a:solidFill>
-                </a:uFill>
-                <a:latin typeface="Arial"/>
-              </a:rPr>
-              <a:t> geknüpft</a:t>
-            </a:r>
-          </a:p>
-          <a:p>
-            <a:pPr marL="638280" lvl="1" indent="-180360">
-              <a:buClr>
-                <a:srgbClr val="333333"/>
-              </a:buClr>
-              <a:buFont typeface="Arial" pitchFamily="34" charset="0"/>
-              <a:buChar char="•"/>
-            </a:pPr>
-            <a:r>
-              <a:rPr lang="de-DE" sz="2000" spc="-1" dirty="0" smtClean="0">
-                <a:solidFill>
-                  <a:srgbClr val="333333"/>
-                </a:solidFill>
-                <a:uFill>
-                  <a:solidFill>
-                    <a:srgbClr val="FFFFFF"/>
-                  </a:solidFill>
-                </a:uFill>
-                <a:latin typeface="Arial"/>
-              </a:rPr>
-              <a:t>SELECT * FROM </a:t>
-            </a:r>
-            <a:r>
-              <a:rPr lang="de-DE" sz="2000" spc="-1" dirty="0" err="1" smtClean="0">
-                <a:solidFill>
-                  <a:srgbClr val="333333"/>
-                </a:solidFill>
-                <a:uFill>
-                  <a:solidFill>
-                    <a:srgbClr val="FFFFFF"/>
-                  </a:solidFill>
-                </a:uFill>
-                <a:latin typeface="Arial"/>
-              </a:rPr>
-              <a:t>table</a:t>
-            </a:r>
-            <a:r>
-              <a:rPr lang="de-DE" sz="2000" spc="-1" dirty="0" smtClean="0">
-                <a:solidFill>
-                  <a:srgbClr val="333333"/>
-                </a:solidFill>
-                <a:uFill>
-                  <a:solidFill>
-                    <a:srgbClr val="FFFFFF"/>
-                  </a:solidFill>
-                </a:uFill>
-                <a:latin typeface="Arial"/>
-              </a:rPr>
-              <a:t> … </a:t>
-            </a:r>
-            <a:r>
-              <a:rPr lang="de-DE" sz="2000" spc="-1" dirty="0" err="1" smtClean="0">
-                <a:solidFill>
-                  <a:srgbClr val="333333"/>
-                </a:solidFill>
-                <a:uFill>
-                  <a:solidFill>
-                    <a:srgbClr val="FFFFFF"/>
-                  </a:solidFill>
-                </a:uFill>
-                <a:latin typeface="Arial"/>
-              </a:rPr>
-              <a:t>limit</a:t>
-            </a:r>
-            <a:r>
-              <a:rPr lang="de-DE" sz="2000" spc="-1" dirty="0" smtClean="0">
-                <a:solidFill>
-                  <a:srgbClr val="333333"/>
-                </a:solidFill>
-                <a:uFill>
-                  <a:solidFill>
-                    <a:srgbClr val="FFFFFF"/>
-                  </a:solidFill>
-                </a:uFill>
-                <a:latin typeface="Arial"/>
-              </a:rPr>
-              <a:t> 150</a:t>
-            </a:r>
-          </a:p>
-          <a:p>
-            <a:pPr marL="638280" lvl="1" indent="-180360">
-              <a:buClr>
-                <a:srgbClr val="333333"/>
-              </a:buClr>
-              <a:buFont typeface="Arial" pitchFamily="34" charset="0"/>
-              <a:buChar char="•"/>
-            </a:pPr>
-            <a:r>
-              <a:rPr lang="de-DE" sz="2000" spc="-1" dirty="0" smtClean="0">
-                <a:solidFill>
-                  <a:srgbClr val="333333"/>
-                </a:solidFill>
-                <a:uFill>
-                  <a:solidFill>
-                    <a:srgbClr val="FFFFFF"/>
-                  </a:solidFill>
-                </a:uFill>
-                <a:latin typeface="Arial"/>
-              </a:rPr>
-              <a:t>Abfrage bei </a:t>
-            </a:r>
-            <a:r>
-              <a:rPr lang="de-DE" sz="2000" spc="-1" dirty="0" err="1" smtClean="0">
-                <a:solidFill>
-                  <a:srgbClr val="333333"/>
-                </a:solidFill>
-                <a:uFill>
-                  <a:solidFill>
-                    <a:srgbClr val="FFFFFF"/>
-                  </a:solidFill>
-                </a:uFill>
-                <a:latin typeface="Arial"/>
-              </a:rPr>
-              <a:t>limit</a:t>
-            </a:r>
-            <a:r>
-              <a:rPr lang="de-DE" sz="2000" spc="-1" dirty="0" smtClean="0">
-                <a:solidFill>
-                  <a:srgbClr val="333333"/>
-                </a:solidFill>
-                <a:uFill>
-                  <a:solidFill>
-                    <a:srgbClr val="FFFFFF"/>
-                  </a:solidFill>
-                </a:uFill>
-                <a:latin typeface="Arial"/>
-              </a:rPr>
-              <a:t>/2</a:t>
-            </a:r>
-          </a:p>
-          <a:p>
-            <a:pPr marL="638280" lvl="1" indent="-180360">
-              <a:buClr>
-                <a:srgbClr val="333333"/>
-              </a:buClr>
-              <a:buFont typeface="Arial" pitchFamily="34" charset="0"/>
-              <a:buChar char="•"/>
-            </a:pPr>
-            <a:r>
-              <a:rPr lang="de-DE" sz="2000" spc="-1" dirty="0" smtClean="0">
-                <a:solidFill>
-                  <a:srgbClr val="333333"/>
-                </a:solidFill>
-                <a:uFill>
-                  <a:solidFill>
-                    <a:srgbClr val="FFFFFF"/>
-                  </a:solidFill>
-                </a:uFill>
-                <a:latin typeface="Arial"/>
-              </a:rPr>
-              <a:t>Abfrage nur ca. alle 10s</a:t>
-            </a:r>
-          </a:p>
-        </p:txBody>
-      </p:sp>
-    </p:spTree>
-  </p:cSld>
-  <p:clrMapOvr>
-    <a:masterClrMapping/>
-  </p:clrMapOvr>
-  <p:timing>
-    <p:tnLst>
-      <p:par>
-        <p:cTn id="1" dur="indefinite" restart="never" nodeType="tmRoot">
-          <p:childTnLst>
-            <p:seq>
-              <p:cTn id="2" nodeType="mainSeq"/>
-              <p:prevCondLst>
-                <p:cond evt="onPrev" delay="0">
-                  <p:tgtEl>
-                    <p:sldTgt/>
-                  </p:tgtEl>
-                </p:cond>
-              </p:prevCondLst>
-              <p:nextCondLst>
-                <p:cond evt="onNext" delay="0">
-                  <p:tgtEl>
-                    <p:sldTgt/>
-                  </p:tgtEl>
-                </p:cond>
-              </p:nextCondLst>
-            </p:seq>
-          </p:childTnLst>
-        </p:cTn>
-      </p:par>
-    </p:tnLst>
-  </p:timing>
-</p:sld>
-</file>
-
 <file path=ppt/slides/slide18.xml><?xml version="1.0" encoding="utf-8"?>
 <p:sld xmlns:a="http://schemas.openxmlformats.org/drawingml/2006/main" xmlns:r="http://schemas.openxmlformats.org/officeDocument/2006/relationships" xmlns:p="http://schemas.openxmlformats.org/presentationml/2006/main">
   <p:cSld>
@@ -9850,7 +10045,7 @@
                 </a:uFill>
                 <a:latin typeface="Arial"/>
               </a:rPr>
-              <a:t>Lösung</a:t>
+              <a:t>Probleme</a:t>
             </a:r>
           </a:p>
           <a:p>
@@ -9876,11 +10071,11 @@
                 </a:uFill>
                 <a:latin typeface="Arial"/>
               </a:rPr>
-              <a:t>Verzögerung abhängig von PITIME</a:t>
-            </a:r>
-          </a:p>
-          <a:p>
-            <a:pPr marL="638280" lvl="2" indent="-180360">
+              <a:t>20ms Verzögerung zwischen jedem Datensatz</a:t>
+            </a:r>
+          </a:p>
+          <a:p>
+            <a:pPr marL="638280" lvl="1" indent="-180360">
               <a:buClr>
                 <a:srgbClr val="333333"/>
               </a:buClr>
@@ -9897,46 +10092,10 @@
                     <a:srgbClr val="FFFFFF"/>
                   </a:solidFill>
                 </a:uFill>
-              </a:rPr>
-              <a:t>Jeweils 2 </a:t>
-            </a:r>
-            <a:r>
-              <a:rPr lang="de-DE" sz="2000" spc="-1" dirty="0" err="1" smtClean="0">
-                <a:solidFill>
-                  <a:srgbClr val="333333"/>
-                </a:solidFill>
-                <a:uFill>
-                  <a:solidFill>
-                    <a:srgbClr val="FFFFFF"/>
-                  </a:solidFill>
-                </a:uFill>
-              </a:rPr>
-              <a:t>Timestamps</a:t>
-            </a:r>
-            <a:r>
-              <a:rPr lang="de-DE" sz="2000" spc="-1" dirty="0" smtClean="0">
-                <a:solidFill>
-                  <a:srgbClr val="333333"/>
-                </a:solidFill>
-                <a:uFill>
-                  <a:solidFill>
-                    <a:srgbClr val="FFFFFF"/>
-                  </a:solidFill>
-                </a:uFill>
-              </a:rPr>
-              <a:t> speichern und Differenz berechnen</a:t>
-            </a:r>
-            <a:endParaRPr lang="de-DE" sz="2000" spc="-1" dirty="0" smtClean="0">
-              <a:solidFill>
-                <a:srgbClr val="333333"/>
-              </a:solidFill>
-              <a:uFill>
-                <a:solidFill>
-                  <a:srgbClr val="FFFFFF"/>
-                </a:solidFill>
-              </a:uFill>
-              <a:latin typeface="Arial"/>
-            </a:endParaRPr>
+                <a:latin typeface="Arial"/>
+              </a:rPr>
+              <a:t>Tatsächliche Verzögerung schwankt, ca. 100ms</a:t>
+            </a:r>
           </a:p>
           <a:p>
             <a:pPr marL="181080" indent="-180360">
@@ -9961,7 +10120,35 @@
                 </a:uFill>
                 <a:latin typeface="Arial"/>
               </a:rPr>
-              <a:t>Abfrage an Größe der DB-Rückgabe knüpfen</a:t>
+              <a:t>Datenabfrage an SQL </a:t>
+            </a:r>
+            <a:r>
+              <a:rPr lang="de-DE" sz="2000" spc="-1" dirty="0" err="1" smtClean="0">
+                <a:solidFill>
+                  <a:srgbClr val="333333"/>
+                </a:solidFill>
+                <a:uFill>
+                  <a:solidFill>
+                    <a:srgbClr val="FFFFFF"/>
+                  </a:solidFill>
+                </a:uFill>
+                <a:latin typeface="Arial"/>
+              </a:rPr>
+              <a:t>limit</a:t>
+            </a:r>
+            <a:r>
+              <a:rPr lang="de-DE" sz="2000" spc="-1" dirty="0" smtClean="0">
+                <a:solidFill>
+                  <a:srgbClr val="333333"/>
+                </a:solidFill>
+                <a:uFill>
+                  <a:solidFill>
+                    <a:srgbClr val="FFFFFF"/>
+                  </a:solidFill>
+                </a:uFill>
+                <a:latin typeface="Arial"/>
+              </a:rPr>
+              <a:t> geknüpft</a:t>
             </a:r>
           </a:p>
           <a:p>
@@ -9984,7 +10171,63 @@
                 </a:uFill>
                 <a:latin typeface="Arial"/>
               </a:rPr>
-              <a:t>DB gibt Liste der Größe 20 zurück</a:t>
+              <a:t>SELECT * FROM </a:t>
+            </a:r>
+            <a:r>
+              <a:rPr lang="de-DE" sz="2000" spc="-1" dirty="0" err="1" smtClean="0">
+                <a:solidFill>
+                  <a:srgbClr val="333333"/>
+                </a:solidFill>
+                <a:uFill>
+                  <a:solidFill>
+                    <a:srgbClr val="FFFFFF"/>
+                  </a:solidFill>
+                </a:uFill>
+                <a:latin typeface="Arial"/>
+              </a:rPr>
+              <a:t>table</a:t>
+            </a:r>
+            <a:r>
+              <a:rPr lang="de-DE" sz="2000" spc="-1" dirty="0" smtClean="0">
+                <a:solidFill>
+                  <a:srgbClr val="333333"/>
+                </a:solidFill>
+                <a:uFill>
+                  <a:solidFill>
+                    <a:srgbClr val="FFFFFF"/>
+                  </a:solidFill>
+                </a:uFill>
+                <a:latin typeface="Arial"/>
+              </a:rPr>
+              <a:t> … </a:t>
+            </a:r>
+            <a:r>
+              <a:rPr lang="de-DE" sz="2000" spc="-1" dirty="0" err="1" smtClean="0">
+                <a:solidFill>
+                  <a:srgbClr val="333333"/>
+                </a:solidFill>
+                <a:uFill>
+                  <a:solidFill>
+                    <a:srgbClr val="FFFFFF"/>
+                  </a:solidFill>
+                </a:uFill>
+                <a:latin typeface="Arial"/>
+              </a:rPr>
+              <a:t>limit</a:t>
+            </a:r>
+            <a:r>
+              <a:rPr lang="de-DE" sz="2000" spc="-1" dirty="0" smtClean="0">
+                <a:solidFill>
+                  <a:srgbClr val="333333"/>
+                </a:solidFill>
+                <a:uFill>
+                  <a:solidFill>
+                    <a:srgbClr val="FFFFFF"/>
+                  </a:solidFill>
+                </a:uFill>
+                <a:latin typeface="Arial"/>
+              </a:rPr>
+              <a:t> 150</a:t>
             </a:r>
           </a:p>
           <a:p>
@@ -10007,7 +10250,58 @@
                 </a:uFill>
                 <a:latin typeface="Arial"/>
               </a:rPr>
-              <a:t>Bei 10 angezeigten Daten, neue Abfrage starten</a:t>
+              <a:t>Abfrage bei </a:t>
+            </a:r>
+            <a:r>
+              <a:rPr lang="de-DE" sz="2000" spc="-1" dirty="0" err="1" smtClean="0">
+                <a:solidFill>
+                  <a:srgbClr val="333333"/>
+                </a:solidFill>
+                <a:uFill>
+                  <a:solidFill>
+                    <a:srgbClr val="FFFFFF"/>
+                  </a:solidFill>
+                </a:uFill>
+                <a:latin typeface="Arial"/>
+              </a:rPr>
+              <a:t>limit</a:t>
+            </a:r>
+            <a:r>
+              <a:rPr lang="de-DE" sz="2000" spc="-1" dirty="0" smtClean="0">
+                <a:solidFill>
+                  <a:srgbClr val="333333"/>
+                </a:solidFill>
+                <a:uFill>
+                  <a:solidFill>
+                    <a:srgbClr val="FFFFFF"/>
+                  </a:solidFill>
+                </a:uFill>
+                <a:latin typeface="Arial"/>
+              </a:rPr>
+              <a:t>/2</a:t>
+            </a:r>
+          </a:p>
+          <a:p>
+            <a:pPr marL="638280" lvl="1" indent="-180360">
+              <a:buClr>
+                <a:srgbClr val="333333"/>
+              </a:buClr>
+              <a:buFont typeface="Arial" pitchFamily="34" charset="0"/>
+              <a:buChar char="•"/>
+            </a:pPr>
+            <a:r>
+              <a:rPr lang="de-DE" sz="2000" spc="-1" dirty="0" smtClean="0">
+                <a:solidFill>
+                  <a:srgbClr val="333333"/>
+                </a:solidFill>
+                <a:uFill>
+                  <a:solidFill>
+                    <a:srgbClr val="FFFFFF"/>
+                  </a:solidFill>
+                </a:uFill>
+                <a:latin typeface="Arial"/>
+              </a:rPr>
+              <a:t>Abfrage nur ca. alle 10s</a:t>
             </a:r>
           </a:p>
         </p:txBody>
@@ -10048,6 +10342,842 @@
 </file>
 
 <file path=ppt/slides/slide19.xml><?xml version="1.0" encoding="utf-8"?>
+<p:sld xmlns:a="http://schemas.openxmlformats.org/drawingml/2006/main" xmlns:r="http://schemas.openxmlformats.org/officeDocument/2006/relationships" xmlns:p="http://schemas.openxmlformats.org/presentationml/2006/main">
+  <p:cSld>
+    <p:spTree>
+      <p:nvGrpSpPr>
+        <p:cNvPr id="1" name=""/>
+        <p:cNvGrpSpPr/>
+        <p:nvPr/>
+      </p:nvGrpSpPr>
+      <p:grpSpPr>
+        <a:xfrm>
+          <a:off x="0" y="0"/>
+          <a:ext cx="0" cy="0"/>
+          <a:chOff x="0" y="0"/>
+          <a:chExt cx="0" cy="0"/>
+        </a:xfrm>
+      </p:grpSpPr>
+      <p:sp>
+        <p:nvSpPr>
+          <p:cNvPr id="174" name="CustomShape 1"/>
+          <p:cNvSpPr/>
+          <p:nvPr/>
+        </p:nvSpPr>
+        <p:spPr>
+          <a:xfrm>
+            <a:off x="719280" y="1288080"/>
+            <a:ext cx="7700400" cy="368640"/>
+          </a:xfrm>
+          <a:prstGeom prst="rect">
+            <a:avLst/>
+          </a:prstGeom>
+          <a:noFill/>
+          <a:ln>
+            <a:noFill/>
+          </a:ln>
+        </p:spPr>
+        <p:style>
+          <a:lnRef idx="0">
+            <a:scrgbClr r="0" g="0" b="0"/>
+          </a:lnRef>
+          <a:fillRef idx="0">
+            <a:scrgbClr r="0" g="0" b="0"/>
+          </a:fillRef>
+          <a:effectRef idx="0">
+            <a:scrgbClr r="0" g="0" b="0"/>
+          </a:effectRef>
+          <a:fontRef idx="minor"/>
+        </p:style>
+        <p:txBody>
+          <a:bodyPr lIns="0" tIns="0" rIns="0" bIns="0" anchor="b"/>
+          <a:lstStyle/>
+          <a:p>
+            <a:pPr>
+              <a:lnSpc>
+                <a:spcPct val="100000"/>
+              </a:lnSpc>
+            </a:pPr>
+            <a:r>
+              <a:rPr lang="de-DE" sz="2400" b="1" strike="noStrike" spc="-1">
+                <a:solidFill>
+                  <a:srgbClr val="2D2015"/>
+                </a:solidFill>
+                <a:uFill>
+                  <a:solidFill>
+                    <a:srgbClr val="FFFFFF"/>
+                  </a:solidFill>
+                </a:uFill>
+                <a:latin typeface="Arial"/>
+              </a:rPr>
+              <a:t>GUI</a:t>
+            </a:r>
+            <a:endParaRPr lang="de-DE" sz="1800" b="0" strike="noStrike" spc="-1">
+              <a:solidFill>
+                <a:srgbClr val="000000"/>
+              </a:solidFill>
+              <a:uFill>
+                <a:solidFill>
+                  <a:srgbClr val="FFFFFF"/>
+                </a:solidFill>
+              </a:uFill>
+              <a:latin typeface="Arial"/>
+            </a:endParaRPr>
+          </a:p>
+        </p:txBody>
+      </p:sp>
+      <p:sp>
+        <p:nvSpPr>
+          <p:cNvPr id="177" name="CustomShape 2"/>
+          <p:cNvSpPr/>
+          <p:nvPr/>
+        </p:nvSpPr>
+        <p:spPr>
+          <a:xfrm>
+            <a:off x="719280" y="1773360"/>
+            <a:ext cx="7705080" cy="4352040"/>
+          </a:xfrm>
+          <a:prstGeom prst="rect">
+            <a:avLst/>
+          </a:prstGeom>
+          <a:noFill/>
+          <a:ln>
+            <a:noFill/>
+          </a:ln>
+        </p:spPr>
+        <p:style>
+          <a:lnRef idx="0">
+            <a:scrgbClr r="0" g="0" b="0"/>
+          </a:lnRef>
+          <a:fillRef idx="0">
+            <a:scrgbClr r="0" g="0" b="0"/>
+          </a:fillRef>
+          <a:effectRef idx="0">
+            <a:scrgbClr r="0" g="0" b="0"/>
+          </a:effectRef>
+          <a:fontRef idx="minor"/>
+        </p:style>
+        <p:txBody>
+          <a:bodyPr lIns="0" tIns="0" rIns="0" bIns="0"/>
+          <a:lstStyle/>
+          <a:p>
+            <a:pPr>
+              <a:lnSpc>
+                <a:spcPct val="100000"/>
+              </a:lnSpc>
+            </a:pPr>
+            <a:r>
+              <a:rPr lang="de-DE" sz="2000" b="0" strike="noStrike" spc="-1" dirty="0" smtClean="0">
+                <a:solidFill>
+                  <a:srgbClr val="333333"/>
+                </a:solidFill>
+                <a:uFill>
+                  <a:solidFill>
+                    <a:srgbClr val="FFFFFF"/>
+                  </a:solidFill>
+                </a:uFill>
+                <a:latin typeface="Arial"/>
+              </a:rPr>
+              <a:t>Aufgaben:</a:t>
+            </a:r>
+            <a:endParaRPr lang="de-DE" sz="1800" b="0" strike="noStrike" spc="-1" dirty="0">
+              <a:solidFill>
+                <a:srgbClr val="000000"/>
+              </a:solidFill>
+              <a:uFill>
+                <a:solidFill>
+                  <a:srgbClr val="FFFFFF"/>
+                </a:solidFill>
+              </a:uFill>
+              <a:latin typeface="Arial"/>
+            </a:endParaRPr>
+          </a:p>
+          <a:p>
+            <a:pPr marL="181080" indent="-180360">
+              <a:lnSpc>
+                <a:spcPct val="100000"/>
+              </a:lnSpc>
+              <a:buClr>
+                <a:srgbClr val="333333"/>
+              </a:buClr>
+            </a:pPr>
+            <a:r>
+              <a:rPr lang="de-DE" sz="2000" spc="-1" dirty="0" smtClean="0">
+                <a:solidFill>
+                  <a:srgbClr val="333333"/>
+                </a:solidFill>
+                <a:uFill>
+                  <a:solidFill>
+                    <a:srgbClr val="FFFFFF"/>
+                  </a:solidFill>
+                </a:uFill>
+                <a:latin typeface="Arial"/>
+              </a:rPr>
+              <a:t>3. Datenbankabfrage und Live-Darstellung</a:t>
+            </a:r>
+          </a:p>
+          <a:p>
+            <a:pPr marL="181080" indent="-180360">
+              <a:lnSpc>
+                <a:spcPct val="100000"/>
+              </a:lnSpc>
+              <a:buClr>
+                <a:srgbClr val="333333"/>
+              </a:buClr>
+            </a:pPr>
+            <a:endParaRPr lang="de-DE" sz="2000" spc="-1" dirty="0" smtClean="0">
+              <a:solidFill>
+                <a:srgbClr val="333333"/>
+              </a:solidFill>
+              <a:uFill>
+                <a:solidFill>
+                  <a:srgbClr val="FFFFFF"/>
+                </a:solidFill>
+              </a:uFill>
+              <a:latin typeface="Arial"/>
+            </a:endParaRPr>
+          </a:p>
+          <a:p>
+            <a:pPr marL="181080" indent="-180360">
+              <a:lnSpc>
+                <a:spcPct val="100000"/>
+              </a:lnSpc>
+              <a:buClr>
+                <a:srgbClr val="333333"/>
+              </a:buClr>
+            </a:pPr>
+            <a:r>
+              <a:rPr lang="de-DE" sz="2000" spc="-1" dirty="0" smtClean="0">
+                <a:solidFill>
+                  <a:srgbClr val="333333"/>
+                </a:solidFill>
+                <a:uFill>
+                  <a:solidFill>
+                    <a:srgbClr val="FFFFFF"/>
+                  </a:solidFill>
+                </a:uFill>
+                <a:latin typeface="Arial"/>
+              </a:rPr>
+              <a:t>Lösung</a:t>
+            </a:r>
+          </a:p>
+          <a:p>
+            <a:pPr marL="181080" indent="-180360">
+              <a:lnSpc>
+                <a:spcPct val="100000"/>
+              </a:lnSpc>
+              <a:buClr>
+                <a:srgbClr val="333333"/>
+              </a:buClr>
+              <a:buFont typeface="Arial" pitchFamily="34" charset="0"/>
+              <a:buChar char="•"/>
+            </a:pPr>
+            <a:r>
+              <a:rPr lang="de-DE" sz="2000" spc="-1" dirty="0" smtClean="0">
+                <a:solidFill>
+                  <a:srgbClr val="333333"/>
+                </a:solidFill>
+                <a:uFill>
+                  <a:solidFill>
+                    <a:srgbClr val="FFFFFF"/>
+                  </a:solidFill>
+                </a:uFill>
+                <a:latin typeface="Arial"/>
+              </a:rPr>
+              <a:t>Verzögerung abhängig von PITIME</a:t>
+            </a:r>
+          </a:p>
+          <a:p>
+            <a:pPr marL="638280" lvl="2" indent="-180360">
+              <a:buClr>
+                <a:srgbClr val="333333"/>
+              </a:buClr>
+              <a:buFont typeface="Arial" pitchFamily="34" charset="0"/>
+              <a:buChar char="•"/>
+            </a:pPr>
+            <a:r>
+              <a:rPr lang="de-DE" sz="2000" spc="-1" dirty="0" smtClean="0">
+                <a:solidFill>
+                  <a:srgbClr val="333333"/>
+                </a:solidFill>
+                <a:uFill>
+                  <a:solidFill>
+                    <a:srgbClr val="FFFFFF"/>
+                  </a:solidFill>
+                </a:uFill>
+              </a:rPr>
+              <a:t>Jeweils 2 </a:t>
+            </a:r>
+            <a:r>
+              <a:rPr lang="de-DE" sz="2000" spc="-1" dirty="0" err="1" smtClean="0">
+                <a:solidFill>
+                  <a:srgbClr val="333333"/>
+                </a:solidFill>
+                <a:uFill>
+                  <a:solidFill>
+                    <a:srgbClr val="FFFFFF"/>
+                  </a:solidFill>
+                </a:uFill>
+              </a:rPr>
+              <a:t>Timestamps</a:t>
+            </a:r>
+            <a:r>
+              <a:rPr lang="de-DE" sz="2000" spc="-1" dirty="0" smtClean="0">
+                <a:solidFill>
+                  <a:srgbClr val="333333"/>
+                </a:solidFill>
+                <a:uFill>
+                  <a:solidFill>
+                    <a:srgbClr val="FFFFFF"/>
+                  </a:solidFill>
+                </a:uFill>
+              </a:rPr>
+              <a:t> speichern und Differenz berechnen</a:t>
+            </a:r>
+            <a:endParaRPr lang="de-DE" sz="2000" spc="-1" dirty="0" smtClean="0">
+              <a:solidFill>
+                <a:srgbClr val="333333"/>
+              </a:solidFill>
+              <a:uFill>
+                <a:solidFill>
+                  <a:srgbClr val="FFFFFF"/>
+                </a:solidFill>
+              </a:uFill>
+              <a:latin typeface="Arial"/>
+            </a:endParaRPr>
+          </a:p>
+          <a:p>
+            <a:pPr marL="181080" indent="-180360">
+              <a:lnSpc>
+                <a:spcPct val="100000"/>
+              </a:lnSpc>
+              <a:buClr>
+                <a:srgbClr val="333333"/>
+              </a:buClr>
+              <a:buFont typeface="Arial" pitchFamily="34" charset="0"/>
+              <a:buChar char="•"/>
+            </a:pPr>
+            <a:r>
+              <a:rPr lang="de-DE" sz="2000" spc="-1" dirty="0" smtClean="0">
+                <a:solidFill>
+                  <a:srgbClr val="333333"/>
+                </a:solidFill>
+                <a:uFill>
+                  <a:solidFill>
+                    <a:srgbClr val="FFFFFF"/>
+                  </a:solidFill>
+                </a:uFill>
+                <a:latin typeface="Arial"/>
+              </a:rPr>
+              <a:t>Abfrage an Größe der DB-Rückgabe knüpfen</a:t>
+            </a:r>
+          </a:p>
+          <a:p>
+            <a:pPr marL="638280" lvl="1" indent="-180360">
+              <a:buClr>
+                <a:srgbClr val="333333"/>
+              </a:buClr>
+              <a:buFont typeface="Arial" pitchFamily="34" charset="0"/>
+              <a:buChar char="•"/>
+            </a:pPr>
+            <a:r>
+              <a:rPr lang="de-DE" sz="2000" spc="-1" dirty="0" smtClean="0">
+                <a:solidFill>
+                  <a:srgbClr val="333333"/>
+                </a:solidFill>
+                <a:uFill>
+                  <a:solidFill>
+                    <a:srgbClr val="FFFFFF"/>
+                  </a:solidFill>
+                </a:uFill>
+                <a:latin typeface="Arial"/>
+              </a:rPr>
+              <a:t>DB gibt Liste der Größe 20 zurück</a:t>
+            </a:r>
+          </a:p>
+          <a:p>
+            <a:pPr marL="638280" lvl="1" indent="-180360">
+              <a:buClr>
+                <a:srgbClr val="333333"/>
+              </a:buClr>
+              <a:buFont typeface="Arial" pitchFamily="34" charset="0"/>
+              <a:buChar char="•"/>
+            </a:pPr>
+            <a:r>
+              <a:rPr lang="de-DE" sz="2000" spc="-1" dirty="0" smtClean="0">
+                <a:solidFill>
+                  <a:srgbClr val="333333"/>
+                </a:solidFill>
+                <a:uFill>
+                  <a:solidFill>
+                    <a:srgbClr val="FFFFFF"/>
+                  </a:solidFill>
+                </a:uFill>
+                <a:latin typeface="Arial"/>
+              </a:rPr>
+              <a:t>Bei 10 angezeigten Daten, neue Abfrage starten</a:t>
+            </a:r>
+          </a:p>
+        </p:txBody>
+      </p:sp>
+    </p:spTree>
+  </p:cSld>
+  <p:clrMapOvr>
+    <a:masterClrMapping/>
+  </p:clrMapOvr>
+  <p:timing>
+    <p:tnLst>
+      <p:par>
+        <p:cTn id="1" dur="indefinite" restart="never" nodeType="tmRoot">
+          <p:childTnLst>
+            <p:seq>
+              <p:cTn id="2" nodeType="mainSeq"/>
+              <p:prevCondLst>
+                <p:cond evt="onPrev" delay="0">
+                  <p:tgtEl>
+                    <p:sldTgt/>
+                  </p:tgtEl>
+                </p:cond>
+              </p:prevCondLst>
+              <p:nextCondLst>
+                <p:cond evt="onNext" delay="0">
+                  <p:tgtEl>
+                    <p:sldTgt/>
+                  </p:tgtEl>
+                </p:cond>
+              </p:nextCondLst>
+            </p:seq>
+          </p:childTnLst>
+        </p:cTn>
+      </p:par>
+    </p:tnLst>
+  </p:timing>
+</p:sld>
+</file>
+
+<file path=ppt/slides/slide2.xml><?xml version="1.0" encoding="utf-8"?>
+<p:sld xmlns:a="http://schemas.openxmlformats.org/drawingml/2006/main" xmlns:r="http://schemas.openxmlformats.org/officeDocument/2006/relationships" xmlns:p="http://schemas.openxmlformats.org/presentationml/2006/main">
+  <p:cSld>
+    <p:spTree>
+      <p:nvGrpSpPr>
+        <p:cNvPr id="1" name=""/>
+        <p:cNvGrpSpPr/>
+        <p:nvPr/>
+      </p:nvGrpSpPr>
+      <p:grpSpPr>
+        <a:xfrm>
+          <a:off x="0" y="0"/>
+          <a:ext cx="0" cy="0"/>
+          <a:chOff x="0" y="0"/>
+          <a:chExt cx="0" cy="0"/>
+        </a:xfrm>
+      </p:grpSpPr>
+      <p:sp>
+        <p:nvSpPr>
+          <p:cNvPr id="130" name="CustomShape 1"/>
+          <p:cNvSpPr/>
+          <p:nvPr/>
+        </p:nvSpPr>
+        <p:spPr>
+          <a:xfrm>
+            <a:off x="683640" y="1196640"/>
+            <a:ext cx="7771680" cy="614880"/>
+          </a:xfrm>
+          <a:prstGeom prst="rect">
+            <a:avLst/>
+          </a:prstGeom>
+          <a:noFill/>
+          <a:ln>
+            <a:noFill/>
+          </a:ln>
+        </p:spPr>
+        <p:style>
+          <a:lnRef idx="0">
+            <a:scrgbClr r="0" g="0" b="0"/>
+          </a:lnRef>
+          <a:fillRef idx="0">
+            <a:scrgbClr r="0" g="0" b="0"/>
+          </a:fillRef>
+          <a:effectRef idx="0">
+            <a:scrgbClr r="0" g="0" b="0"/>
+          </a:effectRef>
+          <a:fontRef idx="minor"/>
+        </p:style>
+        <p:txBody>
+          <a:bodyPr lIns="0" tIns="0" rIns="0" bIns="0"/>
+          <a:lstStyle/>
+          <a:p>
+            <a:pPr>
+              <a:lnSpc>
+                <a:spcPct val="100000"/>
+              </a:lnSpc>
+            </a:pPr>
+            <a:r>
+              <a:rPr lang="de-DE" sz="4000" b="1" strike="noStrike" cap="small" spc="-1">
+                <a:solidFill>
+                  <a:srgbClr val="2D2015"/>
+                </a:solidFill>
+                <a:uFill>
+                  <a:solidFill>
+                    <a:srgbClr val="FFFFFF"/>
+                  </a:solidFill>
+                </a:uFill>
+                <a:latin typeface="Arial"/>
+              </a:rPr>
+              <a:t>Inhalt</a:t>
+            </a:r>
+            <a:endParaRPr lang="de-DE" sz="1800" b="0" strike="noStrike" spc="-1">
+              <a:solidFill>
+                <a:srgbClr val="000000"/>
+              </a:solidFill>
+              <a:uFill>
+                <a:solidFill>
+                  <a:srgbClr val="FFFFFF"/>
+                </a:solidFill>
+              </a:uFill>
+              <a:latin typeface="Arial"/>
+            </a:endParaRPr>
+          </a:p>
+        </p:txBody>
+      </p:sp>
+      <p:sp>
+        <p:nvSpPr>
+          <p:cNvPr id="131" name="CustomShape 2"/>
+          <p:cNvSpPr/>
+          <p:nvPr/>
+        </p:nvSpPr>
+        <p:spPr>
+          <a:xfrm>
+            <a:off x="683640" y="1989000"/>
+            <a:ext cx="4103640" cy="2010240"/>
+          </a:xfrm>
+          <a:prstGeom prst="rect">
+            <a:avLst/>
+          </a:prstGeom>
+          <a:noFill/>
+          <a:ln>
+            <a:noFill/>
+          </a:ln>
+        </p:spPr>
+        <p:style>
+          <a:lnRef idx="0">
+            <a:scrgbClr r="0" g="0" b="0"/>
+          </a:lnRef>
+          <a:fillRef idx="0">
+            <a:scrgbClr r="0" g="0" b="0"/>
+          </a:fillRef>
+          <a:effectRef idx="0">
+            <a:scrgbClr r="0" g="0" b="0"/>
+          </a:effectRef>
+          <a:fontRef idx="minor"/>
+        </p:style>
+        <p:txBody>
+          <a:bodyPr lIns="90000" tIns="45000" rIns="90000" bIns="45000"/>
+          <a:lstStyle/>
+          <a:p>
+            <a:pPr marL="343080" indent="-342360">
+              <a:lnSpc>
+                <a:spcPct val="100000"/>
+              </a:lnSpc>
+              <a:buClr>
+                <a:srgbClr val="333333"/>
+              </a:buClr>
+              <a:buFont typeface="Arial"/>
+              <a:buAutoNum type="arabicPeriod"/>
+            </a:pPr>
+            <a:r>
+              <a:rPr lang="de-DE" sz="1800" b="0" strike="noStrike" spc="-1">
+                <a:solidFill>
+                  <a:srgbClr val="333333"/>
+                </a:solidFill>
+                <a:uFill>
+                  <a:solidFill>
+                    <a:srgbClr val="FFFFFF"/>
+                  </a:solidFill>
+                </a:uFill>
+                <a:latin typeface="Arial"/>
+                <a:ea typeface="DejaVu Sans"/>
+              </a:rPr>
+              <a:t>WebProjectManagment</a:t>
+            </a:r>
+            <a:endParaRPr lang="de-DE" sz="1800" b="0" strike="noStrike" spc="-1">
+              <a:solidFill>
+                <a:srgbClr val="000000"/>
+              </a:solidFill>
+              <a:uFill>
+                <a:solidFill>
+                  <a:srgbClr val="FFFFFF"/>
+                </a:solidFill>
+              </a:uFill>
+              <a:latin typeface="Arial"/>
+            </a:endParaRPr>
+          </a:p>
+          <a:p>
+            <a:pPr marL="343080" indent="-342360">
+              <a:lnSpc>
+                <a:spcPct val="100000"/>
+              </a:lnSpc>
+              <a:buClr>
+                <a:srgbClr val="333333"/>
+              </a:buClr>
+              <a:buFont typeface="Arial"/>
+              <a:buAutoNum type="arabicPeriod"/>
+            </a:pPr>
+            <a:r>
+              <a:rPr lang="de-DE" sz="1800" b="0" strike="noStrike" spc="-1">
+                <a:solidFill>
+                  <a:srgbClr val="333333"/>
+                </a:solidFill>
+                <a:uFill>
+                  <a:solidFill>
+                    <a:srgbClr val="FFFFFF"/>
+                  </a:solidFill>
+                </a:uFill>
+                <a:latin typeface="Arial"/>
+                <a:ea typeface="DejaVu Sans"/>
+              </a:rPr>
+              <a:t>Embedded Systems</a:t>
+            </a:r>
+            <a:endParaRPr lang="de-DE" sz="1800" b="0" strike="noStrike" spc="-1">
+              <a:solidFill>
+                <a:srgbClr val="000000"/>
+              </a:solidFill>
+              <a:uFill>
+                <a:solidFill>
+                  <a:srgbClr val="FFFFFF"/>
+                </a:solidFill>
+              </a:uFill>
+              <a:latin typeface="Arial"/>
+            </a:endParaRPr>
+          </a:p>
+          <a:p>
+            <a:pPr marL="343080" indent="-342360">
+              <a:lnSpc>
+                <a:spcPct val="100000"/>
+              </a:lnSpc>
+              <a:buClr>
+                <a:srgbClr val="333333"/>
+              </a:buClr>
+              <a:buFont typeface="Arial"/>
+              <a:buAutoNum type="arabicPeriod"/>
+            </a:pPr>
+            <a:r>
+              <a:rPr lang="de-DE" sz="1800" b="0" strike="noStrike" spc="-1">
+                <a:solidFill>
+                  <a:srgbClr val="333333"/>
+                </a:solidFill>
+                <a:uFill>
+                  <a:solidFill>
+                    <a:srgbClr val="FFFFFF"/>
+                  </a:solidFill>
+                </a:uFill>
+                <a:latin typeface="Arial"/>
+                <a:ea typeface="DejaVu Sans"/>
+              </a:rPr>
+              <a:t>GUI</a:t>
+            </a:r>
+            <a:endParaRPr lang="de-DE" sz="1800" b="0" strike="noStrike" spc="-1">
+              <a:solidFill>
+                <a:srgbClr val="000000"/>
+              </a:solidFill>
+              <a:uFill>
+                <a:solidFill>
+                  <a:srgbClr val="FFFFFF"/>
+                </a:solidFill>
+              </a:uFill>
+              <a:latin typeface="Arial"/>
+            </a:endParaRPr>
+          </a:p>
+          <a:p>
+            <a:pPr marL="343080" indent="-342360">
+              <a:lnSpc>
+                <a:spcPct val="100000"/>
+              </a:lnSpc>
+              <a:buClr>
+                <a:srgbClr val="333333"/>
+              </a:buClr>
+              <a:buFont typeface="Arial"/>
+              <a:buAutoNum type="arabicPeriod"/>
+            </a:pPr>
+            <a:r>
+              <a:rPr lang="de-DE" sz="1800" b="0" strike="noStrike" spc="-1">
+                <a:solidFill>
+                  <a:srgbClr val="333333"/>
+                </a:solidFill>
+                <a:uFill>
+                  <a:solidFill>
+                    <a:srgbClr val="FFFFFF"/>
+                  </a:solidFill>
+                </a:uFill>
+                <a:latin typeface="Arial"/>
+                <a:ea typeface="DejaVu Sans"/>
+              </a:rPr>
+              <a:t>Datenbanken</a:t>
+            </a:r>
+            <a:endParaRPr lang="de-DE" sz="1800" b="0" strike="noStrike" spc="-1">
+              <a:solidFill>
+                <a:srgbClr val="000000"/>
+              </a:solidFill>
+              <a:uFill>
+                <a:solidFill>
+                  <a:srgbClr val="FFFFFF"/>
+                </a:solidFill>
+              </a:uFill>
+              <a:latin typeface="Arial"/>
+            </a:endParaRPr>
+          </a:p>
+          <a:p>
+            <a:pPr marL="343080" indent="-342360">
+              <a:lnSpc>
+                <a:spcPct val="100000"/>
+              </a:lnSpc>
+              <a:buClr>
+                <a:srgbClr val="333333"/>
+              </a:buClr>
+              <a:buFont typeface="Arial"/>
+              <a:buAutoNum type="arabicPeriod"/>
+            </a:pPr>
+            <a:r>
+              <a:rPr lang="de-DE" sz="1800" b="0" strike="noStrike" spc="-1">
+                <a:solidFill>
+                  <a:srgbClr val="333333"/>
+                </a:solidFill>
+                <a:uFill>
+                  <a:solidFill>
+                    <a:srgbClr val="FFFFFF"/>
+                  </a:solidFill>
+                </a:uFill>
+                <a:latin typeface="Arial"/>
+                <a:ea typeface="DejaVu Sans"/>
+              </a:rPr>
+              <a:t>Applikation</a:t>
+            </a:r>
+            <a:endParaRPr lang="de-DE" sz="1800" b="0" strike="noStrike" spc="-1">
+              <a:solidFill>
+                <a:srgbClr val="000000"/>
+              </a:solidFill>
+              <a:uFill>
+                <a:solidFill>
+                  <a:srgbClr val="FFFFFF"/>
+                </a:solidFill>
+              </a:uFill>
+              <a:latin typeface="Arial"/>
+            </a:endParaRPr>
+          </a:p>
+          <a:p>
+            <a:pPr marL="343080" indent="-342360">
+              <a:lnSpc>
+                <a:spcPct val="100000"/>
+              </a:lnSpc>
+              <a:buClr>
+                <a:srgbClr val="333333"/>
+              </a:buClr>
+              <a:buFont typeface="Arial"/>
+              <a:buAutoNum type="arabicPeriod"/>
+            </a:pPr>
+            <a:r>
+              <a:rPr lang="de-DE" sz="1800" b="0" strike="noStrike" spc="-1">
+                <a:solidFill>
+                  <a:srgbClr val="333333"/>
+                </a:solidFill>
+                <a:uFill>
+                  <a:solidFill>
+                    <a:srgbClr val="FFFFFF"/>
+                  </a:solidFill>
+                </a:uFill>
+                <a:latin typeface="Arial"/>
+                <a:ea typeface="DejaVu Sans"/>
+              </a:rPr>
+              <a:t>Fragen</a:t>
+            </a:r>
+            <a:endParaRPr lang="de-DE" sz="1800" b="0" strike="noStrike" spc="-1">
+              <a:solidFill>
+                <a:srgbClr val="000000"/>
+              </a:solidFill>
+              <a:uFill>
+                <a:solidFill>
+                  <a:srgbClr val="FFFFFF"/>
+                </a:solidFill>
+              </a:uFill>
+              <a:latin typeface="Arial"/>
+            </a:endParaRPr>
+          </a:p>
+          <a:p>
+            <a:pPr marL="343080" indent="-342360">
+              <a:lnSpc>
+                <a:spcPct val="100000"/>
+              </a:lnSpc>
+              <a:buClr>
+                <a:srgbClr val="333333"/>
+              </a:buClr>
+              <a:buFont typeface="Arial"/>
+              <a:buAutoNum type="arabicPeriod"/>
+            </a:pPr>
+            <a:r>
+              <a:rPr lang="de-DE" sz="1800" b="0" strike="noStrike" spc="-1">
+                <a:solidFill>
+                  <a:srgbClr val="333333"/>
+                </a:solidFill>
+                <a:uFill>
+                  <a:solidFill>
+                    <a:srgbClr val="FFFFFF"/>
+                  </a:solidFill>
+                </a:uFill>
+                <a:latin typeface="Arial"/>
+                <a:ea typeface="DejaVu Sans"/>
+              </a:rPr>
+              <a:t>Live 	</a:t>
+            </a:r>
+            <a:endParaRPr lang="de-DE" sz="1800" b="0" strike="noStrike" spc="-1">
+              <a:solidFill>
+                <a:srgbClr val="000000"/>
+              </a:solidFill>
+              <a:uFill>
+                <a:solidFill>
+                  <a:srgbClr val="FFFFFF"/>
+                </a:solidFill>
+              </a:uFill>
+              <a:latin typeface="Arial"/>
+            </a:endParaRPr>
+          </a:p>
+        </p:txBody>
+      </p:sp>
+    </p:spTree>
+  </p:cSld>
+  <p:clrMapOvr>
+    <a:masterClrMapping/>
+  </p:clrMapOvr>
+  <p:timing>
+    <p:tnLst>
+      <p:par>
+        <p:cTn id="1" dur="indefinite" restart="never" nodeType="tmRoot">
+          <p:childTnLst>
+            <p:seq>
+              <p:cTn id="2" nodeType="mainSeq"/>
+              <p:prevCondLst>
+                <p:cond evt="onPrev" delay="0">
+                  <p:tgtEl>
+                    <p:sldTgt/>
+                  </p:tgtEl>
+                </p:cond>
+              </p:prevCondLst>
+              <p:nextCondLst>
+                <p:cond evt="onNext" delay="0">
+                  <p:tgtEl>
+                    <p:sldTgt/>
+                  </p:tgtEl>
+                </p:cond>
+              </p:nextCondLst>
+            </p:seq>
+          </p:childTnLst>
+        </p:cTn>
+      </p:par>
+    </p:tnLst>
+  </p:timing>
+</p:sld>
+</file>
+
+<file path=ppt/slides/slide20.xml><?xml version="1.0" encoding="utf-8"?>
 <p:sld xmlns:a="http://schemas.openxmlformats.org/drawingml/2006/main" xmlns:r="http://schemas.openxmlformats.org/officeDocument/2006/relationships" xmlns:p="http://schemas.openxmlformats.org/presentationml/2006/main">
   <p:cSld>
     <p:spTree>
@@ -10250,429 +11380,7 @@
 </p:sld>
 </file>
 
-<file path=ppt/slides/slide2.xml><?xml version="1.0" encoding="utf-8"?>
-<p:sld xmlns:a="http://schemas.openxmlformats.org/drawingml/2006/main" xmlns:r="http://schemas.openxmlformats.org/officeDocument/2006/relationships" xmlns:p="http://schemas.openxmlformats.org/presentationml/2006/main">
-  <p:cSld>
-    <p:spTree>
-      <p:nvGrpSpPr>
-        <p:cNvPr id="1" name=""/>
-        <p:cNvGrpSpPr/>
-        <p:nvPr/>
-      </p:nvGrpSpPr>
-      <p:grpSpPr>
-        <a:xfrm>
-          <a:off x="0" y="0"/>
-          <a:ext cx="0" cy="0"/>
-          <a:chOff x="0" y="0"/>
-          <a:chExt cx="0" cy="0"/>
-        </a:xfrm>
-      </p:grpSpPr>
-      <p:sp>
-        <p:nvSpPr>
-          <p:cNvPr id="130" name="CustomShape 1"/>
-          <p:cNvSpPr/>
-          <p:nvPr/>
-        </p:nvSpPr>
-        <p:spPr>
-          <a:xfrm>
-            <a:off x="683640" y="1196640"/>
-            <a:ext cx="7771680" cy="614880"/>
-          </a:xfrm>
-          <a:prstGeom prst="rect">
-            <a:avLst/>
-          </a:prstGeom>
-          <a:noFill/>
-          <a:ln>
-            <a:noFill/>
-          </a:ln>
-        </p:spPr>
-        <p:style>
-          <a:lnRef idx="0">
-            <a:scrgbClr r="0" g="0" b="0"/>
-          </a:lnRef>
-          <a:fillRef idx="0">
-            <a:scrgbClr r="0" g="0" b="0"/>
-          </a:fillRef>
-          <a:effectRef idx="0">
-            <a:scrgbClr r="0" g="0" b="0"/>
-          </a:effectRef>
-          <a:fontRef idx="minor"/>
-        </p:style>
-        <p:txBody>
-          <a:bodyPr lIns="0" tIns="0" rIns="0" bIns="0"/>
-          <a:lstStyle/>
-          <a:p>
-            <a:pPr>
-              <a:lnSpc>
-                <a:spcPct val="100000"/>
-              </a:lnSpc>
-            </a:pPr>
-            <a:r>
-              <a:rPr lang="de-DE" sz="4000" b="1" strike="noStrike" cap="small" spc="-1">
-                <a:solidFill>
-                  <a:srgbClr val="2D2015"/>
-                </a:solidFill>
-                <a:uFill>
-                  <a:solidFill>
-                    <a:srgbClr val="FFFFFF"/>
-                  </a:solidFill>
-                </a:uFill>
-                <a:latin typeface="Arial"/>
-              </a:rPr>
-              <a:t>Inhalt</a:t>
-            </a:r>
-            <a:endParaRPr lang="de-DE" sz="1800" b="0" strike="noStrike" spc="-1">
-              <a:solidFill>
-                <a:srgbClr val="000000"/>
-              </a:solidFill>
-              <a:uFill>
-                <a:solidFill>
-                  <a:srgbClr val="FFFFFF"/>
-                </a:solidFill>
-              </a:uFill>
-              <a:latin typeface="Arial"/>
-            </a:endParaRPr>
-          </a:p>
-        </p:txBody>
-      </p:sp>
-      <p:sp>
-        <p:nvSpPr>
-          <p:cNvPr id="131" name="CustomShape 2"/>
-          <p:cNvSpPr/>
-          <p:nvPr/>
-        </p:nvSpPr>
-        <p:spPr>
-          <a:xfrm>
-            <a:off x="683640" y="1989000"/>
-            <a:ext cx="4103640" cy="2010240"/>
-          </a:xfrm>
-          <a:prstGeom prst="rect">
-            <a:avLst/>
-          </a:prstGeom>
-          <a:noFill/>
-          <a:ln>
-            <a:noFill/>
-          </a:ln>
-        </p:spPr>
-        <p:style>
-          <a:lnRef idx="0">
-            <a:scrgbClr r="0" g="0" b="0"/>
-          </a:lnRef>
-          <a:fillRef idx="0">
-            <a:scrgbClr r="0" g="0" b="0"/>
-          </a:fillRef>
-          <a:effectRef idx="0">
-            <a:scrgbClr r="0" g="0" b="0"/>
-          </a:effectRef>
-          <a:fontRef idx="minor"/>
-        </p:style>
-        <p:txBody>
-          <a:bodyPr lIns="90000" tIns="45000" rIns="90000" bIns="45000"/>
-          <a:lstStyle/>
-          <a:p>
-            <a:pPr marL="343080" indent="-342360">
-              <a:lnSpc>
-                <a:spcPct val="100000"/>
-              </a:lnSpc>
-              <a:buClr>
-                <a:srgbClr val="333333"/>
-              </a:buClr>
-              <a:buFont typeface="Arial"/>
-              <a:buAutoNum type="arabicPeriod"/>
-            </a:pPr>
-            <a:r>
-              <a:rPr lang="de-DE" sz="1800" b="0" strike="noStrike" spc="-1">
-                <a:solidFill>
-                  <a:srgbClr val="333333"/>
-                </a:solidFill>
-                <a:uFill>
-                  <a:solidFill>
-                    <a:srgbClr val="FFFFFF"/>
-                  </a:solidFill>
-                </a:uFill>
-                <a:latin typeface="Arial"/>
-                <a:ea typeface="DejaVu Sans"/>
-              </a:rPr>
-              <a:t>WebProjectManagment</a:t>
-            </a:r>
-            <a:endParaRPr lang="de-DE" sz="1800" b="0" strike="noStrike" spc="-1">
-              <a:solidFill>
-                <a:srgbClr val="000000"/>
-              </a:solidFill>
-              <a:uFill>
-                <a:solidFill>
-                  <a:srgbClr val="FFFFFF"/>
-                </a:solidFill>
-              </a:uFill>
-              <a:latin typeface="Arial"/>
-            </a:endParaRPr>
-          </a:p>
-          <a:p>
-            <a:pPr marL="343080" indent="-342360">
-              <a:lnSpc>
-                <a:spcPct val="100000"/>
-              </a:lnSpc>
-              <a:buClr>
-                <a:srgbClr val="333333"/>
-              </a:buClr>
-              <a:buFont typeface="Arial"/>
-              <a:buAutoNum type="arabicPeriod"/>
-            </a:pPr>
-            <a:r>
-              <a:rPr lang="de-DE" sz="1800" b="0" strike="noStrike" spc="-1">
-                <a:solidFill>
-                  <a:srgbClr val="333333"/>
-                </a:solidFill>
-                <a:uFill>
-                  <a:solidFill>
-                    <a:srgbClr val="FFFFFF"/>
-                  </a:solidFill>
-                </a:uFill>
-                <a:latin typeface="Arial"/>
-                <a:ea typeface="DejaVu Sans"/>
-              </a:rPr>
-              <a:t>Embedded Systems</a:t>
-            </a:r>
-            <a:endParaRPr lang="de-DE" sz="1800" b="0" strike="noStrike" spc="-1">
-              <a:solidFill>
-                <a:srgbClr val="000000"/>
-              </a:solidFill>
-              <a:uFill>
-                <a:solidFill>
-                  <a:srgbClr val="FFFFFF"/>
-                </a:solidFill>
-              </a:uFill>
-              <a:latin typeface="Arial"/>
-            </a:endParaRPr>
-          </a:p>
-          <a:p>
-            <a:pPr marL="343080" indent="-342360">
-              <a:lnSpc>
-                <a:spcPct val="100000"/>
-              </a:lnSpc>
-              <a:buClr>
-                <a:srgbClr val="333333"/>
-              </a:buClr>
-              <a:buFont typeface="Arial"/>
-              <a:buAutoNum type="arabicPeriod"/>
-            </a:pPr>
-            <a:r>
-              <a:rPr lang="de-DE" sz="1800" b="0" strike="noStrike" spc="-1">
-                <a:solidFill>
-                  <a:srgbClr val="333333"/>
-                </a:solidFill>
-                <a:uFill>
-                  <a:solidFill>
-                    <a:srgbClr val="FFFFFF"/>
-                  </a:solidFill>
-                </a:uFill>
-                <a:latin typeface="Arial"/>
-                <a:ea typeface="DejaVu Sans"/>
-              </a:rPr>
-              <a:t>GUI</a:t>
-            </a:r>
-            <a:endParaRPr lang="de-DE" sz="1800" b="0" strike="noStrike" spc="-1">
-              <a:solidFill>
-                <a:srgbClr val="000000"/>
-              </a:solidFill>
-              <a:uFill>
-                <a:solidFill>
-                  <a:srgbClr val="FFFFFF"/>
-                </a:solidFill>
-              </a:uFill>
-              <a:latin typeface="Arial"/>
-            </a:endParaRPr>
-          </a:p>
-          <a:p>
-            <a:pPr marL="343080" indent="-342360">
-              <a:lnSpc>
-                <a:spcPct val="100000"/>
-              </a:lnSpc>
-              <a:buClr>
-                <a:srgbClr val="333333"/>
-              </a:buClr>
-              <a:buFont typeface="Arial"/>
-              <a:buAutoNum type="arabicPeriod"/>
-            </a:pPr>
-            <a:r>
-              <a:rPr lang="de-DE" sz="1800" b="0" strike="noStrike" spc="-1">
-                <a:solidFill>
-                  <a:srgbClr val="333333"/>
-                </a:solidFill>
-                <a:uFill>
-                  <a:solidFill>
-                    <a:srgbClr val="FFFFFF"/>
-                  </a:solidFill>
-                </a:uFill>
-                <a:latin typeface="Arial"/>
-                <a:ea typeface="DejaVu Sans"/>
-              </a:rPr>
-              <a:t>Datenbanken</a:t>
-            </a:r>
-            <a:endParaRPr lang="de-DE" sz="1800" b="0" strike="noStrike" spc="-1">
-              <a:solidFill>
-                <a:srgbClr val="000000"/>
-              </a:solidFill>
-              <a:uFill>
-                <a:solidFill>
-                  <a:srgbClr val="FFFFFF"/>
-                </a:solidFill>
-              </a:uFill>
-              <a:latin typeface="Arial"/>
-            </a:endParaRPr>
-          </a:p>
-          <a:p>
-            <a:pPr marL="343080" indent="-342360">
-              <a:lnSpc>
-                <a:spcPct val="100000"/>
-              </a:lnSpc>
-              <a:buClr>
-                <a:srgbClr val="333333"/>
-              </a:buClr>
-              <a:buFont typeface="Arial"/>
-              <a:buAutoNum type="arabicPeriod"/>
-            </a:pPr>
-            <a:r>
-              <a:rPr lang="de-DE" sz="1800" b="0" strike="noStrike" spc="-1">
-                <a:solidFill>
-                  <a:srgbClr val="333333"/>
-                </a:solidFill>
-                <a:uFill>
-                  <a:solidFill>
-                    <a:srgbClr val="FFFFFF"/>
-                  </a:solidFill>
-                </a:uFill>
-                <a:latin typeface="Arial"/>
-                <a:ea typeface="DejaVu Sans"/>
-              </a:rPr>
-              <a:t>Applikation</a:t>
-            </a:r>
-            <a:endParaRPr lang="de-DE" sz="1800" b="0" strike="noStrike" spc="-1">
-              <a:solidFill>
-                <a:srgbClr val="000000"/>
-              </a:solidFill>
-              <a:uFill>
-                <a:solidFill>
-                  <a:srgbClr val="FFFFFF"/>
-                </a:solidFill>
-              </a:uFill>
-              <a:latin typeface="Arial"/>
-            </a:endParaRPr>
-          </a:p>
-          <a:p>
-            <a:pPr marL="343080" indent="-342360">
-              <a:lnSpc>
-                <a:spcPct val="100000"/>
-              </a:lnSpc>
-              <a:buClr>
-                <a:srgbClr val="333333"/>
-              </a:buClr>
-              <a:buFont typeface="Arial"/>
-              <a:buAutoNum type="arabicPeriod"/>
-            </a:pPr>
-            <a:r>
-              <a:rPr lang="de-DE" sz="1800" b="0" strike="noStrike" spc="-1">
-                <a:solidFill>
-                  <a:srgbClr val="333333"/>
-                </a:solidFill>
-                <a:uFill>
-                  <a:solidFill>
-                    <a:srgbClr val="FFFFFF"/>
-                  </a:solidFill>
-                </a:uFill>
-                <a:latin typeface="Arial"/>
-                <a:ea typeface="DejaVu Sans"/>
-              </a:rPr>
-              <a:t>Fragen</a:t>
-            </a:r>
-            <a:endParaRPr lang="de-DE" sz="1800" b="0" strike="noStrike" spc="-1">
-              <a:solidFill>
-                <a:srgbClr val="000000"/>
-              </a:solidFill>
-              <a:uFill>
-                <a:solidFill>
-                  <a:srgbClr val="FFFFFF"/>
-                </a:solidFill>
-              </a:uFill>
-              <a:latin typeface="Arial"/>
-            </a:endParaRPr>
-          </a:p>
-          <a:p>
-            <a:pPr marL="343080" indent="-342360">
-              <a:lnSpc>
-                <a:spcPct val="100000"/>
-              </a:lnSpc>
-              <a:buClr>
-                <a:srgbClr val="333333"/>
-              </a:buClr>
-              <a:buFont typeface="Arial"/>
-              <a:buAutoNum type="arabicPeriod"/>
-            </a:pPr>
-            <a:r>
-              <a:rPr lang="de-DE" sz="1800" b="0" strike="noStrike" spc="-1">
-                <a:solidFill>
-                  <a:srgbClr val="333333"/>
-                </a:solidFill>
-                <a:uFill>
-                  <a:solidFill>
-                    <a:srgbClr val="FFFFFF"/>
-                  </a:solidFill>
-                </a:uFill>
-                <a:latin typeface="Arial"/>
-                <a:ea typeface="DejaVu Sans"/>
-              </a:rPr>
-              <a:t>Live 	</a:t>
-            </a:r>
-            <a:endParaRPr lang="de-DE" sz="1800" b="0" strike="noStrike" spc="-1">
-              <a:solidFill>
-                <a:srgbClr val="000000"/>
-              </a:solidFill>
-              <a:uFill>
-                <a:solidFill>
-                  <a:srgbClr val="FFFFFF"/>
-                </a:solidFill>
-              </a:uFill>
-              <a:latin typeface="Arial"/>
-            </a:endParaRPr>
-          </a:p>
-        </p:txBody>
-      </p:sp>
-    </p:spTree>
-  </p:cSld>
-  <p:clrMapOvr>
-    <a:masterClrMapping/>
-  </p:clrMapOvr>
-  <p:timing>
-    <p:tnLst>
-      <p:par>
-        <p:cTn id="1" dur="indefinite" restart="never" nodeType="tmRoot">
-          <p:childTnLst>
-            <p:seq>
-              <p:cTn id="2" nodeType="mainSeq"/>
-              <p:prevCondLst>
-                <p:cond evt="onPrev" delay="0">
-                  <p:tgtEl>
-                    <p:sldTgt/>
-                  </p:tgtEl>
-                </p:cond>
-              </p:prevCondLst>
-              <p:nextCondLst>
-                <p:cond evt="onNext" delay="0">
-                  <p:tgtEl>
-                    <p:sldTgt/>
-                  </p:tgtEl>
-                </p:cond>
-              </p:nextCondLst>
-            </p:seq>
-          </p:childTnLst>
-        </p:cTn>
-      </p:par>
-    </p:tnLst>
-  </p:timing>
-</p:sld>
-</file>
-
-<file path=ppt/slides/slide20.xml><?xml version="1.0" encoding="utf-8"?>
+<file path=ppt/slides/slide21.xml><?xml version="1.0" encoding="utf-8"?>
 <p:sld xmlns:a="http://schemas.openxmlformats.org/drawingml/2006/main" xmlns:r="http://schemas.openxmlformats.org/officeDocument/2006/relationships" xmlns:p="http://schemas.openxmlformats.org/presentationml/2006/main">
   <p:cSld>
     <p:spTree>
@@ -10875,480 +11583,6 @@
 </p:sld>
 </file>
 
-<file path=ppt/slides/slide21.xml><?xml version="1.0" encoding="utf-8"?>
-<p:sld xmlns:a="http://schemas.openxmlformats.org/drawingml/2006/main" xmlns:r="http://schemas.openxmlformats.org/officeDocument/2006/relationships" xmlns:p="http://schemas.openxmlformats.org/presentationml/2006/main">
-  <p:cSld>
-    <p:spTree>
-      <p:nvGrpSpPr>
-        <p:cNvPr id="1" name=""/>
-        <p:cNvGrpSpPr/>
-        <p:nvPr/>
-      </p:nvGrpSpPr>
-      <p:grpSpPr>
-        <a:xfrm>
-          <a:off x="0" y="0"/>
-          <a:ext cx="0" cy="0"/>
-          <a:chOff x="0" y="0"/>
-          <a:chExt cx="0" cy="0"/>
-        </a:xfrm>
-      </p:grpSpPr>
-      <p:sp>
-        <p:nvSpPr>
-          <p:cNvPr id="174" name="CustomShape 1"/>
-          <p:cNvSpPr/>
-          <p:nvPr/>
-        </p:nvSpPr>
-        <p:spPr>
-          <a:xfrm>
-            <a:off x="719280" y="1288080"/>
-            <a:ext cx="7700400" cy="368640"/>
-          </a:xfrm>
-          <a:prstGeom prst="rect">
-            <a:avLst/>
-          </a:prstGeom>
-          <a:noFill/>
-          <a:ln>
-            <a:noFill/>
-          </a:ln>
-        </p:spPr>
-        <p:style>
-          <a:lnRef idx="0">
-            <a:scrgbClr r="0" g="0" b="0"/>
-          </a:lnRef>
-          <a:fillRef idx="0">
-            <a:scrgbClr r="0" g="0" b="0"/>
-          </a:fillRef>
-          <a:effectRef idx="0">
-            <a:scrgbClr r="0" g="0" b="0"/>
-          </a:effectRef>
-          <a:fontRef idx="minor"/>
-        </p:style>
-        <p:txBody>
-          <a:bodyPr lIns="0" tIns="0" rIns="0" bIns="0" anchor="b"/>
-          <a:lstStyle/>
-          <a:p>
-            <a:pPr>
-              <a:lnSpc>
-                <a:spcPct val="100000"/>
-              </a:lnSpc>
-            </a:pPr>
-            <a:r>
-              <a:rPr lang="de-DE" sz="2400" b="1" strike="noStrike" spc="-1">
-                <a:solidFill>
-                  <a:srgbClr val="2D2015"/>
-                </a:solidFill>
-                <a:uFill>
-                  <a:solidFill>
-                    <a:srgbClr val="FFFFFF"/>
-                  </a:solidFill>
-                </a:uFill>
-                <a:latin typeface="Arial"/>
-              </a:rPr>
-              <a:t>GUI</a:t>
-            </a:r>
-            <a:endParaRPr lang="de-DE" sz="1800" b="0" strike="noStrike" spc="-1">
-              <a:solidFill>
-                <a:srgbClr val="000000"/>
-              </a:solidFill>
-              <a:uFill>
-                <a:solidFill>
-                  <a:srgbClr val="FFFFFF"/>
-                </a:solidFill>
-              </a:uFill>
-              <a:latin typeface="Arial"/>
-            </a:endParaRPr>
-          </a:p>
-        </p:txBody>
-      </p:sp>
-      <p:sp>
-        <p:nvSpPr>
-          <p:cNvPr id="177" name="CustomShape 2"/>
-          <p:cNvSpPr/>
-          <p:nvPr/>
-        </p:nvSpPr>
-        <p:spPr>
-          <a:xfrm>
-            <a:off x="719280" y="1773360"/>
-            <a:ext cx="7705080" cy="4352040"/>
-          </a:xfrm>
-          <a:prstGeom prst="rect">
-            <a:avLst/>
-          </a:prstGeom>
-          <a:noFill/>
-          <a:ln>
-            <a:noFill/>
-          </a:ln>
-        </p:spPr>
-        <p:style>
-          <a:lnRef idx="0">
-            <a:scrgbClr r="0" g="0" b="0"/>
-          </a:lnRef>
-          <a:fillRef idx="0">
-            <a:scrgbClr r="0" g="0" b="0"/>
-          </a:fillRef>
-          <a:effectRef idx="0">
-            <a:scrgbClr r="0" g="0" b="0"/>
-          </a:effectRef>
-          <a:fontRef idx="minor"/>
-        </p:style>
-        <p:txBody>
-          <a:bodyPr lIns="0" tIns="0" rIns="0" bIns="0"/>
-          <a:lstStyle/>
-          <a:p>
-            <a:pPr>
-              <a:lnSpc>
-                <a:spcPct val="100000"/>
-              </a:lnSpc>
-            </a:pPr>
-            <a:r>
-              <a:rPr lang="de-DE" sz="2000" b="0" strike="noStrike" spc="-1" dirty="0" smtClean="0">
-                <a:solidFill>
-                  <a:srgbClr val="333333"/>
-                </a:solidFill>
-                <a:uFill>
-                  <a:solidFill>
-                    <a:srgbClr val="FFFFFF"/>
-                  </a:solidFill>
-                </a:uFill>
-                <a:latin typeface="Arial"/>
-              </a:rPr>
-              <a:t>Aufgaben:</a:t>
-            </a:r>
-            <a:endParaRPr lang="de-DE" sz="2000" b="0" strike="noStrike" spc="-1" dirty="0">
-              <a:solidFill>
-                <a:srgbClr val="000000"/>
-              </a:solidFill>
-              <a:uFill>
-                <a:solidFill>
-                  <a:srgbClr val="FFFFFF"/>
-                </a:solidFill>
-              </a:uFill>
-              <a:latin typeface="Arial"/>
-            </a:endParaRPr>
-          </a:p>
-          <a:p>
-            <a:pPr marL="181080" indent="-180360">
-              <a:lnSpc>
-                <a:spcPct val="100000"/>
-              </a:lnSpc>
-              <a:buClr>
-                <a:srgbClr val="333333"/>
-              </a:buClr>
-            </a:pPr>
-            <a:r>
-              <a:rPr lang="de-DE" sz="2000" spc="-1" dirty="0" smtClean="0">
-                <a:solidFill>
-                  <a:srgbClr val="333333"/>
-                </a:solidFill>
-                <a:uFill>
-                  <a:solidFill>
-                    <a:srgbClr val="FFFFFF"/>
-                  </a:solidFill>
-                </a:uFill>
-                <a:latin typeface="Arial"/>
-              </a:rPr>
-              <a:t>4. </a:t>
-            </a:r>
-            <a:r>
-              <a:rPr lang="de-DE" sz="2000" spc="-1" dirty="0" err="1" smtClean="0">
-                <a:solidFill>
-                  <a:srgbClr val="333333"/>
-                </a:solidFill>
-                <a:uFill>
-                  <a:solidFill>
-                    <a:srgbClr val="FFFFFF"/>
-                  </a:solidFill>
-                </a:uFill>
-                <a:latin typeface="Arial"/>
-              </a:rPr>
-              <a:t>M</a:t>
-            </a:r>
-            <a:r>
-              <a:rPr lang="de-DE" sz="2000" b="0" strike="noStrike" spc="-1" dirty="0" err="1" smtClean="0">
-                <a:solidFill>
-                  <a:srgbClr val="333333"/>
-                </a:solidFill>
-                <a:uFill>
-                  <a:solidFill>
-                    <a:srgbClr val="FFFFFF"/>
-                  </a:solidFill>
-                </a:uFill>
-                <a:latin typeface="Arial"/>
-              </a:rPr>
-              <a:t>aven</a:t>
-            </a:r>
-            <a:r>
-              <a:rPr lang="de-DE" sz="2000" b="0" strike="noStrike" spc="-1" dirty="0" smtClean="0">
-                <a:solidFill>
-                  <a:srgbClr val="333333"/>
-                </a:solidFill>
-                <a:uFill>
-                  <a:solidFill>
-                    <a:srgbClr val="FFFFFF"/>
-                  </a:solidFill>
-                </a:uFill>
-                <a:latin typeface="Arial"/>
-              </a:rPr>
-              <a:t>-Integration, automatische Tests und </a:t>
-            </a:r>
-            <a:r>
-              <a:rPr lang="de-DE" sz="2000" b="0" strike="noStrike" spc="-1" dirty="0" err="1" smtClean="0">
-                <a:solidFill>
-                  <a:srgbClr val="333333"/>
-                </a:solidFill>
-                <a:uFill>
-                  <a:solidFill>
-                    <a:srgbClr val="FFFFFF"/>
-                  </a:solidFill>
-                </a:uFill>
-                <a:latin typeface="Arial"/>
-              </a:rPr>
-              <a:t>Javadoc</a:t>
-            </a:r>
-            <a:endParaRPr lang="de-DE" sz="2000" b="0" strike="noStrike" spc="-1" dirty="0" smtClean="0">
-              <a:solidFill>
-                <a:srgbClr val="333333"/>
-              </a:solidFill>
-              <a:uFill>
-                <a:solidFill>
-                  <a:srgbClr val="FFFFFF"/>
-                </a:solidFill>
-              </a:uFill>
-              <a:latin typeface="Arial"/>
-            </a:endParaRPr>
-          </a:p>
-          <a:p>
-            <a:pPr marL="181080" indent="-180360">
-              <a:lnSpc>
-                <a:spcPct val="100000"/>
-              </a:lnSpc>
-              <a:buClr>
-                <a:srgbClr val="333333"/>
-              </a:buClr>
-              <a:buFont typeface="Arial" pitchFamily="34" charset="0"/>
-              <a:buChar char="•"/>
-            </a:pPr>
-            <a:r>
-              <a:rPr lang="de-DE" sz="2000" spc="-1" dirty="0" smtClean="0">
-                <a:solidFill>
-                  <a:srgbClr val="333333"/>
-                </a:solidFill>
-                <a:uFill>
-                  <a:solidFill>
-                    <a:srgbClr val="FFFFFF"/>
-                  </a:solidFill>
-                </a:uFill>
-                <a:latin typeface="Arial"/>
-              </a:rPr>
-              <a:t>Kompilieren des Projekts mit </a:t>
-            </a:r>
-            <a:r>
-              <a:rPr lang="de-DE" sz="2000" spc="-1" dirty="0" err="1" smtClean="0">
-                <a:solidFill>
-                  <a:srgbClr val="333333"/>
-                </a:solidFill>
-                <a:uFill>
-                  <a:solidFill>
-                    <a:srgbClr val="FFFFFF"/>
-                  </a:solidFill>
-                </a:uFill>
-                <a:latin typeface="Arial"/>
-              </a:rPr>
-              <a:t>Maven</a:t>
-            </a:r>
-            <a:r>
-              <a:rPr lang="de-DE" sz="2000" spc="-1" dirty="0">
-                <a:solidFill>
-                  <a:srgbClr val="000000"/>
-                </a:solidFill>
-                <a:uFill>
-                  <a:solidFill>
-                    <a:srgbClr val="FFFFFF"/>
-                  </a:solidFill>
-                </a:uFill>
-                <a:latin typeface="Arial"/>
-              </a:rPr>
-              <a:t> </a:t>
-            </a:r>
-            <a:r>
-              <a:rPr lang="de-DE" sz="2000" spc="-1" dirty="0" smtClean="0">
-                <a:solidFill>
-                  <a:srgbClr val="000000"/>
-                </a:solidFill>
-                <a:uFill>
-                  <a:solidFill>
-                    <a:srgbClr val="FFFFFF"/>
-                  </a:solidFill>
-                </a:uFill>
-                <a:latin typeface="Arial"/>
-              </a:rPr>
-              <a:t>lokal oder im </a:t>
-            </a:r>
-            <a:r>
-              <a:rPr lang="de-DE" sz="2000" spc="-1" dirty="0" err="1" smtClean="0">
-                <a:solidFill>
-                  <a:srgbClr val="000000"/>
-                </a:solidFill>
-                <a:uFill>
-                  <a:solidFill>
-                    <a:srgbClr val="FFFFFF"/>
-                  </a:solidFill>
-                </a:uFill>
-                <a:latin typeface="Arial"/>
-              </a:rPr>
-              <a:t>GitLab</a:t>
-            </a:r>
-            <a:endParaRPr lang="de-DE" sz="2000" spc="-1" dirty="0" smtClean="0">
-              <a:solidFill>
-                <a:srgbClr val="000000"/>
-              </a:solidFill>
-              <a:uFill>
-                <a:solidFill>
-                  <a:srgbClr val="FFFFFF"/>
-                </a:solidFill>
-              </a:uFill>
-              <a:latin typeface="Arial"/>
-            </a:endParaRPr>
-          </a:p>
-          <a:p>
-            <a:pPr marL="181080" indent="-180360">
-              <a:lnSpc>
-                <a:spcPct val="100000"/>
-              </a:lnSpc>
-              <a:buClr>
-                <a:srgbClr val="333333"/>
-              </a:buClr>
-              <a:buFont typeface="Arial" pitchFamily="34" charset="0"/>
-              <a:buChar char="•"/>
-            </a:pPr>
-            <a:r>
-              <a:rPr lang="de-DE" sz="2000" spc="-1" dirty="0" smtClean="0">
-                <a:solidFill>
-                  <a:srgbClr val="000000"/>
-                </a:solidFill>
-                <a:uFill>
-                  <a:solidFill>
-                    <a:srgbClr val="FFFFFF"/>
-                  </a:solidFill>
-                </a:uFill>
-                <a:latin typeface="Arial"/>
-              </a:rPr>
-              <a:t>Tests mit </a:t>
-            </a:r>
-            <a:r>
-              <a:rPr lang="de-DE" sz="2000" spc="-1" dirty="0" err="1" smtClean="0">
-                <a:solidFill>
-                  <a:srgbClr val="000000"/>
-                </a:solidFill>
-                <a:uFill>
-                  <a:solidFill>
-                    <a:srgbClr val="FFFFFF"/>
-                  </a:solidFill>
-                </a:uFill>
-                <a:latin typeface="Arial"/>
-              </a:rPr>
-              <a:t>Junit</a:t>
-            </a:r>
-            <a:endParaRPr lang="de-DE" sz="2000" spc="-1" dirty="0" smtClean="0">
-              <a:solidFill>
-                <a:srgbClr val="000000"/>
-              </a:solidFill>
-              <a:uFill>
-                <a:solidFill>
-                  <a:srgbClr val="FFFFFF"/>
-                </a:solidFill>
-              </a:uFill>
-              <a:latin typeface="Arial"/>
-            </a:endParaRPr>
-          </a:p>
-          <a:p>
-            <a:pPr marL="181080" indent="-180360">
-              <a:lnSpc>
-                <a:spcPct val="100000"/>
-              </a:lnSpc>
-              <a:buClr>
-                <a:srgbClr val="333333"/>
-              </a:buClr>
-              <a:buFont typeface="Arial" pitchFamily="34" charset="0"/>
-              <a:buChar char="•"/>
-            </a:pPr>
-            <a:r>
-              <a:rPr lang="de-DE" sz="2000" spc="-1" dirty="0" smtClean="0">
-                <a:solidFill>
-                  <a:srgbClr val="000000"/>
-                </a:solidFill>
-                <a:uFill>
-                  <a:solidFill>
-                    <a:srgbClr val="FFFFFF"/>
-                  </a:solidFill>
-                </a:uFill>
-                <a:latin typeface="Arial"/>
-              </a:rPr>
-              <a:t>Dokumentation des Projekts mit </a:t>
-            </a:r>
-            <a:r>
-              <a:rPr lang="de-DE" sz="2000" spc="-1" dirty="0" err="1" smtClean="0">
-                <a:solidFill>
-                  <a:srgbClr val="000000"/>
-                </a:solidFill>
-                <a:uFill>
-                  <a:solidFill>
-                    <a:srgbClr val="FFFFFF"/>
-                  </a:solidFill>
-                </a:uFill>
-                <a:latin typeface="Arial"/>
-              </a:rPr>
-              <a:t>Javadoc</a:t>
-            </a:r>
-            <a:endParaRPr lang="de-DE" sz="2000" spc="-1" dirty="0" smtClean="0">
-              <a:solidFill>
-                <a:srgbClr val="000000"/>
-              </a:solidFill>
-              <a:uFill>
-                <a:solidFill>
-                  <a:srgbClr val="FFFFFF"/>
-                </a:solidFill>
-              </a:uFill>
-              <a:latin typeface="Arial"/>
-            </a:endParaRPr>
-          </a:p>
-        </p:txBody>
-      </p:sp>
-    </p:spTree>
-  </p:cSld>
-  <p:clrMapOvr>
-    <a:masterClrMapping/>
-  </p:clrMapOvr>
-  <p:timing>
-    <p:tnLst>
-      <p:par>
-        <p:cTn id="1" dur="indefinite" restart="never" nodeType="tmRoot">
-          <p:childTnLst>
-            <p:seq>
-              <p:cTn id="2" nodeType="mainSeq"/>
-              <p:prevCondLst>
-                <p:cond evt="onPrev" delay="0">
-                  <p:tgtEl>
-                    <p:sldTgt/>
-                  </p:tgtEl>
-                </p:cond>
-              </p:prevCondLst>
-              <p:nextCondLst>
-                <p:cond evt="onNext" delay="0">
-                  <p:tgtEl>
-                    <p:sldTgt/>
-                  </p:tgtEl>
-                </p:cond>
-              </p:nextCondLst>
-            </p:seq>
-          </p:childTnLst>
-        </p:cTn>
-      </p:par>
-    </p:tnLst>
-  </p:timing>
-</p:sld>
-</file>
-
 <file path=ppt/slides/slide22.xml><?xml version="1.0" encoding="utf-8"?>
 <p:sld xmlns:a="http://schemas.openxmlformats.org/drawingml/2006/main" xmlns:r="http://schemas.openxmlformats.org/officeDocument/2006/relationships" xmlns:p="http://schemas.openxmlformats.org/presentationml/2006/main">
   <p:cSld>
@@ -11434,32 +11668,360 @@
           </a:p>
         </p:txBody>
       </p:sp>
-      <p:pic>
-        <p:nvPicPr>
-          <p:cNvPr id="1026" name="Picture 2" descr="G:\Philipp\Desktop\javadocPNG.PNG"/>
-          <p:cNvPicPr>
-            <a:picLocks noChangeAspect="1" noChangeArrowheads="1"/>
-          </p:cNvPicPr>
+      <p:sp>
+        <p:nvSpPr>
+          <p:cNvPr id="177" name="CustomShape 2"/>
+          <p:cNvSpPr/>
           <p:nvPr/>
-        </p:nvPicPr>
-        <p:blipFill>
-          <a:blip r:embed="rId2" cstate="print"/>
-          <a:srcRect/>
-          <a:stretch>
-            <a:fillRect/>
-          </a:stretch>
-        </p:blipFill>
-        <p:spPr bwMode="auto">
-          <a:xfrm>
-            <a:off x="683568" y="1628800"/>
-            <a:ext cx="8001416" cy="4784948"/>
+        </p:nvSpPr>
+        <p:spPr>
+          <a:xfrm>
+            <a:off x="719280" y="1773360"/>
+            <a:ext cx="7705080" cy="4352040"/>
           </a:xfrm>
           <a:prstGeom prst="rect">
             <a:avLst/>
           </a:prstGeom>
           <a:noFill/>
-        </p:spPr>
-      </p:pic>
+          <a:ln>
+            <a:noFill/>
+          </a:ln>
+        </p:spPr>
+        <p:style>
+          <a:lnRef idx="0">
+            <a:scrgbClr r="0" g="0" b="0"/>
+          </a:lnRef>
+          <a:fillRef idx="0">
+            <a:scrgbClr r="0" g="0" b="0"/>
+          </a:fillRef>
+          <a:effectRef idx="0">
+            <a:scrgbClr r="0" g="0" b="0"/>
+          </a:effectRef>
+          <a:fontRef idx="minor"/>
+        </p:style>
+        <p:txBody>
+          <a:bodyPr lIns="0" tIns="0" rIns="0" bIns="0"/>
+          <a:lstStyle/>
+          <a:p>
+            <a:pPr>
+              <a:lnSpc>
+                <a:spcPct val="100000"/>
+              </a:lnSpc>
+            </a:pPr>
+            <a:r>
+              <a:rPr lang="de-DE" sz="2000" b="0" strike="noStrike" spc="-1" dirty="0" smtClean="0">
+                <a:solidFill>
+                  <a:srgbClr val="333333"/>
+                </a:solidFill>
+                <a:uFill>
+                  <a:solidFill>
+                    <a:srgbClr val="FFFFFF"/>
+                  </a:solidFill>
+                </a:uFill>
+                <a:latin typeface="Arial"/>
+              </a:rPr>
+              <a:t>Aufgaben:</a:t>
+            </a:r>
+            <a:endParaRPr lang="de-DE" sz="2000" b="0" strike="noStrike" spc="-1" dirty="0">
+              <a:solidFill>
+                <a:srgbClr val="000000"/>
+              </a:solidFill>
+              <a:uFill>
+                <a:solidFill>
+                  <a:srgbClr val="FFFFFF"/>
+                </a:solidFill>
+              </a:uFill>
+              <a:latin typeface="Arial"/>
+            </a:endParaRPr>
+          </a:p>
+          <a:p>
+            <a:pPr marL="181080" indent="-180360">
+              <a:lnSpc>
+                <a:spcPct val="100000"/>
+              </a:lnSpc>
+              <a:buClr>
+                <a:srgbClr val="333333"/>
+              </a:buClr>
+            </a:pPr>
+            <a:r>
+              <a:rPr lang="de-DE" sz="2000" spc="-1" dirty="0" smtClean="0">
+                <a:solidFill>
+                  <a:srgbClr val="333333"/>
+                </a:solidFill>
+                <a:uFill>
+                  <a:solidFill>
+                    <a:srgbClr val="FFFFFF"/>
+                  </a:solidFill>
+                </a:uFill>
+                <a:latin typeface="Arial"/>
+              </a:rPr>
+              <a:t>4. </a:t>
+            </a:r>
+            <a:r>
+              <a:rPr lang="de-DE" sz="2000" spc="-1" dirty="0" err="1" smtClean="0">
+                <a:solidFill>
+                  <a:srgbClr val="333333"/>
+                </a:solidFill>
+                <a:uFill>
+                  <a:solidFill>
+                    <a:srgbClr val="FFFFFF"/>
+                  </a:solidFill>
+                </a:uFill>
+                <a:latin typeface="Arial"/>
+              </a:rPr>
+              <a:t>M</a:t>
+            </a:r>
+            <a:r>
+              <a:rPr lang="de-DE" sz="2000" b="0" strike="noStrike" spc="-1" dirty="0" err="1" smtClean="0">
+                <a:solidFill>
+                  <a:srgbClr val="333333"/>
+                </a:solidFill>
+                <a:uFill>
+                  <a:solidFill>
+                    <a:srgbClr val="FFFFFF"/>
+                  </a:solidFill>
+                </a:uFill>
+                <a:latin typeface="Arial"/>
+              </a:rPr>
+              <a:t>aven</a:t>
+            </a:r>
+            <a:r>
+              <a:rPr lang="de-DE" sz="2000" b="0" strike="noStrike" spc="-1" dirty="0" smtClean="0">
+                <a:solidFill>
+                  <a:srgbClr val="333333"/>
+                </a:solidFill>
+                <a:uFill>
+                  <a:solidFill>
+                    <a:srgbClr val="FFFFFF"/>
+                  </a:solidFill>
+                </a:uFill>
+                <a:latin typeface="Arial"/>
+              </a:rPr>
+              <a:t>-Integration, automatische Tests und </a:t>
+            </a:r>
+            <a:r>
+              <a:rPr lang="de-DE" sz="2000" b="0" strike="noStrike" spc="-1" dirty="0" err="1" smtClean="0">
+                <a:solidFill>
+                  <a:srgbClr val="333333"/>
+                </a:solidFill>
+                <a:uFill>
+                  <a:solidFill>
+                    <a:srgbClr val="FFFFFF"/>
+                  </a:solidFill>
+                </a:uFill>
+                <a:latin typeface="Arial"/>
+              </a:rPr>
+              <a:t>Javadoc</a:t>
+            </a:r>
+            <a:endParaRPr lang="de-DE" sz="2000" b="0" strike="noStrike" spc="-1" dirty="0" smtClean="0">
+              <a:solidFill>
+                <a:srgbClr val="333333"/>
+              </a:solidFill>
+              <a:uFill>
+                <a:solidFill>
+                  <a:srgbClr val="FFFFFF"/>
+                </a:solidFill>
+              </a:uFill>
+              <a:latin typeface="Arial"/>
+            </a:endParaRPr>
+          </a:p>
+          <a:p>
+            <a:pPr marL="181080" indent="-180360">
+              <a:lnSpc>
+                <a:spcPct val="100000"/>
+              </a:lnSpc>
+              <a:buClr>
+                <a:srgbClr val="333333"/>
+              </a:buClr>
+              <a:buFont typeface="Arial" pitchFamily="34" charset="0"/>
+              <a:buChar char="•"/>
+            </a:pPr>
+            <a:r>
+              <a:rPr lang="de-DE" sz="2000" spc="-1" dirty="0" smtClean="0">
+                <a:solidFill>
+                  <a:srgbClr val="333333"/>
+                </a:solidFill>
+                <a:uFill>
+                  <a:solidFill>
+                    <a:srgbClr val="FFFFFF"/>
+                  </a:solidFill>
+                </a:uFill>
+                <a:latin typeface="Arial"/>
+              </a:rPr>
+              <a:t>Kompilieren des Projekts mit </a:t>
+            </a:r>
+            <a:r>
+              <a:rPr lang="de-DE" sz="2000" spc="-1" dirty="0" err="1" smtClean="0">
+                <a:solidFill>
+                  <a:srgbClr val="333333"/>
+                </a:solidFill>
+                <a:uFill>
+                  <a:solidFill>
+                    <a:srgbClr val="FFFFFF"/>
+                  </a:solidFill>
+                </a:uFill>
+                <a:latin typeface="Arial"/>
+              </a:rPr>
+              <a:t>Maven</a:t>
+            </a:r>
+            <a:r>
+              <a:rPr lang="de-DE" sz="2000" spc="-1" dirty="0">
+                <a:solidFill>
+                  <a:srgbClr val="000000"/>
+                </a:solidFill>
+                <a:uFill>
+                  <a:solidFill>
+                    <a:srgbClr val="FFFFFF"/>
+                  </a:solidFill>
+                </a:uFill>
+                <a:latin typeface="Arial"/>
+              </a:rPr>
+              <a:t> </a:t>
+            </a:r>
+            <a:r>
+              <a:rPr lang="de-DE" sz="2000" spc="-1" dirty="0" smtClean="0">
+                <a:solidFill>
+                  <a:srgbClr val="000000"/>
+                </a:solidFill>
+                <a:uFill>
+                  <a:solidFill>
+                    <a:srgbClr val="FFFFFF"/>
+                  </a:solidFill>
+                </a:uFill>
+                <a:latin typeface="Arial"/>
+              </a:rPr>
+              <a:t>lokal oder im </a:t>
+            </a:r>
+            <a:r>
+              <a:rPr lang="de-DE" sz="2000" spc="-1" dirty="0" err="1" smtClean="0">
+                <a:solidFill>
+                  <a:srgbClr val="000000"/>
+                </a:solidFill>
+                <a:uFill>
+                  <a:solidFill>
+                    <a:srgbClr val="FFFFFF"/>
+                  </a:solidFill>
+                </a:uFill>
+                <a:latin typeface="Arial"/>
+              </a:rPr>
+              <a:t>GitLab</a:t>
+            </a:r>
+            <a:endParaRPr lang="de-DE" sz="2000" spc="-1" dirty="0" smtClean="0">
+              <a:solidFill>
+                <a:srgbClr val="000000"/>
+              </a:solidFill>
+              <a:uFill>
+                <a:solidFill>
+                  <a:srgbClr val="FFFFFF"/>
+                </a:solidFill>
+              </a:uFill>
+              <a:latin typeface="Arial"/>
+            </a:endParaRPr>
+          </a:p>
+          <a:p>
+            <a:pPr marL="181080" indent="-180360">
+              <a:lnSpc>
+                <a:spcPct val="100000"/>
+              </a:lnSpc>
+              <a:buClr>
+                <a:srgbClr val="333333"/>
+              </a:buClr>
+              <a:buFont typeface="Arial" pitchFamily="34" charset="0"/>
+              <a:buChar char="•"/>
+            </a:pPr>
+            <a:r>
+              <a:rPr lang="de-DE" sz="2000" spc="-1" dirty="0" smtClean="0">
+                <a:solidFill>
+                  <a:srgbClr val="000000"/>
+                </a:solidFill>
+                <a:uFill>
+                  <a:solidFill>
+                    <a:srgbClr val="FFFFFF"/>
+                  </a:solidFill>
+                </a:uFill>
+                <a:latin typeface="Arial"/>
+              </a:rPr>
+              <a:t>Tests mit </a:t>
+            </a:r>
+            <a:r>
+              <a:rPr lang="de-DE" sz="2000" spc="-1" dirty="0" err="1" smtClean="0">
+                <a:solidFill>
+                  <a:srgbClr val="000000"/>
+                </a:solidFill>
+                <a:uFill>
+                  <a:solidFill>
+                    <a:srgbClr val="FFFFFF"/>
+                  </a:solidFill>
+                </a:uFill>
+                <a:latin typeface="Arial"/>
+              </a:rPr>
+              <a:t>Junit</a:t>
+            </a:r>
+            <a:endParaRPr lang="de-DE" sz="2000" spc="-1" dirty="0" smtClean="0">
+              <a:solidFill>
+                <a:srgbClr val="000000"/>
+              </a:solidFill>
+              <a:uFill>
+                <a:solidFill>
+                  <a:srgbClr val="FFFFFF"/>
+                </a:solidFill>
+              </a:uFill>
+              <a:latin typeface="Arial"/>
+            </a:endParaRPr>
+          </a:p>
+          <a:p>
+            <a:pPr marL="181080" indent="-180360">
+              <a:lnSpc>
+                <a:spcPct val="100000"/>
+              </a:lnSpc>
+              <a:buClr>
+                <a:srgbClr val="333333"/>
+              </a:buClr>
+              <a:buFont typeface="Arial" pitchFamily="34" charset="0"/>
+              <a:buChar char="•"/>
+            </a:pPr>
+            <a:r>
+              <a:rPr lang="de-DE" sz="2000" spc="-1" dirty="0" smtClean="0">
+                <a:solidFill>
+                  <a:srgbClr val="000000"/>
+                </a:solidFill>
+                <a:uFill>
+                  <a:solidFill>
+                    <a:srgbClr val="FFFFFF"/>
+                  </a:solidFill>
+                </a:uFill>
+                <a:latin typeface="Arial"/>
+              </a:rPr>
+              <a:t>Dokumentation des Projekts mit </a:t>
+            </a:r>
+            <a:r>
+              <a:rPr lang="de-DE" sz="2000" spc="-1" dirty="0" err="1" smtClean="0">
+                <a:solidFill>
+                  <a:srgbClr val="000000"/>
+                </a:solidFill>
+                <a:uFill>
+                  <a:solidFill>
+                    <a:srgbClr val="FFFFFF"/>
+                  </a:solidFill>
+                </a:uFill>
+                <a:latin typeface="Arial"/>
+              </a:rPr>
+              <a:t>Javadoc</a:t>
+            </a:r>
+            <a:endParaRPr lang="de-DE" sz="2000" spc="-1" dirty="0" smtClean="0">
+              <a:solidFill>
+                <a:srgbClr val="000000"/>
+              </a:solidFill>
+              <a:uFill>
+                <a:solidFill>
+                  <a:srgbClr val="FFFFFF"/>
+                </a:solidFill>
+              </a:uFill>
+              <a:latin typeface="Arial"/>
+            </a:endParaRPr>
+          </a:p>
+        </p:txBody>
+      </p:sp>
     </p:spTree>
   </p:cSld>
   <p:clrMapOvr>
@@ -11514,7 +12076,7 @@
       </p:grpSpPr>
       <p:sp>
         <p:nvSpPr>
-          <p:cNvPr id="178" name="CustomShape 1"/>
+          <p:cNvPr id="174" name="CustomShape 1"/>
           <p:cNvSpPr/>
           <p:nvPr/>
         </p:nvSpPr>
@@ -11564,7 +12126,7 @@
                 </a:uFill>
                 <a:latin typeface="Arial"/>
               </a:rPr>
-              <a:t>Datenbanken	</a:t>
+              <a:t>GUI</a:t>
             </a:r>
             <a:endParaRPr lang="de-DE" sz="1800" b="0" strike="noStrike" spc="-1">
               <a:solidFill>
@@ -11582,71 +12144,28 @@
       </p:sp>
       <p:pic>
         <p:nvPicPr>
-          <p:cNvPr id="179" name="Bild 4"/>
-          <p:cNvPicPr/>
+          <p:cNvPr id="1026" name="Picture 2" descr="G:\Philipp\Desktop\javadocPNG.PNG"/>
+          <p:cNvPicPr>
+            <a:picLocks noChangeAspect="1" noChangeArrowheads="1"/>
+          </p:cNvPicPr>
           <p:nvPr/>
         </p:nvPicPr>
         <p:blipFill>
           <a:blip r:embed="rId2" cstate="print"/>
-          <a:stretch/>
+          <a:srcRect/>
+          <a:stretch>
+            <a:fillRect/>
+          </a:stretch>
         </p:blipFill>
-        <p:spPr>
-          <a:xfrm>
-            <a:off x="5192280" y="2133000"/>
-            <a:ext cx="2887560" cy="2928600"/>
-          </a:xfrm>
-          <a:prstGeom prst="rect">
-            <a:avLst/>
-          </a:prstGeom>
-          <a:ln>
-            <a:noFill/>
-          </a:ln>
-        </p:spPr>
-      </p:pic>
-      <p:pic>
-        <p:nvPicPr>
-          <p:cNvPr id="180" name="Bild 8"/>
-          <p:cNvPicPr/>
-          <p:nvPr/>
-        </p:nvPicPr>
-        <p:blipFill>
-          <a:blip r:embed="rId3" cstate="print"/>
-          <a:stretch/>
-        </p:blipFill>
-        <p:spPr>
-          <a:xfrm>
-            <a:off x="4612680" y="1202760"/>
-            <a:ext cx="1386360" cy="716760"/>
-          </a:xfrm>
-          <a:prstGeom prst="rect">
-            <a:avLst/>
-          </a:prstGeom>
-          <a:ln>
-            <a:noFill/>
-          </a:ln>
-        </p:spPr>
-      </p:pic>
-      <p:pic>
-        <p:nvPicPr>
-          <p:cNvPr id="181" name="Bild 9"/>
-          <p:cNvPicPr/>
-          <p:nvPr/>
-        </p:nvPicPr>
-        <p:blipFill>
-          <a:blip r:embed="rId4" cstate="print"/>
-          <a:stretch/>
-        </p:blipFill>
-        <p:spPr>
-          <a:xfrm>
-            <a:off x="7718760" y="5105520"/>
-            <a:ext cx="722520" cy="722520"/>
-          </a:xfrm>
-          <a:prstGeom prst="rect">
-            <a:avLst/>
-          </a:prstGeom>
-          <a:ln>
-            <a:noFill/>
-          </a:ln>
+        <p:spPr bwMode="auto">
+          <a:xfrm>
+            <a:off x="683568" y="1628800"/>
+            <a:ext cx="8001416" cy="4784948"/>
+          </a:xfrm>
+          <a:prstGeom prst="rect">
+            <a:avLst/>
+          </a:prstGeom>
+          <a:noFill/>
         </p:spPr>
       </p:pic>
     </p:spTree>
@@ -11703,7 +12222,7 @@
       </p:grpSpPr>
       <p:sp>
         <p:nvSpPr>
-          <p:cNvPr id="182" name="CustomShape 1"/>
+          <p:cNvPr id="178" name="CustomShape 1"/>
           <p:cNvSpPr/>
           <p:nvPr/>
         </p:nvSpPr>
@@ -11753,223 +12272,7 @@
                 </a:uFill>
                 <a:latin typeface="Arial"/>
               </a:rPr>
-              <a:t>Applikation</a:t>
-            </a:r>
-            <a:endParaRPr lang="de-DE" sz="1800" b="0" strike="noStrike" spc="-1">
-              <a:solidFill>
-                <a:srgbClr val="000000"/>
-              </a:solidFill>
-              <a:uFill>
-                <a:solidFill>
-                  <a:srgbClr val="FFFFFF"/>
-                </a:solidFill>
-              </a:uFill>
-              <a:latin typeface="Arial"/>
-            </a:endParaRPr>
-          </a:p>
-        </p:txBody>
-      </p:sp>
-      <p:sp>
-        <p:nvSpPr>
-          <p:cNvPr id="183" name="CustomShape 2"/>
-          <p:cNvSpPr/>
-          <p:nvPr/>
-        </p:nvSpPr>
-        <p:spPr>
-          <a:xfrm>
-            <a:off x="719280" y="1773360"/>
-            <a:ext cx="7705080" cy="4352040"/>
-          </a:xfrm>
-          <a:prstGeom prst="rect">
-            <a:avLst/>
-          </a:prstGeom>
-          <a:noFill/>
-          <a:ln>
-            <a:noFill/>
-          </a:ln>
-        </p:spPr>
-        <p:style>
-          <a:lnRef idx="0">
-            <a:scrgbClr r="0" g="0" b="0"/>
-          </a:lnRef>
-          <a:fillRef idx="0">
-            <a:scrgbClr r="0" g="0" b="0"/>
-          </a:fillRef>
-          <a:effectRef idx="0">
-            <a:scrgbClr r="0" g="0" b="0"/>
-          </a:effectRef>
-          <a:fontRef idx="minor"/>
-        </p:style>
-        <p:txBody>
-          <a:bodyPr lIns="0" tIns="0" rIns="0" bIns="0"/>
-          <a:lstStyle/>
-          <a:p>
-            <a:pPr>
-              <a:lnSpc>
-                <a:spcPct val="100000"/>
-              </a:lnSpc>
-            </a:pPr>
-            <a:r>
-              <a:rPr lang="de-DE" sz="2000" b="0" strike="noStrike" spc="-1">
-                <a:solidFill>
-                  <a:srgbClr val="333333"/>
-                </a:solidFill>
-                <a:uFill>
-                  <a:solidFill>
-                    <a:srgbClr val="FFFFFF"/>
-                  </a:solidFill>
-                </a:uFill>
-                <a:latin typeface="Arial"/>
-              </a:rPr>
-              <a:t>Funktionen:</a:t>
-            </a:r>
-            <a:endParaRPr lang="de-DE" sz="1800" b="0" strike="noStrike" spc="-1">
-              <a:solidFill>
-                <a:srgbClr val="000000"/>
-              </a:solidFill>
-              <a:uFill>
-                <a:solidFill>
-                  <a:srgbClr val="FFFFFF"/>
-                </a:solidFill>
-              </a:uFill>
-              <a:latin typeface="Arial"/>
-            </a:endParaRPr>
-          </a:p>
-          <a:p>
-            <a:pPr marL="181080" indent="-180360">
-              <a:lnSpc>
-                <a:spcPct val="100000"/>
-              </a:lnSpc>
-              <a:buClr>
-                <a:srgbClr val="333333"/>
-              </a:buClr>
-              <a:buFont typeface="Symbol"/>
-              <a:buChar char=""/>
-            </a:pPr>
-            <a:r>
-              <a:rPr lang="de-DE" sz="2000" b="0" strike="noStrike" spc="-1">
-                <a:solidFill>
-                  <a:srgbClr val="333333"/>
-                </a:solidFill>
-                <a:uFill>
-                  <a:solidFill>
-                    <a:srgbClr val="FFFFFF"/>
-                  </a:solidFill>
-                </a:uFill>
-                <a:latin typeface="Arial"/>
-              </a:rPr>
-              <a:t>Motor starten/stoppen</a:t>
-            </a:r>
-            <a:endParaRPr lang="de-DE" sz="1800" b="0" strike="noStrike" spc="-1">
-              <a:solidFill>
-                <a:srgbClr val="000000"/>
-              </a:solidFill>
-              <a:uFill>
-                <a:solidFill>
-                  <a:srgbClr val="FFFFFF"/>
-                </a:solidFill>
-              </a:uFill>
-              <a:latin typeface="Arial"/>
-            </a:endParaRPr>
-          </a:p>
-          <a:p>
-            <a:pPr marL="181080" indent="-180360">
-              <a:lnSpc>
-                <a:spcPct val="100000"/>
-              </a:lnSpc>
-              <a:buClr>
-                <a:srgbClr val="333333"/>
-              </a:buClr>
-              <a:buFont typeface="Symbol"/>
-              <a:buChar char=""/>
-            </a:pPr>
-            <a:r>
-              <a:rPr lang="de-DE" sz="2000" b="0" strike="noStrike" spc="-1">
-                <a:solidFill>
-                  <a:srgbClr val="333333"/>
-                </a:solidFill>
-                <a:uFill>
-                  <a:solidFill>
-                    <a:srgbClr val="FFFFFF"/>
-                  </a:solidFill>
-                </a:uFill>
-                <a:latin typeface="Arial"/>
-              </a:rPr>
-              <a:t>Rotortest</a:t>
-            </a:r>
-            <a:endParaRPr lang="de-DE" sz="1800" b="0" strike="noStrike" spc="-1">
-              <a:solidFill>
-                <a:srgbClr val="000000"/>
-              </a:solidFill>
-              <a:uFill>
-                <a:solidFill>
-                  <a:srgbClr val="FFFFFF"/>
-                </a:solidFill>
-              </a:uFill>
-              <a:latin typeface="Arial"/>
-            </a:endParaRPr>
-          </a:p>
-          <a:p>
-            <a:pPr marL="181080" indent="-180360">
-              <a:lnSpc>
-                <a:spcPct val="100000"/>
-              </a:lnSpc>
-              <a:buClr>
-                <a:srgbClr val="333333"/>
-              </a:buClr>
-              <a:buFont typeface="Symbol"/>
-              <a:buChar char=""/>
-            </a:pPr>
-            <a:r>
-              <a:rPr lang="de-DE" sz="2000" b="0" strike="noStrike" spc="-1">
-                <a:solidFill>
-                  <a:srgbClr val="333333"/>
-                </a:solidFill>
-                <a:uFill>
-                  <a:solidFill>
-                    <a:srgbClr val="FFFFFF"/>
-                  </a:solidFill>
-                </a:uFill>
-                <a:latin typeface="Arial"/>
-              </a:rPr>
-              <a:t>Einzelansteuerung der Rotoren</a:t>
-            </a:r>
-            <a:endParaRPr lang="de-DE" sz="1800" b="0" strike="noStrike" spc="-1">
-              <a:solidFill>
-                <a:srgbClr val="000000"/>
-              </a:solidFill>
-              <a:uFill>
-                <a:solidFill>
-                  <a:srgbClr val="FFFFFF"/>
-                </a:solidFill>
-              </a:uFill>
-              <a:latin typeface="Arial"/>
-            </a:endParaRPr>
-          </a:p>
-          <a:p>
-            <a:pPr marL="181080" indent="-180360">
-              <a:lnSpc>
-                <a:spcPct val="100000"/>
-              </a:lnSpc>
-              <a:buClr>
-                <a:srgbClr val="333333"/>
-              </a:buClr>
-              <a:buFont typeface="Symbol"/>
-              <a:buChar char=""/>
-            </a:pPr>
-            <a:r>
-              <a:rPr lang="de-DE" sz="2000" b="0" strike="noStrike" spc="-1">
-                <a:solidFill>
-                  <a:srgbClr val="333333"/>
-                </a:solidFill>
-                <a:uFill>
-                  <a:solidFill>
-                    <a:srgbClr val="FFFFFF"/>
-                  </a:solidFill>
-                </a:uFill>
-                <a:latin typeface="Arial"/>
-              </a:rPr>
-              <a:t>Demo</a:t>
+              <a:t>Datenbanken	</a:t>
             </a:r>
             <a:endParaRPr lang="de-DE" sz="1800" b="0" strike="noStrike" spc="-1">
               <a:solidFill>
@@ -11987,7 +12290,7 @@
       </p:sp>
       <p:pic>
         <p:nvPicPr>
-          <p:cNvPr id="184" name="Bild 3"/>
+          <p:cNvPr id="179" name="Bild 4"/>
           <p:cNvPicPr/>
           <p:nvPr/>
         </p:nvPicPr>
@@ -11997,8 +12300,8 @@
         </p:blipFill>
         <p:spPr>
           <a:xfrm>
-            <a:off x="6012000" y="1364760"/>
-            <a:ext cx="1945800" cy="3737520"/>
+            <a:off x="5192280" y="2133000"/>
+            <a:ext cx="2887560" cy="2928600"/>
           </a:xfrm>
           <a:prstGeom prst="rect">
             <a:avLst/>
@@ -12010,19 +12313,41 @@
       </p:pic>
       <p:pic>
         <p:nvPicPr>
-          <p:cNvPr id="185" name="Bild 4"/>
+          <p:cNvPr id="180" name="Bild 8"/>
           <p:cNvPicPr/>
           <p:nvPr/>
         </p:nvPicPr>
         <p:blipFill>
           <a:blip r:embed="rId3" cstate="print"/>
-          <a:srcRect l="10601" r="18819"/>
           <a:stretch/>
         </p:blipFill>
         <p:spPr>
           <a:xfrm>
-            <a:off x="2051640" y="4077000"/>
-            <a:ext cx="2159280" cy="1717200"/>
+            <a:off x="4612680" y="1202760"/>
+            <a:ext cx="1386360" cy="716760"/>
+          </a:xfrm>
+          <a:prstGeom prst="rect">
+            <a:avLst/>
+          </a:prstGeom>
+          <a:ln>
+            <a:noFill/>
+          </a:ln>
+        </p:spPr>
+      </p:pic>
+      <p:pic>
+        <p:nvPicPr>
+          <p:cNvPr id="181" name="Bild 9"/>
+          <p:cNvPicPr/>
+          <p:nvPr/>
+        </p:nvPicPr>
+        <p:blipFill>
+          <a:blip r:embed="rId4" cstate="print"/>
+          <a:stretch/>
+        </p:blipFill>
+        <p:spPr>
+          <a:xfrm>
+            <a:off x="7718760" y="5105520"/>
+            <a:ext cx="722520" cy="722520"/>
           </a:xfrm>
           <a:prstGeom prst="rect">
             <a:avLst/>
@@ -12086,13 +12411,13 @@
       </p:grpSpPr>
       <p:sp>
         <p:nvSpPr>
-          <p:cNvPr id="186" name="CustomShape 1"/>
+          <p:cNvPr id="182" name="CustomShape 1"/>
           <p:cNvSpPr/>
           <p:nvPr/>
         </p:nvSpPr>
         <p:spPr>
           <a:xfrm>
-            <a:off x="683640" y="3069000"/>
+            <a:off x="719280" y="1288080"/>
             <a:ext cx="7700400" cy="368640"/>
           </a:xfrm>
           <a:prstGeom prst="rect">
@@ -12119,7 +12444,7 @@
           <a:bodyPr lIns="0" tIns="0" rIns="0" bIns="0" anchor="b"/>
           <a:lstStyle/>
           <a:p>
-            <a:pPr algn="ctr">
+            <a:pPr>
               <a:lnSpc>
                 <a:spcPct val="100000"/>
               </a:lnSpc>
@@ -12136,7 +12461,7 @@
                 </a:uFill>
                 <a:latin typeface="Arial"/>
               </a:rPr>
-              <a:t>Fragen?</a:t>
+              <a:t>Applikation</a:t>
             </a:r>
             <a:endParaRPr lang="de-DE" sz="1800" b="0" strike="noStrike" spc="-1">
               <a:solidFill>
@@ -12152,6 +12477,269 @@
           </a:p>
         </p:txBody>
       </p:sp>
+      <p:sp>
+        <p:nvSpPr>
+          <p:cNvPr id="183" name="CustomShape 2"/>
+          <p:cNvSpPr/>
+          <p:nvPr/>
+        </p:nvSpPr>
+        <p:spPr>
+          <a:xfrm>
+            <a:off x="719280" y="1773360"/>
+            <a:ext cx="7705080" cy="4352040"/>
+          </a:xfrm>
+          <a:prstGeom prst="rect">
+            <a:avLst/>
+          </a:prstGeom>
+          <a:noFill/>
+          <a:ln>
+            <a:noFill/>
+          </a:ln>
+        </p:spPr>
+        <p:style>
+          <a:lnRef idx="0">
+            <a:scrgbClr r="0" g="0" b="0"/>
+          </a:lnRef>
+          <a:fillRef idx="0">
+            <a:scrgbClr r="0" g="0" b="0"/>
+          </a:fillRef>
+          <a:effectRef idx="0">
+            <a:scrgbClr r="0" g="0" b="0"/>
+          </a:effectRef>
+          <a:fontRef idx="minor"/>
+        </p:style>
+        <p:txBody>
+          <a:bodyPr lIns="0" tIns="0" rIns="0" bIns="0"/>
+          <a:lstStyle/>
+          <a:p>
+            <a:pPr>
+              <a:lnSpc>
+                <a:spcPct val="100000"/>
+              </a:lnSpc>
+            </a:pPr>
+            <a:r>
+              <a:rPr lang="de-DE" sz="2000" b="0" strike="noStrike" spc="-1">
+                <a:solidFill>
+                  <a:srgbClr val="333333"/>
+                </a:solidFill>
+                <a:uFill>
+                  <a:solidFill>
+                    <a:srgbClr val="FFFFFF"/>
+                  </a:solidFill>
+                </a:uFill>
+                <a:latin typeface="Arial"/>
+              </a:rPr>
+              <a:t>Funktionen:</a:t>
+            </a:r>
+            <a:endParaRPr lang="de-DE" sz="1800" b="0" strike="noStrike" spc="-1">
+              <a:solidFill>
+                <a:srgbClr val="000000"/>
+              </a:solidFill>
+              <a:uFill>
+                <a:solidFill>
+                  <a:srgbClr val="FFFFFF"/>
+                </a:solidFill>
+              </a:uFill>
+              <a:latin typeface="Arial"/>
+            </a:endParaRPr>
+          </a:p>
+          <a:p>
+            <a:pPr marL="181080" indent="-180360">
+              <a:lnSpc>
+                <a:spcPct val="100000"/>
+              </a:lnSpc>
+              <a:buClr>
+                <a:srgbClr val="333333"/>
+              </a:buClr>
+              <a:buFont typeface="Symbol"/>
+              <a:buChar char=""/>
+            </a:pPr>
+            <a:r>
+              <a:rPr lang="de-DE" sz="2000" b="0" strike="noStrike" spc="-1">
+                <a:solidFill>
+                  <a:srgbClr val="333333"/>
+                </a:solidFill>
+                <a:uFill>
+                  <a:solidFill>
+                    <a:srgbClr val="FFFFFF"/>
+                  </a:solidFill>
+                </a:uFill>
+                <a:latin typeface="Arial"/>
+              </a:rPr>
+              <a:t>Motor starten/stoppen</a:t>
+            </a:r>
+            <a:endParaRPr lang="de-DE" sz="1800" b="0" strike="noStrike" spc="-1">
+              <a:solidFill>
+                <a:srgbClr val="000000"/>
+              </a:solidFill>
+              <a:uFill>
+                <a:solidFill>
+                  <a:srgbClr val="FFFFFF"/>
+                </a:solidFill>
+              </a:uFill>
+              <a:latin typeface="Arial"/>
+            </a:endParaRPr>
+          </a:p>
+          <a:p>
+            <a:pPr marL="181080" indent="-180360">
+              <a:lnSpc>
+                <a:spcPct val="100000"/>
+              </a:lnSpc>
+              <a:buClr>
+                <a:srgbClr val="333333"/>
+              </a:buClr>
+              <a:buFont typeface="Symbol"/>
+              <a:buChar char=""/>
+            </a:pPr>
+            <a:r>
+              <a:rPr lang="de-DE" sz="2000" b="0" strike="noStrike" spc="-1">
+                <a:solidFill>
+                  <a:srgbClr val="333333"/>
+                </a:solidFill>
+                <a:uFill>
+                  <a:solidFill>
+                    <a:srgbClr val="FFFFFF"/>
+                  </a:solidFill>
+                </a:uFill>
+                <a:latin typeface="Arial"/>
+              </a:rPr>
+              <a:t>Rotortest</a:t>
+            </a:r>
+            <a:endParaRPr lang="de-DE" sz="1800" b="0" strike="noStrike" spc="-1">
+              <a:solidFill>
+                <a:srgbClr val="000000"/>
+              </a:solidFill>
+              <a:uFill>
+                <a:solidFill>
+                  <a:srgbClr val="FFFFFF"/>
+                </a:solidFill>
+              </a:uFill>
+              <a:latin typeface="Arial"/>
+            </a:endParaRPr>
+          </a:p>
+          <a:p>
+            <a:pPr marL="181080" indent="-180360">
+              <a:lnSpc>
+                <a:spcPct val="100000"/>
+              </a:lnSpc>
+              <a:buClr>
+                <a:srgbClr val="333333"/>
+              </a:buClr>
+              <a:buFont typeface="Symbol"/>
+              <a:buChar char=""/>
+            </a:pPr>
+            <a:r>
+              <a:rPr lang="de-DE" sz="2000" b="0" strike="noStrike" spc="-1">
+                <a:solidFill>
+                  <a:srgbClr val="333333"/>
+                </a:solidFill>
+                <a:uFill>
+                  <a:solidFill>
+                    <a:srgbClr val="FFFFFF"/>
+                  </a:solidFill>
+                </a:uFill>
+                <a:latin typeface="Arial"/>
+              </a:rPr>
+              <a:t>Einzelansteuerung der Rotoren</a:t>
+            </a:r>
+            <a:endParaRPr lang="de-DE" sz="1800" b="0" strike="noStrike" spc="-1">
+              <a:solidFill>
+                <a:srgbClr val="000000"/>
+              </a:solidFill>
+              <a:uFill>
+                <a:solidFill>
+                  <a:srgbClr val="FFFFFF"/>
+                </a:solidFill>
+              </a:uFill>
+              <a:latin typeface="Arial"/>
+            </a:endParaRPr>
+          </a:p>
+          <a:p>
+            <a:pPr marL="181080" indent="-180360">
+              <a:lnSpc>
+                <a:spcPct val="100000"/>
+              </a:lnSpc>
+              <a:buClr>
+                <a:srgbClr val="333333"/>
+              </a:buClr>
+              <a:buFont typeface="Symbol"/>
+              <a:buChar char=""/>
+            </a:pPr>
+            <a:r>
+              <a:rPr lang="de-DE" sz="2000" b="0" strike="noStrike" spc="-1">
+                <a:solidFill>
+                  <a:srgbClr val="333333"/>
+                </a:solidFill>
+                <a:uFill>
+                  <a:solidFill>
+                    <a:srgbClr val="FFFFFF"/>
+                  </a:solidFill>
+                </a:uFill>
+                <a:latin typeface="Arial"/>
+              </a:rPr>
+              <a:t>Demo</a:t>
+            </a:r>
+            <a:endParaRPr lang="de-DE" sz="1800" b="0" strike="noStrike" spc="-1">
+              <a:solidFill>
+                <a:srgbClr val="000000"/>
+              </a:solidFill>
+              <a:uFill>
+                <a:solidFill>
+                  <a:srgbClr val="FFFFFF"/>
+                </a:solidFill>
+              </a:uFill>
+              <a:latin typeface="Arial"/>
+            </a:endParaRPr>
+          </a:p>
+        </p:txBody>
+      </p:sp>
+      <p:pic>
+        <p:nvPicPr>
+          <p:cNvPr id="184" name="Bild 3"/>
+          <p:cNvPicPr/>
+          <p:nvPr/>
+        </p:nvPicPr>
+        <p:blipFill>
+          <a:blip r:embed="rId2" cstate="print"/>
+          <a:stretch/>
+        </p:blipFill>
+        <p:spPr>
+          <a:xfrm>
+            <a:off x="6012000" y="1364760"/>
+            <a:ext cx="1945800" cy="3737520"/>
+          </a:xfrm>
+          <a:prstGeom prst="rect">
+            <a:avLst/>
+          </a:prstGeom>
+          <a:ln>
+            <a:noFill/>
+          </a:ln>
+        </p:spPr>
+      </p:pic>
+      <p:pic>
+        <p:nvPicPr>
+          <p:cNvPr id="185" name="Bild 4"/>
+          <p:cNvPicPr/>
+          <p:nvPr/>
+        </p:nvPicPr>
+        <p:blipFill>
+          <a:blip r:embed="rId3" cstate="print"/>
+          <a:srcRect l="10601" r="18819"/>
+          <a:stretch/>
+        </p:blipFill>
+        <p:spPr>
+          <a:xfrm>
+            <a:off x="2051640" y="4077000"/>
+            <a:ext cx="2159280" cy="1717200"/>
+          </a:xfrm>
+          <a:prstGeom prst="rect">
+            <a:avLst/>
+          </a:prstGeom>
+          <a:ln>
+            <a:noFill/>
+          </a:ln>
+        </p:spPr>
+      </p:pic>
     </p:spTree>
   </p:cSld>
   <p:clrMapOvr>
@@ -12206,6 +12794,126 @@
       </p:grpSpPr>
       <p:sp>
         <p:nvSpPr>
+          <p:cNvPr id="186" name="CustomShape 1"/>
+          <p:cNvSpPr/>
+          <p:nvPr/>
+        </p:nvSpPr>
+        <p:spPr>
+          <a:xfrm>
+            <a:off x="683640" y="3069000"/>
+            <a:ext cx="7700400" cy="368640"/>
+          </a:xfrm>
+          <a:prstGeom prst="rect">
+            <a:avLst/>
+          </a:prstGeom>
+          <a:noFill/>
+          <a:ln>
+            <a:noFill/>
+          </a:ln>
+        </p:spPr>
+        <p:style>
+          <a:lnRef idx="0">
+            <a:scrgbClr r="0" g="0" b="0"/>
+          </a:lnRef>
+          <a:fillRef idx="0">
+            <a:scrgbClr r="0" g="0" b="0"/>
+          </a:fillRef>
+          <a:effectRef idx="0">
+            <a:scrgbClr r="0" g="0" b="0"/>
+          </a:effectRef>
+          <a:fontRef idx="minor"/>
+        </p:style>
+        <p:txBody>
+          <a:bodyPr lIns="0" tIns="0" rIns="0" bIns="0" anchor="b"/>
+          <a:lstStyle/>
+          <a:p>
+            <a:pPr algn="ctr">
+              <a:lnSpc>
+                <a:spcPct val="100000"/>
+              </a:lnSpc>
+            </a:pPr>
+            <a:r>
+              <a:rPr lang="de-DE" sz="2400" b="1" strike="noStrike" spc="-1">
+                <a:solidFill>
+                  <a:srgbClr val="2D2015"/>
+                </a:solidFill>
+                <a:uFill>
+                  <a:solidFill>
+                    <a:srgbClr val="FFFFFF"/>
+                  </a:solidFill>
+                </a:uFill>
+                <a:latin typeface="Arial"/>
+              </a:rPr>
+              <a:t>Fragen?</a:t>
+            </a:r>
+            <a:endParaRPr lang="de-DE" sz="1800" b="0" strike="noStrike" spc="-1">
+              <a:solidFill>
+                <a:srgbClr val="000000"/>
+              </a:solidFill>
+              <a:uFill>
+                <a:solidFill>
+                  <a:srgbClr val="FFFFFF"/>
+                </a:solidFill>
+              </a:uFill>
+              <a:latin typeface="Arial"/>
+            </a:endParaRPr>
+          </a:p>
+        </p:txBody>
+      </p:sp>
+    </p:spTree>
+  </p:cSld>
+  <p:clrMapOvr>
+    <a:masterClrMapping/>
+  </p:clrMapOvr>
+  <p:timing>
+    <p:tnLst>
+      <p:par>
+        <p:cTn id="1" dur="indefinite" restart="never" nodeType="tmRoot">
+          <p:childTnLst>
+            <p:seq>
+              <p:cTn id="2" nodeType="mainSeq"/>
+              <p:prevCondLst>
+                <p:cond evt="onPrev" delay="0">
+                  <p:tgtEl>
+                    <p:sldTgt/>
+                  </p:tgtEl>
+                </p:cond>
+              </p:prevCondLst>
+              <p:nextCondLst>
+                <p:cond evt="onNext" delay="0">
+                  <p:tgtEl>
+                    <p:sldTgt/>
+                  </p:tgtEl>
+                </p:cond>
+              </p:nextCondLst>
+            </p:seq>
+          </p:childTnLst>
+        </p:cTn>
+      </p:par>
+    </p:tnLst>
+  </p:timing>
+</p:sld>
+</file>
+
+<file path=ppt/slides/slide27.xml><?xml version="1.0" encoding="utf-8"?>
+<p:sld xmlns:a="http://schemas.openxmlformats.org/drawingml/2006/main" xmlns:r="http://schemas.openxmlformats.org/officeDocument/2006/relationships" xmlns:p="http://schemas.openxmlformats.org/presentationml/2006/main">
+  <p:cSld>
+    <p:spTree>
+      <p:nvGrpSpPr>
+        <p:cNvPr id="1" name=""/>
+        <p:cNvGrpSpPr/>
+        <p:nvPr/>
+      </p:nvGrpSpPr>
+      <p:grpSpPr>
+        <a:xfrm>
+          <a:off x="0" y="0"/>
+          <a:ext cx="0" cy="0"/>
+          <a:chOff x="0" y="0"/>
+          <a:chExt cx="0" cy="0"/>
+        </a:xfrm>
+      </p:grpSpPr>
+      <p:sp>
+        <p:nvSpPr>
           <p:cNvPr id="187" name="CustomShape 1"/>
           <p:cNvSpPr/>
           <p:nvPr/>
@@ -12376,7 +13084,7 @@
 </p:sld>
 </file>
 
-<file path=ppt/slides/slide27.xml><?xml version="1.0" encoding="utf-8"?>
+<file path=ppt/slides/slide28.xml><?xml version="1.0" encoding="utf-8"?>
 <p:sld xmlns:a="http://schemas.openxmlformats.org/drawingml/2006/main" xmlns:r="http://schemas.openxmlformats.org/officeDocument/2006/relationships" xmlns:p="http://schemas.openxmlformats.org/presentationml/2006/main">
   <p:cSld>
     <p:spTree>
@@ -14115,7 +14823,7 @@
               <a:buChar char=""/>
             </a:pPr>
             <a:r>
-              <a:rPr lang="de-DE" sz="2000" b="0" strike="noStrike" spc="-1">
+              <a:rPr lang="de-DE" sz="2000" b="0" strike="noStrike" spc="-1" dirty="0" smtClean="0">
                 <a:solidFill>
                   <a:srgbClr val="333333"/>
                 </a:solidFill>
@@ -14126,9 +14834,9 @@
                 </a:uFill>
                 <a:latin typeface="Arial"/>
               </a:rPr>
-              <a:t>Funktionsweise</a:t>
-            </a:r>
-            <a:endParaRPr lang="de-DE" sz="1800" b="0" strike="noStrike" spc="-1">
+              <a:t>Überblick</a:t>
+            </a:r>
+            <a:endParaRPr lang="de-DE" sz="1800" b="0" strike="noStrike" spc="-1" dirty="0">
               <a:solidFill>
                 <a:srgbClr val="000000"/>
               </a:solidFill>
@@ -14146,7 +14854,7 @@
                 <a:spcPct val="100000"/>
               </a:lnSpc>
             </a:pPr>
-            <a:endParaRPr lang="de-DE" sz="1800" b="0" strike="noStrike" spc="-1">
+            <a:endParaRPr lang="de-DE" sz="1800" b="0" strike="noStrike" spc="-1" dirty="0">
               <a:solidFill>
                 <a:srgbClr val="000000"/>
               </a:solidFill>
@@ -14164,7 +14872,7 @@
                 <a:spcPct val="100000"/>
               </a:lnSpc>
             </a:pPr>
-            <a:endParaRPr lang="de-DE" sz="1800" b="0" strike="noStrike" spc="-1">
+            <a:endParaRPr lang="de-DE" sz="1800" b="0" strike="noStrike" spc="-1" dirty="0">
               <a:solidFill>
                 <a:srgbClr val="000000"/>
               </a:solidFill>
@@ -14810,7 +15518,7 @@
               <a:buChar char=""/>
             </a:pPr>
             <a:r>
-              <a:rPr lang="de-DE" sz="2000" b="0" strike="noStrike" spc="-1">
+              <a:rPr lang="de-DE" sz="2000" b="0" strike="noStrike" spc="-1" dirty="0">
                 <a:solidFill>
                   <a:srgbClr val="333333"/>
                 </a:solidFill>
@@ -14823,7 +15531,7 @@
               </a:rPr>
               <a:t>Sensoren(UDP)</a:t>
             </a:r>
-            <a:endParaRPr lang="de-DE" sz="1800" b="0" strike="noStrike" spc="-1">
+            <a:endParaRPr lang="de-DE" sz="1800" b="0" strike="noStrike" spc="-1" dirty="0">
               <a:solidFill>
                 <a:srgbClr val="000000"/>
               </a:solidFill>
@@ -14848,7 +15556,7 @@
               <a:buChar char="-"/>
             </a:pPr>
             <a:r>
-              <a:rPr lang="de-DE" sz="2000" b="0" strike="noStrike" spc="-1">
+              <a:rPr lang="de-DE" sz="2000" b="0" strike="noStrike" spc="-1" dirty="0" smtClean="0">
                 <a:solidFill>
                   <a:srgbClr val="333333"/>
                 </a:solidFill>
@@ -14859,9 +15567,37 @@
                 </a:uFill>
                 <a:latin typeface="Arial"/>
               </a:rPr>
-              <a:t>ACC_X,Y,Z</a:t>
-            </a:r>
-            <a:endParaRPr lang="de-DE" sz="1800" b="0" strike="noStrike" spc="-1">
+              <a:t>ACC_X,Y,Z(</a:t>
+            </a:r>
+            <a:r>
+              <a:rPr lang="de-DE" sz="2000" b="0" strike="noStrike" spc="-1" dirty="0" err="1" smtClean="0">
+                <a:solidFill>
+                  <a:srgbClr val="333333"/>
+                </a:solidFill>
+                <a:uFill>
+                  <a:solidFill>
+                    <a:srgbClr val="FFFFFF"/>
+                  </a:solidFill>
+                </a:uFill>
+                <a:latin typeface="Arial"/>
+              </a:rPr>
+              <a:t>AccX</a:t>
+            </a:r>
+            <a:r>
+              <a:rPr lang="de-DE" sz="2000" b="0" strike="noStrike" spc="-1" dirty="0" smtClean="0">
+                <a:solidFill>
+                  <a:srgbClr val="333333"/>
+                </a:solidFill>
+                <a:uFill>
+                  <a:solidFill>
+                    <a:srgbClr val="FFFFFF"/>
+                  </a:solidFill>
+                </a:uFill>
+                <a:latin typeface="Arial"/>
+              </a:rPr>
+              <a:t>/Y/Z)</a:t>
+            </a:r>
+            <a:endParaRPr lang="de-DE" sz="1800" b="0" strike="noStrike" spc="-1" dirty="0">
               <a:solidFill>
                 <a:srgbClr val="000000"/>
               </a:solidFill>
@@ -14886,7 +15622,7 @@
               <a:buChar char="-"/>
             </a:pPr>
             <a:r>
-              <a:rPr lang="de-DE" sz="2000" b="0" strike="noStrike" spc="-1">
+              <a:rPr lang="de-DE" sz="2000" b="0" strike="noStrike" spc="-1" dirty="0" smtClean="0">
                 <a:solidFill>
                   <a:srgbClr val="333333"/>
                 </a:solidFill>
@@ -14897,9 +15633,37 @@
                 </a:uFill>
                 <a:latin typeface="Arial"/>
               </a:rPr>
-              <a:t>MAG_X,Y,Z</a:t>
-            </a:r>
-            <a:endParaRPr lang="de-DE" sz="1800" b="0" strike="noStrike" spc="-1">
+              <a:t>MAG_X,Y,Z(</a:t>
+            </a:r>
+            <a:r>
+              <a:rPr lang="de-DE" sz="2000" b="0" strike="noStrike" spc="-1" dirty="0" err="1" smtClean="0">
+                <a:solidFill>
+                  <a:srgbClr val="333333"/>
+                </a:solidFill>
+                <a:uFill>
+                  <a:solidFill>
+                    <a:srgbClr val="FFFFFF"/>
+                  </a:solidFill>
+                </a:uFill>
+                <a:latin typeface="Arial"/>
+              </a:rPr>
+              <a:t>MagX</a:t>
+            </a:r>
+            <a:r>
+              <a:rPr lang="de-DE" sz="2000" b="0" strike="noStrike" spc="-1" dirty="0" smtClean="0">
+                <a:solidFill>
+                  <a:srgbClr val="333333"/>
+                </a:solidFill>
+                <a:uFill>
+                  <a:solidFill>
+                    <a:srgbClr val="FFFFFF"/>
+                  </a:solidFill>
+                </a:uFill>
+                <a:latin typeface="Arial"/>
+              </a:rPr>
+              <a:t>/Y/Z)</a:t>
+            </a:r>
+            <a:endParaRPr lang="de-DE" sz="1800" b="0" strike="noStrike" spc="-1" dirty="0">
               <a:solidFill>
                 <a:srgbClr val="000000"/>
               </a:solidFill>
@@ -14924,7 +15688,7 @@
               <a:buChar char="-"/>
             </a:pPr>
             <a:r>
-              <a:rPr lang="de-DE" sz="2000" b="0" strike="noStrike" spc="-1">
+              <a:rPr lang="de-DE" sz="2000" b="0" strike="noStrike" spc="-1" dirty="0" smtClean="0">
                 <a:solidFill>
                   <a:srgbClr val="333333"/>
                 </a:solidFill>
@@ -14935,9 +15699,37 @@
                 </a:uFill>
                 <a:latin typeface="Arial"/>
               </a:rPr>
-              <a:t>G_ROLL,PITCH,YAW</a:t>
-            </a:r>
-            <a:endParaRPr lang="de-DE" sz="1800" b="0" strike="noStrike" spc="-1">
+              <a:t>G_ROLL,PITCH,YAW(</a:t>
+            </a:r>
+            <a:r>
+              <a:rPr lang="de-DE" sz="2000" b="0" strike="noStrike" spc="-1" dirty="0" err="1" smtClean="0">
+                <a:solidFill>
+                  <a:srgbClr val="333333"/>
+                </a:solidFill>
+                <a:uFill>
+                  <a:solidFill>
+                    <a:srgbClr val="FFFFFF"/>
+                  </a:solidFill>
+                </a:uFill>
+                <a:latin typeface="Arial"/>
+              </a:rPr>
+              <a:t>GyrR</a:t>
+            </a:r>
+            <a:r>
+              <a:rPr lang="de-DE" sz="2000" b="0" strike="noStrike" spc="-1" dirty="0" smtClean="0">
+                <a:solidFill>
+                  <a:srgbClr val="333333"/>
+                </a:solidFill>
+                <a:uFill>
+                  <a:solidFill>
+                    <a:srgbClr val="FFFFFF"/>
+                  </a:solidFill>
+                </a:uFill>
+                <a:latin typeface="Arial"/>
+              </a:rPr>
+              <a:t>/P/Y)</a:t>
+            </a:r>
+            <a:endParaRPr lang="de-DE" sz="1800" b="0" strike="noStrike" spc="-1" dirty="0">
               <a:solidFill>
                 <a:srgbClr val="000000"/>
               </a:solidFill>
@@ -14962,7 +15754,7 @@
               <a:buChar char="-"/>
             </a:pPr>
             <a:r>
-              <a:rPr lang="de-DE" sz="2000" b="0" strike="noStrike" spc="-1">
+              <a:rPr lang="de-DE" sz="2000" b="0" strike="noStrike" spc="-1" dirty="0" smtClean="0">
                 <a:solidFill>
                   <a:srgbClr val="333333"/>
                 </a:solidFill>
@@ -14973,9 +15765,37 @@
                 </a:uFill>
                 <a:latin typeface="Arial"/>
               </a:rPr>
-              <a:t>TEMP</a:t>
-            </a:r>
-            <a:endParaRPr lang="de-DE" sz="1800" b="0" strike="noStrike" spc="-1">
+              <a:t>TEMP(</a:t>
+            </a:r>
+            <a:r>
+              <a:rPr lang="de-DE" sz="2000" b="0" strike="noStrike" spc="-1" dirty="0" err="1" smtClean="0">
+                <a:solidFill>
+                  <a:srgbClr val="333333"/>
+                </a:solidFill>
+                <a:uFill>
+                  <a:solidFill>
+                    <a:srgbClr val="FFFFFF"/>
+                  </a:solidFill>
+                </a:uFill>
+                <a:latin typeface="Arial"/>
+              </a:rPr>
+              <a:t>Temp</a:t>
+            </a:r>
+            <a:r>
+              <a:rPr lang="de-DE" sz="2000" b="0" strike="noStrike" spc="-1" dirty="0" smtClean="0">
+                <a:solidFill>
+                  <a:srgbClr val="333333"/>
+                </a:solidFill>
+                <a:uFill>
+                  <a:solidFill>
+                    <a:srgbClr val="FFFFFF"/>
+                  </a:solidFill>
+                </a:uFill>
+                <a:latin typeface="Arial"/>
+              </a:rPr>
+              <a:t>)</a:t>
+            </a:r>
+            <a:endParaRPr lang="de-DE" sz="1800" b="0" strike="noStrike" spc="-1" dirty="0">
               <a:solidFill>
                 <a:srgbClr val="000000"/>
               </a:solidFill>
@@ -15000,7 +15820,7 @@
               <a:buChar char="-"/>
             </a:pPr>
             <a:r>
-              <a:rPr lang="de-DE" sz="2000" b="0" strike="noStrike" spc="-1">
+              <a:rPr lang="de-DE" sz="2000" b="0" strike="noStrike" spc="-1" dirty="0" smtClean="0">
                 <a:solidFill>
                   <a:srgbClr val="333333"/>
                 </a:solidFill>
@@ -15011,9 +15831,37 @@
                 </a:uFill>
                 <a:latin typeface="Arial"/>
               </a:rPr>
-              <a:t>PRESS</a:t>
-            </a:r>
-            <a:endParaRPr lang="de-DE" sz="1800" b="0" strike="noStrike" spc="-1">
+              <a:t>PRESS(</a:t>
+            </a:r>
+            <a:r>
+              <a:rPr lang="de-DE" sz="2000" b="0" strike="noStrike" spc="-1" dirty="0" err="1" smtClean="0">
+                <a:solidFill>
+                  <a:srgbClr val="333333"/>
+                </a:solidFill>
+                <a:uFill>
+                  <a:solidFill>
+                    <a:srgbClr val="FFFFFF"/>
+                  </a:solidFill>
+                </a:uFill>
+                <a:latin typeface="Arial"/>
+              </a:rPr>
+              <a:t>Pres</a:t>
+            </a:r>
+            <a:r>
+              <a:rPr lang="de-DE" sz="2000" spc="-1" dirty="0">
+                <a:solidFill>
+                  <a:srgbClr val="333333"/>
+                </a:solidFill>
+                <a:uFill>
+                  <a:solidFill>
+                    <a:srgbClr val="FFFFFF"/>
+                  </a:solidFill>
+                </a:uFill>
+                <a:latin typeface="Arial"/>
+              </a:rPr>
+              <a:t>)</a:t>
+            </a:r>
+            <a:endParaRPr lang="de-DE" sz="1800" b="0" strike="noStrike" spc="-1" dirty="0">
               <a:solidFill>
                 <a:srgbClr val="000000"/>
               </a:solidFill>
@@ -15038,7 +15886,7 @@
               <a:buChar char="-"/>
             </a:pPr>
             <a:r>
-              <a:rPr lang="de-DE" sz="2000" b="0" strike="noStrike" spc="-1">
+              <a:rPr lang="de-DE" sz="2000" b="0" strike="noStrike" spc="-1" dirty="0">
                 <a:solidFill>
                   <a:srgbClr val="333333"/>
                 </a:solidFill>
@@ -15049,9 +15897,23 @@
                 </a:uFill>
                 <a:latin typeface="Arial"/>
               </a:rPr>
-              <a:t>M1, M2, M3</a:t>
-            </a:r>
-            <a:endParaRPr lang="de-DE" sz="1800" b="0" strike="noStrike" spc="-1">
+              <a:t>M1, M2, </a:t>
+            </a:r>
+            <a:r>
+              <a:rPr lang="de-DE" sz="2000" b="0" strike="noStrike" spc="-1" dirty="0" smtClean="0">
+                <a:solidFill>
+                  <a:srgbClr val="333333"/>
+                </a:solidFill>
+                <a:uFill>
+                  <a:solidFill>
+                    <a:srgbClr val="FFFFFF"/>
+                  </a:solidFill>
+                </a:uFill>
+                <a:latin typeface="Arial"/>
+              </a:rPr>
+              <a:t>M3,M4(Mot1/2/3/4)</a:t>
+            </a:r>
+            <a:endParaRPr lang="de-DE" sz="1800" b="0" strike="noStrike" spc="-1" dirty="0">
               <a:solidFill>
                 <a:srgbClr val="000000"/>
               </a:solidFill>
@@ -15076,7 +15938,7 @@
               <a:buChar char="-"/>
             </a:pPr>
             <a:r>
-              <a:rPr lang="de-DE" sz="2000" b="0" strike="noStrike" spc="-1">
+              <a:rPr lang="de-DE" sz="2000" b="0" strike="noStrike" spc="-1" dirty="0" err="1" smtClean="0">
                 <a:solidFill>
                   <a:srgbClr val="333333"/>
                 </a:solidFill>
@@ -15089,7 +15951,49 @@
               </a:rPr>
               <a:t>Timestamp</a:t>
             </a:r>
-            <a:endParaRPr lang="de-DE" sz="1800" b="0" strike="noStrike" spc="-1">
+            <a:r>
+              <a:rPr lang="de-DE" sz="2000" b="0" strike="noStrike" spc="-1" dirty="0" smtClean="0">
+                <a:solidFill>
+                  <a:srgbClr val="333333"/>
+                </a:solidFill>
+                <a:uFill>
+                  <a:solidFill>
+                    <a:srgbClr val="FFFFFF"/>
+                  </a:solidFill>
+                </a:uFill>
+                <a:latin typeface="Arial"/>
+              </a:rPr>
+              <a:t>(</a:t>
+            </a:r>
+            <a:r>
+              <a:rPr lang="de-DE" sz="2000" b="0" strike="noStrike" spc="-1" dirty="0" err="1" smtClean="0">
+                <a:solidFill>
+                  <a:srgbClr val="333333"/>
+                </a:solidFill>
+                <a:uFill>
+                  <a:solidFill>
+                    <a:srgbClr val="FFFFFF"/>
+                  </a:solidFill>
+                </a:uFill>
+                <a:latin typeface="Arial"/>
+              </a:rPr>
+              <a:t>TimS</a:t>
+            </a:r>
+            <a:r>
+              <a:rPr lang="de-DE" sz="2000" b="0" strike="noStrike" spc="-1" dirty="0" smtClean="0">
+                <a:solidFill>
+                  <a:srgbClr val="333333"/>
+                </a:solidFill>
+                <a:uFill>
+                  <a:solidFill>
+                    <a:srgbClr val="FFFFFF"/>
+                  </a:solidFill>
+                </a:uFill>
+                <a:latin typeface="Arial"/>
+              </a:rPr>
+              <a:t>/M)</a:t>
+            </a:r>
+            <a:endParaRPr lang="de-DE" sz="1800" b="0" strike="noStrike" spc="-1" dirty="0">
               <a:solidFill>
                 <a:srgbClr val="000000"/>
               </a:solidFill>
@@ -15107,7 +16011,7 @@
                 <a:spcPct val="100000"/>
               </a:lnSpc>
             </a:pPr>
-            <a:endParaRPr lang="de-DE" sz="1800" b="0" strike="noStrike" spc="-1">
+            <a:endParaRPr lang="de-DE" sz="1800" b="0" strike="noStrike" spc="-1" dirty="0">
               <a:solidFill>
                 <a:srgbClr val="000000"/>
               </a:solidFill>
@@ -15125,7 +16029,7 @@
                 <a:spcPct val="100000"/>
               </a:lnSpc>
             </a:pPr>
-            <a:endParaRPr lang="de-DE" sz="1800" b="0" strike="noStrike" spc="-1">
+            <a:endParaRPr lang="de-DE" sz="1800" b="0" strike="noStrike" spc="-1" dirty="0">
               <a:solidFill>
                 <a:srgbClr val="000000"/>
               </a:solidFill>
@@ -15143,7 +16047,7 @@
                 <a:spcPct val="100000"/>
               </a:lnSpc>
             </a:pPr>
-            <a:endParaRPr lang="de-DE" sz="1800" b="0" strike="noStrike" spc="-1">
+            <a:endParaRPr lang="de-DE" sz="1800" b="0" strike="noStrike" spc="-1" dirty="0">
               <a:solidFill>
                 <a:srgbClr val="000000"/>
               </a:solidFill>
@@ -15323,7 +16227,7 @@
               <a:buChar char=""/>
             </a:pPr>
             <a:r>
-              <a:rPr lang="de-DE" sz="2000" b="0" strike="noStrike" spc="-1">
+              <a:rPr lang="de-DE" sz="2000" b="0" strike="noStrike" spc="-1" dirty="0">
                 <a:solidFill>
                   <a:srgbClr val="333333"/>
                 </a:solidFill>
@@ -15336,7 +16240,7 @@
               </a:rPr>
               <a:t>Probleme</a:t>
             </a:r>
-            <a:endParaRPr lang="de-DE" sz="1800" b="0" strike="noStrike" spc="-1">
+            <a:endParaRPr lang="de-DE" sz="1800" b="0" strike="noStrike" spc="-1" dirty="0">
               <a:solidFill>
                 <a:srgbClr val="000000"/>
               </a:solidFill>
@@ -15361,7 +16265,7 @@
               <a:buChar char="-"/>
             </a:pPr>
             <a:r>
-              <a:rPr lang="de-DE" sz="2000" b="0" strike="noStrike" spc="-1">
+              <a:rPr lang="de-DE" sz="2000" b="0" strike="noStrike" spc="-1" dirty="0">
                 <a:solidFill>
                   <a:srgbClr val="333333"/>
                 </a:solidFill>
@@ -15374,7 +16278,7 @@
               </a:rPr>
               <a:t>Sensordatenanzeige/ doppelte Sendung/ Falsche Größe</a:t>
             </a:r>
-            <a:endParaRPr lang="de-DE" sz="1800" b="0" strike="noStrike" spc="-1">
+            <a:endParaRPr lang="de-DE" sz="1800" b="0" strike="noStrike" spc="-1" dirty="0">
               <a:solidFill>
                 <a:srgbClr val="000000"/>
               </a:solidFill>
@@ -15392,7 +16296,7 @@
                 <a:spcPct val="100000"/>
               </a:lnSpc>
             </a:pPr>
-            <a:endParaRPr lang="de-DE" sz="1800" b="0" strike="noStrike" spc="-1">
+            <a:endParaRPr lang="de-DE" sz="1800" b="0" strike="noStrike" spc="-1" dirty="0">
               <a:solidFill>
                 <a:srgbClr val="000000"/>
               </a:solidFill>
@@ -15416,7 +16320,7 @@
               <a:buChar char=""/>
             </a:pPr>
             <a:r>
-              <a:rPr lang="de-DE" sz="2000" b="0" strike="noStrike" spc="-1">
+              <a:rPr lang="de-DE" sz="2000" b="0" strike="noStrike" spc="-1" smtClean="0">
                 <a:solidFill>
                   <a:srgbClr val="333333"/>
                 </a:solidFill>
@@ -15427,9 +16331,9 @@
                 </a:uFill>
                 <a:latin typeface="Arial"/>
               </a:rPr>
-              <a:t>Lösungen</a:t>
-            </a:r>
-            <a:endParaRPr lang="de-DE" sz="1800" b="0" strike="noStrike" spc="-1">
+              <a:t>Lösung</a:t>
+            </a:r>
+            <a:endParaRPr lang="de-DE" sz="1800" b="0" strike="noStrike" spc="-1" dirty="0">
               <a:solidFill>
                 <a:srgbClr val="000000"/>
               </a:solidFill>
@@ -15454,7 +16358,7 @@
               <a:buChar char="-"/>
             </a:pPr>
             <a:r>
-              <a:rPr lang="de-DE" sz="2000" b="0" strike="noStrike" spc="-1">
+              <a:rPr lang="de-DE" sz="2000" b="0" strike="noStrike" spc="-1" dirty="0" smtClean="0">
                 <a:solidFill>
                   <a:srgbClr val="333333"/>
                 </a:solidFill>
@@ -15465,9 +16369,9 @@
                 </a:uFill>
                 <a:latin typeface="Arial"/>
               </a:rPr>
-              <a:t>Codecleaning, richtige Größenübergabe via SPRINTF</a:t>
-            </a:r>
-            <a:endParaRPr lang="de-DE" sz="1800" b="0" strike="noStrike" spc="-1">
+              <a:t>SPRINTF</a:t>
+            </a:r>
+            <a:endParaRPr lang="de-DE" sz="1800" b="0" strike="noStrike" spc="-1" dirty="0">
               <a:solidFill>
                 <a:srgbClr val="000000"/>
               </a:solidFill>
@@ -15485,7 +16389,7 @@
                 <a:spcPct val="100000"/>
               </a:lnSpc>
             </a:pPr>
-            <a:endParaRPr lang="de-DE" sz="1800" b="0" strike="noStrike" spc="-1">
+            <a:endParaRPr lang="de-DE" sz="1800" b="0" strike="noStrike" spc="-1" dirty="0">
               <a:solidFill>
                 <a:srgbClr val="000000"/>
               </a:solidFill>
@@ -15503,7 +16407,7 @@
                 <a:spcPct val="100000"/>
               </a:lnSpc>
             </a:pPr>
-            <a:endParaRPr lang="de-DE" sz="1800" b="0" strike="noStrike" spc="-1">
+            <a:endParaRPr lang="de-DE" sz="1800" b="0" strike="noStrike" spc="-1" dirty="0">
               <a:solidFill>
                 <a:srgbClr val="000000"/>
               </a:solidFill>
@@ -15517,6 +16421,36 @@
           </a:p>
         </p:txBody>
       </p:sp>
+      <p:pic>
+        <p:nvPicPr>
+          <p:cNvPr id="2" name="Grafik 1"/>
+          <p:cNvPicPr>
+            <a:picLocks noChangeAspect="1"/>
+          </p:cNvPicPr>
+          <p:nvPr/>
+        </p:nvPicPr>
+        <p:blipFill>
+          <a:blip r:embed="rId2">
+            <a:extLst>
+              <a:ext uri="{28A0092B-C50C-407E-A947-70E740481C1C}">
+                <a14:useLocalDpi xmlns:a14="http://schemas.microsoft.com/office/drawing/2010/main" val="0"/>
+              </a:ext>
+            </a:extLst>
+          </a:blip>
+          <a:stretch>
+            <a:fillRect/>
+          </a:stretch>
+        </p:blipFill>
+        <p:spPr>
+          <a:xfrm>
+            <a:off x="107504" y="3645024"/>
+            <a:ext cx="8964488" cy="894585"/>
+          </a:xfrm>
+          <a:prstGeom prst="rect">
+            <a:avLst/>
+          </a:prstGeom>
+        </p:spPr>
+      </p:pic>
     </p:spTree>
   </p:cSld>
   <p:clrMapOvr>
@@ -15683,7 +16617,7 @@
               <a:buChar char=""/>
             </a:pPr>
             <a:r>
-              <a:rPr lang="de-DE" sz="2000" b="0" strike="noStrike" spc="-1">
+              <a:rPr lang="de-DE" sz="2000" b="0" strike="noStrike" spc="-1" dirty="0">
                 <a:solidFill>
                   <a:srgbClr val="333333"/>
                 </a:solidFill>
@@ -15696,7 +16630,7 @@
               </a:rPr>
               <a:t>Kommunikation mit der APP</a:t>
             </a:r>
-            <a:endParaRPr lang="de-DE" sz="1800" b="0" strike="noStrike" spc="-1">
+            <a:endParaRPr lang="de-DE" sz="1800" b="0" strike="noStrike" spc="-1" dirty="0">
               <a:solidFill>
                 <a:srgbClr val="000000"/>
               </a:solidFill>
@@ -15721,7 +16655,7 @@
               <a:buChar char="-"/>
             </a:pPr>
             <a:r>
-              <a:rPr lang="de-DE" sz="2000" b="0" strike="noStrike" spc="-1">
+              <a:rPr lang="de-DE" sz="2000" b="0" strike="noStrike" spc="-1" dirty="0">
                 <a:solidFill>
                   <a:srgbClr val="333333"/>
                 </a:solidFill>
@@ -15734,7 +16668,7 @@
               </a:rPr>
               <a:t>Festlegung eines Protokolls (inkl. Funktionalitäten)</a:t>
             </a:r>
-            <a:endParaRPr lang="de-DE" sz="1800" b="0" strike="noStrike" spc="-1">
+            <a:endParaRPr lang="de-DE" sz="1800" b="0" strike="noStrike" spc="-1" dirty="0">
               <a:solidFill>
                 <a:srgbClr val="000000"/>
               </a:solidFill>
@@ -15759,7 +16693,7 @@
               <a:buChar char="-"/>
             </a:pPr>
             <a:r>
-              <a:rPr lang="de-DE" sz="2000" b="0" strike="noStrike" spc="-1">
+              <a:rPr lang="de-DE" sz="2000" b="0" strike="noStrike" spc="-1" dirty="0">
                 <a:solidFill>
                   <a:srgbClr val="333333"/>
                 </a:solidFill>
@@ -15772,7 +16706,7 @@
               </a:rPr>
               <a:t>Funktionalitäten(On, Off, Motortest, Demo, Einzelansteuerung)</a:t>
             </a:r>
-            <a:endParaRPr lang="de-DE" sz="1800" b="0" strike="noStrike" spc="-1">
+            <a:endParaRPr lang="de-DE" sz="1800" b="0" strike="noStrike" spc="-1" dirty="0">
               <a:solidFill>
                 <a:srgbClr val="000000"/>
               </a:solidFill>
@@ -15797,7 +16731,7 @@
               <a:buChar char="-"/>
             </a:pPr>
             <a:r>
-              <a:rPr lang="de-DE" sz="2000" b="0" strike="noStrike" spc="-1">
+              <a:rPr lang="de-DE" sz="2000" b="0" strike="noStrike" spc="-1" dirty="0">
                 <a:solidFill>
                   <a:srgbClr val="333333"/>
                 </a:solidFill>
@@ -15808,9 +16742,51 @@
                 </a:uFill>
                 <a:latin typeface="Arial"/>
               </a:rPr>
-              <a:t>App versendet Char mit Länge 29</a:t>
-            </a:r>
-            <a:endParaRPr lang="de-DE" sz="1800" b="0" strike="noStrike" spc="-1">
+              <a:t>App versendet </a:t>
+            </a:r>
+            <a:r>
+              <a:rPr lang="de-DE" sz="2000" b="0" strike="noStrike" spc="-1" dirty="0" err="1">
+                <a:solidFill>
+                  <a:srgbClr val="333333"/>
+                </a:solidFill>
+                <a:uFill>
+                  <a:solidFill>
+                    <a:srgbClr val="FFFFFF"/>
+                  </a:solidFill>
+                </a:uFill>
+                <a:latin typeface="Arial"/>
+              </a:rPr>
+              <a:t>Char</a:t>
+            </a:r>
+            <a:r>
+              <a:rPr lang="de-DE" sz="2000" b="0" strike="noStrike" spc="-1" dirty="0">
+                <a:solidFill>
+                  <a:srgbClr val="333333"/>
+                </a:solidFill>
+                <a:uFill>
+                  <a:solidFill>
+                    <a:srgbClr val="FFFFFF"/>
+                  </a:solidFill>
+                </a:uFill>
+                <a:latin typeface="Arial"/>
+              </a:rPr>
+              <a:t> mit Länge </a:t>
+            </a:r>
+            <a:r>
+              <a:rPr lang="de-DE" sz="2000" b="0" strike="noStrike" spc="-1" dirty="0" smtClean="0">
+                <a:solidFill>
+                  <a:srgbClr val="333333"/>
+                </a:solidFill>
+                <a:uFill>
+                  <a:solidFill>
+                    <a:srgbClr val="FFFFFF"/>
+                  </a:solidFill>
+                </a:uFill>
+                <a:latin typeface="Arial"/>
+              </a:rPr>
+              <a:t>30</a:t>
+            </a:r>
+            <a:endParaRPr lang="de-DE" sz="1800" b="0" strike="noStrike" spc="-1" dirty="0">
               <a:solidFill>
                 <a:srgbClr val="000000"/>
               </a:solidFill>
@@ -15828,7 +16804,7 @@
                 <a:spcPct val="100000"/>
               </a:lnSpc>
             </a:pPr>
-            <a:endParaRPr lang="de-DE" sz="1800" b="0" strike="noStrike" spc="-1">
+            <a:endParaRPr lang="de-DE" sz="1800" b="0" strike="noStrike" spc="-1" dirty="0">
               <a:solidFill>
                 <a:srgbClr val="000000"/>
               </a:solidFill>
